--- a/module_03/pres.pptx
+++ b/module_03/pres.pptx
@@ -5,7 +5,7 @@
     <p:sldMasterId id="2147483648" r:id="rId1"/>
   </p:sldMasterIdLst>
   <p:notesMasterIdLst>
-    <p:notesMasterId r:id="rId19"/>
+    <p:notesMasterId r:id="rId16"/>
   </p:notesMasterIdLst>
   <p:sldIdLst>
     <p:sldId id="256" r:id="rId2"/>
@@ -15,16 +15,13 @@
     <p:sldId id="260" r:id="rId6"/>
     <p:sldId id="268" r:id="rId7"/>
     <p:sldId id="261" r:id="rId8"/>
-    <p:sldId id="262" r:id="rId9"/>
-    <p:sldId id="270" r:id="rId10"/>
-    <p:sldId id="272" r:id="rId11"/>
-    <p:sldId id="263" r:id="rId12"/>
-    <p:sldId id="264" r:id="rId13"/>
-    <p:sldId id="265" r:id="rId14"/>
-    <p:sldId id="271" r:id="rId15"/>
-    <p:sldId id="273" r:id="rId16"/>
-    <p:sldId id="269" r:id="rId17"/>
-    <p:sldId id="266" r:id="rId18"/>
+    <p:sldId id="275" r:id="rId9"/>
+    <p:sldId id="262" r:id="rId10"/>
+    <p:sldId id="278" r:id="rId11"/>
+    <p:sldId id="277" r:id="rId12"/>
+    <p:sldId id="270" r:id="rId13"/>
+    <p:sldId id="269" r:id="rId14"/>
+    <p:sldId id="266" r:id="rId15"/>
   </p:sldIdLst>
   <p:sldSz cx="12192000" cy="6858000"/>
   <p:notesSz cx="6858000" cy="9144000"/>
@@ -925,19 +922,19 @@
   </pc:docChgLst>
   <pc:docChgLst>
     <pc:chgData name="Мария Савинова" userId="e24eaf7e9b1ed84c" providerId="LiveId" clId="{82BEC481-F629-41F1-95E7-D263E5810322}"/>
-    <pc:docChg chg="modSld">
-      <pc:chgData name="Мария Савинова" userId="e24eaf7e9b1ed84c" providerId="LiveId" clId="{82BEC481-F629-41F1-95E7-D263E5810322}" dt="2024-09-25T15:35:49.852" v="4" actId="20577"/>
+    <pc:docChg chg="undo custSel addSld delSld modSld">
+      <pc:chgData name="Мария Савинова" userId="e24eaf7e9b1ed84c" providerId="LiveId" clId="{82BEC481-F629-41F1-95E7-D263E5810322}" dt="2024-10-01T08:21:59.027" v="1215" actId="207"/>
       <pc:docMkLst>
         <pc:docMk/>
       </pc:docMkLst>
       <pc:sldChg chg="modSp mod">
-        <pc:chgData name="Мария Савинова" userId="e24eaf7e9b1ed84c" providerId="LiveId" clId="{82BEC481-F629-41F1-95E7-D263E5810322}" dt="2024-09-25T15:35:49.852" v="4" actId="20577"/>
+        <pc:chgData name="Мария Савинова" userId="e24eaf7e9b1ed84c" providerId="LiveId" clId="{82BEC481-F629-41F1-95E7-D263E5810322}" dt="2024-09-30T20:22:24.585" v="6" actId="27636"/>
         <pc:sldMkLst>
           <pc:docMk/>
           <pc:sldMk cId="967994007" sldId="256"/>
         </pc:sldMkLst>
         <pc:spChg chg="mod">
-          <ac:chgData name="Мария Савинова" userId="e24eaf7e9b1ed84c" providerId="LiveId" clId="{82BEC481-F629-41F1-95E7-D263E5810322}" dt="2024-09-25T15:35:44.260" v="3" actId="20577"/>
+          <ac:chgData name="Мария Савинова" userId="e24eaf7e9b1ed84c" providerId="LiveId" clId="{82BEC481-F629-41F1-95E7-D263E5810322}" dt="2024-09-30T20:22:24.585" v="6" actId="27636"/>
           <ac:spMkLst>
             <pc:docMk/>
             <pc:sldMk cId="967994007" sldId="256"/>
@@ -950,6 +947,421 @@
             <pc:docMk/>
             <pc:sldMk cId="967994007" sldId="256"/>
             <ac:spMk id="7" creationId="{00000000-0000-0000-0000-000000000000}"/>
+          </ac:spMkLst>
+        </pc:spChg>
+      </pc:sldChg>
+      <pc:sldChg chg="modSp mod">
+        <pc:chgData name="Мария Савинова" userId="e24eaf7e9b1ed84c" providerId="LiveId" clId="{82BEC481-F629-41F1-95E7-D263E5810322}" dt="2024-09-30T20:27:15.879" v="132" actId="20577"/>
+        <pc:sldMkLst>
+          <pc:docMk/>
+          <pc:sldMk cId="4014811966" sldId="257"/>
+        </pc:sldMkLst>
+        <pc:spChg chg="mod">
+          <ac:chgData name="Мария Савинова" userId="e24eaf7e9b1ed84c" providerId="LiveId" clId="{82BEC481-F629-41F1-95E7-D263E5810322}" dt="2024-09-30T20:27:15.879" v="132" actId="20577"/>
+          <ac:spMkLst>
+            <pc:docMk/>
+            <pc:sldMk cId="4014811966" sldId="257"/>
+            <ac:spMk id="3" creationId="{00000000-0000-0000-0000-000000000000}"/>
+          </ac:spMkLst>
+        </pc:spChg>
+      </pc:sldChg>
+      <pc:sldChg chg="delSp modSp mod">
+        <pc:chgData name="Мария Савинова" userId="e24eaf7e9b1ed84c" providerId="LiveId" clId="{82BEC481-F629-41F1-95E7-D263E5810322}" dt="2024-09-30T20:49:28.878" v="166"/>
+        <pc:sldMkLst>
+          <pc:docMk/>
+          <pc:sldMk cId="742912908" sldId="258"/>
+        </pc:sldMkLst>
+        <pc:spChg chg="mod">
+          <ac:chgData name="Мария Савинова" userId="e24eaf7e9b1ed84c" providerId="LiveId" clId="{82BEC481-F629-41F1-95E7-D263E5810322}" dt="2024-09-30T20:48:21.598" v="144" actId="20577"/>
+          <ac:spMkLst>
+            <pc:docMk/>
+            <pc:sldMk cId="742912908" sldId="258"/>
+            <ac:spMk id="2" creationId="{00000000-0000-0000-0000-000000000000}"/>
+          </ac:spMkLst>
+        </pc:spChg>
+        <pc:spChg chg="mod">
+          <ac:chgData name="Мария Савинова" userId="e24eaf7e9b1ed84c" providerId="LiveId" clId="{82BEC481-F629-41F1-95E7-D263E5810322}" dt="2024-09-30T20:49:28.878" v="166"/>
+          <ac:spMkLst>
+            <pc:docMk/>
+            <pc:sldMk cId="742912908" sldId="258"/>
+            <ac:spMk id="3" creationId="{00000000-0000-0000-0000-000000000000}"/>
+          </ac:spMkLst>
+        </pc:spChg>
+        <pc:spChg chg="del mod">
+          <ac:chgData name="Мария Савинова" userId="e24eaf7e9b1ed84c" providerId="LiveId" clId="{82BEC481-F629-41F1-95E7-D263E5810322}" dt="2024-09-30T20:48:50.748" v="150" actId="478"/>
+          <ac:spMkLst>
+            <pc:docMk/>
+            <pc:sldMk cId="742912908" sldId="258"/>
+            <ac:spMk id="8" creationId="{143DF86B-0F1D-4327-BA47-4BA88D0280EF}"/>
+          </ac:spMkLst>
+        </pc:spChg>
+        <pc:spChg chg="del">
+          <ac:chgData name="Мария Савинова" userId="e24eaf7e9b1ed84c" providerId="LiveId" clId="{82BEC481-F629-41F1-95E7-D263E5810322}" dt="2024-09-30T20:48:45.587" v="146" actId="478"/>
+          <ac:spMkLst>
+            <pc:docMk/>
+            <pc:sldMk cId="742912908" sldId="258"/>
+            <ac:spMk id="9" creationId="{8FAC235C-B49B-40FD-A71D-CEF085AC2F61}"/>
+          </ac:spMkLst>
+        </pc:spChg>
+      </pc:sldChg>
+      <pc:sldChg chg="addSp delSp modSp mod">
+        <pc:chgData name="Мария Савинова" userId="e24eaf7e9b1ed84c" providerId="LiveId" clId="{82BEC481-F629-41F1-95E7-D263E5810322}" dt="2024-09-30T21:16:54.150" v="568" actId="207"/>
+        <pc:sldMkLst>
+          <pc:docMk/>
+          <pc:sldMk cId="2839600060" sldId="259"/>
+        </pc:sldMkLst>
+        <pc:spChg chg="del">
+          <ac:chgData name="Мария Савинова" userId="e24eaf7e9b1ed84c" providerId="LiveId" clId="{82BEC481-F629-41F1-95E7-D263E5810322}" dt="2024-09-30T20:49:55.925" v="167" actId="478"/>
+          <ac:spMkLst>
+            <pc:docMk/>
+            <pc:sldMk cId="2839600060" sldId="259"/>
+            <ac:spMk id="2" creationId="{00000000-0000-0000-0000-000000000000}"/>
+          </ac:spMkLst>
+        </pc:spChg>
+        <pc:spChg chg="mod">
+          <ac:chgData name="Мария Савинова" userId="e24eaf7e9b1ed84c" providerId="LiveId" clId="{82BEC481-F629-41F1-95E7-D263E5810322}" dt="2024-09-30T21:16:54.150" v="568" actId="207"/>
+          <ac:spMkLst>
+            <pc:docMk/>
+            <pc:sldMk cId="2839600060" sldId="259"/>
+            <ac:spMk id="3" creationId="{00000000-0000-0000-0000-000000000000}"/>
+          </ac:spMkLst>
+        </pc:spChg>
+        <pc:spChg chg="add del mod">
+          <ac:chgData name="Мария Савинова" userId="e24eaf7e9b1ed84c" providerId="LiveId" clId="{82BEC481-F629-41F1-95E7-D263E5810322}" dt="2024-09-30T20:49:58.553" v="168" actId="478"/>
+          <ac:spMkLst>
+            <pc:docMk/>
+            <pc:sldMk cId="2839600060" sldId="259"/>
+            <ac:spMk id="8" creationId="{1A8B546D-116D-4E49-87C4-F015DC94B872}"/>
+          </ac:spMkLst>
+        </pc:spChg>
+        <pc:spChg chg="add mod">
+          <ac:chgData name="Мария Савинова" userId="e24eaf7e9b1ed84c" providerId="LiveId" clId="{82BEC481-F629-41F1-95E7-D263E5810322}" dt="2024-09-30T20:50:24.246" v="197" actId="255"/>
+          <ac:spMkLst>
+            <pc:docMk/>
+            <pc:sldMk cId="2839600060" sldId="259"/>
+            <ac:spMk id="9" creationId="{51BCBF61-FCB3-4D40-A556-5F4855C3AE1A}"/>
+          </ac:spMkLst>
+        </pc:spChg>
+      </pc:sldChg>
+      <pc:sldChg chg="modSp mod">
+        <pc:chgData name="Мария Савинова" userId="e24eaf7e9b1ed84c" providerId="LiveId" clId="{82BEC481-F629-41F1-95E7-D263E5810322}" dt="2024-09-30T21:16:48.631" v="567" actId="207"/>
+        <pc:sldMkLst>
+          <pc:docMk/>
+          <pc:sldMk cId="1758739892" sldId="260"/>
+        </pc:sldMkLst>
+        <pc:spChg chg="mod">
+          <ac:chgData name="Мария Савинова" userId="e24eaf7e9b1ed84c" providerId="LiveId" clId="{82BEC481-F629-41F1-95E7-D263E5810322}" dt="2024-09-30T20:58:37.695" v="350" actId="255"/>
+          <ac:spMkLst>
+            <pc:docMk/>
+            <pc:sldMk cId="1758739892" sldId="260"/>
+            <ac:spMk id="2" creationId="{00000000-0000-0000-0000-000000000000}"/>
+          </ac:spMkLst>
+        </pc:spChg>
+        <pc:spChg chg="mod">
+          <ac:chgData name="Мария Савинова" userId="e24eaf7e9b1ed84c" providerId="LiveId" clId="{82BEC481-F629-41F1-95E7-D263E5810322}" dt="2024-09-30T21:16:48.631" v="567" actId="207"/>
+          <ac:spMkLst>
+            <pc:docMk/>
+            <pc:sldMk cId="1758739892" sldId="260"/>
+            <ac:spMk id="3" creationId="{00000000-0000-0000-0000-000000000000}"/>
+          </ac:spMkLst>
+        </pc:spChg>
+      </pc:sldChg>
+      <pc:sldChg chg="addSp delSp modSp mod">
+        <pc:chgData name="Мария Савинова" userId="e24eaf7e9b1ed84c" providerId="LiveId" clId="{82BEC481-F629-41F1-95E7-D263E5810322}" dt="2024-09-30T21:50:50.430" v="1097" actId="207"/>
+        <pc:sldMkLst>
+          <pc:docMk/>
+          <pc:sldMk cId="600860783" sldId="261"/>
+        </pc:sldMkLst>
+        <pc:spChg chg="mod">
+          <ac:chgData name="Мария Савинова" userId="e24eaf7e9b1ed84c" providerId="LiveId" clId="{82BEC481-F629-41F1-95E7-D263E5810322}" dt="2024-09-30T21:19:26.588" v="637" actId="255"/>
+          <ac:spMkLst>
+            <pc:docMk/>
+            <pc:sldMk cId="600860783" sldId="261"/>
+            <ac:spMk id="2" creationId="{00000000-0000-0000-0000-000000000000}"/>
+          </ac:spMkLst>
+        </pc:spChg>
+        <pc:spChg chg="add del mod">
+          <ac:chgData name="Мария Савинова" userId="e24eaf7e9b1ed84c" providerId="LiveId" clId="{82BEC481-F629-41F1-95E7-D263E5810322}" dt="2024-09-30T21:50:50.430" v="1097" actId="207"/>
+          <ac:spMkLst>
+            <pc:docMk/>
+            <pc:sldMk cId="600860783" sldId="261"/>
+            <ac:spMk id="3" creationId="{00000000-0000-0000-0000-000000000000}"/>
+          </ac:spMkLst>
+        </pc:spChg>
+        <pc:spChg chg="add del mod">
+          <ac:chgData name="Мария Савинова" userId="e24eaf7e9b1ed84c" providerId="LiveId" clId="{82BEC481-F629-41F1-95E7-D263E5810322}" dt="2024-09-30T21:48:39.762" v="1058" actId="22"/>
+          <ac:spMkLst>
+            <pc:docMk/>
+            <pc:sldMk cId="600860783" sldId="261"/>
+            <ac:spMk id="10" creationId="{B13FCCE0-7192-4530-8DF3-EFC2F04EBF10}"/>
+          </ac:spMkLst>
+        </pc:spChg>
+        <pc:graphicFrameChg chg="add del mod">
+          <ac:chgData name="Мария Савинова" userId="e24eaf7e9b1ed84c" providerId="LiveId" clId="{82BEC481-F629-41F1-95E7-D263E5810322}" dt="2024-09-30T21:48:40.367" v="1059" actId="12084"/>
+          <ac:graphicFrameMkLst>
+            <pc:docMk/>
+            <pc:sldMk cId="600860783" sldId="261"/>
+            <ac:graphicFrameMk id="6" creationId="{8E501619-0913-4D1B-BC93-F6F5214062A3}"/>
+          </ac:graphicFrameMkLst>
+        </pc:graphicFrameChg>
+        <pc:picChg chg="del">
+          <ac:chgData name="Мария Савинова" userId="e24eaf7e9b1ed84c" providerId="LiveId" clId="{82BEC481-F629-41F1-95E7-D263E5810322}" dt="2024-09-30T21:19:16.070" v="627" actId="478"/>
+          <ac:picMkLst>
+            <pc:docMk/>
+            <pc:sldMk cId="600860783" sldId="261"/>
+            <ac:picMk id="12" creationId="{3C7851B5-3554-480E-BE26-3BB8F8EB47A8}"/>
+          </ac:picMkLst>
+        </pc:picChg>
+      </pc:sldChg>
+      <pc:sldChg chg="modSp mod">
+        <pc:chgData name="Мария Савинова" userId="e24eaf7e9b1ed84c" providerId="LiveId" clId="{82BEC481-F629-41F1-95E7-D263E5810322}" dt="2024-09-30T21:38:13.760" v="927" actId="207"/>
+        <pc:sldMkLst>
+          <pc:docMk/>
+          <pc:sldMk cId="2293707358" sldId="262"/>
+        </pc:sldMkLst>
+        <pc:spChg chg="mod">
+          <ac:chgData name="Мария Савинова" userId="e24eaf7e9b1ed84c" providerId="LiveId" clId="{82BEC481-F629-41F1-95E7-D263E5810322}" dt="2024-09-30T21:22:53.898" v="649"/>
+          <ac:spMkLst>
+            <pc:docMk/>
+            <pc:sldMk cId="2293707358" sldId="262"/>
+            <ac:spMk id="2" creationId="{00000000-0000-0000-0000-000000000000}"/>
+          </ac:spMkLst>
+        </pc:spChg>
+        <pc:spChg chg="mod">
+          <ac:chgData name="Мария Савинова" userId="e24eaf7e9b1ed84c" providerId="LiveId" clId="{82BEC481-F629-41F1-95E7-D263E5810322}" dt="2024-09-30T21:38:13.760" v="927" actId="207"/>
+          <ac:spMkLst>
+            <pc:docMk/>
+            <pc:sldMk cId="2293707358" sldId="262"/>
+            <ac:spMk id="3" creationId="{00000000-0000-0000-0000-000000000000}"/>
+          </ac:spMkLst>
+        </pc:spChg>
+      </pc:sldChg>
+      <pc:sldChg chg="del">
+        <pc:chgData name="Мария Савинова" userId="e24eaf7e9b1ed84c" providerId="LiveId" clId="{82BEC481-F629-41F1-95E7-D263E5810322}" dt="2024-09-30T21:40:37.238" v="936" actId="47"/>
+        <pc:sldMkLst>
+          <pc:docMk/>
+          <pc:sldMk cId="3632604304" sldId="263"/>
+        </pc:sldMkLst>
+      </pc:sldChg>
+      <pc:sldChg chg="del">
+        <pc:chgData name="Мария Савинова" userId="e24eaf7e9b1ed84c" providerId="LiveId" clId="{82BEC481-F629-41F1-95E7-D263E5810322}" dt="2024-09-30T21:40:38.383" v="937" actId="47"/>
+        <pc:sldMkLst>
+          <pc:docMk/>
+          <pc:sldMk cId="36148254" sldId="264"/>
+        </pc:sldMkLst>
+      </pc:sldChg>
+      <pc:sldChg chg="del">
+        <pc:chgData name="Мария Савинова" userId="e24eaf7e9b1ed84c" providerId="LiveId" clId="{82BEC481-F629-41F1-95E7-D263E5810322}" dt="2024-09-30T21:40:39.240" v="938" actId="47"/>
+        <pc:sldMkLst>
+          <pc:docMk/>
+          <pc:sldMk cId="2299204813" sldId="265"/>
+        </pc:sldMkLst>
+      </pc:sldChg>
+      <pc:sldChg chg="addSp delSp modSp mod">
+        <pc:chgData name="Мария Савинова" userId="e24eaf7e9b1ed84c" providerId="LiveId" clId="{82BEC481-F629-41F1-95E7-D263E5810322}" dt="2024-09-30T21:19:04.881" v="621" actId="478"/>
+        <pc:sldMkLst>
+          <pc:docMk/>
+          <pc:sldMk cId="3551373186" sldId="268"/>
+        </pc:sldMkLst>
+        <pc:spChg chg="mod">
+          <ac:chgData name="Мария Савинова" userId="e24eaf7e9b1ed84c" providerId="LiveId" clId="{82BEC481-F629-41F1-95E7-D263E5810322}" dt="2024-09-30T21:04:08.154" v="435" actId="20577"/>
+          <ac:spMkLst>
+            <pc:docMk/>
+            <pc:sldMk cId="3551373186" sldId="268"/>
+            <ac:spMk id="2" creationId="{00000000-0000-0000-0000-000000000000}"/>
+          </ac:spMkLst>
+        </pc:spChg>
+        <pc:spChg chg="mod">
+          <ac:chgData name="Мария Савинова" userId="e24eaf7e9b1ed84c" providerId="LiveId" clId="{82BEC481-F629-41F1-95E7-D263E5810322}" dt="2024-09-30T21:18:05.734" v="589" actId="20577"/>
+          <ac:spMkLst>
+            <pc:docMk/>
+            <pc:sldMk cId="3551373186" sldId="268"/>
+            <ac:spMk id="3" creationId="{00000000-0000-0000-0000-000000000000}"/>
+          </ac:spMkLst>
+        </pc:spChg>
+        <pc:spChg chg="add del mod">
+          <ac:chgData name="Мария Савинова" userId="e24eaf7e9b1ed84c" providerId="LiveId" clId="{82BEC481-F629-41F1-95E7-D263E5810322}" dt="2024-09-30T21:17:41.374" v="570" actId="478"/>
+          <ac:spMkLst>
+            <pc:docMk/>
+            <pc:sldMk cId="3551373186" sldId="268"/>
+            <ac:spMk id="9" creationId="{3A88AC73-20C9-4D6C-9669-2423BE508CDE}"/>
+          </ac:spMkLst>
+        </pc:spChg>
+        <pc:spChg chg="add del mod">
+          <ac:chgData name="Мария Савинова" userId="e24eaf7e9b1ed84c" providerId="LiveId" clId="{82BEC481-F629-41F1-95E7-D263E5810322}" dt="2024-09-30T21:19:04.881" v="621" actId="478"/>
+          <ac:spMkLst>
+            <pc:docMk/>
+            <pc:sldMk cId="3551373186" sldId="268"/>
+            <ac:spMk id="11" creationId="{FFFE86F1-5558-4A28-9B60-028EA404AEC3}"/>
+          </ac:spMkLst>
+        </pc:spChg>
+        <pc:picChg chg="del">
+          <ac:chgData name="Мария Савинова" userId="e24eaf7e9b1ed84c" providerId="LiveId" clId="{82BEC481-F629-41F1-95E7-D263E5810322}" dt="2024-09-30T21:04:10.175" v="436" actId="478"/>
+          <ac:picMkLst>
+            <pc:docMk/>
+            <pc:sldMk cId="3551373186" sldId="268"/>
+            <ac:picMk id="8" creationId="{D8BA093B-DDAC-4953-BA84-FAB983FB2288}"/>
+          </ac:picMkLst>
+        </pc:picChg>
+      </pc:sldChg>
+      <pc:sldChg chg="modSp mod">
+        <pc:chgData name="Мария Савинова" userId="e24eaf7e9b1ed84c" providerId="LiveId" clId="{82BEC481-F629-41F1-95E7-D263E5810322}" dt="2024-09-30T21:42:10.419" v="973" actId="242"/>
+        <pc:sldMkLst>
+          <pc:docMk/>
+          <pc:sldMk cId="2023720995" sldId="269"/>
+        </pc:sldMkLst>
+        <pc:spChg chg="mod">
+          <ac:chgData name="Мария Савинова" userId="e24eaf7e9b1ed84c" providerId="LiveId" clId="{82BEC481-F629-41F1-95E7-D263E5810322}" dt="2024-09-30T21:42:10.419" v="973" actId="242"/>
+          <ac:spMkLst>
+            <pc:docMk/>
+            <pc:sldMk cId="2023720995" sldId="269"/>
+            <ac:spMk id="3" creationId="{00000000-0000-0000-0000-000000000000}"/>
+          </ac:spMkLst>
+        </pc:spChg>
+      </pc:sldChg>
+      <pc:sldChg chg="addSp delSp modSp mod">
+        <pc:chgData name="Мария Савинова" userId="e24eaf7e9b1ed84c" providerId="LiveId" clId="{82BEC481-F629-41F1-95E7-D263E5810322}" dt="2024-09-30T21:37:29.271" v="919" actId="207"/>
+        <pc:sldMkLst>
+          <pc:docMk/>
+          <pc:sldMk cId="1268225968" sldId="270"/>
+        </pc:sldMkLst>
+        <pc:spChg chg="mod">
+          <ac:chgData name="Мария Савинова" userId="e24eaf7e9b1ed84c" providerId="LiveId" clId="{82BEC481-F629-41F1-95E7-D263E5810322}" dt="2024-09-30T21:30:53.539" v="767" actId="255"/>
+          <ac:spMkLst>
+            <pc:docMk/>
+            <pc:sldMk cId="1268225968" sldId="270"/>
+            <ac:spMk id="2" creationId="{00000000-0000-0000-0000-000000000000}"/>
+          </ac:spMkLst>
+        </pc:spChg>
+        <pc:spChg chg="del">
+          <ac:chgData name="Мария Савинова" userId="e24eaf7e9b1ed84c" providerId="LiveId" clId="{82BEC481-F629-41F1-95E7-D263E5810322}" dt="2024-09-30T21:30:35" v="764" actId="478"/>
+          <ac:spMkLst>
+            <pc:docMk/>
+            <pc:sldMk cId="1268225968" sldId="270"/>
+            <ac:spMk id="3" creationId="{00000000-0000-0000-0000-000000000000}"/>
+          </ac:spMkLst>
+        </pc:spChg>
+        <pc:spChg chg="add mod">
+          <ac:chgData name="Мария Савинова" userId="e24eaf7e9b1ed84c" providerId="LiveId" clId="{82BEC481-F629-41F1-95E7-D263E5810322}" dt="2024-09-30T21:37:29.271" v="919" actId="207"/>
+          <ac:spMkLst>
+            <pc:docMk/>
+            <pc:sldMk cId="1268225968" sldId="270"/>
+            <ac:spMk id="8" creationId="{A227D1F5-EE09-4BAB-8EF1-3AC29685FF88}"/>
+          </ac:spMkLst>
+        </pc:spChg>
+        <pc:picChg chg="del">
+          <ac:chgData name="Мария Савинова" userId="e24eaf7e9b1ed84c" providerId="LiveId" clId="{82BEC481-F629-41F1-95E7-D263E5810322}" dt="2024-09-30T21:30:31.285" v="763" actId="478"/>
+          <ac:picMkLst>
+            <pc:docMk/>
+            <pc:sldMk cId="1268225968" sldId="270"/>
+            <ac:picMk id="12" creationId="{3F1EB2CD-076C-49FD-891B-CE588A6566AA}"/>
+          </ac:picMkLst>
+        </pc:picChg>
+      </pc:sldChg>
+      <pc:sldChg chg="del">
+        <pc:chgData name="Мария Савинова" userId="e24eaf7e9b1ed84c" providerId="LiveId" clId="{82BEC481-F629-41F1-95E7-D263E5810322}" dt="2024-09-30T21:40:39.764" v="939" actId="47"/>
+        <pc:sldMkLst>
+          <pc:docMk/>
+          <pc:sldMk cId="1773754508" sldId="271"/>
+        </pc:sldMkLst>
+      </pc:sldChg>
+      <pc:sldChg chg="addSp delSp modSp mod">
+        <pc:chgData name="Мария Савинова" userId="e24eaf7e9b1ed84c" providerId="LiveId" clId="{82BEC481-F629-41F1-95E7-D263E5810322}" dt="2024-10-01T08:15:56.370" v="1158" actId="242"/>
+        <pc:sldMkLst>
+          <pc:docMk/>
+          <pc:sldMk cId="2214237742" sldId="272"/>
+        </pc:sldMkLst>
+        <pc:spChg chg="mod">
+          <ac:chgData name="Мария Савинова" userId="e24eaf7e9b1ed84c" providerId="LiveId" clId="{82BEC481-F629-41F1-95E7-D263E5810322}" dt="2024-09-30T21:40:06.719" v="930" actId="20577"/>
+          <ac:spMkLst>
+            <pc:docMk/>
+            <pc:sldMk cId="2214237742" sldId="272"/>
+            <ac:spMk id="2" creationId="{00000000-0000-0000-0000-000000000000}"/>
+          </ac:spMkLst>
+        </pc:spChg>
+        <pc:spChg chg="del">
+          <ac:chgData name="Мария Савинова" userId="e24eaf7e9b1ed84c" providerId="LiveId" clId="{82BEC481-F629-41F1-95E7-D263E5810322}" dt="2024-09-30T21:40:15.612" v="934" actId="478"/>
+          <ac:spMkLst>
+            <pc:docMk/>
+            <pc:sldMk cId="2214237742" sldId="272"/>
+            <ac:spMk id="3" creationId="{00000000-0000-0000-0000-000000000000}"/>
+          </ac:spMkLst>
+        </pc:spChg>
+        <pc:spChg chg="del">
+          <ac:chgData name="Мария Савинова" userId="e24eaf7e9b1ed84c" providerId="LiveId" clId="{82BEC481-F629-41F1-95E7-D263E5810322}" dt="2024-09-30T21:40:12.168" v="932" actId="478"/>
+          <ac:spMkLst>
+            <pc:docMk/>
+            <pc:sldMk cId="2214237742" sldId="272"/>
+            <ac:spMk id="8" creationId="{426C69A6-A2F1-40A8-B889-C63B1AE0A2E3}"/>
+          </ac:spMkLst>
+        </pc:spChg>
+        <pc:spChg chg="add mod">
+          <ac:chgData name="Мария Савинова" userId="e24eaf7e9b1ed84c" providerId="LiveId" clId="{82BEC481-F629-41F1-95E7-D263E5810322}" dt="2024-10-01T08:15:56.370" v="1158" actId="242"/>
+          <ac:spMkLst>
+            <pc:docMk/>
+            <pc:sldMk cId="2214237742" sldId="272"/>
+            <ac:spMk id="9" creationId="{35FF70C8-7562-46A9-9709-8669F194B77B}"/>
+          </ac:spMkLst>
+        </pc:spChg>
+        <pc:spChg chg="del">
+          <ac:chgData name="Мария Савинова" userId="e24eaf7e9b1ed84c" providerId="LiveId" clId="{82BEC481-F629-41F1-95E7-D263E5810322}" dt="2024-09-30T21:40:13.719" v="933" actId="478"/>
+          <ac:spMkLst>
+            <pc:docMk/>
+            <pc:sldMk cId="2214237742" sldId="272"/>
+            <ac:spMk id="10" creationId="{CA34E12E-4C3B-42AE-966D-48234B6733F0}"/>
+          </ac:spMkLst>
+        </pc:spChg>
+        <pc:spChg chg="del">
+          <ac:chgData name="Мария Савинова" userId="e24eaf7e9b1ed84c" providerId="LiveId" clId="{82BEC481-F629-41F1-95E7-D263E5810322}" dt="2024-09-30T21:40:10.456" v="931" actId="478"/>
+          <ac:spMkLst>
+            <pc:docMk/>
+            <pc:sldMk cId="2214237742" sldId="272"/>
+            <ac:spMk id="13" creationId="{8EB44BDF-E5AA-4176-B86D-E881FC5501F9}"/>
+          </ac:spMkLst>
+        </pc:spChg>
+      </pc:sldChg>
+      <pc:sldChg chg="del">
+        <pc:chgData name="Мария Савинова" userId="e24eaf7e9b1ed84c" providerId="LiveId" clId="{82BEC481-F629-41F1-95E7-D263E5810322}" dt="2024-09-30T21:40:40.879" v="940" actId="47"/>
+        <pc:sldMkLst>
+          <pc:docMk/>
+          <pc:sldMk cId="1900805023" sldId="273"/>
+        </pc:sldMkLst>
+      </pc:sldChg>
+      <pc:sldChg chg="addSp modSp add mod">
+        <pc:chgData name="Мария Савинова" userId="e24eaf7e9b1ed84c" providerId="LiveId" clId="{82BEC481-F629-41F1-95E7-D263E5810322}" dt="2024-10-01T08:21:59.027" v="1215" actId="207"/>
+        <pc:sldMkLst>
+          <pc:docMk/>
+          <pc:sldMk cId="1759888321" sldId="274"/>
+        </pc:sldMkLst>
+        <pc:spChg chg="mod">
+          <ac:chgData name="Мария Савинова" userId="e24eaf7e9b1ed84c" providerId="LiveId" clId="{82BEC481-F629-41F1-95E7-D263E5810322}" dt="2024-10-01T08:21:59.027" v="1215" actId="207"/>
+          <ac:spMkLst>
+            <pc:docMk/>
+            <pc:sldMk cId="1759888321" sldId="274"/>
+            <ac:spMk id="9" creationId="{35FF70C8-7562-46A9-9709-8669F194B77B}"/>
+          </ac:spMkLst>
+        </pc:spChg>
+        <pc:picChg chg="add mod">
+          <ac:chgData name="Мария Савинова" userId="e24eaf7e9b1ed84c" providerId="LiveId" clId="{82BEC481-F629-41F1-95E7-D263E5810322}" dt="2024-10-01T08:17:25.273" v="1176" actId="1076"/>
+          <ac:picMkLst>
+            <pc:docMk/>
+            <pc:sldMk cId="1759888321" sldId="274"/>
+            <ac:picMk id="6" creationId="{35A904AA-3B4C-48F3-8736-A85AB5942329}"/>
+          </ac:picMkLst>
+        </pc:picChg>
+      </pc:sldChg>
+      <pc:sldChg chg="modSp add mod">
+        <pc:chgData name="Мария Савинова" userId="e24eaf7e9b1ed84c" providerId="LiveId" clId="{82BEC481-F629-41F1-95E7-D263E5810322}" dt="2024-09-30T21:51:16.202" v="1100" actId="207"/>
+        <pc:sldMkLst>
+          <pc:docMk/>
+          <pc:sldMk cId="1818109047" sldId="275"/>
+        </pc:sldMkLst>
+        <pc:spChg chg="mod">
+          <ac:chgData name="Мария Савинова" userId="e24eaf7e9b1ed84c" providerId="LiveId" clId="{82BEC481-F629-41F1-95E7-D263E5810322}" dt="2024-09-30T21:51:16.202" v="1100" actId="207"/>
+          <ac:spMkLst>
+            <pc:docMk/>
+            <pc:sldMk cId="1818109047" sldId="275"/>
+            <ac:spMk id="3" creationId="{00000000-0000-0000-0000-000000000000}"/>
           </ac:spMkLst>
         </pc:spChg>
       </pc:sldChg>
@@ -1030,6 +1442,425 @@
             <ac:spMk id="10" creationId="{CA34E12E-4C3B-42AE-966D-48234B6733F0}"/>
           </ac:spMkLst>
         </pc:spChg>
+      </pc:sldChg>
+    </pc:docChg>
+  </pc:docChgLst>
+  <pc:docChgLst>
+    <pc:chgData name="Мария Савинова" userId="e24eaf7e9b1ed84c" providerId="LiveId" clId="{6ABF35F9-8EDF-4229-B8A8-17753DE4312A}"/>
+    <pc:docChg chg="undo custSel addSld delSld modSld">
+      <pc:chgData name="Мария Савинова" userId="e24eaf7e9b1ed84c" providerId="LiveId" clId="{6ABF35F9-8EDF-4229-B8A8-17753DE4312A}" dt="2024-10-02T15:22:49.844" v="1077" actId="47"/>
+      <pc:docMkLst>
+        <pc:docMk/>
+      </pc:docMkLst>
+      <pc:sldChg chg="modSp mod">
+        <pc:chgData name="Мария Савинова" userId="e24eaf7e9b1ed84c" providerId="LiveId" clId="{6ABF35F9-8EDF-4229-B8A8-17753DE4312A}" dt="2024-10-01T08:31:33.097" v="3" actId="20577"/>
+        <pc:sldMkLst>
+          <pc:docMk/>
+          <pc:sldMk cId="967994007" sldId="256"/>
+        </pc:sldMkLst>
+        <pc:spChg chg="mod">
+          <ac:chgData name="Мария Савинова" userId="e24eaf7e9b1ed84c" providerId="LiveId" clId="{6ABF35F9-8EDF-4229-B8A8-17753DE4312A}" dt="2024-10-01T08:31:33.097" v="3" actId="20577"/>
+          <ac:spMkLst>
+            <pc:docMk/>
+            <pc:sldMk cId="967994007" sldId="256"/>
+            <ac:spMk id="2" creationId="{00000000-0000-0000-0000-000000000000}"/>
+          </ac:spMkLst>
+        </pc:spChg>
+      </pc:sldChg>
+      <pc:sldChg chg="modSp mod">
+        <pc:chgData name="Мария Савинова" userId="e24eaf7e9b1ed84c" providerId="LiveId" clId="{6ABF35F9-8EDF-4229-B8A8-17753DE4312A}" dt="2024-10-01T10:56:08.344" v="404" actId="255"/>
+        <pc:sldMkLst>
+          <pc:docMk/>
+          <pc:sldMk cId="4014811966" sldId="257"/>
+        </pc:sldMkLst>
+        <pc:spChg chg="mod">
+          <ac:chgData name="Мария Савинова" userId="e24eaf7e9b1ed84c" providerId="LiveId" clId="{6ABF35F9-8EDF-4229-B8A8-17753DE4312A}" dt="2024-10-01T10:56:08.344" v="404" actId="255"/>
+          <ac:spMkLst>
+            <pc:docMk/>
+            <pc:sldMk cId="4014811966" sldId="257"/>
+            <ac:spMk id="3" creationId="{00000000-0000-0000-0000-000000000000}"/>
+          </ac:spMkLst>
+        </pc:spChg>
+      </pc:sldChg>
+      <pc:sldChg chg="modSp mod">
+        <pc:chgData name="Мария Савинова" userId="e24eaf7e9b1ed84c" providerId="LiveId" clId="{6ABF35F9-8EDF-4229-B8A8-17753DE4312A}" dt="2024-10-01T10:56:19.676" v="410" actId="20577"/>
+        <pc:sldMkLst>
+          <pc:docMk/>
+          <pc:sldMk cId="742912908" sldId="258"/>
+        </pc:sldMkLst>
+        <pc:spChg chg="mod">
+          <ac:chgData name="Мария Савинова" userId="e24eaf7e9b1ed84c" providerId="LiveId" clId="{6ABF35F9-8EDF-4229-B8A8-17753DE4312A}" dt="2024-10-01T08:38:00.341" v="96" actId="20577"/>
+          <ac:spMkLst>
+            <pc:docMk/>
+            <pc:sldMk cId="742912908" sldId="258"/>
+            <ac:spMk id="2" creationId="{00000000-0000-0000-0000-000000000000}"/>
+          </ac:spMkLst>
+        </pc:spChg>
+        <pc:spChg chg="mod">
+          <ac:chgData name="Мария Савинова" userId="e24eaf7e9b1ed84c" providerId="LiveId" clId="{6ABF35F9-8EDF-4229-B8A8-17753DE4312A}" dt="2024-10-01T10:56:19.676" v="410" actId="20577"/>
+          <ac:spMkLst>
+            <pc:docMk/>
+            <pc:sldMk cId="742912908" sldId="258"/>
+            <ac:spMk id="3" creationId="{00000000-0000-0000-0000-000000000000}"/>
+          </ac:spMkLst>
+        </pc:spChg>
+      </pc:sldChg>
+      <pc:sldChg chg="modSp mod">
+        <pc:chgData name="Мария Савинова" userId="e24eaf7e9b1ed84c" providerId="LiveId" clId="{6ABF35F9-8EDF-4229-B8A8-17753DE4312A}" dt="2024-10-01T10:56:53.632" v="411" actId="20577"/>
+        <pc:sldMkLst>
+          <pc:docMk/>
+          <pc:sldMk cId="2839600060" sldId="259"/>
+        </pc:sldMkLst>
+        <pc:spChg chg="mod">
+          <ac:chgData name="Мария Савинова" userId="e24eaf7e9b1ed84c" providerId="LiveId" clId="{6ABF35F9-8EDF-4229-B8A8-17753DE4312A}" dt="2024-10-01T10:56:53.632" v="411" actId="20577"/>
+          <ac:spMkLst>
+            <pc:docMk/>
+            <pc:sldMk cId="2839600060" sldId="259"/>
+            <ac:spMk id="3" creationId="{00000000-0000-0000-0000-000000000000}"/>
+          </ac:spMkLst>
+        </pc:spChg>
+        <pc:spChg chg="mod">
+          <ac:chgData name="Мария Савинова" userId="e24eaf7e9b1ed84c" providerId="LiveId" clId="{6ABF35F9-8EDF-4229-B8A8-17753DE4312A}" dt="2024-10-01T08:47:16.786" v="170" actId="20577"/>
+          <ac:spMkLst>
+            <pc:docMk/>
+            <pc:sldMk cId="2839600060" sldId="259"/>
+            <ac:spMk id="9" creationId="{51BCBF61-FCB3-4D40-A556-5F4855C3AE1A}"/>
+          </ac:spMkLst>
+        </pc:spChg>
+      </pc:sldChg>
+      <pc:sldChg chg="modSp mod">
+        <pc:chgData name="Мария Савинова" userId="e24eaf7e9b1ed84c" providerId="LiveId" clId="{6ABF35F9-8EDF-4229-B8A8-17753DE4312A}" dt="2024-10-01T08:55:15.213" v="347" actId="20577"/>
+        <pc:sldMkLst>
+          <pc:docMk/>
+          <pc:sldMk cId="1758739892" sldId="260"/>
+        </pc:sldMkLst>
+        <pc:spChg chg="mod">
+          <ac:chgData name="Мария Савинова" userId="e24eaf7e9b1ed84c" providerId="LiveId" clId="{6ABF35F9-8EDF-4229-B8A8-17753DE4312A}" dt="2024-10-01T08:51:12.741" v="276" actId="255"/>
+          <ac:spMkLst>
+            <pc:docMk/>
+            <pc:sldMk cId="1758739892" sldId="260"/>
+            <ac:spMk id="2" creationId="{00000000-0000-0000-0000-000000000000}"/>
+          </ac:spMkLst>
+        </pc:spChg>
+        <pc:spChg chg="mod">
+          <ac:chgData name="Мария Савинова" userId="e24eaf7e9b1ed84c" providerId="LiveId" clId="{6ABF35F9-8EDF-4229-B8A8-17753DE4312A}" dt="2024-10-01T08:55:15.213" v="347" actId="20577"/>
+          <ac:spMkLst>
+            <pc:docMk/>
+            <pc:sldMk cId="1758739892" sldId="260"/>
+            <ac:spMk id="3" creationId="{00000000-0000-0000-0000-000000000000}"/>
+          </ac:spMkLst>
+        </pc:spChg>
+      </pc:sldChg>
+      <pc:sldChg chg="modSp mod">
+        <pc:chgData name="Мария Савинова" userId="e24eaf7e9b1ed84c" providerId="LiveId" clId="{6ABF35F9-8EDF-4229-B8A8-17753DE4312A}" dt="2024-10-01T11:13:56.603" v="553" actId="20577"/>
+        <pc:sldMkLst>
+          <pc:docMk/>
+          <pc:sldMk cId="600860783" sldId="261"/>
+        </pc:sldMkLst>
+        <pc:spChg chg="mod">
+          <ac:chgData name="Мария Савинова" userId="e24eaf7e9b1ed84c" providerId="LiveId" clId="{6ABF35F9-8EDF-4229-B8A8-17753DE4312A}" dt="2024-10-01T11:10:46.273" v="501" actId="255"/>
+          <ac:spMkLst>
+            <pc:docMk/>
+            <pc:sldMk cId="600860783" sldId="261"/>
+            <ac:spMk id="2" creationId="{00000000-0000-0000-0000-000000000000}"/>
+          </ac:spMkLst>
+        </pc:spChg>
+        <pc:spChg chg="mod">
+          <ac:chgData name="Мария Савинова" userId="e24eaf7e9b1ed84c" providerId="LiveId" clId="{6ABF35F9-8EDF-4229-B8A8-17753DE4312A}" dt="2024-10-01T11:13:56.603" v="553" actId="20577"/>
+          <ac:spMkLst>
+            <pc:docMk/>
+            <pc:sldMk cId="600860783" sldId="261"/>
+            <ac:spMk id="3" creationId="{00000000-0000-0000-0000-000000000000}"/>
+          </ac:spMkLst>
+        </pc:spChg>
+      </pc:sldChg>
+      <pc:sldChg chg="modSp mod">
+        <pc:chgData name="Мария Савинова" userId="e24eaf7e9b1ed84c" providerId="LiveId" clId="{6ABF35F9-8EDF-4229-B8A8-17753DE4312A}" dt="2024-10-01T11:26:46.294" v="875" actId="207"/>
+        <pc:sldMkLst>
+          <pc:docMk/>
+          <pc:sldMk cId="2293707358" sldId="262"/>
+        </pc:sldMkLst>
+        <pc:spChg chg="mod">
+          <ac:chgData name="Мария Савинова" userId="e24eaf7e9b1ed84c" providerId="LiveId" clId="{6ABF35F9-8EDF-4229-B8A8-17753DE4312A}" dt="2024-10-01T11:21:29.211" v="795" actId="20577"/>
+          <ac:spMkLst>
+            <pc:docMk/>
+            <pc:sldMk cId="2293707358" sldId="262"/>
+            <ac:spMk id="2" creationId="{00000000-0000-0000-0000-000000000000}"/>
+          </ac:spMkLst>
+        </pc:spChg>
+        <pc:spChg chg="mod">
+          <ac:chgData name="Мария Савинова" userId="e24eaf7e9b1ed84c" providerId="LiveId" clId="{6ABF35F9-8EDF-4229-B8A8-17753DE4312A}" dt="2024-10-01T11:26:46.294" v="875" actId="207"/>
+          <ac:spMkLst>
+            <pc:docMk/>
+            <pc:sldMk cId="2293707358" sldId="262"/>
+            <ac:spMk id="3" creationId="{00000000-0000-0000-0000-000000000000}"/>
+          </ac:spMkLst>
+        </pc:spChg>
+      </pc:sldChg>
+      <pc:sldChg chg="modSp mod">
+        <pc:chgData name="Мария Савинова" userId="e24eaf7e9b1ed84c" providerId="LiveId" clId="{6ABF35F9-8EDF-4229-B8A8-17753DE4312A}" dt="2024-10-01T11:10:02.623" v="459" actId="207"/>
+        <pc:sldMkLst>
+          <pc:docMk/>
+          <pc:sldMk cId="3551373186" sldId="268"/>
+        </pc:sldMkLst>
+        <pc:spChg chg="mod">
+          <ac:chgData name="Мария Савинова" userId="e24eaf7e9b1ed84c" providerId="LiveId" clId="{6ABF35F9-8EDF-4229-B8A8-17753DE4312A}" dt="2024-10-01T08:55:50.216" v="397" actId="255"/>
+          <ac:spMkLst>
+            <pc:docMk/>
+            <pc:sldMk cId="3551373186" sldId="268"/>
+            <ac:spMk id="2" creationId="{00000000-0000-0000-0000-000000000000}"/>
+          </ac:spMkLst>
+        </pc:spChg>
+        <pc:spChg chg="mod">
+          <ac:chgData name="Мария Савинова" userId="e24eaf7e9b1ed84c" providerId="LiveId" clId="{6ABF35F9-8EDF-4229-B8A8-17753DE4312A}" dt="2024-10-01T11:10:02.623" v="459" actId="207"/>
+          <ac:spMkLst>
+            <pc:docMk/>
+            <pc:sldMk cId="3551373186" sldId="268"/>
+            <ac:spMk id="3" creationId="{00000000-0000-0000-0000-000000000000}"/>
+          </ac:spMkLst>
+        </pc:spChg>
+      </pc:sldChg>
+      <pc:sldChg chg="modSp mod">
+        <pc:chgData name="Мария Савинова" userId="e24eaf7e9b1ed84c" providerId="LiveId" clId="{6ABF35F9-8EDF-4229-B8A8-17753DE4312A}" dt="2024-10-01T11:41:39.557" v="1076" actId="20577"/>
+        <pc:sldMkLst>
+          <pc:docMk/>
+          <pc:sldMk cId="2023720995" sldId="269"/>
+        </pc:sldMkLst>
+        <pc:spChg chg="mod">
+          <ac:chgData name="Мария Савинова" userId="e24eaf7e9b1ed84c" providerId="LiveId" clId="{6ABF35F9-8EDF-4229-B8A8-17753DE4312A}" dt="2024-10-01T11:41:39.557" v="1076" actId="20577"/>
+          <ac:spMkLst>
+            <pc:docMk/>
+            <pc:sldMk cId="2023720995" sldId="269"/>
+            <ac:spMk id="3" creationId="{00000000-0000-0000-0000-000000000000}"/>
+          </ac:spMkLst>
+        </pc:spChg>
+      </pc:sldChg>
+      <pc:sldChg chg="addSp modSp mod">
+        <pc:chgData name="Мария Савинова" userId="e24eaf7e9b1ed84c" providerId="LiveId" clId="{6ABF35F9-8EDF-4229-B8A8-17753DE4312A}" dt="2024-10-01T11:38:13.168" v="987" actId="20577"/>
+        <pc:sldMkLst>
+          <pc:docMk/>
+          <pc:sldMk cId="1268225968" sldId="270"/>
+        </pc:sldMkLst>
+        <pc:spChg chg="mod">
+          <ac:chgData name="Мария Савинова" userId="e24eaf7e9b1ed84c" providerId="LiveId" clId="{6ABF35F9-8EDF-4229-B8A8-17753DE4312A}" dt="2024-10-01T11:27:15.465" v="909" actId="255"/>
+          <ac:spMkLst>
+            <pc:docMk/>
+            <pc:sldMk cId="1268225968" sldId="270"/>
+            <ac:spMk id="2" creationId="{00000000-0000-0000-0000-000000000000}"/>
+          </ac:spMkLst>
+        </pc:spChg>
+        <pc:spChg chg="mod">
+          <ac:chgData name="Мария Савинова" userId="e24eaf7e9b1ed84c" providerId="LiveId" clId="{6ABF35F9-8EDF-4229-B8A8-17753DE4312A}" dt="2024-10-01T11:35:06.858" v="962"/>
+          <ac:spMkLst>
+            <pc:docMk/>
+            <pc:sldMk cId="1268225968" sldId="270"/>
+            <ac:spMk id="8" creationId="{A227D1F5-EE09-4BAB-8EF1-3AC29685FF88}"/>
+          </ac:spMkLst>
+        </pc:spChg>
+        <pc:spChg chg="add mod">
+          <ac:chgData name="Мария Савинова" userId="e24eaf7e9b1ed84c" providerId="LiveId" clId="{6ABF35F9-8EDF-4229-B8A8-17753DE4312A}" dt="2024-10-01T11:35:28.246" v="966" actId="1076"/>
+          <ac:spMkLst>
+            <pc:docMk/>
+            <pc:sldMk cId="1268225968" sldId="270"/>
+            <ac:spMk id="10" creationId="{DE4C170C-407B-42E2-A678-FFB96387A374}"/>
+          </ac:spMkLst>
+        </pc:spChg>
+        <pc:spChg chg="add mod">
+          <ac:chgData name="Мария Савинова" userId="e24eaf7e9b1ed84c" providerId="LiveId" clId="{6ABF35F9-8EDF-4229-B8A8-17753DE4312A}" dt="2024-10-01T11:31:08.553" v="960" actId="20577"/>
+          <ac:spMkLst>
+            <pc:docMk/>
+            <pc:sldMk cId="1268225968" sldId="270"/>
+            <ac:spMk id="12" creationId="{E19008CA-09F2-4CFA-BC00-F3E19E59370B}"/>
+          </ac:spMkLst>
+        </pc:spChg>
+        <pc:spChg chg="add mod">
+          <ac:chgData name="Мария Савинова" userId="e24eaf7e9b1ed84c" providerId="LiveId" clId="{6ABF35F9-8EDF-4229-B8A8-17753DE4312A}" dt="2024-10-01T11:35:19.308" v="965" actId="1076"/>
+          <ac:spMkLst>
+            <pc:docMk/>
+            <pc:sldMk cId="1268225968" sldId="270"/>
+            <ac:spMk id="14" creationId="{331BD2E0-B866-4446-A2BB-0B07FEF39F8A}"/>
+          </ac:spMkLst>
+        </pc:spChg>
+        <pc:spChg chg="add mod">
+          <ac:chgData name="Мария Савинова" userId="e24eaf7e9b1ed84c" providerId="LiveId" clId="{6ABF35F9-8EDF-4229-B8A8-17753DE4312A}" dt="2024-10-01T11:37:40.336" v="974" actId="1076"/>
+          <ac:spMkLst>
+            <pc:docMk/>
+            <pc:sldMk cId="1268225968" sldId="270"/>
+            <ac:spMk id="15" creationId="{CE635046-7393-4C70-A332-9CB781C24F0E}"/>
+          </ac:spMkLst>
+        </pc:spChg>
+        <pc:spChg chg="add mod">
+          <ac:chgData name="Мария Савинова" userId="e24eaf7e9b1ed84c" providerId="LiveId" clId="{6ABF35F9-8EDF-4229-B8A8-17753DE4312A}" dt="2024-10-01T11:37:48.922" v="978" actId="20577"/>
+          <ac:spMkLst>
+            <pc:docMk/>
+            <pc:sldMk cId="1268225968" sldId="270"/>
+            <ac:spMk id="16" creationId="{3B113471-E91F-47D0-849C-3D09DE4A51FE}"/>
+          </ac:spMkLst>
+        </pc:spChg>
+        <pc:spChg chg="add mod">
+          <ac:chgData name="Мария Савинова" userId="e24eaf7e9b1ed84c" providerId="LiveId" clId="{6ABF35F9-8EDF-4229-B8A8-17753DE4312A}" dt="2024-10-01T11:38:04.170" v="983" actId="1076"/>
+          <ac:spMkLst>
+            <pc:docMk/>
+            <pc:sldMk cId="1268225968" sldId="270"/>
+            <ac:spMk id="17" creationId="{892AF839-C5C2-47A1-B29C-D21B971EC218}"/>
+          </ac:spMkLst>
+        </pc:spChg>
+        <pc:spChg chg="add mod">
+          <ac:chgData name="Мария Савинова" userId="e24eaf7e9b1ed84c" providerId="LiveId" clId="{6ABF35F9-8EDF-4229-B8A8-17753DE4312A}" dt="2024-10-01T11:38:13.168" v="987" actId="20577"/>
+          <ac:spMkLst>
+            <pc:docMk/>
+            <pc:sldMk cId="1268225968" sldId="270"/>
+            <ac:spMk id="18" creationId="{B7988EA1-B37A-4223-9D1D-84A516FC10F3}"/>
+          </ac:spMkLst>
+        </pc:spChg>
+        <pc:picChg chg="add mod">
+          <ac:chgData name="Мария Савинова" userId="e24eaf7e9b1ed84c" providerId="LiveId" clId="{6ABF35F9-8EDF-4229-B8A8-17753DE4312A}" dt="2024-10-01T11:28:46.620" v="936" actId="14100"/>
+          <ac:picMkLst>
+            <pc:docMk/>
+            <pc:sldMk cId="1268225968" sldId="270"/>
+            <ac:picMk id="6" creationId="{E2037394-1113-48C0-83F8-494DFF7041A9}"/>
+          </ac:picMkLst>
+        </pc:picChg>
+      </pc:sldChg>
+      <pc:sldChg chg="del">
+        <pc:chgData name="Мария Савинова" userId="e24eaf7e9b1ed84c" providerId="LiveId" clId="{6ABF35F9-8EDF-4229-B8A8-17753DE4312A}" dt="2024-10-01T11:40:08.659" v="1040" actId="47"/>
+        <pc:sldMkLst>
+          <pc:docMk/>
+          <pc:sldMk cId="2214237742" sldId="272"/>
+        </pc:sldMkLst>
+      </pc:sldChg>
+      <pc:sldChg chg="del">
+        <pc:chgData name="Мария Савинова" userId="e24eaf7e9b1ed84c" providerId="LiveId" clId="{6ABF35F9-8EDF-4229-B8A8-17753DE4312A}" dt="2024-10-01T11:40:09.733" v="1041" actId="47"/>
+        <pc:sldMkLst>
+          <pc:docMk/>
+          <pc:sldMk cId="1759888321" sldId="274"/>
+        </pc:sldMkLst>
+      </pc:sldChg>
+      <pc:sldChg chg="addSp delSp modSp mod">
+        <pc:chgData name="Мария Савинова" userId="e24eaf7e9b1ed84c" providerId="LiveId" clId="{6ABF35F9-8EDF-4229-B8A8-17753DE4312A}" dt="2024-10-01T11:21:10.681" v="773" actId="1076"/>
+        <pc:sldMkLst>
+          <pc:docMk/>
+          <pc:sldMk cId="1818109047" sldId="275"/>
+        </pc:sldMkLst>
+        <pc:spChg chg="mod">
+          <ac:chgData name="Мария Савинова" userId="e24eaf7e9b1ed84c" providerId="LiveId" clId="{6ABF35F9-8EDF-4229-B8A8-17753DE4312A}" dt="2024-10-01T11:14:10.957" v="572" actId="20577"/>
+          <ac:spMkLst>
+            <pc:docMk/>
+            <pc:sldMk cId="1818109047" sldId="275"/>
+            <ac:spMk id="2" creationId="{00000000-0000-0000-0000-000000000000}"/>
+          </ac:spMkLst>
+        </pc:spChg>
+        <pc:spChg chg="mod">
+          <ac:chgData name="Мария Савинова" userId="e24eaf7e9b1ed84c" providerId="LiveId" clId="{6ABF35F9-8EDF-4229-B8A8-17753DE4312A}" dt="2024-10-01T11:21:10.681" v="773" actId="1076"/>
+          <ac:spMkLst>
+            <pc:docMk/>
+            <pc:sldMk cId="1818109047" sldId="275"/>
+            <ac:spMk id="3" creationId="{00000000-0000-0000-0000-000000000000}"/>
+          </ac:spMkLst>
+        </pc:spChg>
+        <pc:spChg chg="add mod">
+          <ac:chgData name="Мария Савинова" userId="e24eaf7e9b1ed84c" providerId="LiveId" clId="{6ABF35F9-8EDF-4229-B8A8-17753DE4312A}" dt="2024-10-01T11:21:03.212" v="771" actId="1076"/>
+          <ac:spMkLst>
+            <pc:docMk/>
+            <pc:sldMk cId="1818109047" sldId="275"/>
+            <ac:spMk id="8" creationId="{696E321C-51EB-4BB6-A736-FC64713B4DCB}"/>
+          </ac:spMkLst>
+        </pc:spChg>
+        <pc:spChg chg="add del mod">
+          <ac:chgData name="Мария Савинова" userId="e24eaf7e9b1ed84c" providerId="LiveId" clId="{6ABF35F9-8EDF-4229-B8A8-17753DE4312A}" dt="2024-10-01T11:20:50.627" v="768"/>
+          <ac:spMkLst>
+            <pc:docMk/>
+            <pc:sldMk cId="1818109047" sldId="275"/>
+            <ac:spMk id="9" creationId="{17CC085B-839E-40B1-8BA2-97BEDFF87A93}"/>
+          </ac:spMkLst>
+        </pc:spChg>
+        <pc:spChg chg="add del mod">
+          <ac:chgData name="Мария Савинова" userId="e24eaf7e9b1ed84c" providerId="LiveId" clId="{6ABF35F9-8EDF-4229-B8A8-17753DE4312A}" dt="2024-10-01T11:21:06.169" v="772" actId="478"/>
+          <ac:spMkLst>
+            <pc:docMk/>
+            <pc:sldMk cId="1818109047" sldId="275"/>
+            <ac:spMk id="10" creationId="{80E641DC-651E-4F18-9E48-81D1BFEEDCEF}"/>
+          </ac:spMkLst>
+        </pc:spChg>
+      </pc:sldChg>
+      <pc:sldChg chg="delSp modSp add del mod">
+        <pc:chgData name="Мария Савинова" userId="e24eaf7e9b1ed84c" providerId="LiveId" clId="{6ABF35F9-8EDF-4229-B8A8-17753DE4312A}" dt="2024-10-02T15:22:49.844" v="1077" actId="47"/>
+        <pc:sldMkLst>
+          <pc:docMk/>
+          <pc:sldMk cId="1328854339" sldId="276"/>
+        </pc:sldMkLst>
+        <pc:spChg chg="mod">
+          <ac:chgData name="Мария Савинова" userId="e24eaf7e9b1ed84c" providerId="LiveId" clId="{6ABF35F9-8EDF-4229-B8A8-17753DE4312A}" dt="2024-10-01T11:39:57.923" v="1039" actId="207"/>
+          <ac:spMkLst>
+            <pc:docMk/>
+            <pc:sldMk cId="1328854339" sldId="276"/>
+            <ac:spMk id="8" creationId="{A227D1F5-EE09-4BAB-8EF1-3AC29685FF88}"/>
+          </ac:spMkLst>
+        </pc:spChg>
+        <pc:spChg chg="del">
+          <ac:chgData name="Мария Савинова" userId="e24eaf7e9b1ed84c" providerId="LiveId" clId="{6ABF35F9-8EDF-4229-B8A8-17753DE4312A}" dt="2024-10-01T11:39:11.356" v="1010" actId="478"/>
+          <ac:spMkLst>
+            <pc:docMk/>
+            <pc:sldMk cId="1328854339" sldId="276"/>
+            <ac:spMk id="10" creationId="{DE4C170C-407B-42E2-A678-FFB96387A374}"/>
+          </ac:spMkLst>
+        </pc:spChg>
+        <pc:spChg chg="del">
+          <ac:chgData name="Мария Савинова" userId="e24eaf7e9b1ed84c" providerId="LiveId" clId="{6ABF35F9-8EDF-4229-B8A8-17753DE4312A}" dt="2024-10-01T11:39:13.014" v="1011" actId="478"/>
+          <ac:spMkLst>
+            <pc:docMk/>
+            <pc:sldMk cId="1328854339" sldId="276"/>
+            <ac:spMk id="12" creationId="{E19008CA-09F2-4CFA-BC00-F3E19E59370B}"/>
+          </ac:spMkLst>
+        </pc:spChg>
+        <pc:spChg chg="del">
+          <ac:chgData name="Мария Савинова" userId="e24eaf7e9b1ed84c" providerId="LiveId" clId="{6ABF35F9-8EDF-4229-B8A8-17753DE4312A}" dt="2024-10-01T11:39:09.748" v="1009" actId="478"/>
+          <ac:spMkLst>
+            <pc:docMk/>
+            <pc:sldMk cId="1328854339" sldId="276"/>
+            <ac:spMk id="14" creationId="{331BD2E0-B866-4446-A2BB-0B07FEF39F8A}"/>
+          </ac:spMkLst>
+        </pc:spChg>
+        <pc:spChg chg="del">
+          <ac:chgData name="Мария Савинова" userId="e24eaf7e9b1ed84c" providerId="LiveId" clId="{6ABF35F9-8EDF-4229-B8A8-17753DE4312A}" dt="2024-10-01T11:39:09.748" v="1009" actId="478"/>
+          <ac:spMkLst>
+            <pc:docMk/>
+            <pc:sldMk cId="1328854339" sldId="276"/>
+            <ac:spMk id="15" creationId="{CE635046-7393-4C70-A332-9CB781C24F0E}"/>
+          </ac:spMkLst>
+        </pc:spChg>
+        <pc:spChg chg="del">
+          <ac:chgData name="Мария Савинова" userId="e24eaf7e9b1ed84c" providerId="LiveId" clId="{6ABF35F9-8EDF-4229-B8A8-17753DE4312A}" dt="2024-10-01T11:39:09.748" v="1009" actId="478"/>
+          <ac:spMkLst>
+            <pc:docMk/>
+            <pc:sldMk cId="1328854339" sldId="276"/>
+            <ac:spMk id="16" creationId="{3B113471-E91F-47D0-849C-3D09DE4A51FE}"/>
+          </ac:spMkLst>
+        </pc:spChg>
+        <pc:spChg chg="del">
+          <ac:chgData name="Мария Савинова" userId="e24eaf7e9b1ed84c" providerId="LiveId" clId="{6ABF35F9-8EDF-4229-B8A8-17753DE4312A}" dt="2024-10-01T11:39:09.748" v="1009" actId="478"/>
+          <ac:spMkLst>
+            <pc:docMk/>
+            <pc:sldMk cId="1328854339" sldId="276"/>
+            <ac:spMk id="17" creationId="{892AF839-C5C2-47A1-B29C-D21B971EC218}"/>
+          </ac:spMkLst>
+        </pc:spChg>
+        <pc:spChg chg="del">
+          <ac:chgData name="Мария Савинова" userId="e24eaf7e9b1ed84c" providerId="LiveId" clId="{6ABF35F9-8EDF-4229-B8A8-17753DE4312A}" dt="2024-10-01T11:39:09.748" v="1009" actId="478"/>
+          <ac:spMkLst>
+            <pc:docMk/>
+            <pc:sldMk cId="1328854339" sldId="276"/>
+            <ac:spMk id="18" creationId="{B7988EA1-B37A-4223-9D1D-84A516FC10F3}"/>
+          </ac:spMkLst>
+        </pc:spChg>
+        <pc:picChg chg="del">
+          <ac:chgData name="Мария Савинова" userId="e24eaf7e9b1ed84c" providerId="LiveId" clId="{6ABF35F9-8EDF-4229-B8A8-17753DE4312A}" dt="2024-10-01T11:39:06.767" v="1008" actId="478"/>
+          <ac:picMkLst>
+            <pc:docMk/>
+            <pc:sldMk cId="1328854339" sldId="276"/>
+            <ac:picMk id="6" creationId="{E2037394-1113-48C0-83F8-494DFF7041A9}"/>
+          </ac:picMkLst>
+        </pc:picChg>
       </pc:sldChg>
     </pc:docChg>
   </pc:docChgLst>
@@ -1123,7 +1954,7 @@
             <a:fld id="{C65AC966-90DC-47D7-B999-4B8AD4DFB48E}" type="datetimeFigureOut">
               <a:rPr lang="ru-RU" smtClean="0"/>
               <a:pPr/>
-              <a:t>25.09.2024</a:t>
+              <a:t>02.10.2024</a:t>
             </a:fld>
             <a:endParaRPr lang="ru-RU" dirty="0"/>
           </a:p>
@@ -1553,7 +2384,7 @@
     </p:spTree>
     <p:extLst>
       <p:ext uri="{BB962C8B-B14F-4D97-AF65-F5344CB8AC3E}">
-        <p14:creationId xmlns:p14="http://schemas.microsoft.com/office/powerpoint/2010/main" val="2825640308"/>
+        <p14:creationId xmlns:p14="http://schemas.microsoft.com/office/powerpoint/2010/main" val="1887000163"/>
       </p:ext>
     </p:extLst>
   </p:cSld>
@@ -1637,7 +2468,7 @@
     </p:spTree>
     <p:extLst>
       <p:ext uri="{BB962C8B-B14F-4D97-AF65-F5344CB8AC3E}">
-        <p14:creationId xmlns:p14="http://schemas.microsoft.com/office/powerpoint/2010/main" val="2253522954"/>
+        <p14:creationId xmlns:p14="http://schemas.microsoft.com/office/powerpoint/2010/main" val="3933664872"/>
       </p:ext>
     </p:extLst>
   </p:cSld>
@@ -1721,7 +2552,7 @@
     </p:spTree>
     <p:extLst>
       <p:ext uri="{BB962C8B-B14F-4D97-AF65-F5344CB8AC3E}">
-        <p14:creationId xmlns:p14="http://schemas.microsoft.com/office/powerpoint/2010/main" val="4198363041"/>
+        <p14:creationId xmlns:p14="http://schemas.microsoft.com/office/powerpoint/2010/main" val="4208627764"/>
       </p:ext>
     </p:extLst>
   </p:cSld>
@@ -1805,7 +2636,7 @@
     </p:spTree>
     <p:extLst>
       <p:ext uri="{BB962C8B-B14F-4D97-AF65-F5344CB8AC3E}">
-        <p14:creationId xmlns:p14="http://schemas.microsoft.com/office/powerpoint/2010/main" val="316091197"/>
+        <p14:creationId xmlns:p14="http://schemas.microsoft.com/office/powerpoint/2010/main" val="1113517491"/>
       </p:ext>
     </p:extLst>
   </p:cSld>
@@ -1881,258 +2712,6 @@
             <a:fld id="{2C580A59-B265-4FF3-9170-5C16494D3846}" type="slidenum">
               <a:rPr lang="ru-RU" smtClean="0"/>
               <a:t>14</a:t>
-            </a:fld>
-            <a:endParaRPr lang="ru-RU"/>
-          </a:p>
-        </p:txBody>
-      </p:sp>
-    </p:spTree>
-    <p:extLst>
-      <p:ext uri="{BB962C8B-B14F-4D97-AF65-F5344CB8AC3E}">
-        <p14:creationId xmlns:p14="http://schemas.microsoft.com/office/powerpoint/2010/main" val="3037284497"/>
-      </p:ext>
-    </p:extLst>
-  </p:cSld>
-  <p:clrMapOvr>
-    <a:masterClrMapping/>
-  </p:clrMapOvr>
-</p:notes>
-</file>
-
-<file path=ppt/notesSlides/notesSlide15.xml><?xml version="1.0" encoding="utf-8"?>
-<p:notes xmlns:a="http://schemas.openxmlformats.org/drawingml/2006/main" xmlns:r="http://schemas.openxmlformats.org/officeDocument/2006/relationships" xmlns:p="http://schemas.openxmlformats.org/presentationml/2006/main">
-  <p:cSld>
-    <p:spTree>
-      <p:nvGrpSpPr>
-        <p:cNvPr id="1" name=""/>
-        <p:cNvGrpSpPr/>
-        <p:nvPr/>
-      </p:nvGrpSpPr>
-      <p:grpSpPr>
-        <a:xfrm>
-          <a:off x="0" y="0"/>
-          <a:ext cx="0" cy="0"/>
-          <a:chOff x="0" y="0"/>
-          <a:chExt cx="0" cy="0"/>
-        </a:xfrm>
-      </p:grpSpPr>
-      <p:sp>
-        <p:nvSpPr>
-          <p:cNvPr id="2" name="Образ слайда 1"/>
-          <p:cNvSpPr>
-            <a:spLocks noGrp="1" noRot="1" noChangeAspect="1"/>
-          </p:cNvSpPr>
-          <p:nvPr>
-            <p:ph type="sldImg"/>
-          </p:nvPr>
-        </p:nvSpPr>
-        <p:spPr/>
-      </p:sp>
-      <p:sp>
-        <p:nvSpPr>
-          <p:cNvPr id="3" name="Заметки 2"/>
-          <p:cNvSpPr>
-            <a:spLocks noGrp="1"/>
-          </p:cNvSpPr>
-          <p:nvPr>
-            <p:ph type="body" idx="1"/>
-          </p:nvPr>
-        </p:nvSpPr>
-        <p:spPr/>
-        <p:txBody>
-          <a:bodyPr/>
-          <a:lstStyle/>
-          <a:p>
-            <a:endParaRPr lang="ru-RU"/>
-          </a:p>
-        </p:txBody>
-      </p:sp>
-      <p:sp>
-        <p:nvSpPr>
-          <p:cNvPr id="4" name="Номер слайда 3"/>
-          <p:cNvSpPr>
-            <a:spLocks noGrp="1"/>
-          </p:cNvSpPr>
-          <p:nvPr>
-            <p:ph type="sldNum" sz="quarter" idx="10"/>
-          </p:nvPr>
-        </p:nvSpPr>
-        <p:spPr/>
-        <p:txBody>
-          <a:bodyPr/>
-          <a:lstStyle/>
-          <a:p>
-            <a:fld id="{2C580A59-B265-4FF3-9170-5C16494D3846}" type="slidenum">
-              <a:rPr lang="ru-RU" smtClean="0"/>
-              <a:t>15</a:t>
-            </a:fld>
-            <a:endParaRPr lang="ru-RU"/>
-          </a:p>
-        </p:txBody>
-      </p:sp>
-    </p:spTree>
-    <p:extLst>
-      <p:ext uri="{BB962C8B-B14F-4D97-AF65-F5344CB8AC3E}">
-        <p14:creationId xmlns:p14="http://schemas.microsoft.com/office/powerpoint/2010/main" val="352740653"/>
-      </p:ext>
-    </p:extLst>
-  </p:cSld>
-  <p:clrMapOvr>
-    <a:masterClrMapping/>
-  </p:clrMapOvr>
-</p:notes>
-</file>
-
-<file path=ppt/notesSlides/notesSlide16.xml><?xml version="1.0" encoding="utf-8"?>
-<p:notes xmlns:a="http://schemas.openxmlformats.org/drawingml/2006/main" xmlns:r="http://schemas.openxmlformats.org/officeDocument/2006/relationships" xmlns:p="http://schemas.openxmlformats.org/presentationml/2006/main">
-  <p:cSld>
-    <p:spTree>
-      <p:nvGrpSpPr>
-        <p:cNvPr id="1" name=""/>
-        <p:cNvGrpSpPr/>
-        <p:nvPr/>
-      </p:nvGrpSpPr>
-      <p:grpSpPr>
-        <a:xfrm>
-          <a:off x="0" y="0"/>
-          <a:ext cx="0" cy="0"/>
-          <a:chOff x="0" y="0"/>
-          <a:chExt cx="0" cy="0"/>
-        </a:xfrm>
-      </p:grpSpPr>
-      <p:sp>
-        <p:nvSpPr>
-          <p:cNvPr id="2" name="Образ слайда 1"/>
-          <p:cNvSpPr>
-            <a:spLocks noGrp="1" noRot="1" noChangeAspect="1"/>
-          </p:cNvSpPr>
-          <p:nvPr>
-            <p:ph type="sldImg"/>
-          </p:nvPr>
-        </p:nvSpPr>
-        <p:spPr/>
-      </p:sp>
-      <p:sp>
-        <p:nvSpPr>
-          <p:cNvPr id="3" name="Заметки 2"/>
-          <p:cNvSpPr>
-            <a:spLocks noGrp="1"/>
-          </p:cNvSpPr>
-          <p:nvPr>
-            <p:ph type="body" idx="1"/>
-          </p:nvPr>
-        </p:nvSpPr>
-        <p:spPr/>
-        <p:txBody>
-          <a:bodyPr/>
-          <a:lstStyle/>
-          <a:p>
-            <a:endParaRPr lang="ru-RU"/>
-          </a:p>
-        </p:txBody>
-      </p:sp>
-      <p:sp>
-        <p:nvSpPr>
-          <p:cNvPr id="4" name="Номер слайда 3"/>
-          <p:cNvSpPr>
-            <a:spLocks noGrp="1"/>
-          </p:cNvSpPr>
-          <p:nvPr>
-            <p:ph type="sldNum" sz="quarter" idx="10"/>
-          </p:nvPr>
-        </p:nvSpPr>
-        <p:spPr/>
-        <p:txBody>
-          <a:bodyPr/>
-          <a:lstStyle/>
-          <a:p>
-            <a:fld id="{2C580A59-B265-4FF3-9170-5C16494D3846}" type="slidenum">
-              <a:rPr lang="ru-RU" smtClean="0"/>
-              <a:t>16</a:t>
-            </a:fld>
-            <a:endParaRPr lang="ru-RU"/>
-          </a:p>
-        </p:txBody>
-      </p:sp>
-    </p:spTree>
-    <p:extLst>
-      <p:ext uri="{BB962C8B-B14F-4D97-AF65-F5344CB8AC3E}">
-        <p14:creationId xmlns:p14="http://schemas.microsoft.com/office/powerpoint/2010/main" val="1113517491"/>
-      </p:ext>
-    </p:extLst>
-  </p:cSld>
-  <p:clrMapOvr>
-    <a:masterClrMapping/>
-  </p:clrMapOvr>
-</p:notes>
-</file>
-
-<file path=ppt/notesSlides/notesSlide17.xml><?xml version="1.0" encoding="utf-8"?>
-<p:notes xmlns:a="http://schemas.openxmlformats.org/drawingml/2006/main" xmlns:r="http://schemas.openxmlformats.org/officeDocument/2006/relationships" xmlns:p="http://schemas.openxmlformats.org/presentationml/2006/main">
-  <p:cSld>
-    <p:spTree>
-      <p:nvGrpSpPr>
-        <p:cNvPr id="1" name=""/>
-        <p:cNvGrpSpPr/>
-        <p:nvPr/>
-      </p:nvGrpSpPr>
-      <p:grpSpPr>
-        <a:xfrm>
-          <a:off x="0" y="0"/>
-          <a:ext cx="0" cy="0"/>
-          <a:chOff x="0" y="0"/>
-          <a:chExt cx="0" cy="0"/>
-        </a:xfrm>
-      </p:grpSpPr>
-      <p:sp>
-        <p:nvSpPr>
-          <p:cNvPr id="2" name="Образ слайда 1"/>
-          <p:cNvSpPr>
-            <a:spLocks noGrp="1" noRot="1" noChangeAspect="1"/>
-          </p:cNvSpPr>
-          <p:nvPr>
-            <p:ph type="sldImg"/>
-          </p:nvPr>
-        </p:nvSpPr>
-        <p:spPr/>
-      </p:sp>
-      <p:sp>
-        <p:nvSpPr>
-          <p:cNvPr id="3" name="Заметки 2"/>
-          <p:cNvSpPr>
-            <a:spLocks noGrp="1"/>
-          </p:cNvSpPr>
-          <p:nvPr>
-            <p:ph type="body" idx="1"/>
-          </p:nvPr>
-        </p:nvSpPr>
-        <p:spPr/>
-        <p:txBody>
-          <a:bodyPr/>
-          <a:lstStyle/>
-          <a:p>
-            <a:endParaRPr lang="ru-RU"/>
-          </a:p>
-        </p:txBody>
-      </p:sp>
-      <p:sp>
-        <p:nvSpPr>
-          <p:cNvPr id="4" name="Номер слайда 3"/>
-          <p:cNvSpPr>
-            <a:spLocks noGrp="1"/>
-          </p:cNvSpPr>
-          <p:nvPr>
-            <p:ph type="sldNum" sz="quarter" idx="10"/>
-          </p:nvPr>
-        </p:nvSpPr>
-        <p:spPr/>
-        <p:txBody>
-          <a:bodyPr/>
-          <a:lstStyle/>
-          <a:p>
-            <a:fld id="{2C580A59-B265-4FF3-9170-5C16494D3846}" type="slidenum">
-              <a:rPr lang="ru-RU" smtClean="0"/>
-              <a:t>17</a:t>
             </a:fld>
             <a:endParaRPr lang="ru-RU"/>
           </a:p>
@@ -2729,7 +3308,7 @@
     </p:spTree>
     <p:extLst>
       <p:ext uri="{BB962C8B-B14F-4D97-AF65-F5344CB8AC3E}">
-        <p14:creationId xmlns:p14="http://schemas.microsoft.com/office/powerpoint/2010/main" val="2155741999"/>
+        <p14:creationId xmlns:p14="http://schemas.microsoft.com/office/powerpoint/2010/main" val="2069019637"/>
       </p:ext>
     </p:extLst>
   </p:cSld>
@@ -2813,7 +3392,7 @@
     </p:spTree>
     <p:extLst>
       <p:ext uri="{BB962C8B-B14F-4D97-AF65-F5344CB8AC3E}">
-        <p14:creationId xmlns:p14="http://schemas.microsoft.com/office/powerpoint/2010/main" val="4208627764"/>
+        <p14:creationId xmlns:p14="http://schemas.microsoft.com/office/powerpoint/2010/main" val="2155741999"/>
       </p:ext>
     </p:extLst>
   </p:cSld>
@@ -2952,7 +3531,7 @@
           <a:p>
             <a:fld id="{ECC89CEC-ADFD-4489-90FF-547616DBC041}" type="datetime1">
               <a:rPr lang="ru-RU" smtClean="0"/>
-              <a:t>25.09.2024</a:t>
+              <a:t>02.10.2024</a:t>
             </a:fld>
             <a:endParaRPr lang="ru-RU"/>
           </a:p>
@@ -3123,7 +3702,7 @@
           <a:p>
             <a:fld id="{86B7BB86-73CF-40D4-8C7F-CA234FF7A1EB}" type="datetime1">
               <a:rPr lang="ru-RU" smtClean="0"/>
-              <a:t>25.09.2024</a:t>
+              <a:t>02.10.2024</a:t>
             </a:fld>
             <a:endParaRPr lang="ru-RU"/>
           </a:p>
@@ -3304,7 +3883,7 @@
           <a:p>
             <a:fld id="{36B73C63-5989-47F0-8A38-867659112843}" type="datetime1">
               <a:rPr lang="ru-RU" smtClean="0"/>
-              <a:t>25.09.2024</a:t>
+              <a:t>02.10.2024</a:t>
             </a:fld>
             <a:endParaRPr lang="ru-RU"/>
           </a:p>
@@ -3475,7 +4054,7 @@
           <a:p>
             <a:fld id="{3BF531FB-401D-4CE6-8E3E-F90EF76016F4}" type="datetime1">
               <a:rPr lang="ru-RU" smtClean="0"/>
-              <a:t>25.09.2024</a:t>
+              <a:t>02.10.2024</a:t>
             </a:fld>
             <a:endParaRPr lang="ru-RU"/>
           </a:p>
@@ -3723,7 +4302,7 @@
           <a:p>
             <a:fld id="{90C6E959-BFD7-4835-A209-4198B71FE91E}" type="datetime1">
               <a:rPr lang="ru-RU" smtClean="0"/>
-              <a:t>25.09.2024</a:t>
+              <a:t>02.10.2024</a:t>
             </a:fld>
             <a:endParaRPr lang="ru-RU"/>
           </a:p>
@@ -3955,7 +4534,7 @@
           <a:p>
             <a:fld id="{523FC2E9-7EB8-4737-8E9A-9590B7C8EA3D}" type="datetime1">
               <a:rPr lang="ru-RU" smtClean="0"/>
-              <a:t>25.09.2024</a:t>
+              <a:t>02.10.2024</a:t>
             </a:fld>
             <a:endParaRPr lang="ru-RU"/>
           </a:p>
@@ -4322,7 +4901,7 @@
           <a:p>
             <a:fld id="{AD9897CF-2BDA-410D-933A-6B9BAFD70E05}" type="datetime1">
               <a:rPr lang="ru-RU" smtClean="0"/>
-              <a:t>25.09.2024</a:t>
+              <a:t>02.10.2024</a:t>
             </a:fld>
             <a:endParaRPr lang="ru-RU"/>
           </a:p>
@@ -4442,7 +5021,7 @@
           <a:p>
             <a:fld id="{417622BC-58AC-4A2D-91CE-B90BE15D141D}" type="datetime1">
               <a:rPr lang="ru-RU" smtClean="0"/>
-              <a:t>25.09.2024</a:t>
+              <a:t>02.10.2024</a:t>
             </a:fld>
             <a:endParaRPr lang="ru-RU"/>
           </a:p>
@@ -4540,7 +5119,7 @@
           <a:p>
             <a:fld id="{2DD411C1-03FD-4174-8B29-1952A17761AD}" type="datetime1">
               <a:rPr lang="ru-RU" smtClean="0"/>
-              <a:t>25.09.2024</a:t>
+              <a:t>02.10.2024</a:t>
             </a:fld>
             <a:endParaRPr lang="ru-RU"/>
           </a:p>
@@ -4818,7 +5397,7 @@
           <a:p>
             <a:fld id="{8CD6FCDF-025A-4558-B7C0-9D70D2EBCE6F}" type="datetime1">
               <a:rPr lang="ru-RU" smtClean="0"/>
-              <a:t>25.09.2024</a:t>
+              <a:t>02.10.2024</a:t>
             </a:fld>
             <a:endParaRPr lang="ru-RU"/>
           </a:p>
@@ -5073,7 +5652,7 @@
           <a:p>
             <a:fld id="{4636EB14-F614-45DD-AF15-06D5CD69D646}" type="datetime1">
               <a:rPr lang="ru-RU" smtClean="0"/>
-              <a:t>25.09.2024</a:t>
+              <a:t>02.10.2024</a:t>
             </a:fld>
             <a:endParaRPr lang="ru-RU"/>
           </a:p>
@@ -5289,7 +5868,7 @@
             <a:fld id="{149376B8-C295-4A7D-87DF-C95CA526DB0A}" type="datetime1">
               <a:rPr lang="ru-RU" smtClean="0"/>
               <a:pPr/>
-              <a:t>25.09.2024</a:t>
+              <a:t>02.10.2024</a:t>
             </a:fld>
             <a:endParaRPr lang="ru-RU" dirty="0"/>
           </a:p>
@@ -5744,7 +6323,7 @@
                 <a:latin typeface="Montserrat" panose="00000500000000000000" pitchFamily="2" charset="0"/>
                 <a:cs typeface="Arial" panose="020B0604020202020204" pitchFamily="34" charset="0"/>
               </a:rPr>
-              <a:t>«Цена и рынок. Использование метода целевых издержек для обеспечения конкурентоспособности продукции»</a:t>
+              <a:t>«Виды затрат и методы их прогнозирования при реализации проекта»</a:t>
             </a:r>
           </a:p>
         </p:txBody>
@@ -6168,10 +6747,10 @@
                 <a:latin typeface="Montserrat" panose="00000500000000000000" pitchFamily="2" charset="0"/>
                 <a:cs typeface="Arial" panose="020B0604020202020204" pitchFamily="34" charset="0"/>
               </a:rPr>
-              <a:t>Эластичность спроса</a:t>
+              <a:t>Количественный прогноз</a:t>
             </a:r>
             <a:br>
-              <a:rPr lang="ru-RU" b="1" dirty="0">
+              <a:rPr lang="en-US" b="1" dirty="0">
                 <a:solidFill>
                   <a:srgbClr val="326CDB"/>
                 </a:solidFill>
@@ -6187,74 +6766,8 @@
                 <a:latin typeface="Montserrat" panose="00000500000000000000" pitchFamily="2" charset="0"/>
                 <a:cs typeface="Arial" panose="020B0604020202020204" pitchFamily="34" charset="0"/>
               </a:rPr>
-              <a:t>по цене</a:t>
-            </a:r>
-          </a:p>
-        </p:txBody>
-      </p:sp>
-      <p:sp>
-        <p:nvSpPr>
-          <p:cNvPr id="3" name="Объект 2"/>
-          <p:cNvSpPr>
-            <a:spLocks noGrp="1"/>
-          </p:cNvSpPr>
-          <p:nvPr>
-            <p:ph idx="1"/>
-          </p:nvPr>
-        </p:nvSpPr>
-        <p:spPr>
-          <a:xfrm>
-            <a:off x="838200" y="2179201"/>
-            <a:ext cx="4897582" cy="1472955"/>
-          </a:xfrm>
-        </p:spPr>
-        <p:txBody>
-          <a:bodyPr>
-            <a:normAutofit/>
-          </a:bodyPr>
-          <a:lstStyle/>
-          <a:p>
-            <a:pPr marL="0" indent="0" algn="ctr">
-              <a:lnSpc>
-                <a:spcPct val="100000"/>
-              </a:lnSpc>
-              <a:buNone/>
-            </a:pPr>
-            <a:r>
-              <a:rPr lang="ru-RU" sz="1800" b="1" dirty="0">
-                <a:solidFill>
-                  <a:srgbClr val="326CDB"/>
-                </a:solidFill>
-                <a:latin typeface="Montserrat" panose="00000500000000000000" pitchFamily="2" charset="0"/>
-              </a:rPr>
-              <a:t>Неэластичный спрос</a:t>
-            </a:r>
-          </a:p>
-          <a:p>
-            <a:pPr marL="0" indent="0" algn="ctr">
-              <a:lnSpc>
-                <a:spcPct val="100000"/>
-              </a:lnSpc>
-              <a:buNone/>
-            </a:pPr>
-            <a:r>
-              <a:rPr lang="ru-RU" sz="1800" dirty="0">
-                <a:solidFill>
-                  <a:schemeClr val="bg1">
-                    <a:lumMod val="50000"/>
-                  </a:schemeClr>
-                </a:solidFill>
-                <a:latin typeface="Montserrat" panose="00000500000000000000" pitchFamily="2" charset="0"/>
-              </a:rPr>
-              <a:t>базовые лекарства, молоко, крупы, хлеб, соль, сахар</a:t>
-            </a:r>
-            <a:endParaRPr lang="ru-RU" sz="1800" dirty="0">
-              <a:solidFill>
-                <a:schemeClr val="bg1">
-                  <a:lumMod val="50000"/>
-                </a:schemeClr>
-              </a:solidFill>
-            </a:endParaRPr>
+              <a:t>Прогноз итоговых затрат</a:t>
+            </a:r>
           </a:p>
         </p:txBody>
       </p:sp>
@@ -6353,423 +6866,403 @@
           </a:extLst>
         </p:spPr>
       </p:pic>
-      <p:sp>
-        <p:nvSpPr>
-          <p:cNvPr id="8" name="Объект 2">
-            <a:extLst>
-              <a:ext uri="{FF2B5EF4-FFF2-40B4-BE49-F238E27FC236}">
-                <a16:creationId xmlns:a16="http://schemas.microsoft.com/office/drawing/2014/main" id="{426C69A6-A2F1-40A8-B889-C63B1AE0A2E3}"/>
-              </a:ext>
-            </a:extLst>
-          </p:cNvPr>
-          <p:cNvSpPr txBox="1">
-            <a:spLocks/>
-          </p:cNvSpPr>
-          <p:nvPr/>
-        </p:nvSpPr>
-        <p:spPr>
-          <a:xfrm>
-            <a:off x="6096000" y="2179201"/>
-            <a:ext cx="4897582" cy="1472955"/>
-          </a:xfrm>
-          <a:prstGeom prst="rect">
-            <a:avLst/>
-          </a:prstGeom>
-        </p:spPr>
-        <p:txBody>
-          <a:bodyPr vert="horz" lIns="91440" tIns="45720" rIns="91440" bIns="45720" rtlCol="0">
-            <a:normAutofit/>
-          </a:bodyPr>
-          <a:lstStyle>
-            <a:lvl1pPr marL="228600" indent="-228600" algn="l" defTabSz="914400" rtl="0" eaLnBrk="1" latinLnBrk="0" hangingPunct="1">
-              <a:lnSpc>
-                <a:spcPct val="90000"/>
-              </a:lnSpc>
-              <a:spcBef>
-                <a:spcPts val="1000"/>
-              </a:spcBef>
-              <a:buFont typeface="Arial" panose="020B0604020202020204" pitchFamily="34" charset="0"/>
-              <a:buChar char="•"/>
-              <a:defRPr sz="2800" kern="1200">
-                <a:solidFill>
-                  <a:schemeClr val="tx1"/>
-                </a:solidFill>
-                <a:latin typeface="Montserrat" panose="00000500000000000000" pitchFamily="2" charset="0"/>
-                <a:ea typeface="+mn-ea"/>
-                <a:cs typeface="+mn-cs"/>
-              </a:defRPr>
-            </a:lvl1pPr>
-            <a:lvl2pPr marL="685800" indent="-228600" algn="l" defTabSz="914400" rtl="0" eaLnBrk="1" latinLnBrk="0" hangingPunct="1">
-              <a:lnSpc>
-                <a:spcPct val="90000"/>
-              </a:lnSpc>
-              <a:spcBef>
-                <a:spcPts val="500"/>
-              </a:spcBef>
-              <a:buFont typeface="Arial" panose="020B0604020202020204" pitchFamily="34" charset="0"/>
-              <a:buChar char="•"/>
-              <a:defRPr sz="2400" kern="1200">
-                <a:solidFill>
-                  <a:schemeClr val="tx1"/>
-                </a:solidFill>
-                <a:latin typeface="Montserrat" panose="00000500000000000000" pitchFamily="2" charset="0"/>
-                <a:ea typeface="+mn-ea"/>
-                <a:cs typeface="+mn-cs"/>
-              </a:defRPr>
-            </a:lvl2pPr>
-            <a:lvl3pPr marL="1143000" indent="-228600" algn="l" defTabSz="914400" rtl="0" eaLnBrk="1" latinLnBrk="0" hangingPunct="1">
-              <a:lnSpc>
-                <a:spcPct val="90000"/>
-              </a:lnSpc>
-              <a:spcBef>
-                <a:spcPts val="500"/>
-              </a:spcBef>
-              <a:buFont typeface="Arial" panose="020B0604020202020204" pitchFamily="34" charset="0"/>
-              <a:buChar char="•"/>
-              <a:defRPr sz="2000" kern="1200">
-                <a:solidFill>
-                  <a:schemeClr val="tx1"/>
-                </a:solidFill>
-                <a:latin typeface="Montserrat" panose="00000500000000000000" pitchFamily="2" charset="0"/>
-                <a:ea typeface="+mn-ea"/>
-                <a:cs typeface="+mn-cs"/>
-              </a:defRPr>
-            </a:lvl3pPr>
-            <a:lvl4pPr marL="1600200" indent="-228600" algn="l" defTabSz="914400" rtl="0" eaLnBrk="1" latinLnBrk="0" hangingPunct="1">
-              <a:lnSpc>
-                <a:spcPct val="90000"/>
-              </a:lnSpc>
-              <a:spcBef>
-                <a:spcPts val="500"/>
-              </a:spcBef>
-              <a:buFont typeface="Arial" panose="020B0604020202020204" pitchFamily="34" charset="0"/>
-              <a:buChar char="•"/>
-              <a:defRPr sz="1800" kern="1200">
-                <a:solidFill>
-                  <a:schemeClr val="tx1"/>
-                </a:solidFill>
-                <a:latin typeface="Montserrat" panose="00000500000000000000" pitchFamily="2" charset="0"/>
-                <a:ea typeface="+mn-ea"/>
-                <a:cs typeface="+mn-cs"/>
-              </a:defRPr>
-            </a:lvl4pPr>
-            <a:lvl5pPr marL="2057400" indent="-228600" algn="l" defTabSz="914400" rtl="0" eaLnBrk="1" latinLnBrk="0" hangingPunct="1">
-              <a:lnSpc>
-                <a:spcPct val="90000"/>
-              </a:lnSpc>
-              <a:spcBef>
-                <a:spcPts val="500"/>
-              </a:spcBef>
-              <a:buFont typeface="Arial" panose="020B0604020202020204" pitchFamily="34" charset="0"/>
-              <a:buChar char="•"/>
-              <a:defRPr sz="1800" kern="1200">
-                <a:solidFill>
-                  <a:schemeClr val="tx1"/>
-                </a:solidFill>
-                <a:latin typeface="Montserrat" panose="00000500000000000000" pitchFamily="2" charset="0"/>
-                <a:ea typeface="+mn-ea"/>
-                <a:cs typeface="+mn-cs"/>
-              </a:defRPr>
-            </a:lvl5pPr>
-            <a:lvl6pPr marL="2514600" indent="-228600" algn="l" defTabSz="914400" rtl="0" eaLnBrk="1" latinLnBrk="0" hangingPunct="1">
-              <a:lnSpc>
-                <a:spcPct val="90000"/>
-              </a:lnSpc>
-              <a:spcBef>
-                <a:spcPts val="500"/>
-              </a:spcBef>
-              <a:buFont typeface="Arial" panose="020B0604020202020204" pitchFamily="34" charset="0"/>
-              <a:buChar char="•"/>
-              <a:defRPr sz="1800" kern="1200">
-                <a:solidFill>
-                  <a:schemeClr val="tx1"/>
-                </a:solidFill>
-                <a:latin typeface="+mn-lt"/>
-                <a:ea typeface="+mn-ea"/>
-                <a:cs typeface="+mn-cs"/>
-              </a:defRPr>
-            </a:lvl6pPr>
-            <a:lvl7pPr marL="2971800" indent="-228600" algn="l" defTabSz="914400" rtl="0" eaLnBrk="1" latinLnBrk="0" hangingPunct="1">
-              <a:lnSpc>
-                <a:spcPct val="90000"/>
-              </a:lnSpc>
-              <a:spcBef>
-                <a:spcPts val="500"/>
-              </a:spcBef>
-              <a:buFont typeface="Arial" panose="020B0604020202020204" pitchFamily="34" charset="0"/>
-              <a:buChar char="•"/>
-              <a:defRPr sz="1800" kern="1200">
-                <a:solidFill>
-                  <a:schemeClr val="tx1"/>
-                </a:solidFill>
-                <a:latin typeface="+mn-lt"/>
-                <a:ea typeface="+mn-ea"/>
-                <a:cs typeface="+mn-cs"/>
-              </a:defRPr>
-            </a:lvl7pPr>
-            <a:lvl8pPr marL="3429000" indent="-228600" algn="l" defTabSz="914400" rtl="0" eaLnBrk="1" latinLnBrk="0" hangingPunct="1">
-              <a:lnSpc>
-                <a:spcPct val="90000"/>
-              </a:lnSpc>
-              <a:spcBef>
-                <a:spcPts val="500"/>
-              </a:spcBef>
-              <a:buFont typeface="Arial" panose="020B0604020202020204" pitchFamily="34" charset="0"/>
-              <a:buChar char="•"/>
-              <a:defRPr sz="1800" kern="1200">
-                <a:solidFill>
-                  <a:schemeClr val="tx1"/>
-                </a:solidFill>
-                <a:latin typeface="+mn-lt"/>
-                <a:ea typeface="+mn-ea"/>
-                <a:cs typeface="+mn-cs"/>
-              </a:defRPr>
-            </a:lvl8pPr>
-            <a:lvl9pPr marL="3886200" indent="-228600" algn="l" defTabSz="914400" rtl="0" eaLnBrk="1" latinLnBrk="0" hangingPunct="1">
-              <a:lnSpc>
-                <a:spcPct val="90000"/>
-              </a:lnSpc>
-              <a:spcBef>
-                <a:spcPts val="500"/>
-              </a:spcBef>
-              <a:buFont typeface="Arial" panose="020B0604020202020204" pitchFamily="34" charset="0"/>
-              <a:buChar char="•"/>
-              <a:defRPr sz="1800" kern="1200">
-                <a:solidFill>
-                  <a:schemeClr val="tx1"/>
-                </a:solidFill>
-                <a:latin typeface="+mn-lt"/>
-                <a:ea typeface="+mn-ea"/>
-                <a:cs typeface="+mn-cs"/>
-              </a:defRPr>
-            </a:lvl9pPr>
-          </a:lstStyle>
-          <a:p>
-            <a:pPr marL="0" indent="0" algn="ctr">
-              <a:lnSpc>
-                <a:spcPct val="100000"/>
-              </a:lnSpc>
-              <a:buFont typeface="Arial" panose="020B0604020202020204" pitchFamily="34" charset="0"/>
-              <a:buNone/>
-            </a:pPr>
-            <a:r>
-              <a:rPr lang="ru-RU" sz="1800" b="1" dirty="0">
-                <a:solidFill>
-                  <a:srgbClr val="326CDB"/>
-                </a:solidFill>
-              </a:rPr>
-              <a:t>Эластичный спрос</a:t>
-            </a:r>
-          </a:p>
-          <a:p>
-            <a:pPr marL="0" indent="0" algn="ctr">
-              <a:lnSpc>
-                <a:spcPct val="100000"/>
-              </a:lnSpc>
-              <a:buFont typeface="Arial" panose="020B0604020202020204" pitchFamily="34" charset="0"/>
-              <a:buNone/>
-            </a:pPr>
-            <a:r>
-              <a:rPr lang="ru-RU" sz="1800" dirty="0">
-                <a:solidFill>
-                  <a:schemeClr val="bg1">
-                    <a:lumMod val="50000"/>
-                  </a:schemeClr>
-                </a:solidFill>
-              </a:rPr>
-              <a:t>деликатесы, фрукты, сладости, мебель и бытовая техника, а также сфера услуг и развлечений</a:t>
-            </a:r>
-          </a:p>
-          <a:p>
-            <a:pPr marL="0" indent="0">
-              <a:lnSpc>
-                <a:spcPct val="150000"/>
-              </a:lnSpc>
-              <a:buFont typeface="Arial" panose="020B0604020202020204" pitchFamily="34" charset="0"/>
-              <a:buNone/>
-            </a:pPr>
-            <a:endParaRPr lang="ru-RU" sz="1500" dirty="0">
-              <a:solidFill>
-                <a:schemeClr val="bg1">
-                  <a:lumMod val="50000"/>
-                </a:schemeClr>
-              </a:solidFill>
-            </a:endParaRPr>
-          </a:p>
-          <a:p>
-            <a:pPr marL="0" indent="0">
-              <a:lnSpc>
-                <a:spcPct val="150000"/>
-              </a:lnSpc>
-              <a:buFont typeface="Arial" panose="020B0604020202020204" pitchFamily="34" charset="0"/>
-              <a:buNone/>
-            </a:pPr>
-            <a:endParaRPr lang="ru-RU" sz="1500" dirty="0">
-              <a:solidFill>
-                <a:schemeClr val="bg1">
-                  <a:lumMod val="50000"/>
-                </a:schemeClr>
-              </a:solidFill>
-            </a:endParaRPr>
-          </a:p>
-        </p:txBody>
-      </p:sp>
-      <p:sp>
-        <p:nvSpPr>
-          <p:cNvPr id="10" name="TextBox 9">
-            <a:extLst>
-              <a:ext uri="{FF2B5EF4-FFF2-40B4-BE49-F238E27FC236}">
-                <a16:creationId xmlns:a16="http://schemas.microsoft.com/office/drawing/2014/main" id="{CA34E12E-4C3B-42AE-966D-48234B6733F0}"/>
-              </a:ext>
-            </a:extLst>
-          </p:cNvPr>
-          <p:cNvSpPr txBox="1"/>
-          <p:nvPr/>
-        </p:nvSpPr>
-        <p:spPr>
-          <a:xfrm>
-            <a:off x="838200" y="3949967"/>
-            <a:ext cx="4765964" cy="1161280"/>
-          </a:xfrm>
-          <a:prstGeom prst="rect">
-            <a:avLst/>
-          </a:prstGeom>
-          <a:noFill/>
-        </p:spPr>
-        <p:txBody>
-          <a:bodyPr wrap="square">
-            <a:spAutoFit/>
-          </a:bodyPr>
-          <a:lstStyle/>
-          <a:p>
-            <a:pPr marL="0" indent="0" algn="ctr">
-              <a:lnSpc>
-                <a:spcPct val="150000"/>
-              </a:lnSpc>
-              <a:buNone/>
-            </a:pPr>
-            <a:r>
-              <a:rPr lang="ru-RU" sz="1800" b="1" dirty="0">
-                <a:solidFill>
-                  <a:srgbClr val="326CDB"/>
-                </a:solidFill>
-                <a:latin typeface="Montserrat" panose="00000500000000000000" pitchFamily="2" charset="0"/>
-              </a:rPr>
-              <a:t>Товары </a:t>
-            </a:r>
-            <a:r>
-              <a:rPr lang="ru-RU" sz="1800" b="1" dirty="0" err="1">
-                <a:solidFill>
-                  <a:srgbClr val="326CDB"/>
-                </a:solidFill>
-                <a:latin typeface="Montserrat" panose="00000500000000000000" pitchFamily="2" charset="0"/>
-              </a:rPr>
-              <a:t>Гиффена</a:t>
-            </a:r>
-            <a:endParaRPr lang="ru-RU" sz="1800" b="1" dirty="0">
-              <a:solidFill>
-                <a:srgbClr val="326CDB"/>
-              </a:solidFill>
-              <a:latin typeface="Montserrat" panose="00000500000000000000" pitchFamily="2" charset="0"/>
-            </a:endParaRPr>
-          </a:p>
-          <a:p>
-            <a:pPr marL="0" indent="0" algn="ctr">
-              <a:lnSpc>
-                <a:spcPct val="150000"/>
-              </a:lnSpc>
-              <a:buNone/>
-            </a:pPr>
-            <a:r>
-              <a:rPr lang="ru-RU" sz="1500" dirty="0">
-                <a:latin typeface="Montserrat" panose="00000500000000000000" pitchFamily="2" charset="0"/>
-              </a:rPr>
-              <a:t>люди будут покупать их, даже если стоимость сильно изменится</a:t>
-            </a:r>
-          </a:p>
-        </p:txBody>
-      </p:sp>
-      <p:sp>
-        <p:nvSpPr>
-          <p:cNvPr id="13" name="TextBox 12">
-            <a:extLst>
-              <a:ext uri="{FF2B5EF4-FFF2-40B4-BE49-F238E27FC236}">
-                <a16:creationId xmlns:a16="http://schemas.microsoft.com/office/drawing/2014/main" id="{8EB44BDF-E5AA-4176-B86D-E881FC5501F9}"/>
-              </a:ext>
-            </a:extLst>
-          </p:cNvPr>
-          <p:cNvSpPr txBox="1"/>
-          <p:nvPr/>
-        </p:nvSpPr>
-        <p:spPr>
-          <a:xfrm>
-            <a:off x="6104776" y="3949967"/>
-            <a:ext cx="4888805" cy="1161280"/>
-          </a:xfrm>
-          <a:prstGeom prst="rect">
-            <a:avLst/>
-          </a:prstGeom>
-          <a:noFill/>
-        </p:spPr>
-        <p:txBody>
-          <a:bodyPr wrap="square">
-            <a:spAutoFit/>
-          </a:bodyPr>
-          <a:lstStyle/>
-          <a:p>
-            <a:pPr marL="0" indent="0" algn="ctr">
-              <a:lnSpc>
-                <a:spcPct val="150000"/>
-              </a:lnSpc>
-              <a:buFont typeface="Arial" panose="020B0604020202020204" pitchFamily="34" charset="0"/>
-              <a:buNone/>
-            </a:pPr>
-            <a:r>
-              <a:rPr lang="ru-RU" sz="1800" b="1" dirty="0">
-                <a:solidFill>
-                  <a:srgbClr val="326CDB"/>
-                </a:solidFill>
-                <a:latin typeface="Montserrat" panose="00000500000000000000" pitchFamily="2" charset="0"/>
-              </a:rPr>
-              <a:t>эффектом </a:t>
-            </a:r>
-            <a:r>
-              <a:rPr lang="ru-RU" sz="1800" b="1" dirty="0" err="1">
-                <a:solidFill>
-                  <a:srgbClr val="326CDB"/>
-                </a:solidFill>
-                <a:latin typeface="Montserrat" panose="00000500000000000000" pitchFamily="2" charset="0"/>
-              </a:rPr>
-              <a:t>Веблена</a:t>
-            </a:r>
-            <a:endParaRPr lang="ru-RU" sz="1800" b="1" dirty="0">
-              <a:solidFill>
-                <a:srgbClr val="326CDB"/>
-              </a:solidFill>
-              <a:latin typeface="Montserrat" panose="00000500000000000000" pitchFamily="2" charset="0"/>
-            </a:endParaRPr>
-          </a:p>
-          <a:p>
-            <a:pPr marL="0" indent="0" algn="ctr">
-              <a:lnSpc>
-                <a:spcPct val="150000"/>
-              </a:lnSpc>
-              <a:buFont typeface="Arial" panose="020B0604020202020204" pitchFamily="34" charset="0"/>
-              <a:buNone/>
-            </a:pPr>
-            <a:r>
-              <a:rPr lang="ru-RU" sz="1500" dirty="0">
-                <a:latin typeface="Montserrat" panose="00000500000000000000" pitchFamily="2" charset="0"/>
-              </a:rPr>
-              <a:t>сбыт престижных товаров растет вслед за увеличением цен</a:t>
-            </a:r>
-          </a:p>
-        </p:txBody>
-      </p:sp>
+      <mc:AlternateContent xmlns:mc="http://schemas.openxmlformats.org/markup-compatibility/2006" xmlns:a14="http://schemas.microsoft.com/office/drawing/2010/main">
+        <mc:Choice Requires="a14">
+          <p:sp>
+            <p:nvSpPr>
+              <p:cNvPr id="8" name="Объект 7">
+                <a:extLst>
+                  <a:ext uri="{FF2B5EF4-FFF2-40B4-BE49-F238E27FC236}">
+                    <a16:creationId xmlns:a16="http://schemas.microsoft.com/office/drawing/2014/main" id="{A227D1F5-EE09-4BAB-8EF1-3AC29685FF88}"/>
+                  </a:ext>
+                </a:extLst>
+              </p:cNvPr>
+              <p:cNvSpPr>
+                <a:spLocks noGrp="1"/>
+              </p:cNvSpPr>
+              <p:nvPr>
+                <p:ph idx="1"/>
+              </p:nvPr>
+            </p:nvSpPr>
+            <p:spPr>
+              <a:xfrm>
+                <a:off x="838200" y="1825625"/>
+                <a:ext cx="10515600" cy="4105275"/>
+              </a:xfrm>
+            </p:spPr>
+            <p:txBody>
+              <a:bodyPr anchor="t">
+                <a:normAutofit/>
+              </a:bodyPr>
+              <a:lstStyle/>
+              <a:p>
+                <a:pPr marL="0" indent="0">
+                  <a:lnSpc>
+                    <a:spcPct val="150000"/>
+                  </a:lnSpc>
+                  <a:buNone/>
+                </a:pPr>
+                <a:r>
+                  <a:rPr lang="ru-RU" sz="1800" b="1" dirty="0"/>
+                  <a:t>Метод простой линейной экстраполяции</a:t>
+                </a:r>
+              </a:p>
+              <a:p>
+                <a:pPr marL="0" indent="0">
+                  <a:lnSpc>
+                    <a:spcPct val="150000"/>
+                  </a:lnSpc>
+                  <a:buNone/>
+                </a:pPr>
+                <a14:m>
+                  <m:oMathPara xmlns:m="http://schemas.openxmlformats.org/officeDocument/2006/math">
+                    <m:oMathParaPr>
+                      <m:jc m:val="centerGroup"/>
+                    </m:oMathParaPr>
+                    <m:oMath xmlns:m="http://schemas.openxmlformats.org/officeDocument/2006/math">
+                      <m:sSub>
+                        <m:sSubPr>
+                          <m:ctrlPr>
+                            <a:rPr lang="ru-RU" sz="2200" b="1" i="1" smtClean="0">
+                              <a:latin typeface="Cambria Math" panose="02040503050406030204" pitchFamily="18" charset="0"/>
+                            </a:rPr>
+                          </m:ctrlPr>
+                        </m:sSubPr>
+                        <m:e>
+                          <m:r>
+                            <a:rPr lang="en-US" sz="2200" b="1" i="1" smtClean="0">
+                              <a:latin typeface="Cambria Math" panose="02040503050406030204" pitchFamily="18" charset="0"/>
+                            </a:rPr>
+                            <m:t>𝑪</m:t>
+                          </m:r>
+                        </m:e>
+                        <m:sub>
+                          <m:r>
+                            <a:rPr lang="ru-RU" sz="2200" b="1" i="1" smtClean="0">
+                              <a:latin typeface="Cambria Math" panose="02040503050406030204" pitchFamily="18" charset="0"/>
+                            </a:rPr>
+                            <m:t>пр</m:t>
+                          </m:r>
+                        </m:sub>
+                      </m:sSub>
+                      <m:r>
+                        <a:rPr lang="ru-RU" sz="2200" b="1" i="1" smtClean="0">
+                          <a:latin typeface="Cambria Math" panose="02040503050406030204" pitchFamily="18" charset="0"/>
+                        </a:rPr>
+                        <m:t>=</m:t>
+                      </m:r>
+                      <m:f>
+                        <m:fPr>
+                          <m:ctrlPr>
+                            <a:rPr lang="ru-RU" sz="2200" b="1" i="1" smtClean="0">
+                              <a:latin typeface="Cambria Math" panose="02040503050406030204" pitchFamily="18" charset="0"/>
+                            </a:rPr>
+                          </m:ctrlPr>
+                        </m:fPr>
+                        <m:num>
+                          <m:sSub>
+                            <m:sSubPr>
+                              <m:ctrlPr>
+                                <a:rPr lang="ru-RU" sz="2200" b="1" i="1" smtClean="0">
+                                  <a:latin typeface="Cambria Math" panose="02040503050406030204" pitchFamily="18" charset="0"/>
+                                </a:rPr>
+                              </m:ctrlPr>
+                            </m:sSubPr>
+                            <m:e>
+                              <m:r>
+                                <a:rPr lang="en-US" sz="2200" b="1" i="1" smtClean="0">
+                                  <a:latin typeface="Cambria Math" panose="02040503050406030204" pitchFamily="18" charset="0"/>
+                                </a:rPr>
+                                <m:t>𝑪</m:t>
+                              </m:r>
+                            </m:e>
+                            <m:sub>
+                              <m:r>
+                                <a:rPr lang="en-US" sz="2200" b="1" i="1" smtClean="0">
+                                  <a:latin typeface="Cambria Math" panose="02040503050406030204" pitchFamily="18" charset="0"/>
+                                </a:rPr>
+                                <m:t>𝒕</m:t>
+                              </m:r>
+                            </m:sub>
+                          </m:sSub>
+                        </m:num>
+                        <m:den>
+                          <m:sSub>
+                            <m:sSubPr>
+                              <m:ctrlPr>
+                                <a:rPr lang="ru-RU" sz="2200" b="1" i="1">
+                                  <a:latin typeface="Cambria Math" panose="02040503050406030204" pitchFamily="18" charset="0"/>
+                                </a:rPr>
+                              </m:ctrlPr>
+                            </m:sSubPr>
+                            <m:e>
+                              <m:r>
+                                <a:rPr lang="en-US" sz="2200" b="1" i="1" smtClean="0">
+                                  <a:latin typeface="Cambria Math" panose="02040503050406030204" pitchFamily="18" charset="0"/>
+                                </a:rPr>
+                                <m:t>𝑽</m:t>
+                              </m:r>
+                            </m:e>
+                            <m:sub>
+                              <m:r>
+                                <a:rPr lang="en-US" sz="2200" b="1" i="1">
+                                  <a:latin typeface="Cambria Math" panose="02040503050406030204" pitchFamily="18" charset="0"/>
+                                </a:rPr>
+                                <m:t>𝒕</m:t>
+                              </m:r>
+                            </m:sub>
+                          </m:sSub>
+                        </m:den>
+                      </m:f>
+                    </m:oMath>
+                  </m:oMathPara>
+                </a14:m>
+                <a:endParaRPr lang="en-US" sz="2200" b="1" dirty="0"/>
+              </a:p>
+              <a:p>
+                <a:pPr marL="0" indent="0">
+                  <a:lnSpc>
+                    <a:spcPct val="150000"/>
+                  </a:lnSpc>
+                  <a:buNone/>
+                </a:pPr>
+                <a14:m>
+                  <m:oMath xmlns:m="http://schemas.openxmlformats.org/officeDocument/2006/math">
+                    <m:sSub>
+                      <m:sSubPr>
+                        <m:ctrlPr>
+                          <a:rPr lang="ru-RU" sz="1800" b="1" i="1" smtClean="0">
+                            <a:latin typeface="Cambria Math" panose="02040503050406030204" pitchFamily="18" charset="0"/>
+                          </a:rPr>
+                        </m:ctrlPr>
+                      </m:sSubPr>
+                      <m:e>
+                        <m:r>
+                          <a:rPr lang="en-US" sz="1800" b="1" i="1" smtClean="0">
+                            <a:latin typeface="Cambria Math" panose="02040503050406030204" pitchFamily="18" charset="0"/>
+                          </a:rPr>
+                          <m:t>𝑪</m:t>
+                        </m:r>
+                      </m:e>
+                      <m:sub>
+                        <m:r>
+                          <a:rPr lang="ru-RU" sz="1800" b="1" i="1" smtClean="0">
+                            <a:latin typeface="Cambria Math" panose="02040503050406030204" pitchFamily="18" charset="0"/>
+                          </a:rPr>
+                          <m:t>пр</m:t>
+                        </m:r>
+                      </m:sub>
+                    </m:sSub>
+                    <m:r>
+                      <a:rPr lang="en-US" sz="1800" b="1" i="0" smtClean="0">
+                        <a:latin typeface="Cambria Math" panose="02040503050406030204" pitchFamily="18" charset="0"/>
+                      </a:rPr>
+                      <m:t> − </m:t>
+                    </m:r>
+                  </m:oMath>
+                </a14:m>
+                <a:r>
+                  <a:rPr lang="en-US" sz="1800" b="1" dirty="0"/>
+                  <a:t> </a:t>
+                </a:r>
+                <a:r>
+                  <a:rPr lang="ru-RU" sz="1800" dirty="0"/>
+                  <a:t>прогнозная итоговая стоимость</a:t>
+                </a:r>
+              </a:p>
+              <a:p>
+                <a:pPr marL="0" indent="0">
+                  <a:lnSpc>
+                    <a:spcPct val="150000"/>
+                  </a:lnSpc>
+                  <a:buNone/>
+                </a:pPr>
+                <a14:m>
+                  <m:oMath xmlns:m="http://schemas.openxmlformats.org/officeDocument/2006/math">
+                    <m:sSub>
+                      <m:sSubPr>
+                        <m:ctrlPr>
+                          <a:rPr lang="ru-RU" sz="1800" b="1" i="1" smtClean="0">
+                            <a:latin typeface="Cambria Math" panose="02040503050406030204" pitchFamily="18" charset="0"/>
+                          </a:rPr>
+                        </m:ctrlPr>
+                      </m:sSubPr>
+                      <m:e>
+                        <m:r>
+                          <a:rPr lang="en-US" sz="1800" b="1" i="1" smtClean="0">
+                            <a:latin typeface="Cambria Math" panose="02040503050406030204" pitchFamily="18" charset="0"/>
+                          </a:rPr>
+                          <m:t>𝑪</m:t>
+                        </m:r>
+                      </m:e>
+                      <m:sub>
+                        <m:r>
+                          <a:rPr lang="en-US" sz="1800" b="1" i="1" smtClean="0">
+                            <a:latin typeface="Cambria Math" panose="02040503050406030204" pitchFamily="18" charset="0"/>
+                          </a:rPr>
+                          <m:t>𝒕</m:t>
+                        </m:r>
+                      </m:sub>
+                    </m:sSub>
+                    <m:r>
+                      <a:rPr lang="ru-RU" sz="1800" b="1" i="1" smtClean="0">
+                        <a:latin typeface="Cambria Math" panose="02040503050406030204" pitchFamily="18" charset="0"/>
+                      </a:rPr>
+                      <m:t> − </m:t>
+                    </m:r>
+                  </m:oMath>
+                </a14:m>
+                <a:r>
+                  <a:rPr lang="ru-RU" sz="1800" b="1" dirty="0"/>
+                  <a:t> </a:t>
+                </a:r>
+                <a:r>
+                  <a:rPr lang="ru-RU" sz="1800" dirty="0"/>
+                  <a:t>фактические затраты на момент времени </a:t>
+                </a:r>
+                <a14:m>
+                  <m:oMath xmlns:m="http://schemas.openxmlformats.org/officeDocument/2006/math">
+                    <m:r>
+                      <a:rPr lang="en-US" sz="1800" b="1" i="1" smtClean="0">
+                        <a:latin typeface="Cambria Math" panose="02040503050406030204" pitchFamily="18" charset="0"/>
+                      </a:rPr>
+                      <m:t>𝒕</m:t>
+                    </m:r>
+                    <m:r>
+                      <a:rPr lang="en-US" sz="1800" b="1" i="1">
+                        <a:latin typeface="Cambria Math" panose="02040503050406030204" pitchFamily="18" charset="0"/>
+                      </a:rPr>
+                      <m:t> </m:t>
+                    </m:r>
+                  </m:oMath>
+                </a14:m>
+                <a:endParaRPr lang="en-US" sz="1800" b="1" dirty="0"/>
+              </a:p>
+              <a:p>
+                <a:pPr marL="0" indent="0">
+                  <a:lnSpc>
+                    <a:spcPct val="150000"/>
+                  </a:lnSpc>
+                  <a:buNone/>
+                </a:pPr>
+                <a14:m>
+                  <m:oMath xmlns:m="http://schemas.openxmlformats.org/officeDocument/2006/math">
+                    <m:sSub>
+                      <m:sSubPr>
+                        <m:ctrlPr>
+                          <a:rPr lang="ru-RU" sz="1800" b="1" i="1" smtClean="0">
+                            <a:latin typeface="Cambria Math" panose="02040503050406030204" pitchFamily="18" charset="0"/>
+                          </a:rPr>
+                        </m:ctrlPr>
+                      </m:sSubPr>
+                      <m:e>
+                        <m:r>
+                          <a:rPr lang="en-US" sz="1800" b="1" i="1" smtClean="0">
+                            <a:latin typeface="Cambria Math" panose="02040503050406030204" pitchFamily="18" charset="0"/>
+                          </a:rPr>
+                          <m:t>𝑽</m:t>
+                        </m:r>
+                      </m:e>
+                      <m:sub>
+                        <m:r>
+                          <a:rPr lang="en-US" sz="1800" b="1" i="1" smtClean="0">
+                            <a:latin typeface="Cambria Math" panose="02040503050406030204" pitchFamily="18" charset="0"/>
+                          </a:rPr>
+                          <m:t>𝒕</m:t>
+                        </m:r>
+                      </m:sub>
+                    </m:sSub>
+                    <m:r>
+                      <a:rPr lang="ru-RU" sz="1800" b="1" i="1" smtClean="0">
+                        <a:latin typeface="Cambria Math" panose="02040503050406030204" pitchFamily="18" charset="0"/>
+                      </a:rPr>
+                      <m:t> − </m:t>
+                    </m:r>
+                  </m:oMath>
+                </a14:m>
+                <a:r>
+                  <a:rPr lang="ru-RU" sz="1800" b="1" dirty="0"/>
+                  <a:t> </a:t>
+                </a:r>
+                <a:r>
+                  <a:rPr lang="ru-RU" sz="1800" dirty="0"/>
+                  <a:t>доля работ, выполненная за время </a:t>
+                </a:r>
+                <a14:m>
+                  <m:oMath xmlns:m="http://schemas.openxmlformats.org/officeDocument/2006/math">
+                    <m:r>
+                      <a:rPr lang="en-US" sz="1800" b="1" i="1" smtClean="0">
+                        <a:latin typeface="Cambria Math" panose="02040503050406030204" pitchFamily="18" charset="0"/>
+                      </a:rPr>
+                      <m:t>𝒕</m:t>
+                    </m:r>
+                  </m:oMath>
+                </a14:m>
+                <a:endParaRPr lang="en-US" sz="1800" b="1" dirty="0"/>
+              </a:p>
+              <a:p>
+                <a:pPr marL="0" indent="0">
+                  <a:lnSpc>
+                    <a:spcPct val="150000"/>
+                  </a:lnSpc>
+                  <a:buNone/>
+                </a:pPr>
+                <a:r>
+                  <a:rPr lang="ru-RU" sz="1800" b="1" dirty="0"/>
+                  <a:t>	</a:t>
+                </a:r>
+              </a:p>
+            </p:txBody>
+          </p:sp>
+        </mc:Choice>
+        <mc:Fallback xmlns="">
+          <p:sp>
+            <p:nvSpPr>
+              <p:cNvPr id="8" name="Объект 7">
+                <a:extLst>
+                  <a:ext uri="{FF2B5EF4-FFF2-40B4-BE49-F238E27FC236}">
+                    <a16:creationId xmlns:a16="http://schemas.microsoft.com/office/drawing/2014/main" id="{A227D1F5-EE09-4BAB-8EF1-3AC29685FF88}"/>
+                  </a:ext>
+                </a:extLst>
+              </p:cNvPr>
+              <p:cNvSpPr>
+                <a:spLocks noGrp="1" noRot="1" noChangeAspect="1" noMove="1" noResize="1" noEditPoints="1" noAdjustHandles="1" noChangeArrowheads="1" noChangeShapeType="1" noTextEdit="1"/>
+              </p:cNvSpPr>
+              <p:nvPr>
+                <p:ph idx="1"/>
+              </p:nvPr>
+            </p:nvSpPr>
+            <p:spPr>
+              <a:xfrm>
+                <a:off x="838200" y="1825625"/>
+                <a:ext cx="10515600" cy="4105275"/>
+              </a:xfrm>
+              <a:blipFill>
+                <a:blip r:embed="rId4"/>
+                <a:stretch>
+                  <a:fillRect l="-522"/>
+                </a:stretch>
+              </a:blipFill>
+            </p:spPr>
+            <p:txBody>
+              <a:bodyPr/>
+              <a:lstStyle/>
+              <a:p>
+                <a:r>
+                  <a:rPr lang="ru-RU">
+                    <a:noFill/>
+                  </a:rPr>
+                  <a:t> </a:t>
+                </a:r>
+              </a:p>
+            </p:txBody>
+          </p:sp>
+        </mc:Fallback>
+      </mc:AlternateContent>
     </p:spTree>
     <p:extLst>
       <p:ext uri="{BB962C8B-B14F-4D97-AF65-F5344CB8AC3E}">
-        <p14:creationId xmlns:p14="http://schemas.microsoft.com/office/powerpoint/2010/main" val="2214237742"/>
+        <p14:creationId xmlns:p14="http://schemas.microsoft.com/office/powerpoint/2010/main" val="2101682898"/>
       </p:ext>
     </p:extLst>
   </p:cSld>
@@ -6826,10 +7319,10 @@
                 <a:latin typeface="Montserrat" panose="00000500000000000000" pitchFamily="2" charset="0"/>
                 <a:cs typeface="Arial" panose="020B0604020202020204" pitchFamily="34" charset="0"/>
               </a:rPr>
-              <a:t>Эластичность спроса</a:t>
+              <a:t>Количественный прогноз</a:t>
             </a:r>
             <a:br>
-              <a:rPr lang="ru-RU" b="1" dirty="0">
+              <a:rPr lang="en-US" b="1" dirty="0">
                 <a:solidFill>
                   <a:srgbClr val="326CDB"/>
                 </a:solidFill>
@@ -6845,89 +7338,8 @@
                 <a:latin typeface="Montserrat" panose="00000500000000000000" pitchFamily="2" charset="0"/>
                 <a:cs typeface="Arial" panose="020B0604020202020204" pitchFamily="34" charset="0"/>
               </a:rPr>
-              <a:t>по доходу</a:t>
-            </a:r>
-          </a:p>
-        </p:txBody>
-      </p:sp>
-      <p:sp>
-        <p:nvSpPr>
-          <p:cNvPr id="3" name="Объект 2"/>
-          <p:cNvSpPr>
-            <a:spLocks noGrp="1"/>
-          </p:cNvSpPr>
-          <p:nvPr>
-            <p:ph idx="1"/>
-          </p:nvPr>
-        </p:nvSpPr>
-        <p:spPr>
-          <a:xfrm>
-            <a:off x="838200" y="1825625"/>
-            <a:ext cx="10515600" cy="3992847"/>
-          </a:xfrm>
-        </p:spPr>
-        <p:txBody>
-          <a:bodyPr numCol="1">
-            <a:noAutofit/>
-          </a:bodyPr>
-          <a:lstStyle/>
-          <a:p>
-            <a:pPr marL="0" indent="0">
-              <a:lnSpc>
-                <a:spcPct val="150000"/>
-              </a:lnSpc>
-              <a:buNone/>
-            </a:pPr>
-            <a:r>
-              <a:rPr lang="ru-RU" sz="1800" dirty="0">
-                <a:latin typeface="Montserrat" panose="00000500000000000000" pitchFamily="2" charset="0"/>
-              </a:rPr>
-              <a:t>показывает, как изменится спрос, если доходы потребителей вырастут или упадут</a:t>
-            </a:r>
-          </a:p>
-          <a:p>
-            <a:pPr marL="0" indent="0">
-              <a:lnSpc>
-                <a:spcPct val="150000"/>
-              </a:lnSpc>
-              <a:buNone/>
-            </a:pPr>
-            <a:endParaRPr lang="ru-RU" sz="1800" dirty="0">
-              <a:latin typeface="Montserrat" panose="00000500000000000000" pitchFamily="2" charset="0"/>
-            </a:endParaRPr>
-          </a:p>
-          <a:p>
-            <a:pPr marL="0" indent="0">
-              <a:lnSpc>
-                <a:spcPct val="150000"/>
-              </a:lnSpc>
-              <a:buNone/>
-            </a:pPr>
-            <a:endParaRPr lang="ru-RU" sz="1800" dirty="0">
-              <a:latin typeface="Montserrat" panose="00000500000000000000" pitchFamily="2" charset="0"/>
-            </a:endParaRPr>
-          </a:p>
-          <a:p>
-            <a:pPr marL="0" indent="0">
-              <a:lnSpc>
-                <a:spcPct val="150000"/>
-              </a:lnSpc>
-              <a:buNone/>
-            </a:pPr>
-            <a:endParaRPr lang="ru-RU" sz="1800" b="0" i="0" u="none" strike="noStrike" baseline="0" dirty="0">
-              <a:latin typeface="SFRM1440"/>
-            </a:endParaRPr>
-          </a:p>
-          <a:p>
-            <a:pPr marL="0" indent="0">
-              <a:lnSpc>
-                <a:spcPct val="150000"/>
-              </a:lnSpc>
-              <a:buNone/>
-            </a:pPr>
-            <a:endParaRPr lang="ru-RU" sz="1800" b="1" i="1" dirty="0">
-              <a:latin typeface="Montserrat" panose="00000500000000000000" pitchFamily="2" charset="0"/>
-            </a:endParaRPr>
+              <a:t>Прогноз итоговых затрат</a:t>
+            </a:r>
           </a:p>
         </p:txBody>
       </p:sp>
@@ -6975,7 +7387,7 @@
               <a:rPr lang="ru-RU" smtClean="0"/>
               <a:t>11</a:t>
             </a:fld>
-            <a:endParaRPr lang="ru-RU"/>
+            <a:endParaRPr lang="ru-RU" dirty="0"/>
           </a:p>
         </p:txBody>
       </p:sp>
@@ -7026,274 +7438,46 @@
           </a:extLst>
         </p:spPr>
       </p:pic>
-      <p:pic>
-        <p:nvPicPr>
-          <p:cNvPr id="8" name="Рисунок 7">
-            <a:extLst>
-              <a:ext uri="{FF2B5EF4-FFF2-40B4-BE49-F238E27FC236}">
-                <a16:creationId xmlns:a16="http://schemas.microsoft.com/office/drawing/2014/main" id="{A51CFDCE-016F-46DE-A41A-3E752F019132}"/>
-              </a:ext>
-            </a:extLst>
-          </p:cNvPr>
-          <p:cNvPicPr>
-            <a:picLocks noChangeAspect="1"/>
-          </p:cNvPicPr>
-          <p:nvPr/>
-        </p:nvPicPr>
-        <p:blipFill>
-          <a:blip r:embed="rId4"/>
-          <a:stretch>
-            <a:fillRect/>
-          </a:stretch>
-        </p:blipFill>
-        <p:spPr>
-          <a:xfrm>
-            <a:off x="838200" y="2414703"/>
-            <a:ext cx="3099508" cy="3040805"/>
-          </a:xfrm>
-          <a:prstGeom prst="rect">
-            <a:avLst/>
-          </a:prstGeom>
-        </p:spPr>
-      </p:pic>
       <mc:AlternateContent xmlns:mc="http://schemas.openxmlformats.org/markup-compatibility/2006" xmlns:a14="http://schemas.microsoft.com/office/drawing/2010/main">
         <mc:Choice Requires="a14">
           <p:sp>
             <p:nvSpPr>
-              <p:cNvPr id="10" name="TextBox 9">
+              <p:cNvPr id="8" name="Объект 7">
                 <a:extLst>
                   <a:ext uri="{FF2B5EF4-FFF2-40B4-BE49-F238E27FC236}">
-                    <a16:creationId xmlns:a16="http://schemas.microsoft.com/office/drawing/2014/main" id="{06F7FA00-9462-463A-82F0-CF3D67B70160}"/>
+                    <a16:creationId xmlns:a16="http://schemas.microsoft.com/office/drawing/2014/main" id="{A227D1F5-EE09-4BAB-8EF1-3AC29685FF88}"/>
                   </a:ext>
                 </a:extLst>
               </p:cNvPr>
-              <p:cNvSpPr txBox="1"/>
-              <p:nvPr/>
+              <p:cNvSpPr>
+                <a:spLocks noGrp="1"/>
+              </p:cNvSpPr>
+              <p:nvPr>
+                <p:ph idx="1"/>
+              </p:nvPr>
             </p:nvSpPr>
             <p:spPr>
               <a:xfrm>
-                <a:off x="4076344" y="2327687"/>
-                <a:ext cx="7396213" cy="2898614"/>
+                <a:off x="838200" y="1825625"/>
+                <a:ext cx="10515600" cy="4105275"/>
               </a:xfrm>
-              <a:prstGeom prst="rect">
-                <a:avLst/>
-              </a:prstGeom>
-              <a:noFill/>
             </p:spPr>
             <p:txBody>
-              <a:bodyPr wrap="square">
-                <a:spAutoFit/>
+              <a:bodyPr anchor="t">
+                <a:normAutofit/>
               </a:bodyPr>
               <a:lstStyle/>
               <a:p>
-                <a:pPr>
+                <a:pPr marL="0" indent="0">
                   <a:lnSpc>
                     <a:spcPct val="150000"/>
                   </a:lnSpc>
-                </a:pPr>
-                <a14:m>
-                  <m:oMathPara xmlns:m="http://schemas.openxmlformats.org/officeDocument/2006/math">
-                    <m:oMathParaPr>
-                      <m:jc m:val="centerGroup"/>
-                    </m:oMathParaPr>
-                    <m:oMath xmlns:m="http://schemas.openxmlformats.org/officeDocument/2006/math">
-                      <m:sSubSup>
-                        <m:sSubSupPr>
-                          <m:ctrlPr>
-                            <a:rPr lang="ru-RU" sz="1500" b="1" i="1" smtClean="0">
-                              <a:solidFill>
-                                <a:schemeClr val="tx1"/>
-                              </a:solidFill>
-                              <a:latin typeface="Cambria Math" panose="02040503050406030204" pitchFamily="18" charset="0"/>
-                            </a:rPr>
-                          </m:ctrlPr>
-                        </m:sSubSupPr>
-                        <m:e>
-                          <m:r>
-                            <a:rPr lang="en-US" sz="1500" b="1" i="1" smtClean="0">
-                              <a:solidFill>
-                                <a:schemeClr val="tx1"/>
-                              </a:solidFill>
-                              <a:latin typeface="Cambria Math" panose="02040503050406030204" pitchFamily="18" charset="0"/>
-                            </a:rPr>
-                            <m:t>𝑬</m:t>
-                          </m:r>
-                        </m:e>
-                        <m:sub>
-                          <m:r>
-                            <a:rPr lang="en-US" sz="1500" b="1" i="1" smtClean="0">
-                              <a:solidFill>
-                                <a:schemeClr val="tx1"/>
-                              </a:solidFill>
-                              <a:latin typeface="Cambria Math" panose="02040503050406030204" pitchFamily="18" charset="0"/>
-                            </a:rPr>
-                            <m:t>𝑰</m:t>
-                          </m:r>
-                        </m:sub>
-                        <m:sup>
-                          <m:r>
-                            <a:rPr lang="en-US" sz="1500" b="1" i="1" smtClean="0">
-                              <a:solidFill>
-                                <a:schemeClr val="tx1"/>
-                              </a:solidFill>
-                              <a:latin typeface="Cambria Math" panose="02040503050406030204" pitchFamily="18" charset="0"/>
-                            </a:rPr>
-                            <m:t>𝑫</m:t>
-                          </m:r>
-                        </m:sup>
-                      </m:sSubSup>
-                      <m:r>
-                        <a:rPr lang="en-US" sz="1500" b="1" i="1" smtClean="0">
-                          <a:solidFill>
-                            <a:schemeClr val="tx1"/>
-                          </a:solidFill>
-                          <a:latin typeface="Cambria Math" panose="02040503050406030204" pitchFamily="18" charset="0"/>
-                        </a:rPr>
-                        <m:t>=</m:t>
-                      </m:r>
-                      <m:f>
-                        <m:fPr>
-                          <m:ctrlPr>
-                            <a:rPr lang="en-US" sz="1500" b="1" i="1" smtClean="0">
-                              <a:solidFill>
-                                <a:schemeClr val="tx1"/>
-                              </a:solidFill>
-                              <a:latin typeface="Cambria Math" panose="02040503050406030204" pitchFamily="18" charset="0"/>
-                            </a:rPr>
-                          </m:ctrlPr>
-                        </m:fPr>
-                        <m:num>
-                          <m:r>
-                            <a:rPr lang="en-US" sz="1500" b="1" i="1" smtClean="0">
-                              <a:solidFill>
-                                <a:schemeClr val="tx1"/>
-                              </a:solidFill>
-                              <a:latin typeface="Cambria Math" panose="02040503050406030204" pitchFamily="18" charset="0"/>
-                              <a:ea typeface="Cambria Math" panose="02040503050406030204" pitchFamily="18" charset="0"/>
-                            </a:rPr>
-                            <m:t>∆</m:t>
-                          </m:r>
-                          <m:r>
-                            <a:rPr lang="en-US" sz="1500" b="1" i="1" smtClean="0">
-                              <a:solidFill>
-                                <a:schemeClr val="tx1"/>
-                              </a:solidFill>
-                              <a:latin typeface="Cambria Math" panose="02040503050406030204" pitchFamily="18" charset="0"/>
-                              <a:ea typeface="Cambria Math" panose="02040503050406030204" pitchFamily="18" charset="0"/>
-                            </a:rPr>
-                            <m:t>𝑸</m:t>
-                          </m:r>
-                          <m:r>
-                            <a:rPr lang="en-US" sz="1500" b="1" i="1" smtClean="0">
-                              <a:solidFill>
-                                <a:schemeClr val="tx1"/>
-                              </a:solidFill>
-                              <a:latin typeface="Cambria Math" panose="02040503050406030204" pitchFamily="18" charset="0"/>
-                              <a:ea typeface="Cambria Math" panose="02040503050406030204" pitchFamily="18" charset="0"/>
-                            </a:rPr>
-                            <m:t>\</m:t>
-                          </m:r>
-                          <m:r>
-                            <a:rPr lang="en-US" sz="1500" b="1" i="1" smtClean="0">
-                              <a:solidFill>
-                                <a:schemeClr val="tx1"/>
-                              </a:solidFill>
-                              <a:latin typeface="Cambria Math" panose="02040503050406030204" pitchFamily="18" charset="0"/>
-                              <a:ea typeface="Cambria Math" panose="02040503050406030204" pitchFamily="18" charset="0"/>
-                            </a:rPr>
-                            <m:t>𝑸</m:t>
-                          </m:r>
-                        </m:num>
-                        <m:den>
-                          <m:r>
-                            <a:rPr lang="en-US" sz="1500" b="1" i="1">
-                              <a:solidFill>
-                                <a:schemeClr val="tx1"/>
-                              </a:solidFill>
-                              <a:latin typeface="Cambria Math" panose="02040503050406030204" pitchFamily="18" charset="0"/>
-                              <a:ea typeface="Cambria Math" panose="02040503050406030204" pitchFamily="18" charset="0"/>
-                            </a:rPr>
-                            <m:t>∆</m:t>
-                          </m:r>
-                          <m:r>
-                            <a:rPr lang="en-US" sz="1500" b="1" i="1" smtClean="0">
-                              <a:solidFill>
-                                <a:schemeClr val="tx1"/>
-                              </a:solidFill>
-                              <a:latin typeface="Cambria Math" panose="02040503050406030204" pitchFamily="18" charset="0"/>
-                              <a:ea typeface="Cambria Math" panose="02040503050406030204" pitchFamily="18" charset="0"/>
-                            </a:rPr>
-                            <m:t>𝑰</m:t>
-                          </m:r>
-                          <m:r>
-                            <a:rPr lang="en-US" sz="1500" b="1" i="1">
-                              <a:solidFill>
-                                <a:schemeClr val="tx1"/>
-                              </a:solidFill>
-                              <a:latin typeface="Cambria Math" panose="02040503050406030204" pitchFamily="18" charset="0"/>
-                              <a:ea typeface="Cambria Math" panose="02040503050406030204" pitchFamily="18" charset="0"/>
-                            </a:rPr>
-                            <m:t>\</m:t>
-                          </m:r>
-                          <m:r>
-                            <a:rPr lang="en-US" sz="1500" b="1" i="1" smtClean="0">
-                              <a:solidFill>
-                                <a:schemeClr val="tx1"/>
-                              </a:solidFill>
-                              <a:latin typeface="Cambria Math" panose="02040503050406030204" pitchFamily="18" charset="0"/>
-                              <a:ea typeface="Cambria Math" panose="02040503050406030204" pitchFamily="18" charset="0"/>
-                            </a:rPr>
-                            <m:t>𝑰</m:t>
-                          </m:r>
-                        </m:den>
-                      </m:f>
-                      <m:r>
-                        <a:rPr lang="ru-RU" sz="1600" b="1" i="1">
-                          <a:latin typeface="Cambria Math" panose="02040503050406030204" pitchFamily="18" charset="0"/>
-                          <a:ea typeface="Cambria Math" panose="02040503050406030204" pitchFamily="18" charset="0"/>
-                        </a:rPr>
-                        <m:t>(%)</m:t>
-                      </m:r>
-                    </m:oMath>
-                  </m:oMathPara>
-                </a14:m>
-                <a:endParaRPr lang="ru-RU" sz="1500" i="1" dirty="0">
-                  <a:solidFill>
-                    <a:schemeClr val="tx1"/>
-                  </a:solidFill>
-                  <a:latin typeface="Montserrat" panose="00000500000000000000" pitchFamily="2" charset="0"/>
-                </a:endParaRPr>
-              </a:p>
-              <a:p>
-                <a:pPr>
-                  <a:lnSpc>
-                    <a:spcPct val="150000"/>
-                  </a:lnSpc>
+                  <a:buNone/>
                 </a:pPr>
                 <a:r>
-                  <a:rPr lang="en-US" sz="1500" dirty="0">
-                    <a:solidFill>
-                      <a:schemeClr val="tx1"/>
-                    </a:solidFill>
-                    <a:latin typeface="Montserrat" panose="00000500000000000000" pitchFamily="2" charset="0"/>
-                  </a:rPr>
-                  <a:t>I - </a:t>
+                  <a:rPr lang="ru-RU" sz="1800" b="1" dirty="0"/>
+                  <a:t>Метод простой линейной экстраполяции</a:t>
                 </a:r>
-                <a:r>
-                  <a:rPr lang="ru-RU" sz="1500" dirty="0">
-                    <a:solidFill>
-                      <a:schemeClr val="tx1"/>
-                    </a:solidFill>
-                    <a:latin typeface="Montserrat" panose="00000500000000000000" pitchFamily="2" charset="0"/>
-                  </a:rPr>
-                  <a:t>доходы</a:t>
-                </a:r>
-                <a:endParaRPr lang="en-US" sz="1500" dirty="0">
-                  <a:solidFill>
-                    <a:schemeClr val="tx1"/>
-                  </a:solidFill>
-                  <a:latin typeface="Montserrat" panose="00000500000000000000" pitchFamily="2" charset="0"/>
-                </a:endParaRPr>
               </a:p>
               <a:p>
                 <a:pPr marL="0" indent="0">
@@ -7302,12 +7486,140 @@
                   </a:lnSpc>
                   <a:buNone/>
                 </a:pPr>
-                <a:endParaRPr lang="ru-RU" sz="1500" b="0" i="1" u="none" strike="noStrike" baseline="0" dirty="0">
-                  <a:solidFill>
-                    <a:schemeClr val="tx1"/>
-                  </a:solidFill>
-                  <a:latin typeface="Montserrat" panose="00000500000000000000" pitchFamily="2" charset="0"/>
-                </a:endParaRPr>
+                <a14:m>
+                  <m:oMathPara xmlns:m="http://schemas.openxmlformats.org/officeDocument/2006/math">
+                    <m:oMathParaPr>
+                      <m:jc m:val="centerGroup"/>
+                    </m:oMathParaPr>
+                    <m:oMath xmlns:m="http://schemas.openxmlformats.org/officeDocument/2006/math">
+                      <m:sSub>
+                        <m:sSubPr>
+                          <m:ctrlPr>
+                            <a:rPr lang="ru-RU" sz="2200" b="1" i="1" smtClean="0">
+                              <a:latin typeface="Cambria Math" panose="02040503050406030204" pitchFamily="18" charset="0"/>
+                            </a:rPr>
+                          </m:ctrlPr>
+                        </m:sSubPr>
+                        <m:e>
+                          <m:r>
+                            <a:rPr lang="en-US" sz="2200" b="1" i="1" smtClean="0">
+                              <a:latin typeface="Cambria Math" panose="02040503050406030204" pitchFamily="18" charset="0"/>
+                            </a:rPr>
+                            <m:t>𝑪</m:t>
+                          </m:r>
+                        </m:e>
+                        <m:sub>
+                          <m:r>
+                            <a:rPr lang="ru-RU" sz="2200" b="1" i="1" smtClean="0">
+                              <a:latin typeface="Cambria Math" panose="02040503050406030204" pitchFamily="18" charset="0"/>
+                            </a:rPr>
+                            <m:t>пр</m:t>
+                          </m:r>
+                        </m:sub>
+                      </m:sSub>
+                      <m:r>
+                        <a:rPr lang="ru-RU" sz="2200" b="1" i="1" smtClean="0">
+                          <a:latin typeface="Cambria Math" panose="02040503050406030204" pitchFamily="18" charset="0"/>
+                        </a:rPr>
+                        <m:t>=</m:t>
+                      </m:r>
+                      <m:sSub>
+                        <m:sSubPr>
+                          <m:ctrlPr>
+                            <a:rPr lang="ru-RU" sz="2200" b="1" i="1">
+                              <a:latin typeface="Cambria Math" panose="02040503050406030204" pitchFamily="18" charset="0"/>
+                            </a:rPr>
+                          </m:ctrlPr>
+                        </m:sSubPr>
+                        <m:e>
+                          <m:r>
+                            <a:rPr lang="en-US" sz="2200" b="1" i="1">
+                              <a:latin typeface="Cambria Math" panose="02040503050406030204" pitchFamily="18" charset="0"/>
+                            </a:rPr>
+                            <m:t>𝑪</m:t>
+                          </m:r>
+                        </m:e>
+                        <m:sub>
+                          <m:r>
+                            <a:rPr lang="en-US" sz="2200" b="1" i="1">
+                              <a:latin typeface="Cambria Math" panose="02040503050406030204" pitchFamily="18" charset="0"/>
+                            </a:rPr>
+                            <m:t>𝒕</m:t>
+                          </m:r>
+                        </m:sub>
+                      </m:sSub>
+                      <m:r>
+                        <a:rPr lang="ru-RU" sz="2200" b="1" i="1" smtClean="0">
+                          <a:latin typeface="Cambria Math" panose="02040503050406030204" pitchFamily="18" charset="0"/>
+                        </a:rPr>
+                        <m:t>+</m:t>
+                      </m:r>
+                      <m:d>
+                        <m:dPr>
+                          <m:ctrlPr>
+                            <a:rPr lang="en-US" sz="2200" b="1" i="1" smtClean="0">
+                              <a:latin typeface="Cambria Math" panose="02040503050406030204" pitchFamily="18" charset="0"/>
+                            </a:rPr>
+                          </m:ctrlPr>
+                        </m:dPr>
+                        <m:e>
+                          <m:r>
+                            <a:rPr lang="en-US" sz="2200" b="1" i="1" smtClean="0">
+                              <a:latin typeface="Cambria Math" panose="02040503050406030204" pitchFamily="18" charset="0"/>
+                            </a:rPr>
+                            <m:t>𝑽</m:t>
+                          </m:r>
+                          <m:r>
+                            <a:rPr lang="en-US" sz="2200" b="1" i="1" smtClean="0">
+                              <a:latin typeface="Cambria Math" panose="02040503050406030204" pitchFamily="18" charset="0"/>
+                            </a:rPr>
+                            <m:t> − </m:t>
+                          </m:r>
+                          <m:sSub>
+                            <m:sSubPr>
+                              <m:ctrlPr>
+                                <a:rPr lang="ru-RU" sz="2200" b="1" i="1">
+                                  <a:latin typeface="Cambria Math" panose="02040503050406030204" pitchFamily="18" charset="0"/>
+                                </a:rPr>
+                              </m:ctrlPr>
+                            </m:sSubPr>
+                            <m:e>
+                              <m:r>
+                                <a:rPr lang="en-US" sz="2200" b="1" i="1" smtClean="0">
+                                  <a:latin typeface="Cambria Math" panose="02040503050406030204" pitchFamily="18" charset="0"/>
+                                </a:rPr>
+                                <m:t>𝑽</m:t>
+                              </m:r>
+                            </m:e>
+                            <m:sub>
+                              <m:r>
+                                <a:rPr lang="en-US" sz="2200" b="1" i="1">
+                                  <a:latin typeface="Cambria Math" panose="02040503050406030204" pitchFamily="18" charset="0"/>
+                                </a:rPr>
+                                <m:t>𝒕</m:t>
+                              </m:r>
+                            </m:sub>
+                          </m:sSub>
+                        </m:e>
+                      </m:d>
+                      <m:r>
+                        <a:rPr lang="en-US" sz="2200" b="1" i="1">
+                          <a:latin typeface="Cambria Math" panose="02040503050406030204" pitchFamily="18" charset="0"/>
+                          <a:ea typeface="Cambria Math" panose="02040503050406030204" pitchFamily="18" charset="0"/>
+                        </a:rPr>
+                        <m:t>∙</m:t>
+                      </m:r>
+                      <m:r>
+                        <a:rPr lang="en-US" sz="2200" b="1" i="1" smtClean="0">
+                          <a:latin typeface="Cambria Math" panose="02040503050406030204" pitchFamily="18" charset="0"/>
+                          <a:ea typeface="Cambria Math" panose="02040503050406030204" pitchFamily="18" charset="0"/>
+                        </a:rPr>
+                        <m:t>𝑪</m:t>
+                      </m:r>
+                    </m:oMath>
+                  </m:oMathPara>
+                </a14:m>
+                <a:endParaRPr lang="en-US" sz="2200" b="1" dirty="0"/>
               </a:p>
               <a:p>
                 <a:pPr marL="0" indent="0">
@@ -7316,312 +7628,225 @@
                   </a:lnSpc>
                   <a:buNone/>
                 </a:pPr>
-                <a:endParaRPr lang="en-US" sz="1500" b="0" i="1" u="none" strike="noStrike" baseline="0" dirty="0">
-                  <a:solidFill>
-                    <a:schemeClr val="tx1"/>
-                  </a:solidFill>
-                  <a:latin typeface="Montserrat" panose="00000500000000000000" pitchFamily="2" charset="0"/>
-                </a:endParaRPr>
-              </a:p>
-              <a:p>
-                <a:pPr marL="342900" indent="-342900">
-                  <a:lnSpc>
-                    <a:spcPct val="150000"/>
-                  </a:lnSpc>
-                  <a:buFont typeface="+mj-lt"/>
-                  <a:buAutoNum type="arabicPeriod"/>
-                </a:pPr>
-                <a:r>
-                  <a:rPr lang="ru-RU" sz="1500" b="0" u="none" strike="noStrike" baseline="0" dirty="0">
-                    <a:solidFill>
-                      <a:schemeClr val="tx1"/>
-                    </a:solidFill>
-                    <a:latin typeface="Montserrat" panose="00000500000000000000" pitchFamily="2" charset="0"/>
-                  </a:rPr>
-                  <a:t>нормальные товары</a:t>
-                </a:r>
-                <a:r>
-                  <a:rPr lang="en-US" sz="1500" b="0" u="none" strike="noStrike" baseline="0" dirty="0">
-                    <a:solidFill>
-                      <a:schemeClr val="tx1"/>
-                    </a:solidFill>
-                    <a:latin typeface="Montserrat" panose="00000500000000000000" pitchFamily="2" charset="0"/>
-                  </a:rPr>
-                  <a:t> </a:t>
-                </a:r>
                 <a14:m>
                   <m:oMath xmlns:m="http://schemas.openxmlformats.org/officeDocument/2006/math">
-                    <m:sSubSup>
-                      <m:sSubSupPr>
+                    <m:sSub>
+                      <m:sSubPr>
                         <m:ctrlPr>
-                          <a:rPr lang="ru-RU" sz="1500" b="1" i="1" smtClean="0">
-                            <a:solidFill>
-                              <a:schemeClr val="tx1"/>
-                            </a:solidFill>
+                          <a:rPr lang="ru-RU" sz="1800" b="1" i="1" smtClean="0">
                             <a:latin typeface="Cambria Math" panose="02040503050406030204" pitchFamily="18" charset="0"/>
                           </a:rPr>
                         </m:ctrlPr>
-                      </m:sSubSupPr>
+                      </m:sSubPr>
                       <m:e>
                         <m:r>
-                          <a:rPr lang="en-US" sz="1500" b="1" i="1" smtClean="0">
-                            <a:solidFill>
-                              <a:schemeClr val="tx1"/>
-                            </a:solidFill>
+                          <a:rPr lang="en-US" sz="1800" b="1" i="1" smtClean="0">
                             <a:latin typeface="Cambria Math" panose="02040503050406030204" pitchFamily="18" charset="0"/>
                           </a:rPr>
-                          <m:t>𝑬</m:t>
+                          <m:t>𝑪</m:t>
                         </m:r>
                       </m:e>
                       <m:sub>
                         <m:r>
-                          <a:rPr lang="en-US" sz="1500" b="1" i="1" smtClean="0">
-                            <a:solidFill>
-                              <a:schemeClr val="tx1"/>
-                            </a:solidFill>
+                          <a:rPr lang="ru-RU" sz="1800" b="1" i="1" smtClean="0">
                             <a:latin typeface="Cambria Math" panose="02040503050406030204" pitchFamily="18" charset="0"/>
                           </a:rPr>
-                          <m:t>𝑰</m:t>
+                          <m:t>пр</m:t>
                         </m:r>
                       </m:sub>
-                      <m:sup>
-                        <m:r>
-                          <a:rPr lang="en-US" sz="1500" b="1" i="1" smtClean="0">
-                            <a:solidFill>
-                              <a:schemeClr val="tx1"/>
-                            </a:solidFill>
-                            <a:latin typeface="Cambria Math" panose="02040503050406030204" pitchFamily="18" charset="0"/>
-                          </a:rPr>
-                          <m:t>𝑫</m:t>
-                        </m:r>
-                      </m:sup>
-                    </m:sSubSup>
+                    </m:sSub>
                     <m:r>
-                      <a:rPr lang="en-US" sz="1500" b="1" i="1" smtClean="0">
-                        <a:solidFill>
-                          <a:schemeClr val="tx1"/>
-                        </a:solidFill>
+                      <a:rPr lang="en-US" sz="1800" b="1" i="0" smtClean="0">
                         <a:latin typeface="Cambria Math" panose="02040503050406030204" pitchFamily="18" charset="0"/>
                       </a:rPr>
-                      <m:t>&gt;</m:t>
-                    </m:r>
-                    <m:r>
-                      <a:rPr lang="en-US" sz="1500" b="1" i="1" smtClean="0">
-                        <a:solidFill>
-                          <a:schemeClr val="tx1"/>
-                        </a:solidFill>
-                        <a:latin typeface="Cambria Math" panose="02040503050406030204" pitchFamily="18" charset="0"/>
-                      </a:rPr>
-                      <m:t>𝟎</m:t>
+                      <m:t> − </m:t>
                     </m:r>
                   </m:oMath>
                 </a14:m>
-                <a:endParaRPr lang="ru-RU" sz="1500" b="1" i="1" dirty="0">
-                  <a:solidFill>
-                    <a:schemeClr val="tx1"/>
-                  </a:solidFill>
-                  <a:latin typeface="Montserrat" panose="00000500000000000000" pitchFamily="2" charset="0"/>
-                </a:endParaRPr>
+                <a:r>
+                  <a:rPr lang="en-US" sz="1800" b="1" dirty="0"/>
+                  <a:t> </a:t>
+                </a:r>
+                <a:r>
+                  <a:rPr lang="ru-RU" sz="1800" dirty="0"/>
+                  <a:t>прогнозная итоговая стоимость работ</a:t>
+                </a:r>
               </a:p>
               <a:p>
-                <a:pPr marL="342900" indent="-342900">
+                <a:pPr marL="0" indent="0">
                   <a:lnSpc>
                     <a:spcPct val="150000"/>
                   </a:lnSpc>
-                  <a:buFont typeface="+mj-lt"/>
-                  <a:buAutoNum type="arabicPeriod"/>
+                  <a:buNone/>
                 </a:pPr>
-                <a:r>
-                  <a:rPr lang="ru-RU" sz="1500" b="0" u="none" strike="noStrike" baseline="0" dirty="0">
-                    <a:solidFill>
-                      <a:schemeClr val="tx1"/>
-                    </a:solidFill>
-                    <a:latin typeface="Montserrat" panose="00000500000000000000" pitchFamily="2" charset="0"/>
-                  </a:rPr>
-                  <a:t>предметы роскоши</a:t>
-                </a:r>
-                <a:r>
-                  <a:rPr lang="en-US" sz="1500" b="0" u="none" strike="noStrike" baseline="0" dirty="0">
-                    <a:solidFill>
-                      <a:schemeClr val="tx1"/>
-                    </a:solidFill>
-                    <a:latin typeface="Montserrat" panose="00000500000000000000" pitchFamily="2" charset="0"/>
-                  </a:rPr>
-                  <a:t> </a:t>
-                </a:r>
                 <a14:m>
                   <m:oMath xmlns:m="http://schemas.openxmlformats.org/officeDocument/2006/math">
-                    <m:sSubSup>
-                      <m:sSubSupPr>
+                    <m:sSub>
+                      <m:sSubPr>
                         <m:ctrlPr>
-                          <a:rPr lang="ru-RU" sz="1500" b="1" i="1" smtClean="0">
-                            <a:solidFill>
-                              <a:schemeClr val="tx1"/>
-                            </a:solidFill>
+                          <a:rPr lang="ru-RU" sz="1800" b="1" i="1" smtClean="0">
                             <a:latin typeface="Cambria Math" panose="02040503050406030204" pitchFamily="18" charset="0"/>
                           </a:rPr>
                         </m:ctrlPr>
-                      </m:sSubSupPr>
+                      </m:sSubPr>
                       <m:e>
                         <m:r>
-                          <a:rPr lang="en-US" sz="1500" b="1" i="1" smtClean="0">
-                            <a:solidFill>
-                              <a:schemeClr val="tx1"/>
-                            </a:solidFill>
+                          <a:rPr lang="en-US" sz="1800" b="1" i="1" smtClean="0">
                             <a:latin typeface="Cambria Math" panose="02040503050406030204" pitchFamily="18" charset="0"/>
                           </a:rPr>
-                          <m:t>𝑬</m:t>
+                          <m:t>𝑪</m:t>
                         </m:r>
                       </m:e>
                       <m:sub>
                         <m:r>
-                          <a:rPr lang="en-US" sz="1500" b="1" i="1" smtClean="0">
-                            <a:solidFill>
-                              <a:schemeClr val="tx1"/>
-                            </a:solidFill>
+                          <a:rPr lang="en-US" sz="1800" b="1" i="1" smtClean="0">
                             <a:latin typeface="Cambria Math" panose="02040503050406030204" pitchFamily="18" charset="0"/>
                           </a:rPr>
-                          <m:t>𝑰</m:t>
+                          <m:t>𝒕</m:t>
                         </m:r>
                       </m:sub>
-                      <m:sup>
-                        <m:r>
-                          <a:rPr lang="en-US" sz="1500" b="1" i="1" smtClean="0">
-                            <a:solidFill>
-                              <a:schemeClr val="tx1"/>
-                            </a:solidFill>
-                            <a:latin typeface="Cambria Math" panose="02040503050406030204" pitchFamily="18" charset="0"/>
-                          </a:rPr>
-                          <m:t>𝑫</m:t>
-                        </m:r>
-                      </m:sup>
-                    </m:sSubSup>
+                    </m:sSub>
                     <m:r>
-                      <a:rPr lang="en-US" sz="1500" b="1" i="1" smtClean="0">
-                        <a:solidFill>
-                          <a:schemeClr val="tx1"/>
-                        </a:solidFill>
+                      <a:rPr lang="ru-RU" sz="1800" b="1" i="1" smtClean="0">
                         <a:latin typeface="Cambria Math" panose="02040503050406030204" pitchFamily="18" charset="0"/>
                       </a:rPr>
-                      <m:t>&gt;</m:t>
-                    </m:r>
-                    <m:r>
-                      <a:rPr lang="en-US" sz="1500" b="1" i="1" smtClean="0">
-                        <a:solidFill>
-                          <a:schemeClr val="tx1"/>
-                        </a:solidFill>
-                        <a:latin typeface="Cambria Math" panose="02040503050406030204" pitchFamily="18" charset="0"/>
-                      </a:rPr>
-                      <m:t>𝟏</m:t>
+                      <m:t> − </m:t>
                     </m:r>
                   </m:oMath>
                 </a14:m>
-                <a:endParaRPr lang="ru-RU" sz="1500" b="1" i="1" dirty="0">
-                  <a:solidFill>
-                    <a:schemeClr val="tx1"/>
-                  </a:solidFill>
-                  <a:latin typeface="Montserrat" panose="00000500000000000000" pitchFamily="2" charset="0"/>
-                </a:endParaRPr>
+                <a:r>
+                  <a:rPr lang="ru-RU" sz="1800" dirty="0"/>
+                  <a:t>фактическая (реальная) стоимость на дату </a:t>
+                </a:r>
+                <a14:m>
+                  <m:oMath xmlns:m="http://schemas.openxmlformats.org/officeDocument/2006/math">
+                    <m:r>
+                      <a:rPr lang="en-US" sz="1800" b="1" i="1" smtClean="0">
+                        <a:latin typeface="Cambria Math" panose="02040503050406030204" pitchFamily="18" charset="0"/>
+                      </a:rPr>
+                      <m:t>𝒕</m:t>
+                    </m:r>
+                    <m:r>
+                      <a:rPr lang="en-US" sz="1800" b="1" i="1">
+                        <a:latin typeface="Cambria Math" panose="02040503050406030204" pitchFamily="18" charset="0"/>
+                      </a:rPr>
+                      <m:t> </m:t>
+                    </m:r>
+                  </m:oMath>
+                </a14:m>
+                <a:endParaRPr lang="en-US" sz="1800" b="1" dirty="0"/>
               </a:p>
               <a:p>
-                <a:pPr marL="342900" indent="-342900">
+                <a:pPr marL="0" indent="0">
                   <a:lnSpc>
                     <a:spcPct val="150000"/>
                   </a:lnSpc>
-                  <a:buFont typeface="+mj-lt"/>
-                  <a:buAutoNum type="arabicPeriod"/>
+                  <a:buNone/>
                 </a:pPr>
-                <a:r>
-                  <a:rPr lang="ru-RU" sz="1500" b="0" u="none" strike="noStrike" baseline="0" dirty="0">
-                    <a:solidFill>
-                      <a:schemeClr val="tx1"/>
-                    </a:solidFill>
-                    <a:latin typeface="Montserrat" panose="00000500000000000000" pitchFamily="2" charset="0"/>
-                  </a:rPr>
-                  <a:t>низкокачественные товары</a:t>
-                </a:r>
-                <a:r>
-                  <a:rPr lang="en-US" sz="1500" b="0" u="none" strike="noStrike" baseline="0" dirty="0">
-                    <a:solidFill>
-                      <a:schemeClr val="tx1"/>
-                    </a:solidFill>
-                    <a:latin typeface="Montserrat" panose="00000500000000000000" pitchFamily="2" charset="0"/>
-                  </a:rPr>
-                  <a:t> </a:t>
-                </a:r>
                 <a14:m>
                   <m:oMath xmlns:m="http://schemas.openxmlformats.org/officeDocument/2006/math">
-                    <m:sSubSup>
-                      <m:sSubSupPr>
+                    <m:sSub>
+                      <m:sSubPr>
                         <m:ctrlPr>
-                          <a:rPr lang="ru-RU" sz="1500" b="1" i="1" smtClean="0">
-                            <a:solidFill>
-                              <a:schemeClr val="tx1"/>
-                            </a:solidFill>
+                          <a:rPr lang="ru-RU" sz="1800" b="1" i="1" smtClean="0">
                             <a:latin typeface="Cambria Math" panose="02040503050406030204" pitchFamily="18" charset="0"/>
                           </a:rPr>
                         </m:ctrlPr>
-                      </m:sSubSupPr>
+                      </m:sSubPr>
                       <m:e>
                         <m:r>
-                          <a:rPr lang="en-US" sz="1500" b="1" i="1" smtClean="0">
-                            <a:solidFill>
-                              <a:schemeClr val="tx1"/>
-                            </a:solidFill>
+                          <a:rPr lang="en-US" sz="1800" b="1" i="1" smtClean="0">
                             <a:latin typeface="Cambria Math" panose="02040503050406030204" pitchFamily="18" charset="0"/>
                           </a:rPr>
-                          <m:t>𝑬</m:t>
+                          <m:t>(</m:t>
+                        </m:r>
+                        <m:r>
+                          <a:rPr lang="en-US" sz="1800" b="1" i="1" smtClean="0">
+                            <a:latin typeface="Cambria Math" panose="02040503050406030204" pitchFamily="18" charset="0"/>
+                          </a:rPr>
+                          <m:t>𝑽</m:t>
+                        </m:r>
+                        <m:r>
+                          <a:rPr lang="en-US" sz="1800" b="1" i="1" smtClean="0">
+                            <a:latin typeface="Cambria Math" panose="02040503050406030204" pitchFamily="18" charset="0"/>
+                          </a:rPr>
+                          <m:t>−</m:t>
+                        </m:r>
+                        <m:r>
+                          <a:rPr lang="en-US" sz="1800" b="1" i="1" smtClean="0">
+                            <a:latin typeface="Cambria Math" panose="02040503050406030204" pitchFamily="18" charset="0"/>
+                          </a:rPr>
+                          <m:t>𝑽</m:t>
                         </m:r>
                       </m:e>
                       <m:sub>
                         <m:r>
-                          <a:rPr lang="en-US" sz="1500" b="1" i="1" smtClean="0">
-                            <a:solidFill>
-                              <a:schemeClr val="tx1"/>
-                            </a:solidFill>
+                          <a:rPr lang="en-US" sz="1800" b="1" i="1" smtClean="0">
                             <a:latin typeface="Cambria Math" panose="02040503050406030204" pitchFamily="18" charset="0"/>
                           </a:rPr>
-                          <m:t>𝑰</m:t>
+                          <m:t>𝒕</m:t>
                         </m:r>
                       </m:sub>
-                      <m:sup>
-                        <m:r>
-                          <a:rPr lang="en-US" sz="1500" b="1" i="1" smtClean="0">
-                            <a:solidFill>
-                              <a:schemeClr val="tx1"/>
-                            </a:solidFill>
-                            <a:latin typeface="Cambria Math" panose="02040503050406030204" pitchFamily="18" charset="0"/>
-                          </a:rPr>
-                          <m:t>𝑫</m:t>
-                        </m:r>
-                      </m:sup>
-                    </m:sSubSup>
+                    </m:sSub>
                     <m:r>
-                      <a:rPr lang="en-US" sz="1500" b="1" i="1" smtClean="0">
-                        <a:solidFill>
-                          <a:schemeClr val="tx1"/>
-                        </a:solidFill>
+                      <a:rPr lang="en-US" sz="1800" b="1" i="1" smtClean="0">
                         <a:latin typeface="Cambria Math" panose="02040503050406030204" pitchFamily="18" charset="0"/>
                       </a:rPr>
-                      <m:t>&lt;</m:t>
+                      <m:t>)</m:t>
                     </m:r>
                     <m:r>
-                      <a:rPr lang="en-US" sz="1500" b="1" i="1" smtClean="0">
-                        <a:solidFill>
-                          <a:schemeClr val="tx1"/>
-                        </a:solidFill>
+                      <a:rPr lang="ru-RU" sz="1800" b="1" i="1" smtClean="0">
                         <a:latin typeface="Cambria Math" panose="02040503050406030204" pitchFamily="18" charset="0"/>
                       </a:rPr>
-                      <m:t>𝟎</m:t>
+                      <m:t> − </m:t>
                     </m:r>
                   </m:oMath>
                 </a14:m>
-                <a:endParaRPr lang="ru-RU" sz="1500" i="1" dirty="0">
-                  <a:solidFill>
-                    <a:schemeClr val="tx1"/>
-                  </a:solidFill>
-                  <a:latin typeface="Montserrat" panose="00000500000000000000" pitchFamily="2" charset="0"/>
-                </a:endParaRPr>
+                <a:r>
+                  <a:rPr lang="ru-RU" sz="1800" dirty="0"/>
+                  <a:t>оставшийся объем работ</a:t>
+                </a:r>
+              </a:p>
+              <a:p>
+                <a:pPr marL="0" indent="0">
+                  <a:lnSpc>
+                    <a:spcPct val="150000"/>
+                  </a:lnSpc>
+                  <a:buNone/>
+                </a:pPr>
+                <a14:m>
+                  <m:oMath xmlns:m="http://schemas.openxmlformats.org/officeDocument/2006/math">
+                    <m:r>
+                      <a:rPr lang="en-US" sz="1800" b="1" i="1" smtClean="0">
+                        <a:latin typeface="Cambria Math" panose="02040503050406030204" pitchFamily="18" charset="0"/>
+                      </a:rPr>
+                      <m:t>𝑪</m:t>
+                    </m:r>
+                    <m:r>
+                      <a:rPr lang="ru-RU" sz="1800" b="1" i="1" smtClean="0">
+                        <a:latin typeface="Cambria Math" panose="02040503050406030204" pitchFamily="18" charset="0"/>
+                      </a:rPr>
+                      <m:t>− </m:t>
+                    </m:r>
+                  </m:oMath>
+                </a14:m>
+                <a:r>
+                  <a:rPr lang="ru-RU" sz="1800" dirty="0"/>
+                  <a:t>ожидаемая стоимость оставшейся работы на единицу объема</a:t>
+                </a:r>
+                <a:endParaRPr lang="en-US" sz="1800" dirty="0"/>
+              </a:p>
+              <a:p>
+                <a:pPr marL="0" indent="0">
+                  <a:lnSpc>
+                    <a:spcPct val="150000"/>
+                  </a:lnSpc>
+                  <a:buNone/>
+                </a:pPr>
+                <a:r>
+                  <a:rPr lang="ru-RU" sz="1800" b="1" dirty="0"/>
+                  <a:t>	</a:t>
+                </a:r>
               </a:p>
             </p:txBody>
           </p:sp>
@@ -7629,30 +7854,29 @@
         <mc:Fallback xmlns="">
           <p:sp>
             <p:nvSpPr>
-              <p:cNvPr id="10" name="TextBox 9">
+              <p:cNvPr id="8" name="Объект 7">
                 <a:extLst>
                   <a:ext uri="{FF2B5EF4-FFF2-40B4-BE49-F238E27FC236}">
-                    <a16:creationId xmlns:a16="http://schemas.microsoft.com/office/drawing/2014/main" id="{06F7FA00-9462-463A-82F0-CF3D67B70160}"/>
+                    <a16:creationId xmlns:a16="http://schemas.microsoft.com/office/drawing/2014/main" id="{A227D1F5-EE09-4BAB-8EF1-3AC29685FF88}"/>
                   </a:ext>
                 </a:extLst>
               </p:cNvPr>
-              <p:cNvSpPr txBox="1">
-                <a:spLocks noRot="1" noChangeAspect="1" noMove="1" noResize="1" noEditPoints="1" noAdjustHandles="1" noChangeArrowheads="1" noChangeShapeType="1" noTextEdit="1"/>
+              <p:cNvSpPr>
+                <a:spLocks noGrp="1" noRot="1" noChangeAspect="1" noMove="1" noResize="1" noEditPoints="1" noAdjustHandles="1" noChangeArrowheads="1" noChangeShapeType="1" noTextEdit="1"/>
               </p:cNvSpPr>
-              <p:nvPr/>
+              <p:nvPr>
+                <p:ph idx="1"/>
+              </p:nvPr>
             </p:nvSpPr>
             <p:spPr>
               <a:xfrm>
-                <a:off x="4076344" y="2327687"/>
-                <a:ext cx="7396213" cy="2898614"/>
+                <a:off x="838200" y="1825625"/>
+                <a:ext cx="10515600" cy="4105275"/>
               </a:xfrm>
-              <a:prstGeom prst="rect">
-                <a:avLst/>
-              </a:prstGeom>
               <a:blipFill>
-                <a:blip r:embed="rId5"/>
+                <a:blip r:embed="rId4"/>
                 <a:stretch>
-                  <a:fillRect l="-515" b="-7424"/>
+                  <a:fillRect l="-522"/>
                 </a:stretch>
               </a:blipFill>
             </p:spPr>
@@ -7661,7 +7885,7 @@
               <a:lstStyle/>
               <a:p>
                 <a:r>
-                  <a:rPr lang="en-RU">
+                  <a:rPr lang="ru-RU">
                     <a:noFill/>
                   </a:rPr>
                   <a:t> </a:t>
@@ -7671,77 +7895,10 @@
           </p:sp>
         </mc:Fallback>
       </mc:AlternateContent>
-      <p:sp>
-        <p:nvSpPr>
-          <p:cNvPr id="11" name="TextBox 10">
-            <a:extLst>
-              <a:ext uri="{FF2B5EF4-FFF2-40B4-BE49-F238E27FC236}">
-                <a16:creationId xmlns:a16="http://schemas.microsoft.com/office/drawing/2014/main" id="{0E686081-C68F-4292-B742-E5FC2F20847F}"/>
-              </a:ext>
-            </a:extLst>
-          </p:cNvPr>
-          <p:cNvSpPr txBox="1"/>
-          <p:nvPr/>
-        </p:nvSpPr>
-        <p:spPr>
-          <a:xfrm>
-            <a:off x="1000590" y="5276196"/>
-            <a:ext cx="2774728" cy="358624"/>
-          </a:xfrm>
-          <a:prstGeom prst="rect">
-            <a:avLst/>
-          </a:prstGeom>
-          <a:noFill/>
-        </p:spPr>
-        <p:txBody>
-          <a:bodyPr wrap="square">
-            <a:spAutoFit/>
-          </a:bodyPr>
-          <a:lstStyle/>
-          <a:p>
-            <a:pPr marL="0" indent="0">
-              <a:lnSpc>
-                <a:spcPct val="150000"/>
-              </a:lnSpc>
-              <a:buNone/>
-            </a:pPr>
-            <a:r>
-              <a:rPr lang="ru-RU" sz="1300" dirty="0">
-                <a:solidFill>
-                  <a:schemeClr val="bg1">
-                    <a:lumMod val="50000"/>
-                  </a:schemeClr>
-                </a:solidFill>
-                <a:latin typeface="Montserrat" panose="00000500000000000000" pitchFamily="2" charset="0"/>
-              </a:rPr>
-              <a:t>кривые </a:t>
-            </a:r>
-            <a:r>
-              <a:rPr lang="ru-RU" sz="1300" dirty="0" err="1">
-                <a:solidFill>
-                  <a:schemeClr val="bg1">
-                    <a:lumMod val="50000"/>
-                  </a:schemeClr>
-                </a:solidFill>
-                <a:latin typeface="Montserrat" panose="00000500000000000000" pitchFamily="2" charset="0"/>
-              </a:rPr>
-              <a:t>Энгеля</a:t>
-            </a:r>
-            <a:endParaRPr lang="ru-RU" sz="1300" dirty="0">
-              <a:solidFill>
-                <a:schemeClr val="bg1">
-                  <a:lumMod val="50000"/>
-                </a:schemeClr>
-              </a:solidFill>
-              <a:latin typeface="Montserrat" panose="00000500000000000000" pitchFamily="2" charset="0"/>
-            </a:endParaRPr>
-          </a:p>
-        </p:txBody>
-      </p:sp>
     </p:spTree>
     <p:extLst>
       <p:ext uri="{BB962C8B-B14F-4D97-AF65-F5344CB8AC3E}">
-        <p14:creationId xmlns:p14="http://schemas.microsoft.com/office/powerpoint/2010/main" val="3632604304"/>
+        <p14:creationId xmlns:p14="http://schemas.microsoft.com/office/powerpoint/2010/main" val="650886503"/>
       </p:ext>
     </p:extLst>
   </p:cSld>
@@ -7798,1251 +7955,7 @@
                 <a:latin typeface="Montserrat" panose="00000500000000000000" pitchFamily="2" charset="0"/>
                 <a:cs typeface="Arial" panose="020B0604020202020204" pitchFamily="34" charset="0"/>
               </a:rPr>
-              <a:t>Эластичность спроса</a:t>
-            </a:r>
-            <a:br>
-              <a:rPr lang="ru-RU" b="1" dirty="0">
-                <a:solidFill>
-                  <a:srgbClr val="326CDB"/>
-                </a:solidFill>
-                <a:latin typeface="Montserrat" panose="00000500000000000000" pitchFamily="2" charset="0"/>
-                <a:cs typeface="Arial" panose="020B0604020202020204" pitchFamily="34" charset="0"/>
-              </a:rPr>
-            </a:br>
-            <a:r>
-              <a:rPr lang="ru-RU" sz="2800" b="1" dirty="0">
-                <a:solidFill>
-                  <a:srgbClr val="326CDB"/>
-                </a:solidFill>
-                <a:latin typeface="Montserrat" panose="00000500000000000000" pitchFamily="2" charset="0"/>
-                <a:cs typeface="Arial" panose="020B0604020202020204" pitchFamily="34" charset="0"/>
-              </a:rPr>
-              <a:t>перекрестная эластичность</a:t>
-            </a:r>
-          </a:p>
-        </p:txBody>
-      </p:sp>
-      <mc:AlternateContent xmlns:mc="http://schemas.openxmlformats.org/markup-compatibility/2006" xmlns:a14="http://schemas.microsoft.com/office/drawing/2010/main">
-        <mc:Choice Requires="a14">
-          <p:sp>
-            <p:nvSpPr>
-              <p:cNvPr id="3" name="Объект 2"/>
-              <p:cNvSpPr>
-                <a:spLocks noGrp="1"/>
-              </p:cNvSpPr>
-              <p:nvPr>
-                <p:ph idx="1"/>
-              </p:nvPr>
-            </p:nvSpPr>
-            <p:spPr>
-              <a:xfrm>
-                <a:off x="838200" y="2022765"/>
-                <a:ext cx="10515600" cy="4154198"/>
-              </a:xfrm>
-            </p:spPr>
-            <p:txBody>
-              <a:bodyPr anchor="t">
-                <a:normAutofit/>
-              </a:bodyPr>
-              <a:lstStyle/>
-              <a:p>
-                <a:pPr marL="0" indent="0">
-                  <a:lnSpc>
-                    <a:spcPct val="150000"/>
-                  </a:lnSpc>
-                  <a:buNone/>
-                </a:pPr>
-                <a:r>
-                  <a:rPr lang="ru-RU" sz="1800" dirty="0"/>
-                  <a:t>п</a:t>
-                </a:r>
-                <a:r>
-                  <a:rPr lang="ru-RU" sz="1800" dirty="0">
-                    <a:latin typeface="Montserrat" panose="00000500000000000000" pitchFamily="2" charset="0"/>
-                  </a:rPr>
-                  <a:t>оказывает, как изменится </a:t>
-                </a:r>
-                <a:r>
-                  <a:rPr lang="ru-RU" sz="1800" b="1" dirty="0">
-                    <a:latin typeface="Montserrat" panose="00000500000000000000" pitchFamily="2" charset="0"/>
-                  </a:rPr>
-                  <a:t>спрос</a:t>
-                </a:r>
-                <a:r>
-                  <a:rPr lang="ru-RU" sz="1800" dirty="0">
-                    <a:latin typeface="Montserrat" panose="00000500000000000000" pitchFamily="2" charset="0"/>
-                  </a:rPr>
-                  <a:t> на один товар, если </a:t>
-                </a:r>
-                <a:r>
-                  <a:rPr lang="ru-RU" sz="1800" b="1" dirty="0">
-                    <a:latin typeface="Montserrat" panose="00000500000000000000" pitchFamily="2" charset="0"/>
-                  </a:rPr>
-                  <a:t>поднять</a:t>
-                </a:r>
-                <a:r>
-                  <a:rPr lang="ru-RU" sz="1800" dirty="0">
-                    <a:latin typeface="Montserrat" panose="00000500000000000000" pitchFamily="2" charset="0"/>
-                  </a:rPr>
-                  <a:t> или </a:t>
-                </a:r>
-                <a:r>
-                  <a:rPr lang="ru-RU" sz="1800" b="1" dirty="0">
-                    <a:latin typeface="Montserrat" panose="00000500000000000000" pitchFamily="2" charset="0"/>
-                  </a:rPr>
-                  <a:t>понизить</a:t>
-                </a:r>
-                <a:r>
-                  <a:rPr lang="ru-RU" sz="1800" dirty="0">
-                    <a:latin typeface="Montserrat" panose="00000500000000000000" pitchFamily="2" charset="0"/>
-                  </a:rPr>
-                  <a:t> цену другого товара</a:t>
-                </a:r>
-                <a:endParaRPr lang="en-US" sz="1800" dirty="0">
-                  <a:latin typeface="Montserrat" panose="00000500000000000000" pitchFamily="2" charset="0"/>
-                </a:endParaRPr>
-              </a:p>
-              <a:p>
-                <a:pPr marL="0" indent="0">
-                  <a:lnSpc>
-                    <a:spcPct val="150000"/>
-                  </a:lnSpc>
-                  <a:buNone/>
-                </a:pPr>
-                <a14:m>
-                  <m:oMathPara xmlns:m="http://schemas.openxmlformats.org/officeDocument/2006/math">
-                    <m:oMathParaPr>
-                      <m:jc m:val="centerGroup"/>
-                    </m:oMathParaPr>
-                    <m:oMath xmlns:m="http://schemas.openxmlformats.org/officeDocument/2006/math">
-                      <m:sSubSup>
-                        <m:sSubSupPr>
-                          <m:ctrlPr>
-                            <a:rPr lang="en-US" sz="1800" i="1" smtClean="0">
-                              <a:latin typeface="Cambria Math" panose="02040503050406030204" pitchFamily="18" charset="0"/>
-                            </a:rPr>
-                          </m:ctrlPr>
-                        </m:sSubSupPr>
-                        <m:e>
-                          <m:r>
-                            <a:rPr lang="en-US" sz="1800" b="0" i="1" smtClean="0">
-                              <a:latin typeface="Cambria Math" panose="02040503050406030204" pitchFamily="18" charset="0"/>
-                            </a:rPr>
-                            <m:t>𝐸</m:t>
-                          </m:r>
-                        </m:e>
-                        <m:sub>
-                          <m:r>
-                            <a:rPr lang="en-US" sz="1800" b="0" i="1" smtClean="0">
-                              <a:latin typeface="Cambria Math" panose="02040503050406030204" pitchFamily="18" charset="0"/>
-                            </a:rPr>
-                            <m:t>𝑋𝑌</m:t>
-                          </m:r>
-                        </m:sub>
-                        <m:sup>
-                          <m:r>
-                            <a:rPr lang="en-US" sz="1800" b="0" i="1" smtClean="0">
-                              <a:latin typeface="Cambria Math" panose="02040503050406030204" pitchFamily="18" charset="0"/>
-                            </a:rPr>
-                            <m:t>𝐷</m:t>
-                          </m:r>
-                        </m:sup>
-                      </m:sSubSup>
-                      <m:r>
-                        <a:rPr lang="en-US" sz="1800" b="0" i="1" smtClean="0">
-                          <a:latin typeface="Cambria Math" panose="02040503050406030204" pitchFamily="18" charset="0"/>
-                        </a:rPr>
-                        <m:t>=</m:t>
-                      </m:r>
-                      <m:f>
-                        <m:fPr>
-                          <m:ctrlPr>
-                            <a:rPr lang="en-US" sz="1800" b="1" i="1">
-                              <a:latin typeface="Cambria Math" panose="02040503050406030204" pitchFamily="18" charset="0"/>
-                            </a:rPr>
-                          </m:ctrlPr>
-                        </m:fPr>
-                        <m:num>
-                          <m:r>
-                            <a:rPr lang="en-US" sz="1800" b="1" i="1">
-                              <a:latin typeface="Cambria Math" panose="02040503050406030204" pitchFamily="18" charset="0"/>
-                              <a:ea typeface="Cambria Math" panose="02040503050406030204" pitchFamily="18" charset="0"/>
-                            </a:rPr>
-                            <m:t>∆</m:t>
-                          </m:r>
-                          <m:sSub>
-                            <m:sSubPr>
-                              <m:ctrlPr>
-                                <a:rPr lang="en-US" sz="1800" b="1" i="1" smtClean="0">
-                                  <a:latin typeface="Cambria Math" panose="02040503050406030204" pitchFamily="18" charset="0"/>
-                                  <a:ea typeface="Cambria Math" panose="02040503050406030204" pitchFamily="18" charset="0"/>
-                                </a:rPr>
-                              </m:ctrlPr>
-                            </m:sSubPr>
-                            <m:e>
-                              <m:r>
-                                <a:rPr lang="en-US" sz="1800" b="1" i="1" smtClean="0">
-                                  <a:latin typeface="Cambria Math" panose="02040503050406030204" pitchFamily="18" charset="0"/>
-                                  <a:ea typeface="Cambria Math" panose="02040503050406030204" pitchFamily="18" charset="0"/>
-                                </a:rPr>
-                                <m:t>𝑸</m:t>
-                              </m:r>
-                            </m:e>
-                            <m:sub>
-                              <m:r>
-                                <a:rPr lang="en-US" sz="1800" b="1" i="1" smtClean="0">
-                                  <a:latin typeface="Cambria Math" panose="02040503050406030204" pitchFamily="18" charset="0"/>
-                                  <a:ea typeface="Cambria Math" panose="02040503050406030204" pitchFamily="18" charset="0"/>
-                                </a:rPr>
-                                <m:t>𝑿</m:t>
-                              </m:r>
-                            </m:sub>
-                          </m:sSub>
-                          <m:r>
-                            <a:rPr lang="en-US" sz="1800" b="1" i="1">
-                              <a:latin typeface="Cambria Math" panose="02040503050406030204" pitchFamily="18" charset="0"/>
-                              <a:ea typeface="Cambria Math" panose="02040503050406030204" pitchFamily="18" charset="0"/>
-                            </a:rPr>
-                            <m:t>\</m:t>
-                          </m:r>
-                          <m:sSub>
-                            <m:sSubPr>
-                              <m:ctrlPr>
-                                <a:rPr lang="en-US" sz="1800" b="1" i="1">
-                                  <a:latin typeface="Cambria Math" panose="02040503050406030204" pitchFamily="18" charset="0"/>
-                                  <a:ea typeface="Cambria Math" panose="02040503050406030204" pitchFamily="18" charset="0"/>
-                                </a:rPr>
-                              </m:ctrlPr>
-                            </m:sSubPr>
-                            <m:e>
-                              <m:r>
-                                <a:rPr lang="en-US" sz="1800" b="1" i="1">
-                                  <a:latin typeface="Cambria Math" panose="02040503050406030204" pitchFamily="18" charset="0"/>
-                                  <a:ea typeface="Cambria Math" panose="02040503050406030204" pitchFamily="18" charset="0"/>
-                                </a:rPr>
-                                <m:t>𝑸</m:t>
-                              </m:r>
-                            </m:e>
-                            <m:sub>
-                              <m:r>
-                                <a:rPr lang="en-US" sz="1800" b="1" i="1">
-                                  <a:latin typeface="Cambria Math" panose="02040503050406030204" pitchFamily="18" charset="0"/>
-                                  <a:ea typeface="Cambria Math" panose="02040503050406030204" pitchFamily="18" charset="0"/>
-                                </a:rPr>
-                                <m:t>𝑿</m:t>
-                              </m:r>
-                            </m:sub>
-                          </m:sSub>
-                        </m:num>
-                        <m:den>
-                          <m:r>
-                            <a:rPr lang="en-US" sz="1800" b="1" i="1">
-                              <a:latin typeface="Cambria Math" panose="02040503050406030204" pitchFamily="18" charset="0"/>
-                              <a:ea typeface="Cambria Math" panose="02040503050406030204" pitchFamily="18" charset="0"/>
-                            </a:rPr>
-                            <m:t>∆</m:t>
-                          </m:r>
-                          <m:sSub>
-                            <m:sSubPr>
-                              <m:ctrlPr>
-                                <a:rPr lang="en-US" sz="1800" b="1" i="1">
-                                  <a:latin typeface="Cambria Math" panose="02040503050406030204" pitchFamily="18" charset="0"/>
-                                  <a:ea typeface="Cambria Math" panose="02040503050406030204" pitchFamily="18" charset="0"/>
-                                </a:rPr>
-                              </m:ctrlPr>
-                            </m:sSubPr>
-                            <m:e>
-                              <m:r>
-                                <a:rPr lang="en-US" sz="1800" b="1" i="1" smtClean="0">
-                                  <a:latin typeface="Cambria Math" panose="02040503050406030204" pitchFamily="18" charset="0"/>
-                                  <a:ea typeface="Cambria Math" panose="02040503050406030204" pitchFamily="18" charset="0"/>
-                                </a:rPr>
-                                <m:t>𝑷</m:t>
-                              </m:r>
-                            </m:e>
-                            <m:sub>
-                              <m:r>
-                                <a:rPr lang="en-US" sz="1800" b="1" i="1" smtClean="0">
-                                  <a:latin typeface="Cambria Math" panose="02040503050406030204" pitchFamily="18" charset="0"/>
-                                  <a:ea typeface="Cambria Math" panose="02040503050406030204" pitchFamily="18" charset="0"/>
-                                </a:rPr>
-                                <m:t>𝒀</m:t>
-                              </m:r>
-                            </m:sub>
-                          </m:sSub>
-                          <m:r>
-                            <a:rPr lang="en-US" sz="1800" b="1" i="1">
-                              <a:latin typeface="Cambria Math" panose="02040503050406030204" pitchFamily="18" charset="0"/>
-                              <a:ea typeface="Cambria Math" panose="02040503050406030204" pitchFamily="18" charset="0"/>
-                            </a:rPr>
-                            <m:t>\</m:t>
-                          </m:r>
-                          <m:sSub>
-                            <m:sSubPr>
-                              <m:ctrlPr>
-                                <a:rPr lang="en-US" sz="1800" b="1" i="1">
-                                  <a:latin typeface="Cambria Math" panose="02040503050406030204" pitchFamily="18" charset="0"/>
-                                  <a:ea typeface="Cambria Math" panose="02040503050406030204" pitchFamily="18" charset="0"/>
-                                </a:rPr>
-                              </m:ctrlPr>
-                            </m:sSubPr>
-                            <m:e>
-                              <m:r>
-                                <a:rPr lang="en-US" sz="1800" b="1" i="1" smtClean="0">
-                                  <a:latin typeface="Cambria Math" panose="02040503050406030204" pitchFamily="18" charset="0"/>
-                                  <a:ea typeface="Cambria Math" panose="02040503050406030204" pitchFamily="18" charset="0"/>
-                                </a:rPr>
-                                <m:t>𝑷</m:t>
-                              </m:r>
-                            </m:e>
-                            <m:sub>
-                              <m:r>
-                                <a:rPr lang="en-US" sz="1800" b="1" i="1" smtClean="0">
-                                  <a:latin typeface="Cambria Math" panose="02040503050406030204" pitchFamily="18" charset="0"/>
-                                  <a:ea typeface="Cambria Math" panose="02040503050406030204" pitchFamily="18" charset="0"/>
-                                </a:rPr>
-                                <m:t>𝒀</m:t>
-                              </m:r>
-                            </m:sub>
-                          </m:sSub>
-                        </m:den>
-                      </m:f>
-                      <m:r>
-                        <a:rPr lang="ru-RU" sz="1800" b="1" i="1">
-                          <a:latin typeface="Cambria Math" panose="02040503050406030204" pitchFamily="18" charset="0"/>
-                          <a:ea typeface="Cambria Math" panose="02040503050406030204" pitchFamily="18" charset="0"/>
-                        </a:rPr>
-                        <m:t>(%)</m:t>
-                      </m:r>
-                    </m:oMath>
-                  </m:oMathPara>
-                </a14:m>
-                <a:endParaRPr lang="en-US" sz="1800" dirty="0"/>
-              </a:p>
-              <a:p>
-                <a:pPr marL="0" indent="0">
-                  <a:lnSpc>
-                    <a:spcPct val="150000"/>
-                  </a:lnSpc>
-                  <a:buNone/>
-                </a:pPr>
-                <a:r>
-                  <a:rPr lang="en-US" sz="1500" dirty="0"/>
-                  <a:t>X, Y - </a:t>
-                </a:r>
-                <a:r>
-                  <a:rPr lang="ru-RU" sz="1500" dirty="0"/>
-                  <a:t>товары</a:t>
-                </a:r>
-                <a:endParaRPr lang="en-US" sz="1500" dirty="0"/>
-              </a:p>
-              <a:p>
-                <a:pPr marL="342900" indent="-342900">
-                  <a:lnSpc>
-                    <a:spcPct val="150000"/>
-                  </a:lnSpc>
-                  <a:buFont typeface="+mj-lt"/>
-                  <a:buAutoNum type="arabicPeriod"/>
-                </a:pPr>
-                <a:r>
-                  <a:rPr lang="ru-RU" sz="1500" dirty="0"/>
-                  <a:t>взаимозаменяемое благо </a:t>
-                </a:r>
-                <a14:m>
-                  <m:oMath xmlns:m="http://schemas.openxmlformats.org/officeDocument/2006/math">
-                    <m:sSubSup>
-                      <m:sSubSupPr>
-                        <m:ctrlPr>
-                          <a:rPr lang="en-US" sz="1500" b="1" i="1" smtClean="0">
-                            <a:latin typeface="Cambria Math" panose="02040503050406030204" pitchFamily="18" charset="0"/>
-                          </a:rPr>
-                        </m:ctrlPr>
-                      </m:sSubSupPr>
-                      <m:e>
-                        <m:r>
-                          <a:rPr lang="en-US" sz="1500" b="1" i="1" smtClean="0">
-                            <a:latin typeface="Cambria Math" panose="02040503050406030204" pitchFamily="18" charset="0"/>
-                          </a:rPr>
-                          <m:t>𝑬</m:t>
-                        </m:r>
-                      </m:e>
-                      <m:sub>
-                        <m:r>
-                          <a:rPr lang="en-US" sz="1500" b="1" i="1" smtClean="0">
-                            <a:latin typeface="Cambria Math" panose="02040503050406030204" pitchFamily="18" charset="0"/>
-                          </a:rPr>
-                          <m:t>𝑿𝒀</m:t>
-                        </m:r>
-                      </m:sub>
-                      <m:sup>
-                        <m:r>
-                          <a:rPr lang="en-US" sz="1500" b="1" i="1" smtClean="0">
-                            <a:latin typeface="Cambria Math" panose="02040503050406030204" pitchFamily="18" charset="0"/>
-                          </a:rPr>
-                          <m:t>𝑫</m:t>
-                        </m:r>
-                      </m:sup>
-                    </m:sSubSup>
-                    <m:r>
-                      <a:rPr lang="en-US" sz="1500" b="1" i="1" smtClean="0">
-                        <a:latin typeface="Cambria Math" panose="02040503050406030204" pitchFamily="18" charset="0"/>
-                      </a:rPr>
-                      <m:t>&gt;</m:t>
-                    </m:r>
-                    <m:r>
-                      <a:rPr lang="en-US" sz="1500" b="1" i="1" smtClean="0">
-                        <a:latin typeface="Cambria Math" panose="02040503050406030204" pitchFamily="18" charset="0"/>
-                      </a:rPr>
-                      <m:t>𝟎</m:t>
-                    </m:r>
-                  </m:oMath>
-                </a14:m>
-                <a:endParaRPr lang="ru-RU" sz="1500" b="1" dirty="0"/>
-              </a:p>
-              <a:p>
-                <a:pPr marL="342900" indent="-342900">
-                  <a:lnSpc>
-                    <a:spcPct val="150000"/>
-                  </a:lnSpc>
-                  <a:buFont typeface="+mj-lt"/>
-                  <a:buAutoNum type="arabicPeriod"/>
-                </a:pPr>
-                <a:r>
-                  <a:rPr lang="ru-RU" sz="1500" dirty="0"/>
-                  <a:t>комплементарные благ </a:t>
-                </a:r>
-                <a14:m>
-                  <m:oMath xmlns:m="http://schemas.openxmlformats.org/officeDocument/2006/math">
-                    <m:sSubSup>
-                      <m:sSubSupPr>
-                        <m:ctrlPr>
-                          <a:rPr lang="en-US" sz="1500" b="1" i="1" smtClean="0">
-                            <a:latin typeface="Cambria Math" panose="02040503050406030204" pitchFamily="18" charset="0"/>
-                          </a:rPr>
-                        </m:ctrlPr>
-                      </m:sSubSupPr>
-                      <m:e>
-                        <m:r>
-                          <a:rPr lang="en-US" sz="1500" b="1" i="1" smtClean="0">
-                            <a:latin typeface="Cambria Math" panose="02040503050406030204" pitchFamily="18" charset="0"/>
-                          </a:rPr>
-                          <m:t>𝑬</m:t>
-                        </m:r>
-                      </m:e>
-                      <m:sub>
-                        <m:r>
-                          <a:rPr lang="en-US" sz="1500" b="1" i="1" smtClean="0">
-                            <a:latin typeface="Cambria Math" panose="02040503050406030204" pitchFamily="18" charset="0"/>
-                          </a:rPr>
-                          <m:t>𝑿𝒀</m:t>
-                        </m:r>
-                      </m:sub>
-                      <m:sup>
-                        <m:r>
-                          <a:rPr lang="en-US" sz="1500" b="1" i="1" smtClean="0">
-                            <a:latin typeface="Cambria Math" panose="02040503050406030204" pitchFamily="18" charset="0"/>
-                          </a:rPr>
-                          <m:t>𝑫</m:t>
-                        </m:r>
-                      </m:sup>
-                    </m:sSubSup>
-                    <m:r>
-                      <a:rPr lang="en-US" sz="1500" b="1" i="1" smtClean="0">
-                        <a:latin typeface="Cambria Math" panose="02040503050406030204" pitchFamily="18" charset="0"/>
-                      </a:rPr>
-                      <m:t>&lt;</m:t>
-                    </m:r>
-                    <m:r>
-                      <a:rPr lang="en-US" sz="1500" b="1" i="1" smtClean="0">
-                        <a:latin typeface="Cambria Math" panose="02040503050406030204" pitchFamily="18" charset="0"/>
-                      </a:rPr>
-                      <m:t>𝟎</m:t>
-                    </m:r>
-                  </m:oMath>
-                </a14:m>
-                <a:endParaRPr lang="ru-RU" sz="1500" b="1" dirty="0"/>
-              </a:p>
-              <a:p>
-                <a:pPr marL="342900" indent="-342900">
-                  <a:lnSpc>
-                    <a:spcPct val="150000"/>
-                  </a:lnSpc>
-                  <a:buFont typeface="+mj-lt"/>
-                  <a:buAutoNum type="arabicPeriod"/>
-                </a:pPr>
-                <a:r>
-                  <a:rPr lang="ru-RU" sz="1500" dirty="0"/>
-                  <a:t>независимые друг от друга блага </a:t>
-                </a:r>
-                <a14:m>
-                  <m:oMath xmlns:m="http://schemas.openxmlformats.org/officeDocument/2006/math">
-                    <m:sSubSup>
-                      <m:sSubSupPr>
-                        <m:ctrlPr>
-                          <a:rPr lang="en-US" sz="1500" b="1" i="1" smtClean="0">
-                            <a:latin typeface="Cambria Math" panose="02040503050406030204" pitchFamily="18" charset="0"/>
-                          </a:rPr>
-                        </m:ctrlPr>
-                      </m:sSubSupPr>
-                      <m:e>
-                        <m:r>
-                          <a:rPr lang="en-US" sz="1500" b="1" i="1" smtClean="0">
-                            <a:latin typeface="Cambria Math" panose="02040503050406030204" pitchFamily="18" charset="0"/>
-                          </a:rPr>
-                          <m:t>𝑬</m:t>
-                        </m:r>
-                      </m:e>
-                      <m:sub>
-                        <m:r>
-                          <a:rPr lang="en-US" sz="1500" b="1" i="1" smtClean="0">
-                            <a:latin typeface="Cambria Math" panose="02040503050406030204" pitchFamily="18" charset="0"/>
-                          </a:rPr>
-                          <m:t>𝑿𝒀</m:t>
-                        </m:r>
-                      </m:sub>
-                      <m:sup>
-                        <m:r>
-                          <a:rPr lang="en-US" sz="1500" b="1" i="1" smtClean="0">
-                            <a:latin typeface="Cambria Math" panose="02040503050406030204" pitchFamily="18" charset="0"/>
-                          </a:rPr>
-                          <m:t>𝑫</m:t>
-                        </m:r>
-                      </m:sup>
-                    </m:sSubSup>
-                    <m:r>
-                      <a:rPr lang="en-US" sz="1500" b="1" i="1" smtClean="0">
-                        <a:latin typeface="Cambria Math" panose="02040503050406030204" pitchFamily="18" charset="0"/>
-                      </a:rPr>
-                      <m:t>=</m:t>
-                    </m:r>
-                    <m:r>
-                      <a:rPr lang="en-US" sz="1500" b="1" i="1" smtClean="0">
-                        <a:latin typeface="Cambria Math" panose="02040503050406030204" pitchFamily="18" charset="0"/>
-                      </a:rPr>
-                      <m:t>𝟎</m:t>
-                    </m:r>
-                  </m:oMath>
-                </a14:m>
-                <a:endParaRPr lang="ru-RU" sz="1500" b="1" dirty="0"/>
-              </a:p>
-              <a:p>
-                <a:pPr marL="0" indent="0">
-                  <a:lnSpc>
-                    <a:spcPct val="150000"/>
-                  </a:lnSpc>
-                  <a:buNone/>
-                </a:pPr>
-                <a:endParaRPr lang="ru-RU" sz="1800" dirty="0">
-                  <a:latin typeface="Montserrat" panose="00000500000000000000" pitchFamily="2" charset="0"/>
-                </a:endParaRPr>
-              </a:p>
-            </p:txBody>
-          </p:sp>
-        </mc:Choice>
-        <mc:Fallback xmlns="">
-          <p:sp>
-            <p:nvSpPr>
-              <p:cNvPr id="3" name="Объект 2"/>
-              <p:cNvSpPr>
-                <a:spLocks noGrp="1" noRot="1" noChangeAspect="1" noMove="1" noResize="1" noEditPoints="1" noAdjustHandles="1" noChangeArrowheads="1" noChangeShapeType="1" noTextEdit="1"/>
-              </p:cNvSpPr>
-              <p:nvPr>
-                <p:ph idx="1"/>
-              </p:nvPr>
-            </p:nvSpPr>
-            <p:spPr>
-              <a:xfrm>
-                <a:off x="838200" y="2022765"/>
-                <a:ext cx="10515600" cy="4154198"/>
-              </a:xfrm>
-              <a:blipFill>
-                <a:blip r:embed="rId3"/>
-                <a:stretch>
-                  <a:fillRect l="-522"/>
-                </a:stretch>
-              </a:blipFill>
-            </p:spPr>
-            <p:txBody>
-              <a:bodyPr/>
-              <a:lstStyle/>
-              <a:p>
-                <a:r>
-                  <a:rPr lang="ru-RU">
-                    <a:noFill/>
-                  </a:rPr>
-                  <a:t> </a:t>
-                </a:r>
-              </a:p>
-            </p:txBody>
-          </p:sp>
-        </mc:Fallback>
-      </mc:AlternateContent>
-      <p:sp>
-        <p:nvSpPr>
-          <p:cNvPr id="4" name="Нижний колонтитул 3"/>
-          <p:cNvSpPr>
-            <a:spLocks noGrp="1"/>
-          </p:cNvSpPr>
-          <p:nvPr>
-            <p:ph type="ftr" sz="quarter" idx="11"/>
-          </p:nvPr>
-        </p:nvSpPr>
-        <p:spPr/>
-        <p:txBody>
-          <a:bodyPr/>
-          <a:lstStyle/>
-          <a:p>
-            <a:r>
-              <a:rPr lang="ru-RU" dirty="0">
-                <a:latin typeface="Montserrat" panose="00000500000000000000" pitchFamily="2" charset="0"/>
-                <a:cs typeface="Arial" panose="020B0604020202020204" pitchFamily="34" charset="0"/>
-              </a:rPr>
-              <a:t>МГТУ им. Н.Э. Баумана, ИУ7 – «Программное обеспечение ЭВМ и информационные технологии»</a:t>
-            </a:r>
-          </a:p>
-        </p:txBody>
-      </p:sp>
-      <p:sp>
-        <p:nvSpPr>
-          <p:cNvPr id="5" name="Номер слайда 4"/>
-          <p:cNvSpPr>
-            <a:spLocks noGrp="1"/>
-          </p:cNvSpPr>
-          <p:nvPr>
-            <p:ph type="sldNum" sz="quarter" idx="12"/>
-          </p:nvPr>
-        </p:nvSpPr>
-        <p:spPr/>
-        <p:txBody>
-          <a:bodyPr/>
-          <a:lstStyle/>
-          <a:p>
-            <a:fld id="{9415E33C-F962-4E59-AF47-C3576160EA36}" type="slidenum">
-              <a:rPr lang="ru-RU" smtClean="0"/>
-              <a:t>12</a:t>
-            </a:fld>
-            <a:endParaRPr lang="ru-RU"/>
-          </a:p>
-        </p:txBody>
-      </p:sp>
-      <p:pic>
-        <p:nvPicPr>
-          <p:cNvPr id="7" name="Picture 2" descr="image">
-            <a:extLst>
-              <a:ext uri="{FF2B5EF4-FFF2-40B4-BE49-F238E27FC236}">
-                <a16:creationId xmlns:a16="http://schemas.microsoft.com/office/drawing/2014/main" id="{CFC6836E-3700-421C-8822-6708949CADCA}"/>
-              </a:ext>
-            </a:extLst>
-          </p:cNvPr>
-          <p:cNvPicPr>
-            <a:picLocks noChangeAspect="1" noChangeArrowheads="1"/>
-          </p:cNvPicPr>
-          <p:nvPr/>
-        </p:nvPicPr>
-        <p:blipFill>
-          <a:blip r:embed="rId4" cstate="print">
-            <a:extLst>
-              <a:ext uri="{28A0092B-C50C-407E-A947-70E740481C1C}">
-                <a14:useLocalDpi xmlns:a14="http://schemas.microsoft.com/office/drawing/2010/main" val="0"/>
-              </a:ext>
-            </a:extLst>
-          </a:blip>
-          <a:srcRect/>
-          <a:stretch>
-            <a:fillRect/>
-          </a:stretch>
-        </p:blipFill>
-        <p:spPr bwMode="auto">
-          <a:xfrm>
-            <a:off x="10193246" y="360436"/>
-            <a:ext cx="1520954" cy="1520954"/>
-          </a:xfrm>
-          <a:prstGeom prst="rect">
-            <a:avLst/>
-          </a:prstGeom>
-          <a:noFill/>
-          <a:extLst>
-            <a:ext uri="{909E8E84-426E-40DD-AFC4-6F175D3DCCD1}">
-              <a14:hiddenFill xmlns:a14="http://schemas.microsoft.com/office/drawing/2010/main">
-                <a:solidFill>
-                  <a:srgbClr val="FFFFFF"/>
-                </a:solidFill>
-              </a14:hiddenFill>
-            </a:ext>
-          </a:extLst>
-        </p:spPr>
-      </p:pic>
-    </p:spTree>
-    <p:extLst>
-      <p:ext uri="{BB962C8B-B14F-4D97-AF65-F5344CB8AC3E}">
-        <p14:creationId xmlns:p14="http://schemas.microsoft.com/office/powerpoint/2010/main" val="36148254"/>
-      </p:ext>
-    </p:extLst>
-  </p:cSld>
-  <p:clrMapOvr>
-    <a:masterClrMapping/>
-  </p:clrMapOvr>
-</p:sld>
-</file>
-
-<file path=ppt/slides/slide13.xml><?xml version="1.0" encoding="utf-8"?>
-<p:sld xmlns:a="http://schemas.openxmlformats.org/drawingml/2006/main" xmlns:r="http://schemas.openxmlformats.org/officeDocument/2006/relationships" xmlns:p="http://schemas.openxmlformats.org/presentationml/2006/main">
-  <p:cSld>
-    <p:spTree>
-      <p:nvGrpSpPr>
-        <p:cNvPr id="1" name=""/>
-        <p:cNvGrpSpPr/>
-        <p:nvPr/>
-      </p:nvGrpSpPr>
-      <p:grpSpPr>
-        <a:xfrm>
-          <a:off x="0" y="0"/>
-          <a:ext cx="0" cy="0"/>
-          <a:chOff x="0" y="0"/>
-          <a:chExt cx="0" cy="0"/>
-        </a:xfrm>
-      </p:grpSpPr>
-      <p:sp>
-        <p:nvSpPr>
-          <p:cNvPr id="2" name="Заголовок 1"/>
-          <p:cNvSpPr>
-            <a:spLocks noGrp="1"/>
-          </p:cNvSpPr>
-          <p:nvPr>
-            <p:ph type="title"/>
-          </p:nvPr>
-        </p:nvSpPr>
-        <p:spPr>
-          <a:xfrm>
-            <a:off x="838200" y="1039528"/>
-            <a:ext cx="10515600" cy="651160"/>
-          </a:xfrm>
-        </p:spPr>
-        <p:txBody>
-          <a:bodyPr>
-            <a:normAutofit fontScale="90000"/>
-          </a:bodyPr>
-          <a:lstStyle/>
-          <a:p>
-            <a:r>
-              <a:rPr lang="ru-RU" b="1" dirty="0">
-                <a:solidFill>
-                  <a:srgbClr val="326CDB"/>
-                </a:solidFill>
-                <a:latin typeface="Montserrat" panose="00000500000000000000" pitchFamily="2" charset="0"/>
-                <a:cs typeface="Arial" panose="020B0604020202020204" pitchFamily="34" charset="0"/>
-              </a:rPr>
-              <a:t>Эластичность предложения</a:t>
-            </a:r>
-          </a:p>
-        </p:txBody>
-      </p:sp>
-      <mc:AlternateContent xmlns:mc="http://schemas.openxmlformats.org/markup-compatibility/2006" xmlns:a14="http://schemas.microsoft.com/office/drawing/2010/main">
-        <mc:Choice Requires="a14">
-          <p:sp>
-            <p:nvSpPr>
-              <p:cNvPr id="3" name="Объект 2"/>
-              <p:cNvSpPr>
-                <a:spLocks noGrp="1"/>
-              </p:cNvSpPr>
-              <p:nvPr>
-                <p:ph idx="1"/>
-              </p:nvPr>
-            </p:nvSpPr>
-            <p:spPr/>
-            <p:txBody>
-              <a:bodyPr>
-                <a:normAutofit/>
-              </a:bodyPr>
-              <a:lstStyle/>
-              <a:p>
-                <a:pPr marL="0" indent="0">
-                  <a:lnSpc>
-                    <a:spcPct val="150000"/>
-                  </a:lnSpc>
-                  <a:buNone/>
-                </a:pPr>
-                <a:r>
-                  <a:rPr lang="ru-RU" sz="1800" dirty="0">
-                    <a:latin typeface="Montserrat" panose="00000500000000000000" pitchFamily="2" charset="0"/>
-                  </a:rPr>
-                  <a:t>демонстрирует, как </a:t>
-                </a:r>
-                <a:r>
-                  <a:rPr lang="ru-RU" sz="1800" dirty="0">
-                    <a:solidFill>
-                      <a:srgbClr val="326CDB"/>
-                    </a:solidFill>
-                    <a:latin typeface="Montserrat" panose="00000500000000000000" pitchFamily="2" charset="0"/>
-                  </a:rPr>
-                  <a:t>продавцы</a:t>
-                </a:r>
-                <a:r>
-                  <a:rPr lang="ru-RU" sz="1800" dirty="0">
-                    <a:latin typeface="Montserrat" panose="00000500000000000000" pitchFamily="2" charset="0"/>
-                  </a:rPr>
-                  <a:t> реагируют на изменение цены: увеличивают или уменьшают объемы продукции на рынке</a:t>
-                </a:r>
-                <a:endParaRPr lang="en-US" sz="1800" dirty="0">
-                  <a:latin typeface="Montserrat" panose="00000500000000000000" pitchFamily="2" charset="0"/>
-                </a:endParaRPr>
-              </a:p>
-              <a:p>
-                <a:pPr marL="0" indent="0">
-                  <a:lnSpc>
-                    <a:spcPct val="150000"/>
-                  </a:lnSpc>
-                  <a:buNone/>
-                </a:pPr>
-                <a:endParaRPr lang="ru-RU" sz="1500" dirty="0">
-                  <a:latin typeface="Montserrat" panose="00000500000000000000" pitchFamily="2" charset="0"/>
-                </a:endParaRPr>
-              </a:p>
-              <a:p>
-                <a:pPr marL="0" indent="0">
-                  <a:lnSpc>
-                    <a:spcPct val="150000"/>
-                  </a:lnSpc>
-                  <a:buNone/>
-                </a:pPr>
-                <a14:m>
-                  <m:oMathPara xmlns:m="http://schemas.openxmlformats.org/officeDocument/2006/math">
-                    <m:oMathParaPr>
-                      <m:jc m:val="centerGroup"/>
-                    </m:oMathParaPr>
-                    <m:oMath xmlns:m="http://schemas.openxmlformats.org/officeDocument/2006/math">
-                      <m:sSubSup>
-                        <m:sSubSupPr>
-                          <m:ctrlPr>
-                            <a:rPr lang="en-US" sz="1800" i="1" smtClean="0">
-                              <a:latin typeface="Cambria Math" panose="02040503050406030204" pitchFamily="18" charset="0"/>
-                            </a:rPr>
-                          </m:ctrlPr>
-                        </m:sSubSupPr>
-                        <m:e>
-                          <m:r>
-                            <a:rPr lang="en-US" sz="1800" b="0" i="1" smtClean="0">
-                              <a:latin typeface="Cambria Math" panose="02040503050406030204" pitchFamily="18" charset="0"/>
-                            </a:rPr>
-                            <m:t>𝐸</m:t>
-                          </m:r>
-                        </m:e>
-                        <m:sub>
-                          <m:r>
-                            <a:rPr lang="en-US" sz="1800" b="0" i="1" smtClean="0">
-                              <a:latin typeface="Cambria Math" panose="02040503050406030204" pitchFamily="18" charset="0"/>
-                            </a:rPr>
-                            <m:t>𝑃</m:t>
-                          </m:r>
-                        </m:sub>
-                        <m:sup>
-                          <m:r>
-                            <a:rPr lang="en-US" sz="1800" b="0" i="1" smtClean="0">
-                              <a:latin typeface="Cambria Math" panose="02040503050406030204" pitchFamily="18" charset="0"/>
-                            </a:rPr>
-                            <m:t>𝑆</m:t>
-                          </m:r>
-                        </m:sup>
-                      </m:sSubSup>
-                      <m:r>
-                        <a:rPr lang="en-US" sz="1800" b="0" i="1" smtClean="0">
-                          <a:latin typeface="Cambria Math" panose="02040503050406030204" pitchFamily="18" charset="0"/>
-                        </a:rPr>
-                        <m:t>=</m:t>
-                      </m:r>
-                      <m:f>
-                        <m:fPr>
-                          <m:ctrlPr>
-                            <a:rPr lang="en-US" sz="1800" b="1" i="1">
-                              <a:latin typeface="Cambria Math" panose="02040503050406030204" pitchFamily="18" charset="0"/>
-                            </a:rPr>
-                          </m:ctrlPr>
-                        </m:fPr>
-                        <m:num>
-                          <m:r>
-                            <a:rPr lang="en-US" sz="1800" b="1" i="1">
-                              <a:latin typeface="Cambria Math" panose="02040503050406030204" pitchFamily="18" charset="0"/>
-                              <a:ea typeface="Cambria Math" panose="02040503050406030204" pitchFamily="18" charset="0"/>
-                            </a:rPr>
-                            <m:t>∆</m:t>
-                          </m:r>
-                          <m:sSub>
-                            <m:sSubPr>
-                              <m:ctrlPr>
-                                <a:rPr lang="en-US" sz="1800" b="1" i="1" smtClean="0">
-                                  <a:latin typeface="Cambria Math" panose="02040503050406030204" pitchFamily="18" charset="0"/>
-                                  <a:ea typeface="Cambria Math" panose="02040503050406030204" pitchFamily="18" charset="0"/>
-                                </a:rPr>
-                              </m:ctrlPr>
-                            </m:sSubPr>
-                            <m:e>
-                              <m:r>
-                                <a:rPr lang="en-US" sz="1800" b="1" i="1" smtClean="0">
-                                  <a:latin typeface="Cambria Math" panose="02040503050406030204" pitchFamily="18" charset="0"/>
-                                  <a:ea typeface="Cambria Math" panose="02040503050406030204" pitchFamily="18" charset="0"/>
-                                </a:rPr>
-                                <m:t>𝑸</m:t>
-                              </m:r>
-                            </m:e>
-                            <m:sub>
-                              <m:r>
-                                <a:rPr lang="en-US" sz="1800" b="1" i="1" smtClean="0">
-                                  <a:latin typeface="Cambria Math" panose="02040503050406030204" pitchFamily="18" charset="0"/>
-                                  <a:ea typeface="Cambria Math" panose="02040503050406030204" pitchFamily="18" charset="0"/>
-                                </a:rPr>
-                                <m:t>𝑿</m:t>
-                              </m:r>
-                            </m:sub>
-                          </m:sSub>
-                          <m:r>
-                            <a:rPr lang="en-US" sz="1800" b="1" i="1">
-                              <a:latin typeface="Cambria Math" panose="02040503050406030204" pitchFamily="18" charset="0"/>
-                              <a:ea typeface="Cambria Math" panose="02040503050406030204" pitchFamily="18" charset="0"/>
-                            </a:rPr>
-                            <m:t>\</m:t>
-                          </m:r>
-                          <m:sSub>
-                            <m:sSubPr>
-                              <m:ctrlPr>
-                                <a:rPr lang="en-US" sz="1800" b="1" i="1">
-                                  <a:latin typeface="Cambria Math" panose="02040503050406030204" pitchFamily="18" charset="0"/>
-                                  <a:ea typeface="Cambria Math" panose="02040503050406030204" pitchFamily="18" charset="0"/>
-                                </a:rPr>
-                              </m:ctrlPr>
-                            </m:sSubPr>
-                            <m:e>
-                              <m:r>
-                                <a:rPr lang="en-US" sz="1800" b="1" i="1">
-                                  <a:latin typeface="Cambria Math" panose="02040503050406030204" pitchFamily="18" charset="0"/>
-                                  <a:ea typeface="Cambria Math" panose="02040503050406030204" pitchFamily="18" charset="0"/>
-                                </a:rPr>
-                                <m:t>𝑸</m:t>
-                              </m:r>
-                            </m:e>
-                            <m:sub>
-                              <m:r>
-                                <a:rPr lang="en-US" sz="1800" b="1" i="1">
-                                  <a:latin typeface="Cambria Math" panose="02040503050406030204" pitchFamily="18" charset="0"/>
-                                  <a:ea typeface="Cambria Math" panose="02040503050406030204" pitchFamily="18" charset="0"/>
-                                </a:rPr>
-                                <m:t>𝑿</m:t>
-                              </m:r>
-                            </m:sub>
-                          </m:sSub>
-                        </m:num>
-                        <m:den>
-                          <m:r>
-                            <a:rPr lang="en-US" sz="1800" b="1" i="1">
-                              <a:latin typeface="Cambria Math" panose="02040503050406030204" pitchFamily="18" charset="0"/>
-                              <a:ea typeface="Cambria Math" panose="02040503050406030204" pitchFamily="18" charset="0"/>
-                            </a:rPr>
-                            <m:t>∆</m:t>
-                          </m:r>
-                          <m:r>
-                            <a:rPr lang="en-US" sz="1800" b="1" i="1" smtClean="0">
-                              <a:latin typeface="Cambria Math" panose="02040503050406030204" pitchFamily="18" charset="0"/>
-                              <a:ea typeface="Cambria Math" panose="02040503050406030204" pitchFamily="18" charset="0"/>
-                            </a:rPr>
-                            <m:t>𝑷</m:t>
-                          </m:r>
-                          <m:r>
-                            <a:rPr lang="en-US" sz="1800" b="1" i="1">
-                              <a:latin typeface="Cambria Math" panose="02040503050406030204" pitchFamily="18" charset="0"/>
-                              <a:ea typeface="Cambria Math" panose="02040503050406030204" pitchFamily="18" charset="0"/>
-                            </a:rPr>
-                            <m:t>\</m:t>
-                          </m:r>
-                          <m:r>
-                            <a:rPr lang="en-US" sz="1800" b="1" i="1" smtClean="0">
-                              <a:latin typeface="Cambria Math" panose="02040503050406030204" pitchFamily="18" charset="0"/>
-                              <a:ea typeface="Cambria Math" panose="02040503050406030204" pitchFamily="18" charset="0"/>
-                            </a:rPr>
-                            <m:t>𝑷</m:t>
-                          </m:r>
-                        </m:den>
-                      </m:f>
-                      <m:r>
-                        <a:rPr lang="ru-RU" sz="1800" b="1" i="1">
-                          <a:latin typeface="Cambria Math" panose="02040503050406030204" pitchFamily="18" charset="0"/>
-                          <a:ea typeface="Cambria Math" panose="02040503050406030204" pitchFamily="18" charset="0"/>
-                        </a:rPr>
-                        <m:t>(%)</m:t>
-                      </m:r>
-                    </m:oMath>
-                  </m:oMathPara>
-                </a14:m>
-                <a:endParaRPr lang="en-US" sz="1800" dirty="0">
-                  <a:latin typeface="Montserrat" panose="00000500000000000000" pitchFamily="2" charset="0"/>
-                </a:endParaRPr>
-              </a:p>
-              <a:p>
-                <a:pPr marL="0" indent="0">
-                  <a:lnSpc>
-                    <a:spcPct val="150000"/>
-                  </a:lnSpc>
-                  <a:buNone/>
-                </a:pPr>
-                <a:r>
-                  <a:rPr lang="en-US" sz="1500" dirty="0"/>
-                  <a:t>S – </a:t>
-                </a:r>
-                <a:r>
-                  <a:rPr lang="ru-RU" sz="1500" dirty="0"/>
-                  <a:t>предложение</a:t>
-                </a:r>
-                <a:endParaRPr lang="en-US" sz="1500" dirty="0"/>
-              </a:p>
-              <a:p>
-                <a:pPr marL="0" indent="0">
-                  <a:lnSpc>
-                    <a:spcPct val="150000"/>
-                  </a:lnSpc>
-                  <a:buNone/>
-                </a:pPr>
-                <a:r>
-                  <a:rPr lang="en-US" sz="1500" dirty="0">
-                    <a:ea typeface="Cambria Math" panose="02040503050406030204" pitchFamily="18" charset="0"/>
-                  </a:rPr>
-                  <a:t>Q – </a:t>
-                </a:r>
-                <a:r>
-                  <a:rPr lang="ru-RU" sz="1500" dirty="0">
-                    <a:ea typeface="Cambria Math" panose="02040503050406030204" pitchFamily="18" charset="0"/>
-                  </a:rPr>
-                  <a:t>количество товара </a:t>
-                </a:r>
-                <a:r>
-                  <a:rPr lang="en-US" sz="1500" dirty="0">
-                    <a:ea typeface="Cambria Math" panose="02040503050406030204" pitchFamily="18" charset="0"/>
-                  </a:rPr>
-                  <a:t>X</a:t>
-                </a:r>
-              </a:p>
-              <a:p>
-                <a:pPr marL="0" indent="0">
-                  <a:lnSpc>
-                    <a:spcPct val="150000"/>
-                  </a:lnSpc>
-                  <a:buNone/>
-                </a:pPr>
-                <a:r>
-                  <a:rPr lang="en-US" sz="1500" dirty="0">
-                    <a:latin typeface="Montserrat" panose="00000500000000000000" pitchFamily="2" charset="0"/>
-                    <a:ea typeface="Cambria Math" panose="02040503050406030204" pitchFamily="18" charset="0"/>
-                  </a:rPr>
-                  <a:t>P – </a:t>
-                </a:r>
-                <a:r>
-                  <a:rPr lang="ru-RU" sz="1500" dirty="0">
-                    <a:latin typeface="Montserrat" panose="00000500000000000000" pitchFamily="2" charset="0"/>
-                    <a:ea typeface="Cambria Math" panose="02040503050406030204" pitchFamily="18" charset="0"/>
-                  </a:rPr>
-                  <a:t>цена товара </a:t>
-                </a:r>
-                <a:r>
-                  <a:rPr lang="en-US" sz="1500" dirty="0">
-                    <a:latin typeface="Montserrat" panose="00000500000000000000" pitchFamily="2" charset="0"/>
-                    <a:ea typeface="Cambria Math" panose="02040503050406030204" pitchFamily="18" charset="0"/>
-                  </a:rPr>
-                  <a:t>X</a:t>
-                </a:r>
-                <a:endParaRPr lang="ru-RU" sz="1500" dirty="0">
-                  <a:latin typeface="Montserrat" panose="00000500000000000000" pitchFamily="2" charset="0"/>
-                </a:endParaRPr>
-              </a:p>
-            </p:txBody>
-          </p:sp>
-        </mc:Choice>
-        <mc:Fallback xmlns="">
-          <p:sp>
-            <p:nvSpPr>
-              <p:cNvPr id="3" name="Объект 2"/>
-              <p:cNvSpPr>
-                <a:spLocks noGrp="1" noRot="1" noChangeAspect="1" noMove="1" noResize="1" noEditPoints="1" noAdjustHandles="1" noChangeArrowheads="1" noChangeShapeType="1" noTextEdit="1"/>
-              </p:cNvSpPr>
-              <p:nvPr>
-                <p:ph idx="1"/>
-              </p:nvPr>
-            </p:nvSpPr>
-            <p:spPr>
-              <a:blipFill>
-                <a:blip r:embed="rId3"/>
-                <a:stretch>
-                  <a:fillRect l="-522"/>
-                </a:stretch>
-              </a:blipFill>
-            </p:spPr>
-            <p:txBody>
-              <a:bodyPr/>
-              <a:lstStyle/>
-              <a:p>
-                <a:r>
-                  <a:rPr lang="ru-RU">
-                    <a:noFill/>
-                  </a:rPr>
-                  <a:t> </a:t>
-                </a:r>
-              </a:p>
-            </p:txBody>
-          </p:sp>
-        </mc:Fallback>
-      </mc:AlternateContent>
-      <p:sp>
-        <p:nvSpPr>
-          <p:cNvPr id="4" name="Нижний колонтитул 3"/>
-          <p:cNvSpPr>
-            <a:spLocks noGrp="1"/>
-          </p:cNvSpPr>
-          <p:nvPr>
-            <p:ph type="ftr" sz="quarter" idx="11"/>
-          </p:nvPr>
-        </p:nvSpPr>
-        <p:spPr/>
-        <p:txBody>
-          <a:bodyPr/>
-          <a:lstStyle/>
-          <a:p>
-            <a:r>
-              <a:rPr lang="ru-RU" dirty="0">
-                <a:latin typeface="Montserrat" panose="00000500000000000000" pitchFamily="2" charset="0"/>
-                <a:cs typeface="Arial" panose="020B0604020202020204" pitchFamily="34" charset="0"/>
-              </a:rPr>
-              <a:t>МГТУ им. Н.Э. Баумана, ИУ7 – «Программное обеспечение ЭВМ и информационные технологии»</a:t>
-            </a:r>
-          </a:p>
-        </p:txBody>
-      </p:sp>
-      <p:sp>
-        <p:nvSpPr>
-          <p:cNvPr id="5" name="Номер слайда 4"/>
-          <p:cNvSpPr>
-            <a:spLocks noGrp="1"/>
-          </p:cNvSpPr>
-          <p:nvPr>
-            <p:ph type="sldNum" sz="quarter" idx="12"/>
-          </p:nvPr>
-        </p:nvSpPr>
-        <p:spPr/>
-        <p:txBody>
-          <a:bodyPr/>
-          <a:lstStyle/>
-          <a:p>
-            <a:fld id="{9415E33C-F962-4E59-AF47-C3576160EA36}" type="slidenum">
-              <a:rPr lang="ru-RU" smtClean="0"/>
-              <a:t>13</a:t>
-            </a:fld>
-            <a:endParaRPr lang="ru-RU"/>
-          </a:p>
-        </p:txBody>
-      </p:sp>
-      <p:pic>
-        <p:nvPicPr>
-          <p:cNvPr id="7" name="Picture 2" descr="image">
-            <a:extLst>
-              <a:ext uri="{FF2B5EF4-FFF2-40B4-BE49-F238E27FC236}">
-                <a16:creationId xmlns:a16="http://schemas.microsoft.com/office/drawing/2014/main" id="{CFC6836E-3700-421C-8822-6708949CADCA}"/>
-              </a:ext>
-            </a:extLst>
-          </p:cNvPr>
-          <p:cNvPicPr>
-            <a:picLocks noChangeAspect="1" noChangeArrowheads="1"/>
-          </p:cNvPicPr>
-          <p:nvPr/>
-        </p:nvPicPr>
-        <p:blipFill>
-          <a:blip r:embed="rId4" cstate="print">
-            <a:extLst>
-              <a:ext uri="{28A0092B-C50C-407E-A947-70E740481C1C}">
-                <a14:useLocalDpi xmlns:a14="http://schemas.microsoft.com/office/drawing/2010/main" val="0"/>
-              </a:ext>
-            </a:extLst>
-          </a:blip>
-          <a:srcRect/>
-          <a:stretch>
-            <a:fillRect/>
-          </a:stretch>
-        </p:blipFill>
-        <p:spPr bwMode="auto">
-          <a:xfrm>
-            <a:off x="10193246" y="360436"/>
-            <a:ext cx="1520954" cy="1520954"/>
-          </a:xfrm>
-          <a:prstGeom prst="rect">
-            <a:avLst/>
-          </a:prstGeom>
-          <a:noFill/>
-          <a:extLst>
-            <a:ext uri="{909E8E84-426E-40DD-AFC4-6F175D3DCCD1}">
-              <a14:hiddenFill xmlns:a14="http://schemas.microsoft.com/office/drawing/2010/main">
-                <a:solidFill>
-                  <a:srgbClr val="FFFFFF"/>
-                </a:solidFill>
-              </a14:hiddenFill>
-            </a:ext>
-          </a:extLst>
-        </p:spPr>
-      </p:pic>
-    </p:spTree>
-    <p:extLst>
-      <p:ext uri="{BB962C8B-B14F-4D97-AF65-F5344CB8AC3E}">
-        <p14:creationId xmlns:p14="http://schemas.microsoft.com/office/powerpoint/2010/main" val="2299204813"/>
-      </p:ext>
-    </p:extLst>
-  </p:cSld>
-  <p:clrMapOvr>
-    <a:masterClrMapping/>
-  </p:clrMapOvr>
-</p:sld>
-</file>
-
-<file path=ppt/slides/slide14.xml><?xml version="1.0" encoding="utf-8"?>
-<p:sld xmlns:a="http://schemas.openxmlformats.org/drawingml/2006/main" xmlns:r="http://schemas.openxmlformats.org/officeDocument/2006/relationships" xmlns:p="http://schemas.openxmlformats.org/presentationml/2006/main">
-  <p:cSld>
-    <p:spTree>
-      <p:nvGrpSpPr>
-        <p:cNvPr id="1" name=""/>
-        <p:cNvGrpSpPr/>
-        <p:nvPr/>
-      </p:nvGrpSpPr>
-      <p:grpSpPr>
-        <a:xfrm>
-          <a:off x="0" y="0"/>
-          <a:ext cx="0" cy="0"/>
-          <a:chOff x="0" y="0"/>
-          <a:chExt cx="0" cy="0"/>
-        </a:xfrm>
-      </p:grpSpPr>
-      <p:sp>
-        <p:nvSpPr>
-          <p:cNvPr id="2" name="Заголовок 1"/>
-          <p:cNvSpPr>
-            <a:spLocks noGrp="1"/>
-          </p:cNvSpPr>
-          <p:nvPr>
-            <p:ph type="title"/>
-          </p:nvPr>
-        </p:nvSpPr>
-        <p:spPr>
-          <a:xfrm>
-            <a:off x="838200" y="1039528"/>
-            <a:ext cx="10515600" cy="651160"/>
-          </a:xfrm>
-        </p:spPr>
-        <p:txBody>
-          <a:bodyPr>
-            <a:normAutofit fontScale="90000"/>
-          </a:bodyPr>
-          <a:lstStyle/>
-          <a:p>
-            <a:r>
-              <a:rPr lang="ru-RU" b="1" dirty="0">
-                <a:solidFill>
-                  <a:srgbClr val="326CDB"/>
-                </a:solidFill>
-                <a:latin typeface="Montserrat" panose="00000500000000000000" pitchFamily="2" charset="0"/>
-                <a:cs typeface="Arial" panose="020B0604020202020204" pitchFamily="34" charset="0"/>
-              </a:rPr>
-              <a:t>Эластичность предложения</a:t>
+              <a:t>Количественный прогноз</a:t>
             </a:r>
             <a:br>
               <a:rPr lang="en-US" b="1" dirty="0">
@@ -9061,118 +7974,7 @@
                 <a:latin typeface="Montserrat" panose="00000500000000000000" pitchFamily="2" charset="0"/>
                 <a:cs typeface="Arial" panose="020B0604020202020204" pitchFamily="34" charset="0"/>
               </a:rPr>
-              <a:t>по цене</a:t>
-            </a:r>
-          </a:p>
-        </p:txBody>
-      </p:sp>
-      <p:sp>
-        <p:nvSpPr>
-          <p:cNvPr id="3" name="Объект 2"/>
-          <p:cNvSpPr>
-            <a:spLocks noGrp="1"/>
-          </p:cNvSpPr>
-          <p:nvPr>
-            <p:ph idx="1"/>
-          </p:nvPr>
-        </p:nvSpPr>
-        <p:spPr>
-          <a:xfrm>
-            <a:off x="838200" y="1936457"/>
-            <a:ext cx="6005946" cy="3992847"/>
-          </a:xfrm>
-        </p:spPr>
-        <p:txBody>
-          <a:bodyPr>
-            <a:noAutofit/>
-          </a:bodyPr>
-          <a:lstStyle/>
-          <a:p>
-            <a:pPr>
-              <a:lnSpc>
-                <a:spcPct val="150000"/>
-              </a:lnSpc>
-            </a:pPr>
-            <a:r>
-              <a:rPr lang="ru-RU" sz="1500" b="1" dirty="0">
-                <a:solidFill>
-                  <a:srgbClr val="326CDB"/>
-                </a:solidFill>
-                <a:latin typeface="Montserrat" panose="00000500000000000000" pitchFamily="2" charset="0"/>
-              </a:rPr>
-              <a:t>Абсолютно эластичное предложение </a:t>
-            </a:r>
-            <a:r>
-              <a:rPr lang="ru-RU" sz="1500" dirty="0">
-                <a:latin typeface="Montserrat" panose="00000500000000000000" pitchFamily="2" charset="0"/>
-              </a:rPr>
-              <a:t>— существует только одна цена, по которой товар будет предлагаться на рынке.</a:t>
-            </a:r>
-          </a:p>
-          <a:p>
-            <a:pPr>
-              <a:lnSpc>
-                <a:spcPct val="150000"/>
-              </a:lnSpc>
-            </a:pPr>
-            <a:r>
-              <a:rPr lang="ru-RU" sz="1500" b="1" dirty="0">
-                <a:solidFill>
-                  <a:srgbClr val="326CDB"/>
-                </a:solidFill>
-                <a:latin typeface="Montserrat" panose="00000500000000000000" pitchFamily="2" charset="0"/>
-              </a:rPr>
-              <a:t>Эластичное предложение </a:t>
-            </a:r>
-            <a:r>
-              <a:rPr lang="ru-RU" sz="1500" dirty="0">
-                <a:latin typeface="Montserrat" panose="00000500000000000000" pitchFamily="2" charset="0"/>
-              </a:rPr>
-              <a:t>— при изменении цены предложение существенно изменяется </a:t>
-            </a:r>
-          </a:p>
-          <a:p>
-            <a:pPr>
-              <a:lnSpc>
-                <a:spcPct val="150000"/>
-              </a:lnSpc>
-            </a:pPr>
-            <a:r>
-              <a:rPr lang="ru-RU" sz="1500" b="1" dirty="0">
-                <a:solidFill>
-                  <a:srgbClr val="326CDB"/>
-                </a:solidFill>
-                <a:latin typeface="Montserrat" panose="00000500000000000000" pitchFamily="2" charset="0"/>
-              </a:rPr>
-              <a:t>Неэластичное предложение</a:t>
-            </a:r>
-            <a:r>
-              <a:rPr lang="ru-RU" sz="1500" dirty="0">
-                <a:latin typeface="Montserrat" panose="00000500000000000000" pitchFamily="2" charset="0"/>
-              </a:rPr>
-              <a:t> — предложение существенно не меняется при изменении цены</a:t>
-            </a:r>
-          </a:p>
-          <a:p>
-            <a:pPr>
-              <a:lnSpc>
-                <a:spcPct val="150000"/>
-              </a:lnSpc>
-            </a:pPr>
-            <a:r>
-              <a:rPr lang="ru-RU" sz="1500" b="1" dirty="0">
-                <a:solidFill>
-                  <a:srgbClr val="326CDB"/>
-                </a:solidFill>
-                <a:latin typeface="Montserrat" panose="00000500000000000000" pitchFamily="2" charset="0"/>
-              </a:rPr>
-              <a:t>Абсолютно неэластичное предложение </a:t>
-            </a:r>
-            <a:r>
-              <a:rPr lang="ru-RU" sz="1500" dirty="0">
-                <a:latin typeface="Montserrat" panose="00000500000000000000" pitchFamily="2" charset="0"/>
-              </a:rPr>
-              <a:t>— как бы ни менялась цена, предложение будет постоянно на одном уровне</a:t>
+              <a:t>Прогноз итоговых затрат</a:t>
             </a:r>
           </a:p>
         </p:txBody>
@@ -9219,9 +8021,9 @@
           <a:p>
             <a:fld id="{9415E33C-F962-4E59-AF47-C3576160EA36}" type="slidenum">
               <a:rPr lang="ru-RU" smtClean="0"/>
-              <a:t>14</a:t>
+              <a:t>12</a:t>
             </a:fld>
-            <a:endParaRPr lang="ru-RU"/>
+            <a:endParaRPr lang="ru-RU" dirty="0"/>
           </a:p>
         </p:txBody>
       </p:sp>
@@ -9272,12 +8074,60 @@
           </a:extLst>
         </p:spPr>
       </p:pic>
+      <p:sp>
+        <p:nvSpPr>
+          <p:cNvPr id="8" name="Объект 7">
+            <a:extLst>
+              <a:ext uri="{FF2B5EF4-FFF2-40B4-BE49-F238E27FC236}">
+                <a16:creationId xmlns:a16="http://schemas.microsoft.com/office/drawing/2014/main" id="{A227D1F5-EE09-4BAB-8EF1-3AC29685FF88}"/>
+              </a:ext>
+            </a:extLst>
+          </p:cNvPr>
+          <p:cNvSpPr>
+            <a:spLocks noGrp="1"/>
+          </p:cNvSpPr>
+          <p:nvPr>
+            <p:ph idx="1"/>
+          </p:nvPr>
+        </p:nvSpPr>
+        <p:spPr/>
+        <p:txBody>
+          <a:bodyPr anchor="t">
+            <a:normAutofit/>
+          </a:bodyPr>
+          <a:lstStyle/>
+          <a:p>
+            <a:pPr marL="0" indent="0">
+              <a:lnSpc>
+                <a:spcPct val="150000"/>
+              </a:lnSpc>
+              <a:buNone/>
+            </a:pPr>
+            <a:r>
+              <a:rPr lang="ru-RU" sz="1800" b="1" dirty="0"/>
+              <a:t>Метод стоимостной пропорции </a:t>
+            </a:r>
+          </a:p>
+          <a:p>
+            <a:pPr marL="0" indent="0">
+              <a:lnSpc>
+                <a:spcPct val="150000"/>
+              </a:lnSpc>
+              <a:buNone/>
+            </a:pPr>
+            <a:r>
+              <a:rPr lang="ru-RU" sz="1800" dirty="0"/>
+              <a:t>оценивает фактические затраты на определенную дату и используется для вычисления оценочного процента выполнения работы</a:t>
+            </a:r>
+          </a:p>
+        </p:txBody>
+      </p:sp>
       <p:pic>
         <p:nvPicPr>
-          <p:cNvPr id="12" name="Рисунок 11">
+          <p:cNvPr id="6" name="Рисунок 5">
             <a:extLst>
               <a:ext uri="{FF2B5EF4-FFF2-40B4-BE49-F238E27FC236}">
-                <a16:creationId xmlns:a16="http://schemas.microsoft.com/office/drawing/2014/main" id="{2A08C81A-2C63-4BEA-AFBC-BCAD96A689FE}"/>
+                <a16:creationId xmlns:a16="http://schemas.microsoft.com/office/drawing/2014/main" id="{E2037394-1113-48C0-83F8-494DFF7041A9}"/>
               </a:ext>
             </a:extLst>
           </p:cNvPr>
@@ -9300,18 +8150,317 @@
         </p:blipFill>
         <p:spPr>
           <a:xfrm>
-            <a:off x="7067550" y="1936457"/>
-            <a:ext cx="4286250" cy="3438525"/>
+            <a:off x="1017154" y="3429000"/>
+            <a:ext cx="3883988" cy="1778000"/>
           </a:xfrm>
           <a:prstGeom prst="rect">
             <a:avLst/>
           </a:prstGeom>
         </p:spPr>
       </p:pic>
+      <p:sp>
+        <p:nvSpPr>
+          <p:cNvPr id="10" name="TextBox 9">
+            <a:extLst>
+              <a:ext uri="{FF2B5EF4-FFF2-40B4-BE49-F238E27FC236}">
+                <a16:creationId xmlns:a16="http://schemas.microsoft.com/office/drawing/2014/main" id="{DE4C170C-407B-42E2-A678-FFB96387A374}"/>
+              </a:ext>
+            </a:extLst>
+          </p:cNvPr>
+          <p:cNvSpPr txBox="1"/>
+          <p:nvPr/>
+        </p:nvSpPr>
+        <p:spPr>
+          <a:xfrm>
+            <a:off x="1017154" y="5606760"/>
+            <a:ext cx="4126346" cy="584775"/>
+          </a:xfrm>
+          <a:prstGeom prst="rect">
+            <a:avLst/>
+          </a:prstGeom>
+          <a:noFill/>
+        </p:spPr>
+        <p:txBody>
+          <a:bodyPr wrap="square">
+            <a:spAutoFit/>
+          </a:bodyPr>
+          <a:lstStyle/>
+          <a:p>
+            <a:r>
+              <a:rPr lang="ru-RU" sz="1600" i="1" dirty="0">
+                <a:solidFill>
+                  <a:schemeClr val="bg1">
+                    <a:lumMod val="50000"/>
+                  </a:schemeClr>
+                </a:solidFill>
+                <a:latin typeface="Montserrat" panose="00000500000000000000" pitchFamily="2" charset="0"/>
+              </a:rPr>
+              <a:t>Соотношение завершенности работы и расходов по ней</a:t>
+            </a:r>
+          </a:p>
+        </p:txBody>
+      </p:sp>
+      <p:sp>
+        <p:nvSpPr>
+          <p:cNvPr id="12" name="TextBox 11">
+            <a:extLst>
+              <a:ext uri="{FF2B5EF4-FFF2-40B4-BE49-F238E27FC236}">
+                <a16:creationId xmlns:a16="http://schemas.microsoft.com/office/drawing/2014/main" id="{E19008CA-09F2-4CFA-BC00-F3E19E59370B}"/>
+              </a:ext>
+            </a:extLst>
+          </p:cNvPr>
+          <p:cNvSpPr txBox="1"/>
+          <p:nvPr/>
+        </p:nvSpPr>
+        <p:spPr>
+          <a:xfrm>
+            <a:off x="5257800" y="3914980"/>
+            <a:ext cx="6096000" cy="1292020"/>
+          </a:xfrm>
+          <a:prstGeom prst="rect">
+            <a:avLst/>
+          </a:prstGeom>
+          <a:noFill/>
+        </p:spPr>
+        <p:txBody>
+          <a:bodyPr wrap="square">
+            <a:spAutoFit/>
+          </a:bodyPr>
+          <a:lstStyle/>
+          <a:p>
+            <a:pPr>
+              <a:lnSpc>
+                <a:spcPct val="150000"/>
+              </a:lnSpc>
+            </a:pPr>
+            <a:r>
+              <a:rPr lang="ru-RU" dirty="0">
+                <a:latin typeface="Montserrat" panose="00000500000000000000" pitchFamily="2" charset="0"/>
+              </a:rPr>
+              <a:t>В точке </a:t>
+            </a:r>
+            <a:r>
+              <a:rPr lang="ru-RU" b="1" dirty="0">
+                <a:latin typeface="Montserrat" panose="00000500000000000000" pitchFamily="2" charset="0"/>
+              </a:rPr>
+              <a:t>А</a:t>
+            </a:r>
+            <a:r>
+              <a:rPr lang="ru-RU" dirty="0">
+                <a:latin typeface="Montserrat" panose="00000500000000000000" pitchFamily="2" charset="0"/>
+              </a:rPr>
+              <a:t> расходы выше, чем предполагалось.</a:t>
+            </a:r>
+          </a:p>
+          <a:p>
+            <a:pPr>
+              <a:lnSpc>
+                <a:spcPct val="150000"/>
+              </a:lnSpc>
+            </a:pPr>
+            <a:r>
+              <a:rPr lang="ru-RU" dirty="0">
+                <a:latin typeface="Montserrat" panose="00000500000000000000" pitchFamily="2" charset="0"/>
+              </a:rPr>
+              <a:t>Эта точка отражает 40% завершенности работы и 50% расхода бюджета</a:t>
+            </a:r>
+          </a:p>
+        </p:txBody>
+      </p:sp>
+      <p:sp>
+        <p:nvSpPr>
+          <p:cNvPr id="14" name="TextBox 13">
+            <a:extLst>
+              <a:ext uri="{FF2B5EF4-FFF2-40B4-BE49-F238E27FC236}">
+                <a16:creationId xmlns:a16="http://schemas.microsoft.com/office/drawing/2014/main" id="{331BD2E0-B866-4446-A2BB-0B07FEF39F8A}"/>
+              </a:ext>
+            </a:extLst>
+          </p:cNvPr>
+          <p:cNvSpPr txBox="1"/>
+          <p:nvPr/>
+        </p:nvSpPr>
+        <p:spPr>
+          <a:xfrm>
+            <a:off x="2273300" y="4376324"/>
+            <a:ext cx="266700" cy="369332"/>
+          </a:xfrm>
+          <a:prstGeom prst="rect">
+            <a:avLst/>
+          </a:prstGeom>
+          <a:noFill/>
+        </p:spPr>
+        <p:txBody>
+          <a:bodyPr wrap="square">
+            <a:spAutoFit/>
+          </a:bodyPr>
+          <a:lstStyle/>
+          <a:p>
+            <a:r>
+              <a:rPr lang="ru-RU" b="1" dirty="0">
+                <a:latin typeface="Montserrat" panose="00000500000000000000" pitchFamily="2" charset="0"/>
+              </a:rPr>
+              <a:t>А</a:t>
+            </a:r>
+            <a:endParaRPr lang="ru-RU" dirty="0"/>
+          </a:p>
+        </p:txBody>
+      </p:sp>
+      <p:sp>
+        <p:nvSpPr>
+          <p:cNvPr id="15" name="TextBox 14">
+            <a:extLst>
+              <a:ext uri="{FF2B5EF4-FFF2-40B4-BE49-F238E27FC236}">
+                <a16:creationId xmlns:a16="http://schemas.microsoft.com/office/drawing/2014/main" id="{CE635046-7393-4C70-A332-9CB781C24F0E}"/>
+              </a:ext>
+            </a:extLst>
+          </p:cNvPr>
+          <p:cNvSpPr txBox="1"/>
+          <p:nvPr/>
+        </p:nvSpPr>
+        <p:spPr>
+          <a:xfrm>
+            <a:off x="1350433" y="5195724"/>
+            <a:ext cx="361950" cy="246221"/>
+          </a:xfrm>
+          <a:prstGeom prst="rect">
+            <a:avLst/>
+          </a:prstGeom>
+          <a:noFill/>
+        </p:spPr>
+        <p:txBody>
+          <a:bodyPr wrap="square">
+            <a:spAutoFit/>
+          </a:bodyPr>
+          <a:lstStyle/>
+          <a:p>
+            <a:r>
+              <a:rPr lang="ru-RU" sz="1000" dirty="0">
+                <a:latin typeface="Montserrat" panose="00000500000000000000" pitchFamily="2" charset="0"/>
+              </a:rPr>
+              <a:t>20</a:t>
+            </a:r>
+            <a:endParaRPr lang="ru-RU" sz="1000" dirty="0"/>
+          </a:p>
+        </p:txBody>
+      </p:sp>
+      <p:sp>
+        <p:nvSpPr>
+          <p:cNvPr id="16" name="TextBox 15">
+            <a:extLst>
+              <a:ext uri="{FF2B5EF4-FFF2-40B4-BE49-F238E27FC236}">
+                <a16:creationId xmlns:a16="http://schemas.microsoft.com/office/drawing/2014/main" id="{3B113471-E91F-47D0-849C-3D09DE4A51FE}"/>
+              </a:ext>
+            </a:extLst>
+          </p:cNvPr>
+          <p:cNvSpPr txBox="1"/>
+          <p:nvPr/>
+        </p:nvSpPr>
+        <p:spPr>
+          <a:xfrm>
+            <a:off x="1888066" y="5199912"/>
+            <a:ext cx="361950" cy="246221"/>
+          </a:xfrm>
+          <a:prstGeom prst="rect">
+            <a:avLst/>
+          </a:prstGeom>
+          <a:noFill/>
+        </p:spPr>
+        <p:txBody>
+          <a:bodyPr wrap="square">
+            <a:spAutoFit/>
+          </a:bodyPr>
+          <a:lstStyle/>
+          <a:p>
+            <a:r>
+              <a:rPr lang="ru-RU" sz="1000" dirty="0">
+                <a:latin typeface="Montserrat" panose="00000500000000000000" pitchFamily="2" charset="0"/>
+              </a:rPr>
+              <a:t>40</a:t>
+            </a:r>
+            <a:endParaRPr lang="ru-RU" sz="1000" dirty="0"/>
+          </a:p>
+        </p:txBody>
+      </p:sp>
+      <p:sp>
+        <p:nvSpPr>
+          <p:cNvPr id="17" name="TextBox 16">
+            <a:extLst>
+              <a:ext uri="{FF2B5EF4-FFF2-40B4-BE49-F238E27FC236}">
+                <a16:creationId xmlns:a16="http://schemas.microsoft.com/office/drawing/2014/main" id="{892AF839-C5C2-47A1-B29C-D21B971EC218}"/>
+              </a:ext>
+            </a:extLst>
+          </p:cNvPr>
+          <p:cNvSpPr txBox="1"/>
+          <p:nvPr/>
+        </p:nvSpPr>
+        <p:spPr>
+          <a:xfrm>
+            <a:off x="2425699" y="5218826"/>
+            <a:ext cx="361950" cy="246221"/>
+          </a:xfrm>
+          <a:prstGeom prst="rect">
+            <a:avLst/>
+          </a:prstGeom>
+          <a:noFill/>
+        </p:spPr>
+        <p:txBody>
+          <a:bodyPr wrap="square">
+            <a:spAutoFit/>
+          </a:bodyPr>
+          <a:lstStyle/>
+          <a:p>
+            <a:r>
+              <a:rPr lang="ru-RU" sz="1000" dirty="0">
+                <a:latin typeface="Montserrat" panose="00000500000000000000" pitchFamily="2" charset="0"/>
+              </a:rPr>
+              <a:t>60</a:t>
+            </a:r>
+            <a:endParaRPr lang="ru-RU" sz="1000" dirty="0"/>
+          </a:p>
+        </p:txBody>
+      </p:sp>
+      <p:sp>
+        <p:nvSpPr>
+          <p:cNvPr id="18" name="TextBox 17">
+            <a:extLst>
+              <a:ext uri="{FF2B5EF4-FFF2-40B4-BE49-F238E27FC236}">
+                <a16:creationId xmlns:a16="http://schemas.microsoft.com/office/drawing/2014/main" id="{B7988EA1-B37A-4223-9D1D-84A516FC10F3}"/>
+              </a:ext>
+            </a:extLst>
+          </p:cNvPr>
+          <p:cNvSpPr txBox="1"/>
+          <p:nvPr/>
+        </p:nvSpPr>
+        <p:spPr>
+          <a:xfrm>
+            <a:off x="2959148" y="5205038"/>
+            <a:ext cx="361950" cy="246221"/>
+          </a:xfrm>
+          <a:prstGeom prst="rect">
+            <a:avLst/>
+          </a:prstGeom>
+          <a:noFill/>
+        </p:spPr>
+        <p:txBody>
+          <a:bodyPr wrap="square">
+            <a:spAutoFit/>
+          </a:bodyPr>
+          <a:lstStyle/>
+          <a:p>
+            <a:r>
+              <a:rPr lang="ru-RU" sz="1000" dirty="0">
+                <a:latin typeface="Montserrat" panose="00000500000000000000" pitchFamily="2" charset="0"/>
+              </a:rPr>
+              <a:t>80</a:t>
+            </a:r>
+            <a:endParaRPr lang="ru-RU" sz="1000" dirty="0"/>
+          </a:p>
+        </p:txBody>
+      </p:sp>
     </p:spTree>
     <p:extLst>
       <p:ext uri="{BB962C8B-B14F-4D97-AF65-F5344CB8AC3E}">
-        <p14:creationId xmlns:p14="http://schemas.microsoft.com/office/powerpoint/2010/main" val="1773754508"/>
+        <p14:creationId xmlns:p14="http://schemas.microsoft.com/office/powerpoint/2010/main" val="1268225968"/>
       </p:ext>
     </p:extLst>
   </p:cSld>
@@ -9321,7 +8470,7 @@
 </p:sld>
 </file>
 
-<file path=ppt/slides/slide15.xml><?xml version="1.0" encoding="utf-8"?>
+<file path=ppt/slides/slide13.xml><?xml version="1.0" encoding="utf-8"?>
 <p:sld xmlns:a="http://schemas.openxmlformats.org/drawingml/2006/main" xmlns:r="http://schemas.openxmlformats.org/officeDocument/2006/relationships" xmlns:p="http://schemas.openxmlformats.org/presentationml/2006/main">
   <p:cSld>
     <p:spTree>
@@ -9368,280 +8517,25 @@
                 <a:latin typeface="Montserrat" panose="00000500000000000000" pitchFamily="2" charset="0"/>
                 <a:cs typeface="Arial" panose="020B0604020202020204" pitchFamily="34" charset="0"/>
               </a:rPr>
-              <a:t>Эластичность предложения</a:t>
-            </a:r>
-            <a:br>
-              <a:rPr lang="en-US" b="1" dirty="0">
-                <a:solidFill>
-                  <a:srgbClr val="326CDB"/>
-                </a:solidFill>
-                <a:latin typeface="Montserrat" panose="00000500000000000000" pitchFamily="2" charset="0"/>
-                <a:cs typeface="Arial" panose="020B0604020202020204" pitchFamily="34" charset="0"/>
-              </a:rPr>
-            </a:br>
-            <a:r>
-              <a:rPr lang="ru-RU" sz="2800" b="1" dirty="0">
-                <a:solidFill>
-                  <a:srgbClr val="326CDB"/>
-                </a:solidFill>
-                <a:latin typeface="Montserrat" panose="00000500000000000000" pitchFamily="2" charset="0"/>
-                <a:cs typeface="Arial" panose="020B0604020202020204" pitchFamily="34" charset="0"/>
-              </a:rPr>
-              <a:t>по цене</a:t>
-            </a:r>
-          </a:p>
-        </p:txBody>
-      </p:sp>
-      <p:sp>
-        <p:nvSpPr>
-          <p:cNvPr id="4" name="Нижний колонтитул 3"/>
-          <p:cNvSpPr>
-            <a:spLocks noGrp="1"/>
-          </p:cNvSpPr>
-          <p:nvPr>
-            <p:ph type="ftr" sz="quarter" idx="11"/>
+              <a:t>Заключение</a:t>
+            </a:r>
+          </a:p>
+        </p:txBody>
+      </p:sp>
+      <p:sp>
+        <p:nvSpPr>
+          <p:cNvPr id="3" name="Объект 2"/>
+          <p:cNvSpPr>
+            <a:spLocks noGrp="1"/>
+          </p:cNvSpPr>
+          <p:nvPr>
+            <p:ph idx="1"/>
           </p:nvPr>
         </p:nvSpPr>
         <p:spPr/>
         <p:txBody>
-          <a:bodyPr/>
-          <a:lstStyle/>
-          <a:p>
-            <a:r>
-              <a:rPr lang="ru-RU" dirty="0">
-                <a:latin typeface="Montserrat" panose="00000500000000000000" pitchFamily="2" charset="0"/>
-                <a:cs typeface="Arial" panose="020B0604020202020204" pitchFamily="34" charset="0"/>
-              </a:rPr>
-              <a:t>МГТУ им. Н.Э. Баумана, ИУ7 – «Программное обеспечение ЭВМ и информационные технологии»</a:t>
-            </a:r>
-          </a:p>
-        </p:txBody>
-      </p:sp>
-      <p:sp>
-        <p:nvSpPr>
-          <p:cNvPr id="5" name="Номер слайда 4"/>
-          <p:cNvSpPr>
-            <a:spLocks noGrp="1"/>
-          </p:cNvSpPr>
-          <p:nvPr>
-            <p:ph type="sldNum" sz="quarter" idx="12"/>
-          </p:nvPr>
-        </p:nvSpPr>
-        <p:spPr/>
-        <p:txBody>
-          <a:bodyPr/>
-          <a:lstStyle/>
-          <a:p>
-            <a:fld id="{9415E33C-F962-4E59-AF47-C3576160EA36}" type="slidenum">
-              <a:rPr lang="ru-RU" smtClean="0"/>
-              <a:t>15</a:t>
-            </a:fld>
-            <a:endParaRPr lang="ru-RU"/>
-          </a:p>
-        </p:txBody>
-      </p:sp>
-      <p:pic>
-        <p:nvPicPr>
-          <p:cNvPr id="7" name="Picture 2" descr="image">
-            <a:extLst>
-              <a:ext uri="{FF2B5EF4-FFF2-40B4-BE49-F238E27FC236}">
-                <a16:creationId xmlns:a16="http://schemas.microsoft.com/office/drawing/2014/main" id="{CFC6836E-3700-421C-8822-6708949CADCA}"/>
-              </a:ext>
-            </a:extLst>
-          </p:cNvPr>
-          <p:cNvPicPr>
-            <a:picLocks noChangeAspect="1" noChangeArrowheads="1"/>
-          </p:cNvPicPr>
-          <p:nvPr/>
-        </p:nvPicPr>
-        <p:blipFill>
-          <a:blip r:embed="rId3" cstate="print">
-            <a:extLst>
-              <a:ext uri="{28A0092B-C50C-407E-A947-70E740481C1C}">
-                <a14:useLocalDpi xmlns:a14="http://schemas.microsoft.com/office/drawing/2010/main" val="0"/>
-              </a:ext>
-            </a:extLst>
-          </a:blip>
-          <a:srcRect/>
-          <a:stretch>
-            <a:fillRect/>
-          </a:stretch>
-        </p:blipFill>
-        <p:spPr bwMode="auto">
-          <a:xfrm>
-            <a:off x="10193246" y="360436"/>
-            <a:ext cx="1520954" cy="1520954"/>
-          </a:xfrm>
-          <a:prstGeom prst="rect">
-            <a:avLst/>
-          </a:prstGeom>
-          <a:noFill/>
-          <a:extLst>
-            <a:ext uri="{909E8E84-426E-40DD-AFC4-6F175D3DCCD1}">
-              <a14:hiddenFill xmlns:a14="http://schemas.microsoft.com/office/drawing/2010/main">
-                <a:solidFill>
-                  <a:srgbClr val="FFFFFF"/>
-                </a:solidFill>
-              </a14:hiddenFill>
-            </a:ext>
-          </a:extLst>
-        </p:spPr>
-      </p:pic>
-      <p:sp>
-        <p:nvSpPr>
-          <p:cNvPr id="10" name="TextBox 9">
-            <a:extLst>
-              <a:ext uri="{FF2B5EF4-FFF2-40B4-BE49-F238E27FC236}">
-                <a16:creationId xmlns:a16="http://schemas.microsoft.com/office/drawing/2014/main" id="{3049AAE2-0EE3-40AC-9FED-85CBE02A672D}"/>
-              </a:ext>
-            </a:extLst>
-          </p:cNvPr>
-          <p:cNvSpPr txBox="1"/>
-          <p:nvPr/>
-        </p:nvSpPr>
-        <p:spPr>
-          <a:xfrm>
-            <a:off x="1998755" y="2360525"/>
-            <a:ext cx="3413760" cy="923330"/>
-          </a:xfrm>
-          <a:prstGeom prst="rect">
-            <a:avLst/>
-          </a:prstGeom>
-          <a:noFill/>
-        </p:spPr>
-        <p:txBody>
-          <a:bodyPr wrap="square">
-            <a:spAutoFit/>
-          </a:bodyPr>
-          <a:lstStyle/>
-          <a:p>
-            <a:pPr algn="ctr"/>
-            <a:r>
-              <a:rPr lang="ru-RU" b="1" dirty="0">
-                <a:solidFill>
-                  <a:srgbClr val="326CDB"/>
-                </a:solidFill>
-                <a:latin typeface="Montserrat" panose="00000500000000000000" pitchFamily="2" charset="0"/>
-                <a:cs typeface="Arial" panose="020B0604020202020204" pitchFamily="34" charset="0"/>
-              </a:rPr>
-              <a:t>Эластичное предложение</a:t>
-            </a:r>
-          </a:p>
-          <a:p>
-            <a:pPr algn="ctr"/>
-            <a:r>
-              <a:rPr lang="ru-RU" dirty="0">
-                <a:solidFill>
-                  <a:schemeClr val="bg1">
-                    <a:lumMod val="50000"/>
-                  </a:schemeClr>
-                </a:solidFill>
-                <a:latin typeface="Montserrat" panose="00000500000000000000" pitchFamily="2" charset="0"/>
-                <a:cs typeface="Arial" panose="020B0604020202020204" pitchFamily="34" charset="0"/>
-              </a:rPr>
-              <a:t>мороженое</a:t>
-            </a:r>
-            <a:endParaRPr lang="ru-RU" dirty="0">
-              <a:solidFill>
-                <a:schemeClr val="bg1">
-                  <a:lumMod val="50000"/>
-                </a:schemeClr>
-              </a:solidFill>
-              <a:latin typeface="Montserrat" panose="00000500000000000000" pitchFamily="2" charset="0"/>
-            </a:endParaRPr>
-          </a:p>
-        </p:txBody>
-      </p:sp>
-      <p:sp>
-        <p:nvSpPr>
-          <p:cNvPr id="11" name="TextBox 10">
-            <a:extLst>
-              <a:ext uri="{FF2B5EF4-FFF2-40B4-BE49-F238E27FC236}">
-                <a16:creationId xmlns:a16="http://schemas.microsoft.com/office/drawing/2014/main" id="{76337475-23D1-4EB1-8FFC-51C03BD43632}"/>
-              </a:ext>
-            </a:extLst>
-          </p:cNvPr>
-          <p:cNvSpPr txBox="1"/>
-          <p:nvPr/>
-        </p:nvSpPr>
-        <p:spPr>
-          <a:xfrm>
-            <a:off x="6779486" y="2369780"/>
-            <a:ext cx="3413760" cy="923330"/>
-          </a:xfrm>
-          <a:prstGeom prst="rect">
-            <a:avLst/>
-          </a:prstGeom>
-          <a:noFill/>
-        </p:spPr>
-        <p:txBody>
-          <a:bodyPr wrap="square">
-            <a:spAutoFit/>
-          </a:bodyPr>
-          <a:lstStyle/>
-          <a:p>
-            <a:pPr algn="ctr"/>
-            <a:r>
-              <a:rPr lang="ru-RU" b="1" dirty="0">
-                <a:solidFill>
-                  <a:srgbClr val="326CDB"/>
-                </a:solidFill>
-                <a:latin typeface="Montserrat" panose="00000500000000000000" pitchFamily="2" charset="0"/>
-                <a:cs typeface="Arial" panose="020B0604020202020204" pitchFamily="34" charset="0"/>
-              </a:rPr>
-              <a:t>Неэластичное предложение</a:t>
-            </a:r>
-          </a:p>
-          <a:p>
-            <a:pPr algn="ctr"/>
-            <a:r>
-              <a:rPr lang="ru-RU" dirty="0">
-                <a:solidFill>
-                  <a:schemeClr val="bg1">
-                    <a:lumMod val="50000"/>
-                  </a:schemeClr>
-                </a:solidFill>
-                <a:latin typeface="Montserrat" panose="00000500000000000000" pitchFamily="2" charset="0"/>
-                <a:cs typeface="Arial" panose="020B0604020202020204" pitchFamily="34" charset="0"/>
-              </a:rPr>
-              <a:t>билет в кино</a:t>
-            </a:r>
-            <a:endParaRPr lang="ru-RU" dirty="0">
-              <a:solidFill>
-                <a:schemeClr val="bg1">
-                  <a:lumMod val="50000"/>
-                </a:schemeClr>
-              </a:solidFill>
-              <a:latin typeface="Montserrat" panose="00000500000000000000" pitchFamily="2" charset="0"/>
-            </a:endParaRPr>
-          </a:p>
-        </p:txBody>
-      </p:sp>
-      <p:sp>
-        <p:nvSpPr>
-          <p:cNvPr id="15" name="TextBox 14">
-            <a:extLst>
-              <a:ext uri="{FF2B5EF4-FFF2-40B4-BE49-F238E27FC236}">
-                <a16:creationId xmlns:a16="http://schemas.microsoft.com/office/drawing/2014/main" id="{DBBD1D5E-2F8B-470B-BC72-613749FD3CF5}"/>
-              </a:ext>
-            </a:extLst>
-          </p:cNvPr>
-          <p:cNvSpPr txBox="1"/>
-          <p:nvPr/>
-        </p:nvSpPr>
-        <p:spPr>
-          <a:xfrm>
-            <a:off x="6096000" y="3564891"/>
-            <a:ext cx="5257800" cy="1438279"/>
-          </a:xfrm>
-          <a:prstGeom prst="rect">
-            <a:avLst/>
-          </a:prstGeom>
-          <a:noFill/>
-        </p:spPr>
-        <p:txBody>
-          <a:bodyPr wrap="square">
-            <a:spAutoFit/>
+          <a:bodyPr anchor="ctr">
+            <a:normAutofit/>
           </a:bodyPr>
           <a:lstStyle/>
           <a:p>
@@ -9651,53 +8545,46 @@
               </a:lnSpc>
             </a:pPr>
             <a:r>
-              <a:rPr lang="ru-RU" sz="1500" dirty="0">
-                <a:latin typeface="Montserrat" panose="00000500000000000000" pitchFamily="2" charset="0"/>
-              </a:rPr>
-              <a:t>Даже если его цена за неделю вырастет на 100%, продавец </a:t>
-            </a:r>
-            <a:r>
-              <a:rPr lang="ru-RU" sz="1500" b="1" dirty="0">
-                <a:latin typeface="Montserrat" panose="00000500000000000000" pitchFamily="2" charset="0"/>
-              </a:rPr>
-              <a:t>не сможет увеличить</a:t>
-            </a:r>
-            <a:r>
-              <a:rPr lang="ru-RU" sz="1500" dirty="0">
-                <a:latin typeface="Montserrat" panose="00000500000000000000" pitchFamily="2" charset="0"/>
-              </a:rPr>
-              <a:t> объем предложения: количество мест в зрительном зале ограничено.</a:t>
-            </a:r>
-          </a:p>
-        </p:txBody>
-      </p:sp>
-      <p:sp>
-        <p:nvSpPr>
-          <p:cNvPr id="17" name="TextBox 16">
-            <a:extLst>
-              <a:ext uri="{FF2B5EF4-FFF2-40B4-BE49-F238E27FC236}">
-                <a16:creationId xmlns:a16="http://schemas.microsoft.com/office/drawing/2014/main" id="{264D8D5F-531F-41A4-9F4F-09CC7050E985}"/>
-              </a:ext>
-            </a:extLst>
-          </p:cNvPr>
-          <p:cNvSpPr txBox="1"/>
-          <p:nvPr/>
-        </p:nvSpPr>
-        <p:spPr>
-          <a:xfrm>
-            <a:off x="838200" y="3574146"/>
-            <a:ext cx="5257800" cy="1784527"/>
-          </a:xfrm>
-          <a:prstGeom prst="rect">
-            <a:avLst/>
-          </a:prstGeom>
-          <a:noFill/>
-        </p:spPr>
-        <p:txBody>
-          <a:bodyPr wrap="square">
-            <a:spAutoFit/>
-          </a:bodyPr>
-          <a:lstStyle/>
+              <a:rPr lang="ru-RU" sz="1800" b="1" dirty="0">
+                <a:solidFill>
+                  <a:srgbClr val="326CDB"/>
+                </a:solidFill>
+              </a:rPr>
+              <a:t>анализ</a:t>
+            </a:r>
+            <a:r>
+              <a:rPr lang="ru-RU" sz="1800" dirty="0"/>
+              <a:t> и </a:t>
+            </a:r>
+            <a:r>
+              <a:rPr lang="ru-RU" sz="1800" b="1" dirty="0">
+                <a:solidFill>
+                  <a:srgbClr val="326CDB"/>
+                </a:solidFill>
+              </a:rPr>
+              <a:t>прогнозирования видов затрат</a:t>
+            </a:r>
+            <a:r>
+              <a:rPr lang="ru-RU" sz="1800" dirty="0"/>
+              <a:t> при реализации проекта</a:t>
+            </a:r>
+            <a:r>
+              <a:rPr lang="en-US" sz="1800" dirty="0"/>
+              <a:t> </a:t>
+            </a:r>
+            <a:r>
+              <a:rPr lang="ru-RU" sz="1800" b="1" dirty="0">
+                <a:solidFill>
+                  <a:srgbClr val="326CDB"/>
+                </a:solidFill>
+              </a:rPr>
+              <a:t>важны</a:t>
+            </a:r>
+            <a:r>
+              <a:rPr lang="ru-RU" sz="1800" dirty="0"/>
+              <a:t> для сохранения его экономической эффективности</a:t>
+            </a:r>
+          </a:p>
           <a:p>
             <a:pPr>
               <a:lnSpc>
@@ -9705,10 +8592,16 @@
               </a:lnSpc>
             </a:pPr>
             <a:r>
-              <a:rPr lang="ru-RU" sz="1500" dirty="0">
+              <a:rPr lang="ru-RU" sz="1800" dirty="0">
+                <a:solidFill>
+                  <a:schemeClr val="tx1">
+                    <a:lumMod val="95000"/>
+                    <a:lumOff val="5000"/>
+                  </a:schemeClr>
+                </a:solidFill>
                 <a:latin typeface="Montserrat" panose="00000500000000000000" pitchFamily="2" charset="0"/>
               </a:rPr>
-              <a:t>Если в летние месяцы установилась сильная жара, спрос на продукцию увеличивается в разы даже при том условии, что цена растет. </a:t>
+              <a:t>правильное управление затратами является ключевым аспектом успешной реализации проекта</a:t>
             </a:r>
           </a:p>
           <a:p>
@@ -9718,218 +8611,28 @@
               </a:lnSpc>
             </a:pPr>
             <a:r>
-              <a:rPr lang="ru-RU" sz="1500" dirty="0">
-                <a:latin typeface="Montserrat" panose="00000500000000000000" pitchFamily="2" charset="0"/>
-              </a:rPr>
-              <a:t>Производители </a:t>
-            </a:r>
-            <a:r>
-              <a:rPr lang="ru-RU" sz="1500" b="1" dirty="0">
-                <a:latin typeface="Montserrat" panose="00000500000000000000" pitchFamily="2" charset="0"/>
-              </a:rPr>
-              <a:t>могут</a:t>
-            </a:r>
-            <a:r>
-              <a:rPr lang="ru-RU" sz="1500" dirty="0">
-                <a:latin typeface="Montserrat" panose="00000500000000000000" pitchFamily="2" charset="0"/>
-              </a:rPr>
-              <a:t> быстро </a:t>
-            </a:r>
-            <a:r>
-              <a:rPr lang="ru-RU" sz="1500" b="1" dirty="0">
-                <a:latin typeface="Montserrat" panose="00000500000000000000" pitchFamily="2" charset="0"/>
-              </a:rPr>
-              <a:t>увеличить</a:t>
-            </a:r>
-            <a:r>
-              <a:rPr lang="ru-RU" sz="1500" dirty="0">
-                <a:latin typeface="Montserrat" panose="00000500000000000000" pitchFamily="2" charset="0"/>
-              </a:rPr>
-              <a:t> или </a:t>
-            </a:r>
-            <a:r>
-              <a:rPr lang="ru-RU" sz="1500" b="1" dirty="0">
-                <a:latin typeface="Montserrat" panose="00000500000000000000" pitchFamily="2" charset="0"/>
-              </a:rPr>
-              <a:t>снизить</a:t>
-            </a:r>
-            <a:r>
-              <a:rPr lang="ru-RU" sz="1500" dirty="0">
-                <a:latin typeface="Montserrat" panose="00000500000000000000" pitchFamily="2" charset="0"/>
-              </a:rPr>
-              <a:t> объемы производства.</a:t>
-            </a:r>
-          </a:p>
-        </p:txBody>
-      </p:sp>
-    </p:spTree>
-    <p:extLst>
-      <p:ext uri="{BB962C8B-B14F-4D97-AF65-F5344CB8AC3E}">
-        <p14:creationId xmlns:p14="http://schemas.microsoft.com/office/powerpoint/2010/main" val="1900805023"/>
-      </p:ext>
-    </p:extLst>
-  </p:cSld>
-  <p:clrMapOvr>
-    <a:masterClrMapping/>
-  </p:clrMapOvr>
-</p:sld>
-</file>
-
-<file path=ppt/slides/slide16.xml><?xml version="1.0" encoding="utf-8"?>
-<p:sld xmlns:a="http://schemas.openxmlformats.org/drawingml/2006/main" xmlns:r="http://schemas.openxmlformats.org/officeDocument/2006/relationships" xmlns:p="http://schemas.openxmlformats.org/presentationml/2006/main">
-  <p:cSld>
-    <p:spTree>
-      <p:nvGrpSpPr>
-        <p:cNvPr id="1" name=""/>
-        <p:cNvGrpSpPr/>
-        <p:nvPr/>
-      </p:nvGrpSpPr>
-      <p:grpSpPr>
-        <a:xfrm>
-          <a:off x="0" y="0"/>
-          <a:ext cx="0" cy="0"/>
-          <a:chOff x="0" y="0"/>
-          <a:chExt cx="0" cy="0"/>
-        </a:xfrm>
-      </p:grpSpPr>
-      <p:sp>
-        <p:nvSpPr>
-          <p:cNvPr id="2" name="Заголовок 1"/>
-          <p:cNvSpPr>
-            <a:spLocks noGrp="1"/>
-          </p:cNvSpPr>
-          <p:nvPr>
-            <p:ph type="title"/>
-          </p:nvPr>
-        </p:nvSpPr>
-        <p:spPr>
-          <a:xfrm>
-            <a:off x="838200" y="1039528"/>
-            <a:ext cx="10515600" cy="651160"/>
-          </a:xfrm>
-        </p:spPr>
-        <p:txBody>
-          <a:bodyPr>
-            <a:normAutofit fontScale="90000"/>
-          </a:bodyPr>
-          <a:lstStyle/>
-          <a:p>
-            <a:r>
-              <a:rPr lang="ru-RU" b="1" dirty="0">
+              <a:rPr lang="ru-RU" sz="1800" dirty="0">
                 <a:solidFill>
-                  <a:srgbClr val="326CDB"/>
+                  <a:schemeClr val="tx1">
+                    <a:lumMod val="95000"/>
+                    <a:lumOff val="5000"/>
+                  </a:schemeClr>
+                </a:solidFill>
+              </a:rPr>
+              <a:t>в</a:t>
+            </a:r>
+            <a:r>
+              <a:rPr lang="ru-RU" sz="1800" dirty="0">
+                <a:solidFill>
+                  <a:schemeClr val="tx1">
+                    <a:lumMod val="95000"/>
+                    <a:lumOff val="5000"/>
+                  </a:schemeClr>
                 </a:solidFill>
                 <a:latin typeface="Montserrat" panose="00000500000000000000" pitchFamily="2" charset="0"/>
-                <a:cs typeface="Arial" panose="020B0604020202020204" pitchFamily="34" charset="0"/>
-              </a:rPr>
-              <a:t>Заключение</a:t>
-            </a:r>
-          </a:p>
-        </p:txBody>
-      </p:sp>
-      <p:sp>
-        <p:nvSpPr>
-          <p:cNvPr id="3" name="Объект 2"/>
-          <p:cNvSpPr>
-            <a:spLocks noGrp="1"/>
-          </p:cNvSpPr>
-          <p:nvPr>
-            <p:ph idx="1"/>
-          </p:nvPr>
-        </p:nvSpPr>
-        <p:spPr/>
-        <p:txBody>
-          <a:bodyPr>
-            <a:normAutofit/>
-          </a:bodyPr>
-          <a:lstStyle/>
-          <a:p>
-            <a:pPr>
-              <a:lnSpc>
-                <a:spcPct val="150000"/>
-              </a:lnSpc>
-            </a:pPr>
-            <a:r>
-              <a:rPr lang="ru-RU" sz="1800" dirty="0">
-                <a:solidFill>
-                  <a:srgbClr val="326CDB"/>
-                </a:solidFill>
-                <a:latin typeface="Montserrat" panose="00000500000000000000" pitchFamily="2" charset="0"/>
-              </a:rPr>
-              <a:t>закон спроса и предложения </a:t>
-            </a:r>
-            <a:r>
-              <a:rPr lang="ru-RU" sz="1800" dirty="0">
-                <a:latin typeface="Montserrat" panose="00000500000000000000" pitchFamily="2" charset="0"/>
-              </a:rPr>
-              <a:t>- рыночный механизм, обеспечивающий согласование интересов продавцов и покупателей</a:t>
-            </a:r>
-          </a:p>
-          <a:p>
-            <a:pPr>
-              <a:lnSpc>
-                <a:spcPct val="150000"/>
-              </a:lnSpc>
-            </a:pPr>
-            <a:r>
-              <a:rPr lang="ru-RU" sz="1800" dirty="0">
-                <a:solidFill>
-                  <a:srgbClr val="326CDB"/>
-                </a:solidFill>
-                <a:latin typeface="Montserrat" panose="00000500000000000000" pitchFamily="2" charset="0"/>
-              </a:rPr>
-              <a:t>равновесная цена </a:t>
-            </a:r>
-            <a:r>
-              <a:rPr lang="ru-RU" sz="1800" dirty="0">
-                <a:latin typeface="Montserrat" panose="00000500000000000000" pitchFamily="2" charset="0"/>
-              </a:rPr>
-              <a:t>– величина, по который потребители готовы приобретать продукцию, а продавцы – ее сбывать</a:t>
-            </a:r>
-          </a:p>
-          <a:p>
-            <a:pPr>
-              <a:lnSpc>
-                <a:spcPct val="150000"/>
-              </a:lnSpc>
-            </a:pPr>
-            <a:r>
-              <a:rPr lang="ru-RU" sz="1800" dirty="0">
-                <a:solidFill>
-                  <a:srgbClr val="326CDB"/>
-                </a:solidFill>
-                <a:latin typeface="Montserrat" panose="00000500000000000000" pitchFamily="2" charset="0"/>
-              </a:rPr>
-              <a:t>спрос и предложение </a:t>
-            </a:r>
-            <a:r>
-              <a:rPr lang="ru-RU" sz="1800" dirty="0">
-                <a:latin typeface="Montserrat" panose="00000500000000000000" pitchFamily="2" charset="0"/>
-              </a:rPr>
-              <a:t>– это гибкие величины, зависящие от множества факторов, и рынок всегда адаптируется под эти события</a:t>
-            </a:r>
-          </a:p>
-          <a:p>
-            <a:pPr>
-              <a:lnSpc>
-                <a:spcPct val="150000"/>
-              </a:lnSpc>
-            </a:pPr>
-            <a:r>
-              <a:rPr lang="ru-RU" sz="1800" dirty="0">
-                <a:solidFill>
-                  <a:srgbClr val="326CDB"/>
-                </a:solidFill>
-              </a:rPr>
-              <a:t>эластичность спроса и предложения </a:t>
-            </a:r>
-            <a:r>
-              <a:rPr lang="ru-RU" sz="1800" dirty="0"/>
-              <a:t>помогает стратегию продаж, чтобы получить максимум прибыли, рассчитать потолок цен и размер скидки</a:t>
-            </a:r>
-            <a:endParaRPr lang="ru-RU" sz="1800" dirty="0">
-              <a:latin typeface="Montserrat" panose="00000500000000000000" pitchFamily="2" charset="0"/>
-            </a:endParaRPr>
+              </a:rPr>
+              <a:t>ажно учитывать различные виды затрат при разработке бизнес-плана и стратегии проекта</a:t>
+            </a:r>
           </a:p>
         </p:txBody>
       </p:sp>
@@ -9975,7 +8678,7 @@
           <a:p>
             <a:fld id="{9415E33C-F962-4E59-AF47-C3576160EA36}" type="slidenum">
               <a:rPr lang="ru-RU" smtClean="0"/>
-              <a:t>16</a:t>
+              <a:t>13</a:t>
             </a:fld>
             <a:endParaRPr lang="ru-RU"/>
           </a:p>
@@ -10041,7 +8744,7 @@
 </p:sld>
 </file>
 
-<file path=ppt/slides/slide17.xml><?xml version="1.0" encoding="utf-8"?>
+<file path=ppt/slides/slide14.xml><?xml version="1.0" encoding="utf-8"?>
 <p:sld xmlns:a="http://schemas.openxmlformats.org/drawingml/2006/main" xmlns:r="http://schemas.openxmlformats.org/officeDocument/2006/relationships" xmlns:p="http://schemas.openxmlformats.org/presentationml/2006/main">
   <p:cSld>
     <p:spTree>
@@ -10134,7 +8837,7 @@
           <a:p>
             <a:fld id="{9415E33C-F962-4E59-AF47-C3576160EA36}" type="slidenum">
               <a:rPr lang="ru-RU" smtClean="0"/>
-              <a:t>17</a:t>
+              <a:t>14</a:t>
             </a:fld>
             <a:endParaRPr lang="ru-RU"/>
           </a:p>
@@ -10277,10 +8980,32 @@
               <a:buAutoNum type="arabicPeriod"/>
             </a:pPr>
             <a:r>
+              <a:rPr lang="ru-RU" sz="2000" dirty="0">
+                <a:latin typeface="Montserrat" pitchFamily="2" charset="77"/>
+              </a:rPr>
+              <a:t>понятие </a:t>
+            </a:r>
+            <a:r>
+              <a:rPr lang="ru-RU" sz="2000" dirty="0">
+                <a:solidFill>
+                  <a:srgbClr val="326CDB"/>
+                </a:solidFill>
+                <a:latin typeface="Montserrat" pitchFamily="2" charset="77"/>
+              </a:rPr>
+              <a:t>проекта</a:t>
+            </a:r>
+          </a:p>
+          <a:p>
+            <a:pPr lvl="1">
+              <a:lnSpc>
+                <a:spcPct val="150000"/>
+              </a:lnSpc>
+            </a:pPr>
+            <a:r>
               <a:rPr lang="ru-RU" sz="1800" dirty="0">
                 <a:latin typeface="Montserrat" pitchFamily="2" charset="77"/>
               </a:rPr>
-              <a:t>Понятие спроса и предложения</a:t>
+              <a:t>мониторинг и контроль</a:t>
             </a:r>
           </a:p>
           <a:p>
@@ -10292,10 +9017,42 @@
               <a:buAutoNum type="arabicPeriod"/>
             </a:pPr>
             <a:r>
+              <a:rPr lang="ru-RU" sz="2000" dirty="0">
+                <a:latin typeface="Montserrat" pitchFamily="2" charset="77"/>
+              </a:rPr>
+              <a:t>затраты проекта</a:t>
+            </a:r>
+          </a:p>
+          <a:p>
+            <a:pPr lvl="1">
+              <a:lnSpc>
+                <a:spcPct val="150000"/>
+              </a:lnSpc>
+            </a:pPr>
+            <a:r>
               <a:rPr lang="ru-RU" sz="1800" dirty="0">
+                <a:solidFill>
+                  <a:srgbClr val="326CDB"/>
+                </a:solidFill>
                 <a:latin typeface="Montserrat" pitchFamily="2" charset="77"/>
               </a:rPr>
-              <a:t>Закон спроса и предложения</a:t>
+              <a:t>прямые</a:t>
+            </a:r>
+          </a:p>
+          <a:p>
+            <a:pPr lvl="1">
+              <a:lnSpc>
+                <a:spcPct val="150000"/>
+              </a:lnSpc>
+            </a:pPr>
+            <a:r>
+              <a:rPr lang="ru-RU" sz="1800" dirty="0">
+                <a:solidFill>
+                  <a:srgbClr val="326CDB"/>
+                </a:solidFill>
+                <a:latin typeface="Montserrat" pitchFamily="2" charset="77"/>
+              </a:rPr>
+              <a:t>косвенные</a:t>
             </a:r>
           </a:p>
           <a:p>
@@ -10307,21 +9064,17 @@
               <a:buAutoNum type="arabicPeriod"/>
             </a:pPr>
             <a:r>
-              <a:rPr lang="ru-RU" sz="1800" dirty="0">
+              <a:rPr lang="ru-RU" sz="2000" dirty="0">
                 <a:latin typeface="Montserrat" pitchFamily="2" charset="77"/>
               </a:rPr>
-              <a:t>Эластичность спроса и предложения</a:t>
-            </a:r>
-          </a:p>
-          <a:p>
-            <a:pPr marL="514350" indent="-514350">
-              <a:lnSpc>
-                <a:spcPct val="150000"/>
-              </a:lnSpc>
-              <a:buFont typeface="+mj-lt"/>
-              <a:buAutoNum type="arabicPeriod"/>
-            </a:pPr>
-            <a:endParaRPr lang="ru-RU" sz="1800" dirty="0"/>
+              <a:t>методы прогнозирования затрат</a:t>
+            </a:r>
+            <a:endParaRPr lang="ru-RU" sz="2000" dirty="0">
+              <a:solidFill>
+                <a:srgbClr val="326CDB"/>
+              </a:solidFill>
+              <a:latin typeface="Montserrat" pitchFamily="2" charset="77"/>
+            </a:endParaRPr>
           </a:p>
         </p:txBody>
       </p:sp>
@@ -10480,7 +9233,7 @@
                 <a:latin typeface="Montserrat" panose="00000500000000000000" pitchFamily="2" charset="0"/>
                 <a:cs typeface="Arial" panose="020B0604020202020204" pitchFamily="34" charset="0"/>
               </a:rPr>
-              <a:t>Спрос</a:t>
+              <a:t>Проект</a:t>
             </a:r>
           </a:p>
         </p:txBody>
@@ -10504,7 +9257,7 @@
           <a:p>
             <a:pPr>
               <a:lnSpc>
-                <a:spcPct val="150000"/>
+                <a:spcPct val="160000"/>
               </a:lnSpc>
               <a:buFontTx/>
               <a:buChar char="-"/>
@@ -10513,72 +9266,115 @@
               <a:rPr lang="ru-RU" sz="1800" dirty="0">
                 <a:latin typeface="Montserrat" panose="00000500000000000000" pitchFamily="2" charset="0"/>
               </a:rPr>
-              <a:t>готовность потребителей приобрести данное количество товара за определенный период времени по возможным ценам, подкрепленное денежной возможностью</a:t>
-            </a:r>
-          </a:p>
-          <a:p>
-            <a:pPr>
-              <a:lnSpc>
-                <a:spcPct val="150000"/>
-              </a:lnSpc>
-              <a:buFontTx/>
-              <a:buChar char="-"/>
-            </a:pPr>
-            <a:endParaRPr lang="ru-RU" sz="1800" dirty="0">
-              <a:latin typeface="Montserrat" panose="00000500000000000000" pitchFamily="2" charset="0"/>
-            </a:endParaRPr>
+              <a:t>это временное предприятие, направленное на создание уникального продукта, услуги или результата</a:t>
+            </a:r>
+            <a:endParaRPr lang="ru-RU" sz="1800" dirty="0"/>
           </a:p>
           <a:p>
             <a:pPr marL="0" indent="0">
               <a:lnSpc>
-                <a:spcPct val="150000"/>
+                <a:spcPct val="160000"/>
               </a:lnSpc>
               <a:buNone/>
             </a:pPr>
             <a:r>
+              <a:rPr lang="ru-RU" sz="1800" b="1" dirty="0">
+                <a:solidFill>
+                  <a:srgbClr val="326CDB"/>
+                </a:solidFill>
+                <a:latin typeface="Montserrat" panose="00000500000000000000" pitchFamily="2" charset="0"/>
+              </a:rPr>
+              <a:t>Важно</a:t>
+            </a:r>
+            <a:r>
               <a:rPr lang="ru-RU" sz="1800" dirty="0">
                 <a:latin typeface="Montserrat" panose="00000500000000000000" pitchFamily="2" charset="0"/>
               </a:rPr>
-              <a:t>Меняется в зависимости от:</a:t>
+              <a:t> отметить:</a:t>
             </a:r>
           </a:p>
           <a:p>
             <a:pPr>
               <a:lnSpc>
-                <a:spcPct val="150000"/>
+                <a:spcPct val="160000"/>
               </a:lnSpc>
             </a:pPr>
             <a:r>
               <a:rPr lang="ru-RU" sz="1800" dirty="0">
                 <a:latin typeface="Montserrat" panose="00000500000000000000" pitchFamily="2" charset="0"/>
               </a:rPr>
-              <a:t>цены</a:t>
+              <a:t>проекты создают уникальные результаты</a:t>
             </a:r>
           </a:p>
           <a:p>
             <a:pPr>
               <a:lnSpc>
-                <a:spcPct val="150000"/>
+                <a:spcPct val="160000"/>
               </a:lnSpc>
             </a:pPr>
             <a:r>
               <a:rPr lang="ru-RU" sz="1800" dirty="0">
                 <a:latin typeface="Montserrat" panose="00000500000000000000" pitchFamily="2" charset="0"/>
               </a:rPr>
-              <a:t>воздействия государства</a:t>
+              <a:t>проекты ограничены по времени</a:t>
             </a:r>
           </a:p>
           <a:p>
             <a:pPr>
               <a:lnSpc>
-                <a:spcPct val="150000"/>
+                <a:spcPct val="160000"/>
               </a:lnSpc>
             </a:pPr>
+            <a:endParaRPr lang="en-US" sz="1800" dirty="0"/>
+          </a:p>
+          <a:p>
+            <a:pPr marL="0" indent="0">
+              <a:lnSpc>
+                <a:spcPct val="160000"/>
+              </a:lnSpc>
+              <a:buNone/>
+            </a:pPr>
+            <a:r>
+              <a:rPr lang="ru-RU" sz="1800" b="1" dirty="0">
+                <a:solidFill>
+                  <a:srgbClr val="326CDB"/>
+                </a:solidFill>
+                <a:latin typeface="Montserrat" panose="00000500000000000000" pitchFamily="2" charset="0"/>
+              </a:rPr>
+              <a:t>Жизненный цикл</a:t>
+            </a:r>
+            <a:r>
+              <a:rPr lang="en-US" sz="1800" b="1" dirty="0">
+                <a:solidFill>
+                  <a:srgbClr val="326CDB"/>
+                </a:solidFill>
+                <a:latin typeface="Montserrat" panose="00000500000000000000" pitchFamily="2" charset="0"/>
+              </a:rPr>
+              <a:t> </a:t>
+            </a:r>
+            <a:r>
+              <a:rPr lang="en-US" sz="1800" dirty="0">
+                <a:latin typeface="Montserrat" panose="00000500000000000000" pitchFamily="2" charset="0"/>
+              </a:rPr>
+              <a:t>- </a:t>
+            </a:r>
             <a:r>
               <a:rPr lang="ru-RU" sz="1800" dirty="0">
                 <a:latin typeface="Montserrat" panose="00000500000000000000" pitchFamily="2" charset="0"/>
               </a:rPr>
-              <a:t>сезона</a:t>
+              <a:t>это последовательность этапов, через которые проходит любой проект. </a:t>
+            </a:r>
+            <a:r>
+              <a:rPr lang="en-US" sz="1800" dirty="0">
+                <a:latin typeface="Montserrat" panose="00000500000000000000" pitchFamily="2" charset="0"/>
+              </a:rPr>
+              <a:t> </a:t>
+            </a:r>
+            <a:r>
+              <a:rPr lang="ru-RU" sz="1800" dirty="0">
+                <a:latin typeface="Montserrat" panose="00000500000000000000" pitchFamily="2" charset="0"/>
+              </a:rPr>
+              <a:t>После окончания цикла появляется конкретный результат</a:t>
             </a:r>
           </a:p>
         </p:txBody>
@@ -10628,441 +9424,6 @@
               <a:t>3</a:t>
             </a:fld>
             <a:endParaRPr lang="ru-RU" dirty="0"/>
-          </a:p>
-        </p:txBody>
-      </p:sp>
-      <p:pic>
-        <p:nvPicPr>
-          <p:cNvPr id="7" name="Picture 2" descr="image">
-            <a:extLst>
-              <a:ext uri="{FF2B5EF4-FFF2-40B4-BE49-F238E27FC236}">
-                <a16:creationId xmlns:a16="http://schemas.microsoft.com/office/drawing/2014/main" id="{CFC6836E-3700-421C-8822-6708949CADCA}"/>
-              </a:ext>
-            </a:extLst>
-          </p:cNvPr>
-          <p:cNvPicPr>
-            <a:picLocks noChangeAspect="1" noChangeArrowheads="1"/>
-          </p:cNvPicPr>
-          <p:nvPr/>
-        </p:nvPicPr>
-        <p:blipFill>
-          <a:blip r:embed="rId3" cstate="print">
-            <a:extLst>
-              <a:ext uri="{28A0092B-C50C-407E-A947-70E740481C1C}">
-                <a14:useLocalDpi xmlns:a14="http://schemas.microsoft.com/office/drawing/2010/main" val="0"/>
-              </a:ext>
-            </a:extLst>
-          </a:blip>
-          <a:srcRect/>
-          <a:stretch>
-            <a:fillRect/>
-          </a:stretch>
-        </p:blipFill>
-        <p:spPr bwMode="auto">
-          <a:xfrm>
-            <a:off x="10193246" y="360436"/>
-            <a:ext cx="1520954" cy="1520954"/>
-          </a:xfrm>
-          <a:prstGeom prst="rect">
-            <a:avLst/>
-          </a:prstGeom>
-          <a:noFill/>
-          <a:extLst>
-            <a:ext uri="{909E8E84-426E-40DD-AFC4-6F175D3DCCD1}">
-              <a14:hiddenFill xmlns:a14="http://schemas.microsoft.com/office/drawing/2010/main">
-                <a:solidFill>
-                  <a:srgbClr val="FFFFFF"/>
-                </a:solidFill>
-              </a14:hiddenFill>
-            </a:ext>
-          </a:extLst>
-        </p:spPr>
-      </p:pic>
-      <p:sp>
-        <p:nvSpPr>
-          <p:cNvPr id="8" name="TextBox 7">
-            <a:extLst>
-              <a:ext uri="{FF2B5EF4-FFF2-40B4-BE49-F238E27FC236}">
-                <a16:creationId xmlns:a16="http://schemas.microsoft.com/office/drawing/2014/main" id="{143DF86B-0F1D-4327-BA47-4BA88D0280EF}"/>
-              </a:ext>
-            </a:extLst>
-          </p:cNvPr>
-          <p:cNvSpPr txBox="1"/>
-          <p:nvPr/>
-        </p:nvSpPr>
-        <p:spPr>
-          <a:xfrm>
-            <a:off x="8153400" y="3770711"/>
-            <a:ext cx="2692400" cy="1200329"/>
-          </a:xfrm>
-          <a:prstGeom prst="rect">
-            <a:avLst/>
-          </a:prstGeom>
-          <a:noFill/>
-        </p:spPr>
-        <p:txBody>
-          <a:bodyPr wrap="square">
-            <a:spAutoFit/>
-          </a:bodyPr>
-          <a:lstStyle/>
-          <a:p>
-            <a:pPr algn="ctr"/>
-            <a:r>
-              <a:rPr lang="ru-RU" b="1" dirty="0">
-                <a:solidFill>
-                  <a:srgbClr val="326CDB"/>
-                </a:solidFill>
-                <a:latin typeface="Montserrat" panose="00000500000000000000" pitchFamily="2" charset="0"/>
-                <a:cs typeface="Arial" panose="020B0604020202020204" pitchFamily="34" charset="0"/>
-              </a:rPr>
-              <a:t>Эффект </a:t>
-            </a:r>
-          </a:p>
-          <a:p>
-            <a:pPr algn="ctr"/>
-            <a:r>
-              <a:rPr lang="ru-RU" b="1" dirty="0" err="1">
-                <a:solidFill>
-                  <a:srgbClr val="326CDB"/>
-                </a:solidFill>
-                <a:latin typeface="Montserrat" panose="00000500000000000000" pitchFamily="2" charset="0"/>
-                <a:cs typeface="Arial" panose="020B0604020202020204" pitchFamily="34" charset="0"/>
-              </a:rPr>
-              <a:t>Гиффена</a:t>
-            </a:r>
-            <a:endParaRPr lang="ru-RU" b="1" dirty="0">
-              <a:solidFill>
-                <a:srgbClr val="326CDB"/>
-              </a:solidFill>
-              <a:latin typeface="Montserrat" panose="00000500000000000000" pitchFamily="2" charset="0"/>
-              <a:cs typeface="Arial" panose="020B0604020202020204" pitchFamily="34" charset="0"/>
-            </a:endParaRPr>
-          </a:p>
-          <a:p>
-            <a:pPr algn="ctr"/>
-            <a:r>
-              <a:rPr lang="ru-RU" dirty="0">
-                <a:solidFill>
-                  <a:schemeClr val="bg1">
-                    <a:lumMod val="50000"/>
-                  </a:schemeClr>
-                </a:solidFill>
-                <a:latin typeface="Montserrat" panose="00000500000000000000" pitchFamily="2" charset="0"/>
-                <a:cs typeface="Arial" panose="020B0604020202020204" pitchFamily="34" charset="0"/>
-              </a:rPr>
-              <a:t>жизненно важные продукты</a:t>
-            </a:r>
-            <a:endParaRPr lang="ru-RU" dirty="0">
-              <a:solidFill>
-                <a:schemeClr val="bg1">
-                  <a:lumMod val="50000"/>
-                </a:schemeClr>
-              </a:solidFill>
-              <a:latin typeface="Montserrat" panose="00000500000000000000" pitchFamily="2" charset="0"/>
-            </a:endParaRPr>
-          </a:p>
-        </p:txBody>
-      </p:sp>
-      <p:sp>
-        <p:nvSpPr>
-          <p:cNvPr id="9" name="TextBox 8">
-            <a:extLst>
-              <a:ext uri="{FF2B5EF4-FFF2-40B4-BE49-F238E27FC236}">
-                <a16:creationId xmlns:a16="http://schemas.microsoft.com/office/drawing/2014/main" id="{8FAC235C-B49B-40FD-A71D-CEF085AC2F61}"/>
-              </a:ext>
-            </a:extLst>
-          </p:cNvPr>
-          <p:cNvSpPr txBox="1"/>
-          <p:nvPr/>
-        </p:nvSpPr>
-        <p:spPr>
-          <a:xfrm>
-            <a:off x="6096000" y="3770711"/>
-            <a:ext cx="1634836" cy="1200329"/>
-          </a:xfrm>
-          <a:prstGeom prst="rect">
-            <a:avLst/>
-          </a:prstGeom>
-          <a:noFill/>
-        </p:spPr>
-        <p:txBody>
-          <a:bodyPr wrap="square">
-            <a:spAutoFit/>
-          </a:bodyPr>
-          <a:lstStyle/>
-          <a:p>
-            <a:pPr algn="ctr"/>
-            <a:r>
-              <a:rPr lang="ru-RU" b="1" dirty="0">
-                <a:solidFill>
-                  <a:srgbClr val="326CDB"/>
-                </a:solidFill>
-                <a:latin typeface="Montserrat" panose="00000500000000000000" pitchFamily="2" charset="0"/>
-                <a:cs typeface="Arial" panose="020B0604020202020204" pitchFamily="34" charset="0"/>
-              </a:rPr>
-              <a:t>Парадокс </a:t>
-            </a:r>
-            <a:r>
-              <a:rPr lang="ru-RU" b="1" dirty="0" err="1">
-                <a:solidFill>
-                  <a:srgbClr val="326CDB"/>
-                </a:solidFill>
-                <a:latin typeface="Montserrat" panose="00000500000000000000" pitchFamily="2" charset="0"/>
-                <a:cs typeface="Arial" panose="020B0604020202020204" pitchFamily="34" charset="0"/>
-              </a:rPr>
-              <a:t>Веблена</a:t>
-            </a:r>
-            <a:endParaRPr lang="ru-RU" b="1" dirty="0">
-              <a:solidFill>
-                <a:srgbClr val="326CDB"/>
-              </a:solidFill>
-              <a:latin typeface="Montserrat" panose="00000500000000000000" pitchFamily="2" charset="0"/>
-              <a:cs typeface="Arial" panose="020B0604020202020204" pitchFamily="34" charset="0"/>
-            </a:endParaRPr>
-          </a:p>
-          <a:p>
-            <a:pPr algn="ctr"/>
-            <a:r>
-              <a:rPr lang="ru-RU" dirty="0">
-                <a:solidFill>
-                  <a:schemeClr val="bg1">
-                    <a:lumMod val="50000"/>
-                  </a:schemeClr>
-                </a:solidFill>
-                <a:latin typeface="Montserrat" panose="00000500000000000000" pitchFamily="2" charset="0"/>
-                <a:cs typeface="Arial" panose="020B0604020202020204" pitchFamily="34" charset="0"/>
-              </a:rPr>
-              <a:t>товары роскоши</a:t>
-            </a:r>
-            <a:endParaRPr lang="ru-RU" dirty="0">
-              <a:solidFill>
-                <a:schemeClr val="bg1">
-                  <a:lumMod val="50000"/>
-                </a:schemeClr>
-              </a:solidFill>
-              <a:latin typeface="Montserrat" panose="00000500000000000000" pitchFamily="2" charset="0"/>
-            </a:endParaRPr>
-          </a:p>
-        </p:txBody>
-      </p:sp>
-    </p:spTree>
-    <p:extLst>
-      <p:ext uri="{BB962C8B-B14F-4D97-AF65-F5344CB8AC3E}">
-        <p14:creationId xmlns:p14="http://schemas.microsoft.com/office/powerpoint/2010/main" val="742912908"/>
-      </p:ext>
-    </p:extLst>
-  </p:cSld>
-  <p:clrMapOvr>
-    <a:masterClrMapping/>
-  </p:clrMapOvr>
-</p:sld>
-</file>
-
-<file path=ppt/slides/slide4.xml><?xml version="1.0" encoding="utf-8"?>
-<p:sld xmlns:a="http://schemas.openxmlformats.org/drawingml/2006/main" xmlns:r="http://schemas.openxmlformats.org/officeDocument/2006/relationships" xmlns:p="http://schemas.openxmlformats.org/presentationml/2006/main">
-  <p:cSld>
-    <p:spTree>
-      <p:nvGrpSpPr>
-        <p:cNvPr id="1" name=""/>
-        <p:cNvGrpSpPr/>
-        <p:nvPr/>
-      </p:nvGrpSpPr>
-      <p:grpSpPr>
-        <a:xfrm>
-          <a:off x="0" y="0"/>
-          <a:ext cx="0" cy="0"/>
-          <a:chOff x="0" y="0"/>
-          <a:chExt cx="0" cy="0"/>
-        </a:xfrm>
-      </p:grpSpPr>
-      <p:sp>
-        <p:nvSpPr>
-          <p:cNvPr id="2" name="Заголовок 1"/>
-          <p:cNvSpPr>
-            <a:spLocks noGrp="1"/>
-          </p:cNvSpPr>
-          <p:nvPr>
-            <p:ph type="title"/>
-          </p:nvPr>
-        </p:nvSpPr>
-        <p:spPr>
-          <a:xfrm>
-            <a:off x="838200" y="1039528"/>
-            <a:ext cx="10515600" cy="651160"/>
-          </a:xfrm>
-        </p:spPr>
-        <p:txBody>
-          <a:bodyPr>
-            <a:normAutofit fontScale="90000"/>
-          </a:bodyPr>
-          <a:lstStyle/>
-          <a:p>
-            <a:r>
-              <a:rPr lang="ru-RU" b="1" dirty="0">
-                <a:solidFill>
-                  <a:srgbClr val="326CDB"/>
-                </a:solidFill>
-                <a:latin typeface="Montserrat" panose="00000500000000000000" pitchFamily="2" charset="0"/>
-                <a:cs typeface="Arial" panose="020B0604020202020204" pitchFamily="34" charset="0"/>
-              </a:rPr>
-              <a:t>Предложение</a:t>
-            </a:r>
-          </a:p>
-        </p:txBody>
-      </p:sp>
-      <p:sp>
-        <p:nvSpPr>
-          <p:cNvPr id="3" name="Объект 2"/>
-          <p:cNvSpPr>
-            <a:spLocks noGrp="1"/>
-          </p:cNvSpPr>
-          <p:nvPr>
-            <p:ph idx="1"/>
-          </p:nvPr>
-        </p:nvSpPr>
-        <p:spPr/>
-        <p:txBody>
-          <a:bodyPr>
-            <a:normAutofit/>
-          </a:bodyPr>
-          <a:lstStyle/>
-          <a:p>
-            <a:pPr>
-              <a:lnSpc>
-                <a:spcPct val="150000"/>
-              </a:lnSpc>
-              <a:buFontTx/>
-              <a:buChar char="-"/>
-            </a:pPr>
-            <a:r>
-              <a:rPr lang="ru-RU" sz="1800" dirty="0">
-                <a:latin typeface="Montserrat" panose="00000500000000000000" pitchFamily="2" charset="0"/>
-              </a:rPr>
-              <a:t>готовность товаропроизводителя произвести (предложить) за определенный период времени определенное количество товара по той или иной цене</a:t>
-            </a:r>
-          </a:p>
-          <a:p>
-            <a:pPr>
-              <a:lnSpc>
-                <a:spcPct val="150000"/>
-              </a:lnSpc>
-              <a:buFontTx/>
-              <a:buChar char="-"/>
-            </a:pPr>
-            <a:endParaRPr lang="ru-RU" sz="1800" dirty="0">
-              <a:latin typeface="Montserrat" panose="00000500000000000000" pitchFamily="2" charset="0"/>
-            </a:endParaRPr>
-          </a:p>
-          <a:p>
-            <a:pPr marL="0" indent="0">
-              <a:lnSpc>
-                <a:spcPct val="150000"/>
-              </a:lnSpc>
-              <a:buNone/>
-            </a:pPr>
-            <a:r>
-              <a:rPr lang="ru-RU" sz="1800" dirty="0">
-                <a:latin typeface="Montserrat" panose="00000500000000000000" pitchFamily="2" charset="0"/>
-              </a:rPr>
-              <a:t>На величину спроса влияют:</a:t>
-            </a:r>
-          </a:p>
-          <a:p>
-            <a:pPr>
-              <a:lnSpc>
-                <a:spcPct val="150000"/>
-              </a:lnSpc>
-            </a:pPr>
-            <a:r>
-              <a:rPr lang="ru-RU" sz="1800" dirty="0">
-                <a:latin typeface="Montserrat" panose="00000500000000000000" pitchFamily="2" charset="0"/>
-              </a:rPr>
-              <a:t>себестоимость производства</a:t>
-            </a:r>
-          </a:p>
-          <a:p>
-            <a:pPr>
-              <a:lnSpc>
-                <a:spcPct val="150000"/>
-              </a:lnSpc>
-            </a:pPr>
-            <a:r>
-              <a:rPr lang="ru-RU" sz="1800" dirty="0">
-                <a:latin typeface="Montserrat" panose="00000500000000000000" pitchFamily="2" charset="0"/>
-              </a:rPr>
-              <a:t>конкуренция</a:t>
-            </a:r>
-          </a:p>
-          <a:p>
-            <a:pPr>
-              <a:lnSpc>
-                <a:spcPct val="150000"/>
-              </a:lnSpc>
-            </a:pPr>
-            <a:r>
-              <a:rPr lang="ru-RU" sz="1800" dirty="0">
-                <a:latin typeface="Montserrat" panose="00000500000000000000" pitchFamily="2" charset="0"/>
-              </a:rPr>
-              <a:t>налоги</a:t>
-            </a:r>
-          </a:p>
-          <a:p>
-            <a:pPr>
-              <a:lnSpc>
-                <a:spcPct val="150000"/>
-              </a:lnSpc>
-            </a:pPr>
-            <a:endParaRPr lang="ru-RU" sz="1800" dirty="0">
-              <a:latin typeface="Montserrat" panose="00000500000000000000" pitchFamily="2" charset="0"/>
-            </a:endParaRPr>
-          </a:p>
-        </p:txBody>
-      </p:sp>
-      <p:sp>
-        <p:nvSpPr>
-          <p:cNvPr id="4" name="Нижний колонтитул 3"/>
-          <p:cNvSpPr>
-            <a:spLocks noGrp="1"/>
-          </p:cNvSpPr>
-          <p:nvPr>
-            <p:ph type="ftr" sz="quarter" idx="11"/>
-          </p:nvPr>
-        </p:nvSpPr>
-        <p:spPr/>
-        <p:txBody>
-          <a:bodyPr/>
-          <a:lstStyle/>
-          <a:p>
-            <a:r>
-              <a:rPr lang="ru-RU" dirty="0">
-                <a:latin typeface="Montserrat" panose="00000500000000000000" pitchFamily="2" charset="0"/>
-                <a:cs typeface="Arial" panose="020B0604020202020204" pitchFamily="34" charset="0"/>
-              </a:rPr>
-              <a:t>МГТУ им. Н.Э. Баумана, ИУ7 – «Программное обеспечение ЭВМ и информационные технологии»</a:t>
-            </a:r>
-          </a:p>
-        </p:txBody>
-      </p:sp>
-      <p:sp>
-        <p:nvSpPr>
-          <p:cNvPr id="5" name="Номер слайда 4"/>
-          <p:cNvSpPr>
-            <a:spLocks noGrp="1"/>
-          </p:cNvSpPr>
-          <p:nvPr>
-            <p:ph type="sldNum" sz="quarter" idx="12"/>
-          </p:nvPr>
-        </p:nvSpPr>
-        <p:spPr/>
-        <p:txBody>
-          <a:bodyPr/>
-          <a:lstStyle/>
-          <a:p>
-            <a:fld id="{9415E33C-F962-4E59-AF47-C3576160EA36}" type="slidenum">
-              <a:rPr lang="ru-RU" smtClean="0"/>
-              <a:t>4</a:t>
-            </a:fld>
-            <a:endParaRPr lang="ru-RU"/>
           </a:p>
         </p:txBody>
       </p:sp>
@@ -11116,6 +9477,381 @@
     </p:spTree>
     <p:extLst>
       <p:ext uri="{BB962C8B-B14F-4D97-AF65-F5344CB8AC3E}">
+        <p14:creationId xmlns:p14="http://schemas.microsoft.com/office/powerpoint/2010/main" val="742912908"/>
+      </p:ext>
+    </p:extLst>
+  </p:cSld>
+  <p:clrMapOvr>
+    <a:masterClrMapping/>
+  </p:clrMapOvr>
+</p:sld>
+</file>
+
+<file path=ppt/slides/slide4.xml><?xml version="1.0" encoding="utf-8"?>
+<p:sld xmlns:a="http://schemas.openxmlformats.org/drawingml/2006/main" xmlns:r="http://schemas.openxmlformats.org/officeDocument/2006/relationships" xmlns:p="http://schemas.openxmlformats.org/presentationml/2006/main">
+  <p:cSld>
+    <p:spTree>
+      <p:nvGrpSpPr>
+        <p:cNvPr id="1" name=""/>
+        <p:cNvGrpSpPr/>
+        <p:nvPr/>
+      </p:nvGrpSpPr>
+      <p:grpSpPr>
+        <a:xfrm>
+          <a:off x="0" y="0"/>
+          <a:ext cx="0" cy="0"/>
+          <a:chOff x="0" y="0"/>
+          <a:chExt cx="0" cy="0"/>
+        </a:xfrm>
+      </p:grpSpPr>
+      <p:sp>
+        <p:nvSpPr>
+          <p:cNvPr id="3" name="Объект 2"/>
+          <p:cNvSpPr>
+            <a:spLocks noGrp="1"/>
+          </p:cNvSpPr>
+          <p:nvPr>
+            <p:ph idx="1"/>
+          </p:nvPr>
+        </p:nvSpPr>
+        <p:spPr>
+          <a:xfrm>
+            <a:off x="838200" y="2560482"/>
+            <a:ext cx="10515600" cy="4351338"/>
+          </a:xfrm>
+        </p:spPr>
+        <p:txBody>
+          <a:bodyPr numCol="2" anchor="ctr">
+            <a:normAutofit/>
+          </a:bodyPr>
+          <a:lstStyle/>
+          <a:p>
+            <a:pPr marL="342900" indent="-342900">
+              <a:lnSpc>
+                <a:spcPct val="150000"/>
+              </a:lnSpc>
+              <a:buFont typeface="+mj-lt"/>
+              <a:buAutoNum type="arabicPeriod"/>
+            </a:pPr>
+            <a:r>
+              <a:rPr lang="ru-RU" sz="1800" dirty="0">
+                <a:latin typeface="Montserrat" panose="00000500000000000000" pitchFamily="2" charset="0"/>
+              </a:rPr>
+              <a:t>инициация</a:t>
+            </a:r>
+          </a:p>
+          <a:p>
+            <a:pPr marL="342900" indent="-342900">
+              <a:lnSpc>
+                <a:spcPct val="150000"/>
+              </a:lnSpc>
+              <a:buFont typeface="+mj-lt"/>
+              <a:buAutoNum type="arabicPeriod"/>
+            </a:pPr>
+            <a:r>
+              <a:rPr lang="ru-RU" sz="1800" dirty="0">
+                <a:latin typeface="Montserrat" panose="00000500000000000000" pitchFamily="2" charset="0"/>
+              </a:rPr>
+              <a:t>планирование</a:t>
+            </a:r>
+          </a:p>
+          <a:p>
+            <a:pPr marL="342900" indent="-342900">
+              <a:lnSpc>
+                <a:spcPct val="150000"/>
+              </a:lnSpc>
+              <a:buFont typeface="+mj-lt"/>
+              <a:buAutoNum type="arabicPeriod"/>
+            </a:pPr>
+            <a:r>
+              <a:rPr lang="ru-RU" sz="1800" dirty="0">
+                <a:latin typeface="Montserrat" panose="00000500000000000000" pitchFamily="2" charset="0"/>
+              </a:rPr>
+              <a:t>реализация</a:t>
+            </a:r>
+          </a:p>
+          <a:p>
+            <a:pPr marL="342900" indent="-342900">
+              <a:lnSpc>
+                <a:spcPct val="150000"/>
+              </a:lnSpc>
+              <a:buFont typeface="+mj-lt"/>
+              <a:buAutoNum type="arabicPeriod"/>
+            </a:pPr>
+            <a:r>
+              <a:rPr lang="ru-RU" sz="1800" dirty="0">
+                <a:latin typeface="Montserrat" panose="00000500000000000000" pitchFamily="2" charset="0"/>
+              </a:rPr>
+              <a:t>мониторинг и контроль</a:t>
+            </a:r>
+          </a:p>
+          <a:p>
+            <a:pPr marL="342900" indent="-342900">
+              <a:lnSpc>
+                <a:spcPct val="150000"/>
+              </a:lnSpc>
+              <a:buFont typeface="+mj-lt"/>
+              <a:buAutoNum type="arabicPeriod"/>
+            </a:pPr>
+            <a:r>
+              <a:rPr lang="ru-RU" sz="1800" dirty="0"/>
+              <a:t>з</a:t>
+            </a:r>
+            <a:r>
+              <a:rPr lang="ru-RU" sz="1800" dirty="0">
+                <a:latin typeface="Montserrat" panose="00000500000000000000" pitchFamily="2" charset="0"/>
+              </a:rPr>
+              <a:t>авершение</a:t>
+            </a:r>
+          </a:p>
+          <a:p>
+            <a:pPr marL="342900" indent="-342900">
+              <a:lnSpc>
+                <a:spcPct val="150000"/>
+              </a:lnSpc>
+              <a:buFont typeface="+mj-lt"/>
+              <a:buAutoNum type="arabicPeriod"/>
+            </a:pPr>
+            <a:endParaRPr lang="ru-RU" sz="1800" dirty="0"/>
+          </a:p>
+          <a:p>
+            <a:pPr marL="342900" indent="-342900">
+              <a:lnSpc>
+                <a:spcPct val="150000"/>
+              </a:lnSpc>
+              <a:buFont typeface="+mj-lt"/>
+              <a:buAutoNum type="arabicPeriod"/>
+            </a:pPr>
+            <a:endParaRPr lang="ru-RU" sz="1800" dirty="0">
+              <a:latin typeface="Montserrat" panose="00000500000000000000" pitchFamily="2" charset="0"/>
+            </a:endParaRPr>
+          </a:p>
+          <a:p>
+            <a:pPr marL="0" indent="0">
+              <a:lnSpc>
+                <a:spcPct val="150000"/>
+              </a:lnSpc>
+              <a:buNone/>
+            </a:pPr>
+            <a:endParaRPr lang="ru-RU" sz="1800" dirty="0"/>
+          </a:p>
+          <a:p>
+            <a:pPr marL="0" indent="0">
+              <a:lnSpc>
+                <a:spcPct val="150000"/>
+              </a:lnSpc>
+              <a:buNone/>
+            </a:pPr>
+            <a:endParaRPr lang="ru-RU" sz="1800" b="1" dirty="0">
+              <a:solidFill>
+                <a:srgbClr val="326CDB"/>
+              </a:solidFill>
+              <a:latin typeface="Montserrat" panose="00000500000000000000" pitchFamily="2" charset="0"/>
+            </a:endParaRPr>
+          </a:p>
+          <a:p>
+            <a:pPr marL="0" indent="0">
+              <a:lnSpc>
+                <a:spcPct val="150000"/>
+              </a:lnSpc>
+              <a:buNone/>
+            </a:pPr>
+            <a:r>
+              <a:rPr lang="ru-RU" sz="1800" b="1" dirty="0">
+                <a:solidFill>
+                  <a:srgbClr val="326CDB"/>
+                </a:solidFill>
+                <a:latin typeface="Montserrat" panose="00000500000000000000" pitchFamily="2" charset="0"/>
+              </a:rPr>
+              <a:t>Мониторинг и контроль:</a:t>
+            </a:r>
+          </a:p>
+          <a:p>
+            <a:pPr>
+              <a:lnSpc>
+                <a:spcPct val="150000"/>
+              </a:lnSpc>
+            </a:pPr>
+            <a:r>
+              <a:rPr lang="ru-RU" sz="1800" dirty="0">
+                <a:latin typeface="Montserrat" panose="00000500000000000000" pitchFamily="2" charset="0"/>
+              </a:rPr>
+              <a:t>рациональное расходование времени</a:t>
+            </a:r>
+          </a:p>
+          <a:p>
+            <a:pPr>
+              <a:lnSpc>
+                <a:spcPct val="150000"/>
+              </a:lnSpc>
+            </a:pPr>
+            <a:r>
+              <a:rPr lang="ru-RU" sz="1800" dirty="0">
+                <a:latin typeface="Montserrat" panose="00000500000000000000" pitchFamily="2" charset="0"/>
+              </a:rPr>
+              <a:t>рациональное расходование ресурсов</a:t>
+            </a:r>
+          </a:p>
+        </p:txBody>
+      </p:sp>
+      <p:sp>
+        <p:nvSpPr>
+          <p:cNvPr id="4" name="Нижний колонтитул 3"/>
+          <p:cNvSpPr>
+            <a:spLocks noGrp="1"/>
+          </p:cNvSpPr>
+          <p:nvPr>
+            <p:ph type="ftr" sz="quarter" idx="11"/>
+          </p:nvPr>
+        </p:nvSpPr>
+        <p:spPr/>
+        <p:txBody>
+          <a:bodyPr/>
+          <a:lstStyle/>
+          <a:p>
+            <a:r>
+              <a:rPr lang="ru-RU" dirty="0">
+                <a:latin typeface="Montserrat" panose="00000500000000000000" pitchFamily="2" charset="0"/>
+                <a:cs typeface="Arial" panose="020B0604020202020204" pitchFamily="34" charset="0"/>
+              </a:rPr>
+              <a:t>МГТУ им. Н.Э. Баумана, ИУ7 – «Программное обеспечение ЭВМ и информационные технологии»</a:t>
+            </a:r>
+          </a:p>
+        </p:txBody>
+      </p:sp>
+      <p:sp>
+        <p:nvSpPr>
+          <p:cNvPr id="5" name="Номер слайда 4"/>
+          <p:cNvSpPr>
+            <a:spLocks noGrp="1"/>
+          </p:cNvSpPr>
+          <p:nvPr>
+            <p:ph type="sldNum" sz="quarter" idx="12"/>
+          </p:nvPr>
+        </p:nvSpPr>
+        <p:spPr/>
+        <p:txBody>
+          <a:bodyPr/>
+          <a:lstStyle/>
+          <a:p>
+            <a:fld id="{9415E33C-F962-4E59-AF47-C3576160EA36}" type="slidenum">
+              <a:rPr lang="ru-RU" smtClean="0"/>
+              <a:t>4</a:t>
+            </a:fld>
+            <a:endParaRPr lang="ru-RU"/>
+          </a:p>
+        </p:txBody>
+      </p:sp>
+      <p:pic>
+        <p:nvPicPr>
+          <p:cNvPr id="7" name="Picture 2" descr="image">
+            <a:extLst>
+              <a:ext uri="{FF2B5EF4-FFF2-40B4-BE49-F238E27FC236}">
+                <a16:creationId xmlns:a16="http://schemas.microsoft.com/office/drawing/2014/main" id="{CFC6836E-3700-421C-8822-6708949CADCA}"/>
+              </a:ext>
+            </a:extLst>
+          </p:cNvPr>
+          <p:cNvPicPr>
+            <a:picLocks noChangeAspect="1" noChangeArrowheads="1"/>
+          </p:cNvPicPr>
+          <p:nvPr/>
+        </p:nvPicPr>
+        <p:blipFill>
+          <a:blip r:embed="rId3" cstate="print">
+            <a:extLst>
+              <a:ext uri="{28A0092B-C50C-407E-A947-70E740481C1C}">
+                <a14:useLocalDpi xmlns:a14="http://schemas.microsoft.com/office/drawing/2010/main" val="0"/>
+              </a:ext>
+            </a:extLst>
+          </a:blip>
+          <a:srcRect/>
+          <a:stretch>
+            <a:fillRect/>
+          </a:stretch>
+        </p:blipFill>
+        <p:spPr bwMode="auto">
+          <a:xfrm>
+            <a:off x="10193246" y="360436"/>
+            <a:ext cx="1520954" cy="1520954"/>
+          </a:xfrm>
+          <a:prstGeom prst="rect">
+            <a:avLst/>
+          </a:prstGeom>
+          <a:noFill/>
+          <a:extLst>
+            <a:ext uri="{909E8E84-426E-40DD-AFC4-6F175D3DCCD1}">
+              <a14:hiddenFill xmlns:a14="http://schemas.microsoft.com/office/drawing/2010/main">
+                <a:solidFill>
+                  <a:srgbClr val="FFFFFF"/>
+                </a:solidFill>
+              </a14:hiddenFill>
+            </a:ext>
+          </a:extLst>
+        </p:spPr>
+      </p:pic>
+      <p:sp>
+        <p:nvSpPr>
+          <p:cNvPr id="9" name="Заголовок 1">
+            <a:extLst>
+              <a:ext uri="{FF2B5EF4-FFF2-40B4-BE49-F238E27FC236}">
+                <a16:creationId xmlns:a16="http://schemas.microsoft.com/office/drawing/2014/main" id="{51BCBF61-FCB3-4D40-A556-5F4855C3AE1A}"/>
+              </a:ext>
+            </a:extLst>
+          </p:cNvPr>
+          <p:cNvSpPr>
+            <a:spLocks noGrp="1"/>
+          </p:cNvSpPr>
+          <p:nvPr>
+            <p:ph type="title"/>
+          </p:nvPr>
+        </p:nvSpPr>
+        <p:spPr>
+          <a:xfrm>
+            <a:off x="838200" y="1039528"/>
+            <a:ext cx="10515600" cy="651160"/>
+          </a:xfrm>
+        </p:spPr>
+        <p:txBody>
+          <a:bodyPr>
+            <a:normAutofit fontScale="90000"/>
+          </a:bodyPr>
+          <a:lstStyle/>
+          <a:p>
+            <a:r>
+              <a:rPr lang="ru-RU" b="1" dirty="0">
+                <a:solidFill>
+                  <a:srgbClr val="326CDB"/>
+                </a:solidFill>
+                <a:latin typeface="Montserrat" panose="00000500000000000000" pitchFamily="2" charset="0"/>
+                <a:cs typeface="Arial" panose="020B0604020202020204" pitchFamily="34" charset="0"/>
+              </a:rPr>
+              <a:t>Проект</a:t>
+            </a:r>
+            <a:br>
+              <a:rPr lang="ru-RU" b="1" dirty="0">
+                <a:solidFill>
+                  <a:srgbClr val="326CDB"/>
+                </a:solidFill>
+                <a:latin typeface="Montserrat" panose="00000500000000000000" pitchFamily="2" charset="0"/>
+                <a:cs typeface="Arial" panose="020B0604020202020204" pitchFamily="34" charset="0"/>
+              </a:rPr>
+            </a:br>
+            <a:r>
+              <a:rPr lang="ru-RU" sz="2200" b="1" dirty="0">
+                <a:solidFill>
+                  <a:srgbClr val="326CDB"/>
+                </a:solidFill>
+                <a:latin typeface="Montserrat" panose="00000500000000000000" pitchFamily="2" charset="0"/>
+                <a:cs typeface="Arial" panose="020B0604020202020204" pitchFamily="34" charset="0"/>
+              </a:rPr>
+              <a:t>Этапы</a:t>
+            </a:r>
+          </a:p>
+        </p:txBody>
+      </p:sp>
+    </p:spTree>
+    <p:extLst>
+      <p:ext uri="{BB962C8B-B14F-4D97-AF65-F5344CB8AC3E}">
         <p14:creationId xmlns:p14="http://schemas.microsoft.com/office/powerpoint/2010/main" val="2839600060"/>
       </p:ext>
     </p:extLst>
@@ -11173,7 +9909,26 @@
                 <a:latin typeface="Montserrat" panose="00000500000000000000" pitchFamily="2" charset="0"/>
                 <a:cs typeface="Arial" panose="020B0604020202020204" pitchFamily="34" charset="0"/>
               </a:rPr>
-              <a:t>Закон спроса и предложения</a:t>
+              <a:t>Проект</a:t>
+            </a:r>
+            <a:br>
+              <a:rPr lang="ru-RU" b="1" dirty="0">
+                <a:solidFill>
+                  <a:srgbClr val="326CDB"/>
+                </a:solidFill>
+                <a:latin typeface="Montserrat" panose="00000500000000000000" pitchFamily="2" charset="0"/>
+                <a:cs typeface="Arial" panose="020B0604020202020204" pitchFamily="34" charset="0"/>
+              </a:rPr>
+            </a:br>
+            <a:r>
+              <a:rPr lang="ru-RU" sz="2200" b="1" dirty="0">
+                <a:solidFill>
+                  <a:srgbClr val="326CDB"/>
+                </a:solidFill>
+                <a:latin typeface="Montserrat" panose="00000500000000000000" pitchFamily="2" charset="0"/>
+                <a:cs typeface="Arial" panose="020B0604020202020204" pitchFamily="34" charset="0"/>
+              </a:rPr>
+              <a:t>Затраты</a:t>
             </a:r>
           </a:p>
         </p:txBody>
@@ -11195,7 +9950,7 @@
           </a:xfrm>
         </p:spPr>
         <p:txBody>
-          <a:bodyPr>
+          <a:bodyPr anchor="t">
             <a:normAutofit/>
           </a:bodyPr>
           <a:lstStyle/>
@@ -11207,14 +9962,45 @@
               <a:buNone/>
             </a:pPr>
             <a:r>
-              <a:rPr lang="ru-RU" sz="2200" i="1" dirty="0">
-                <a:solidFill>
-                  <a:srgbClr val="326CDB"/>
-                </a:solidFill>
+              <a:rPr lang="ru-RU" sz="1800" dirty="0">
                 <a:latin typeface="Montserrat" panose="00000500000000000000" pitchFamily="2" charset="0"/>
               </a:rPr>
-              <a:t>Закон спроса</a:t>
-            </a:r>
+              <a:t>Типы затрат:</a:t>
+            </a:r>
+          </a:p>
+          <a:p>
+            <a:pPr>
+              <a:lnSpc>
+                <a:spcPct val="150000"/>
+              </a:lnSpc>
+            </a:pPr>
+            <a:r>
+              <a:rPr lang="ru-RU" sz="1800" dirty="0">
+                <a:latin typeface="Montserrat" panose="00000500000000000000" pitchFamily="2" charset="0"/>
+              </a:rPr>
+              <a:t>прямые и косвенные затраты</a:t>
+            </a:r>
+          </a:p>
+          <a:p>
+            <a:pPr>
+              <a:lnSpc>
+                <a:spcPct val="150000"/>
+              </a:lnSpc>
+            </a:pPr>
+            <a:r>
+              <a:rPr lang="ru-RU" sz="1800" dirty="0">
+                <a:latin typeface="Montserrat" panose="00000500000000000000" pitchFamily="2" charset="0"/>
+              </a:rPr>
+              <a:t>затраты на проведение проекта, и затраты новой внедряемой системы</a:t>
+            </a:r>
+          </a:p>
+          <a:p>
+            <a:pPr>
+              <a:lnSpc>
+                <a:spcPct val="150000"/>
+              </a:lnSpc>
+            </a:pPr>
+            <a:endParaRPr lang="ru-RU" sz="1800" dirty="0"/>
           </a:p>
           <a:p>
             <a:pPr marL="0" indent="0">
@@ -11224,14 +10010,19 @@
               <a:buNone/>
             </a:pPr>
             <a:r>
-              <a:rPr lang="ru-RU" sz="1800" dirty="0"/>
-              <a:t>п</a:t>
+              <a:rPr lang="ru-RU" sz="1800" b="1" dirty="0">
+                <a:solidFill>
+                  <a:srgbClr val="326CDB"/>
+                </a:solidFill>
+                <a:latin typeface="Montserrat" panose="00000500000000000000" pitchFamily="2" charset="0"/>
+              </a:rPr>
+              <a:t>Прямые затраты </a:t>
             </a:r>
             <a:r>
               <a:rPr lang="ru-RU" sz="1800" dirty="0">
                 <a:latin typeface="Montserrat" panose="00000500000000000000" pitchFamily="2" charset="0"/>
               </a:rPr>
-              <a:t>ри увеличении цены товара количество спроса на него снижается, а при снижении цены — увеличивается</a:t>
+              <a:t>- это затраты, непосредственно относимые к производственному процессу при изготовлении продукции, выполнении работ или услуг</a:t>
             </a:r>
           </a:p>
           <a:p>
@@ -11241,59 +10032,27 @@
               </a:lnSpc>
               <a:buNone/>
             </a:pPr>
-            <a:endParaRPr lang="ru-RU" sz="1800" dirty="0">
-              <a:latin typeface="Montserrat" panose="00000500000000000000" pitchFamily="2" charset="0"/>
-            </a:endParaRPr>
-          </a:p>
-          <a:p>
-            <a:pPr marL="0" indent="0">
-              <a:lnSpc>
-                <a:spcPct val="150000"/>
-              </a:lnSpc>
-              <a:buNone/>
-            </a:pPr>
-            <a:r>
-              <a:rPr lang="ru-RU" sz="2200" i="1" dirty="0">
+            <a:r>
+              <a:rPr lang="ru-RU" sz="1800" b="1" dirty="0">
                 <a:solidFill>
                   <a:srgbClr val="326CDB"/>
                 </a:solidFill>
                 <a:latin typeface="Montserrat" panose="00000500000000000000" pitchFamily="2" charset="0"/>
               </a:rPr>
-              <a:t>Закон предложения</a:t>
-            </a:r>
-          </a:p>
-          <a:p>
-            <a:pPr marL="0" indent="0">
-              <a:lnSpc>
-                <a:spcPct val="150000"/>
-              </a:lnSpc>
-              <a:buNone/>
-            </a:pPr>
-            <a:r>
-              <a:rPr lang="ru-RU" sz="1800" dirty="0">
-                <a:latin typeface="Montserrat" panose="00000500000000000000" pitchFamily="2" charset="0"/>
-              </a:rPr>
-              <a:t>при увеличении цены товара количество, которое производители готовы предложить на рынке, также увеличивается, а при снижении цены — уменьшается</a:t>
-            </a:r>
-          </a:p>
-          <a:p>
-            <a:pPr marL="0" indent="0">
-              <a:lnSpc>
-                <a:spcPct val="150000"/>
-              </a:lnSpc>
-              <a:buNone/>
-            </a:pPr>
-            <a:endParaRPr lang="ru-RU" sz="1800" dirty="0">
-              <a:latin typeface="Montserrat" panose="00000500000000000000" pitchFamily="2" charset="0"/>
-            </a:endParaRPr>
-          </a:p>
-          <a:p>
-            <a:pPr marL="0" indent="0">
-              <a:lnSpc>
-                <a:spcPct val="150000"/>
-              </a:lnSpc>
-              <a:buNone/>
-            </a:pPr>
+              <a:t>Косвенные расходы</a:t>
+            </a:r>
+            <a:r>
+              <a:rPr lang="ru-RU" sz="1800" b="1" dirty="0">
+                <a:solidFill>
+                  <a:srgbClr val="326CDB"/>
+                </a:solidFill>
+              </a:rPr>
+              <a:t> </a:t>
+            </a:r>
+            <a:r>
+              <a:rPr lang="ru-RU" sz="1800" dirty="0"/>
+              <a:t>- это затраты, не зафиксированные в качестве прямых в учётной политике и не отнесённые к внереализационным</a:t>
+            </a:r>
             <a:endParaRPr lang="ru-RU" sz="1800" dirty="0">
               <a:latin typeface="Montserrat" panose="00000500000000000000" pitchFamily="2" charset="0"/>
             </a:endParaRPr>
@@ -11466,7 +10225,26 @@
                 <a:latin typeface="Montserrat" panose="00000500000000000000" pitchFamily="2" charset="0"/>
                 <a:cs typeface="Arial" panose="020B0604020202020204" pitchFamily="34" charset="0"/>
               </a:rPr>
-              <a:t>Закон спроса и предложения</a:t>
+              <a:t>Проект</a:t>
+            </a:r>
+            <a:br>
+              <a:rPr lang="ru-RU" b="1" dirty="0">
+                <a:solidFill>
+                  <a:srgbClr val="326CDB"/>
+                </a:solidFill>
+                <a:latin typeface="Montserrat" panose="00000500000000000000" pitchFamily="2" charset="0"/>
+                <a:cs typeface="Arial" panose="020B0604020202020204" pitchFamily="34" charset="0"/>
+              </a:rPr>
+            </a:br>
+            <a:r>
+              <a:rPr lang="ru-RU" sz="2200" b="1" dirty="0">
+                <a:solidFill>
+                  <a:srgbClr val="326CDB"/>
+                </a:solidFill>
+                <a:latin typeface="Montserrat" panose="00000500000000000000" pitchFamily="2" charset="0"/>
+                <a:cs typeface="Arial" panose="020B0604020202020204" pitchFamily="34" charset="0"/>
+              </a:rPr>
+              <a:t>Затраты на проведение проекта и системы</a:t>
             </a:r>
           </a:p>
         </p:txBody>
@@ -11483,10 +10261,46 @@
         </p:nvSpPr>
         <p:spPr/>
         <p:txBody>
-          <a:bodyPr numCol="2">
+          <a:bodyPr numCol="1" anchor="t">
             <a:normAutofit/>
           </a:bodyPr>
           <a:lstStyle/>
+          <a:p>
+            <a:pPr>
+              <a:lnSpc>
+                <a:spcPct val="150000"/>
+              </a:lnSpc>
+              <a:buFontTx/>
+              <a:buChar char="-"/>
+            </a:pPr>
+            <a:r>
+              <a:rPr lang="ru-RU" sz="1800" dirty="0">
+                <a:latin typeface="Montserrat" panose="00000500000000000000" pitchFamily="2" charset="0"/>
+              </a:rPr>
+              <a:t>это затраты, возникающие при </a:t>
+            </a:r>
+            <a:r>
+              <a:rPr lang="ru-RU" sz="1800" b="1" dirty="0">
+                <a:solidFill>
+                  <a:srgbClr val="326CDB"/>
+                </a:solidFill>
+                <a:latin typeface="Montserrat" panose="00000500000000000000" pitchFamily="2" charset="0"/>
+              </a:rPr>
+              <a:t>внедрении новой системы</a:t>
+            </a:r>
+          </a:p>
+          <a:p>
+            <a:pPr>
+              <a:lnSpc>
+                <a:spcPct val="150000"/>
+              </a:lnSpc>
+              <a:buFontTx/>
+              <a:buChar char="-"/>
+            </a:pPr>
+            <a:endParaRPr lang="ru-RU" sz="1800" b="1" dirty="0">
+              <a:latin typeface="Montserrat" panose="00000500000000000000" pitchFamily="2" charset="0"/>
+            </a:endParaRPr>
+          </a:p>
           <a:p>
             <a:pPr marL="0" indent="0">
               <a:lnSpc>
@@ -11495,20 +10309,19 @@
               <a:buNone/>
             </a:pPr>
             <a:r>
-              <a:rPr lang="ru-RU" sz="1800" b="1" dirty="0">
-                <a:solidFill>
-                  <a:srgbClr val="326CDB"/>
-                </a:solidFill>
-                <a:latin typeface="Montserrat" panose="00000500000000000000" pitchFamily="2" charset="0"/>
-              </a:rPr>
-              <a:t>Рыночное равновесие </a:t>
-            </a:r>
-            <a:r>
-              <a:rPr lang="ru-RU" sz="1800" dirty="0">
-                <a:latin typeface="Montserrat" panose="00000500000000000000" pitchFamily="2" charset="0"/>
-              </a:rPr>
-              <a:t>— точка, в которой объём спроса на товар равен объёму его предложения</a:t>
-            </a:r>
+              <a:rPr lang="ru-RU" sz="1800" dirty="0"/>
+              <a:t>Их можно разделить на:</a:t>
+            </a:r>
+          </a:p>
+          <a:p>
+            <a:pPr lvl="1">
+              <a:lnSpc>
+                <a:spcPct val="150000"/>
+              </a:lnSpc>
+            </a:pPr>
+            <a:endParaRPr lang="en-US" sz="1400" dirty="0">
+              <a:latin typeface="Montserrat" panose="00000500000000000000" pitchFamily="2" charset="0"/>
+            </a:endParaRPr>
           </a:p>
           <a:p>
             <a:pPr marL="0" indent="0">
@@ -11517,97 +10330,7 @@
               </a:lnSpc>
               <a:buNone/>
             </a:pPr>
-            <a:endParaRPr lang="ru-RU" sz="1800" dirty="0">
-              <a:latin typeface="Montserrat" panose="00000500000000000000" pitchFamily="2" charset="0"/>
-            </a:endParaRPr>
-          </a:p>
-          <a:p>
-            <a:pPr marL="0" indent="0">
-              <a:lnSpc>
-                <a:spcPct val="150000"/>
-              </a:lnSpc>
-              <a:buNone/>
-            </a:pPr>
-            <a:r>
-              <a:rPr lang="ru-RU" sz="1800" b="1" dirty="0">
-                <a:latin typeface="Montserrat" panose="00000500000000000000" pitchFamily="2" charset="0"/>
-              </a:rPr>
-              <a:t>Равновесная цена </a:t>
-            </a:r>
-            <a:r>
-              <a:rPr lang="ru-RU" sz="1800" dirty="0">
-                <a:latin typeface="Montserrat" panose="00000500000000000000" pitchFamily="2" charset="0"/>
-              </a:rPr>
-              <a:t>означает, что товаров произведено столько, сколько требуется покупателям.</a:t>
-            </a:r>
-          </a:p>
-          <a:p>
-            <a:pPr marL="0" indent="0">
-              <a:lnSpc>
-                <a:spcPct val="150000"/>
-              </a:lnSpc>
-              <a:buNone/>
-            </a:pPr>
-            <a:endParaRPr lang="ru-RU" sz="1800" dirty="0">
-              <a:latin typeface="Montserrat" panose="00000500000000000000" pitchFamily="2" charset="0"/>
-            </a:endParaRPr>
-          </a:p>
-          <a:p>
-            <a:pPr marL="0" indent="0">
-              <a:lnSpc>
-                <a:spcPct val="150000"/>
-              </a:lnSpc>
-              <a:buNone/>
-            </a:pPr>
-            <a:endParaRPr lang="ru-RU" sz="1800" dirty="0">
-              <a:latin typeface="Montserrat" panose="00000500000000000000" pitchFamily="2" charset="0"/>
-            </a:endParaRPr>
-          </a:p>
-          <a:p>
-            <a:pPr marL="0" indent="0" algn="ctr">
-              <a:lnSpc>
-                <a:spcPct val="100000"/>
-              </a:lnSpc>
-              <a:buNone/>
-            </a:pPr>
-            <a:r>
-              <a:rPr lang="ru-RU" sz="1300" i="1" dirty="0">
-                <a:latin typeface="Montserrat" panose="00000500000000000000" pitchFamily="2" charset="0"/>
-              </a:rPr>
-              <a:t>Координатами точки являются</a:t>
-            </a:r>
-          </a:p>
-          <a:p>
-            <a:pPr marL="0" indent="0" algn="ctr">
-              <a:lnSpc>
-                <a:spcPct val="100000"/>
-              </a:lnSpc>
-              <a:buNone/>
-            </a:pPr>
-            <a:r>
-              <a:rPr lang="ru-RU" sz="1300" b="1" i="1" dirty="0">
-                <a:latin typeface="Montserrat" panose="00000500000000000000" pitchFamily="2" charset="0"/>
-              </a:rPr>
-              <a:t>равновесная цена </a:t>
-            </a:r>
-            <a:r>
-              <a:rPr lang="ru-RU" sz="1300" i="1" dirty="0">
-                <a:latin typeface="Montserrat" panose="00000500000000000000" pitchFamily="2" charset="0"/>
-              </a:rPr>
-              <a:t>и </a:t>
-            </a:r>
-            <a:r>
-              <a:rPr lang="ru-RU" sz="1300" b="1" i="1" dirty="0">
-                <a:latin typeface="Montserrat" panose="00000500000000000000" pitchFamily="2" charset="0"/>
-              </a:rPr>
-              <a:t>равновесный объем</a:t>
-            </a:r>
-            <a:r>
-              <a:rPr lang="ru-RU" sz="1300" i="1" dirty="0">
-                <a:latin typeface="Montserrat" panose="00000500000000000000" pitchFamily="2" charset="0"/>
-              </a:rPr>
-              <a:t>.</a:t>
-            </a:r>
+            <a:endParaRPr lang="en-US" sz="1800" dirty="0"/>
           </a:p>
         </p:txBody>
       </p:sp>
@@ -11706,35 +10429,217 @@
           </a:extLst>
         </p:spPr>
       </p:pic>
-      <p:pic>
-        <p:nvPicPr>
-          <p:cNvPr id="8" name="Рисунок 7">
+      <p:sp>
+        <p:nvSpPr>
+          <p:cNvPr id="8" name="TextBox 7">
             <a:extLst>
               <a:ext uri="{FF2B5EF4-FFF2-40B4-BE49-F238E27FC236}">
-                <a16:creationId xmlns:a16="http://schemas.microsoft.com/office/drawing/2014/main" id="{D8BA093B-DDAC-4953-BA84-FAB983FB2288}"/>
+                <a16:creationId xmlns:a16="http://schemas.microsoft.com/office/drawing/2014/main" id="{C20A2779-2148-4F15-8FAD-551079A604CA}"/>
               </a:ext>
             </a:extLst>
           </p:cNvPr>
-          <p:cNvPicPr>
-            <a:picLocks noChangeAspect="1"/>
-          </p:cNvPicPr>
+          <p:cNvSpPr txBox="1"/>
           <p:nvPr/>
-        </p:nvPicPr>
-        <p:blipFill rotWithShape="1">
-          <a:blip r:embed="rId4"/>
-          <a:srcRect r="15190"/>
-          <a:stretch/>
-        </p:blipFill>
+        </p:nvSpPr>
         <p:spPr>
           <a:xfrm>
-            <a:off x="6096000" y="2560483"/>
-            <a:ext cx="5257800" cy="3090378"/>
+            <a:off x="838200" y="3705378"/>
+            <a:ext cx="10515600" cy="3406445"/>
           </a:xfrm>
           <a:prstGeom prst="rect">
             <a:avLst/>
           </a:prstGeom>
+          <a:noFill/>
         </p:spPr>
-      </p:pic>
+        <p:txBody>
+          <a:bodyPr wrap="square" numCol="2">
+            <a:spAutoFit/>
+          </a:bodyPr>
+          <a:lstStyle/>
+          <a:p>
+            <a:pPr>
+              <a:lnSpc>
+                <a:spcPct val="150000"/>
+              </a:lnSpc>
+            </a:pPr>
+            <a:r>
+              <a:rPr lang="ru-RU" b="1" dirty="0">
+                <a:solidFill>
+                  <a:srgbClr val="326CDB"/>
+                </a:solidFill>
+                <a:latin typeface="Montserrat" panose="00000500000000000000" pitchFamily="2" charset="0"/>
+              </a:rPr>
+              <a:t>Одноразовые</a:t>
+            </a:r>
+          </a:p>
+          <a:p>
+            <a:pPr marL="285750" indent="-285750">
+              <a:lnSpc>
+                <a:spcPct val="150000"/>
+              </a:lnSpc>
+              <a:buFont typeface="Arial" panose="020B0604020202020204" pitchFamily="34" charset="0"/>
+              <a:buChar char="•"/>
+            </a:pPr>
+            <a:r>
+              <a:rPr lang="ru-RU" dirty="0">
+                <a:latin typeface="Montserrat" panose="00000500000000000000" pitchFamily="2" charset="0"/>
+              </a:rPr>
+              <a:t>стоимость разработки</a:t>
+            </a:r>
+          </a:p>
+          <a:p>
+            <a:pPr marL="285750" indent="-285750">
+              <a:lnSpc>
+                <a:spcPct val="150000"/>
+              </a:lnSpc>
+              <a:buFont typeface="Arial" panose="020B0604020202020204" pitchFamily="34" charset="0"/>
+              <a:buChar char="•"/>
+            </a:pPr>
+            <a:r>
+              <a:rPr lang="ru-RU" dirty="0">
+                <a:latin typeface="Montserrat" panose="00000500000000000000" pitchFamily="2" charset="0"/>
+              </a:rPr>
+              <a:t>затраты на лицензии и сертификации</a:t>
+            </a:r>
+          </a:p>
+          <a:p>
+            <a:pPr marL="285750" indent="-285750">
+              <a:lnSpc>
+                <a:spcPct val="150000"/>
+              </a:lnSpc>
+              <a:buFont typeface="Arial" panose="020B0604020202020204" pitchFamily="34" charset="0"/>
+              <a:buChar char="•"/>
+            </a:pPr>
+            <a:r>
+              <a:rPr lang="ru-RU" dirty="0">
+                <a:latin typeface="Montserrat" panose="00000500000000000000" pitchFamily="2" charset="0"/>
+              </a:rPr>
+              <a:t>системное тестирование и отладка</a:t>
+            </a:r>
+          </a:p>
+          <a:p>
+            <a:pPr marL="285750" indent="-285750">
+              <a:lnSpc>
+                <a:spcPct val="150000"/>
+              </a:lnSpc>
+              <a:buFont typeface="Arial" panose="020B0604020202020204" pitchFamily="34" charset="0"/>
+              <a:buChar char="•"/>
+            </a:pPr>
+            <a:endParaRPr lang="ru-RU" b="1" dirty="0">
+              <a:solidFill>
+                <a:srgbClr val="326CDB"/>
+              </a:solidFill>
+              <a:latin typeface="Montserrat" panose="00000500000000000000" pitchFamily="2" charset="0"/>
+            </a:endParaRPr>
+          </a:p>
+          <a:p>
+            <a:pPr marL="285750" indent="-285750">
+              <a:lnSpc>
+                <a:spcPct val="150000"/>
+              </a:lnSpc>
+              <a:buFont typeface="Arial" panose="020B0604020202020204" pitchFamily="34" charset="0"/>
+              <a:buChar char="•"/>
+            </a:pPr>
+            <a:endParaRPr lang="ru-RU" b="1" dirty="0">
+              <a:solidFill>
+                <a:srgbClr val="326CDB"/>
+              </a:solidFill>
+              <a:latin typeface="Montserrat" panose="00000500000000000000" pitchFamily="2" charset="0"/>
+            </a:endParaRPr>
+          </a:p>
+          <a:p>
+            <a:pPr marL="285750" indent="-285750">
+              <a:lnSpc>
+                <a:spcPct val="150000"/>
+              </a:lnSpc>
+              <a:buFont typeface="Arial" panose="020B0604020202020204" pitchFamily="34" charset="0"/>
+              <a:buChar char="•"/>
+            </a:pPr>
+            <a:endParaRPr lang="ru-RU" b="1" dirty="0">
+              <a:solidFill>
+                <a:srgbClr val="326CDB"/>
+              </a:solidFill>
+              <a:latin typeface="Montserrat" panose="00000500000000000000" pitchFamily="2" charset="0"/>
+            </a:endParaRPr>
+          </a:p>
+          <a:p>
+            <a:pPr marL="285750" indent="-285750">
+              <a:lnSpc>
+                <a:spcPct val="150000"/>
+              </a:lnSpc>
+              <a:buFont typeface="Arial" panose="020B0604020202020204" pitchFamily="34" charset="0"/>
+              <a:buChar char="•"/>
+            </a:pPr>
+            <a:endParaRPr lang="ru-RU" b="1" dirty="0">
+              <a:solidFill>
+                <a:srgbClr val="326CDB"/>
+              </a:solidFill>
+              <a:latin typeface="Montserrat" panose="00000500000000000000" pitchFamily="2" charset="0"/>
+            </a:endParaRPr>
+          </a:p>
+          <a:p>
+            <a:pPr>
+              <a:lnSpc>
+                <a:spcPct val="150000"/>
+              </a:lnSpc>
+            </a:pPr>
+            <a:r>
+              <a:rPr lang="ru-RU" b="1" dirty="0">
+                <a:solidFill>
+                  <a:srgbClr val="326CDB"/>
+                </a:solidFill>
+                <a:latin typeface="Montserrat" panose="00000500000000000000" pitchFamily="2" charset="0"/>
+              </a:rPr>
+              <a:t>Постоянные</a:t>
+            </a:r>
+          </a:p>
+          <a:p>
+            <a:pPr marL="285750" indent="-285750">
+              <a:lnSpc>
+                <a:spcPct val="150000"/>
+              </a:lnSpc>
+              <a:buFont typeface="Arial" panose="020B0604020202020204" pitchFamily="34" charset="0"/>
+              <a:buChar char="•"/>
+            </a:pPr>
+            <a:r>
+              <a:rPr lang="ru-RU" dirty="0">
+                <a:latin typeface="Montserrat" panose="00000500000000000000" pitchFamily="2" charset="0"/>
+              </a:rPr>
+              <a:t>Обслуживание и поддержка</a:t>
+            </a:r>
+          </a:p>
+          <a:p>
+            <a:pPr marL="285750" indent="-285750">
+              <a:lnSpc>
+                <a:spcPct val="150000"/>
+              </a:lnSpc>
+              <a:buFont typeface="Arial" panose="020B0604020202020204" pitchFamily="34" charset="0"/>
+              <a:buChar char="•"/>
+            </a:pPr>
+            <a:r>
+              <a:rPr lang="ru-RU" dirty="0">
+                <a:latin typeface="Montserrat" panose="00000500000000000000" pitchFamily="2" charset="0"/>
+              </a:rPr>
+              <a:t>Обновление и модернизация</a:t>
+            </a:r>
+          </a:p>
+          <a:p>
+            <a:pPr marL="285750" indent="-285750">
+              <a:lnSpc>
+                <a:spcPct val="150000"/>
+              </a:lnSpc>
+              <a:buFont typeface="Arial" panose="020B0604020202020204" pitchFamily="34" charset="0"/>
+              <a:buChar char="•"/>
+            </a:pPr>
+            <a:r>
+              <a:rPr lang="ru-RU" dirty="0">
+                <a:latin typeface="Montserrat" panose="00000500000000000000" pitchFamily="2" charset="0"/>
+              </a:rPr>
+              <a:t>Затраты на безопасность</a:t>
+            </a:r>
+          </a:p>
+        </p:txBody>
+      </p:sp>
     </p:spTree>
     <p:extLst>
       <p:ext uri="{BB962C8B-B14F-4D97-AF65-F5344CB8AC3E}">
@@ -11783,19 +10688,19 @@
         </p:spPr>
         <p:txBody>
           <a:bodyPr>
-            <a:normAutofit fontScale="90000"/>
+            <a:normAutofit/>
           </a:bodyPr>
           <a:lstStyle/>
           <a:p>
             <a:r>
-              <a:rPr lang="ru-RU" b="1" dirty="0">
+              <a:rPr lang="ru-RU" sz="3500" b="1" dirty="0">
                 <a:solidFill>
                   <a:srgbClr val="326CDB"/>
                 </a:solidFill>
                 <a:latin typeface="Montserrat" panose="00000500000000000000" pitchFamily="2" charset="0"/>
                 <a:cs typeface="Arial" panose="020B0604020202020204" pitchFamily="34" charset="0"/>
               </a:rPr>
-              <a:t>Эластичность</a:t>
+              <a:t>Методы прогнозирования затрат</a:t>
             </a:r>
           </a:p>
         </p:txBody>
@@ -11812,7 +10717,7 @@
         </p:nvSpPr>
         <p:spPr/>
         <p:txBody>
-          <a:bodyPr numCol="1">
+          <a:bodyPr numCol="1" anchor="t">
             <a:normAutofit/>
           </a:bodyPr>
           <a:lstStyle/>
@@ -11824,10 +10729,32 @@
               <a:buNone/>
             </a:pPr>
             <a:r>
-              <a:rPr lang="ru-RU" sz="1800" dirty="0">
-                <a:latin typeface="Montserrat" panose="00000500000000000000" pitchFamily="2" charset="0"/>
-              </a:rPr>
-              <a:t>эластичностью спроса и предложения понимают то, как эти показатели реагируют на изменение цены</a:t>
+              <a:rPr lang="ru-RU" sz="1800" dirty="0"/>
+              <a:t>Руководитель проекта должен обратить внимание на </a:t>
+            </a:r>
+            <a:r>
+              <a:rPr lang="ru-RU" sz="1800" b="1" dirty="0">
+                <a:solidFill>
+                  <a:srgbClr val="326CDB"/>
+                </a:solidFill>
+              </a:rPr>
+              <a:t>будущие затраты. </a:t>
+            </a:r>
+            <a:r>
+              <a:rPr lang="ru-RU" sz="1800" dirty="0"/>
+              <a:t>Для контроля затрат необходимо </a:t>
+            </a:r>
+            <a:r>
+              <a:rPr lang="ru-RU" sz="1800" b="1" dirty="0">
+                <a:solidFill>
+                  <a:srgbClr val="326CDB"/>
+                </a:solidFill>
+              </a:rPr>
+              <a:t>прогнозировать</a:t>
+            </a:r>
+            <a:r>
+              <a:rPr lang="ru-RU" sz="1800" dirty="0"/>
+              <a:t> будущее развитие проекта.</a:t>
             </a:r>
           </a:p>
           <a:p>
@@ -11837,9 +10764,7 @@
               </a:lnSpc>
               <a:buNone/>
             </a:pPr>
-            <a:endParaRPr lang="ru-RU" sz="1800" dirty="0">
-              <a:latin typeface="Montserrat" panose="00000500000000000000" pitchFamily="2" charset="0"/>
-            </a:endParaRPr>
+            <a:endParaRPr lang="ru-RU" sz="1800" dirty="0"/>
           </a:p>
           <a:p>
             <a:pPr marL="0" indent="0">
@@ -11849,62 +10774,83 @@
               <a:buNone/>
             </a:pPr>
             <a:r>
+              <a:rPr lang="ru-RU" sz="1800" dirty="0"/>
+              <a:t>Процесс прогнозирования затрат включает:</a:t>
+            </a:r>
+          </a:p>
+          <a:p>
+            <a:pPr marL="285750" indent="-285750">
+              <a:lnSpc>
+                <a:spcPct val="150000"/>
+              </a:lnSpc>
+              <a:buFont typeface="Arial" panose="020B0604020202020204" pitchFamily="34" charset="0"/>
+              <a:buChar char="•"/>
+            </a:pPr>
+            <a:r>
+              <a:rPr lang="ru-RU" sz="1800" dirty="0"/>
+              <a:t>качественный </a:t>
+            </a:r>
+            <a:r>
               <a:rPr lang="ru-RU" sz="1800" b="1" dirty="0">
                 <a:solidFill>
                   <a:srgbClr val="326CDB"/>
                 </a:solidFill>
-                <a:latin typeface="Montserrat" panose="00000500000000000000" pitchFamily="2" charset="0"/>
-              </a:rPr>
-              <a:t>Эластичность спроса </a:t>
-            </a:r>
-            <a:r>
-              <a:rPr lang="ru-RU" sz="1800" dirty="0">
-                <a:latin typeface="Montserrat" panose="00000500000000000000" pitchFamily="2" charset="0"/>
-              </a:rPr>
-              <a:t>показывает, </a:t>
-            </a:r>
-          </a:p>
-          <a:p>
-            <a:pPr marL="0" indent="0">
+              </a:rPr>
+              <a:t>анализ</a:t>
+            </a:r>
+          </a:p>
+          <a:p>
+            <a:pPr marL="285750" indent="-285750">
               <a:lnSpc>
                 <a:spcPct val="150000"/>
               </a:lnSpc>
-              <a:buNone/>
+              <a:buFont typeface="Arial" panose="020B0604020202020204" pitchFamily="34" charset="0"/>
+              <a:buChar char="•"/>
             </a:pPr>
             <a:r>
-              <a:rPr lang="ru-RU" sz="1800" dirty="0">
-                <a:latin typeface="Montserrat" panose="00000500000000000000" pitchFamily="2" charset="0"/>
-              </a:rPr>
-              <a:t>как меняется поведение </a:t>
-            </a:r>
-            <a:r>
-              <a:rPr lang="ru-RU" sz="1800" dirty="0">
+              <a:rPr lang="ru-RU" sz="1800" dirty="0"/>
+              <a:t>количественный </a:t>
+            </a:r>
+            <a:r>
+              <a:rPr lang="ru-RU" sz="1800" b="1" dirty="0">
                 <a:solidFill>
                   <a:srgbClr val="326CDB"/>
                 </a:solidFill>
-                <a:latin typeface="Montserrat" panose="00000500000000000000" pitchFamily="2" charset="0"/>
-              </a:rPr>
-              <a:t>покупателей</a:t>
-            </a:r>
-            <a:r>
-              <a:rPr lang="ru-RU" sz="1800" dirty="0">
-                <a:latin typeface="Montserrat" panose="00000500000000000000" pitchFamily="2" charset="0"/>
-              </a:rPr>
-              <a:t>,</a:t>
-            </a:r>
-          </a:p>
-          <a:p>
-            <a:pPr marL="0" indent="0">
+              </a:rPr>
+              <a:t>прогноз</a:t>
+            </a:r>
+          </a:p>
+          <a:p>
+            <a:pPr marL="285750" indent="-285750">
               <a:lnSpc>
                 <a:spcPct val="150000"/>
               </a:lnSpc>
-              <a:buNone/>
+              <a:buFont typeface="Arial" panose="020B0604020202020204" pitchFamily="34" charset="0"/>
+              <a:buChar char="•"/>
             </a:pPr>
             <a:r>
-              <a:rPr lang="ru-RU" sz="1800" dirty="0">
-                <a:latin typeface="Montserrat" panose="00000500000000000000" pitchFamily="2" charset="0"/>
-              </a:rPr>
-              <a:t>когда продукция дорожает или дешевеет</a:t>
+              <a:rPr lang="ru-RU" sz="1800" b="1" dirty="0">
+                <a:solidFill>
+                  <a:srgbClr val="326CDB"/>
+                </a:solidFill>
+              </a:rPr>
+              <a:t>проверку</a:t>
+            </a:r>
+            <a:r>
+              <a:rPr lang="ru-RU" sz="1800" dirty="0"/>
+              <a:t> основных </a:t>
+            </a:r>
+            <a:r>
+              <a:rPr lang="ru-RU" sz="1800" b="1" dirty="0">
+                <a:solidFill>
+                  <a:srgbClr val="326CDB"/>
+                </a:solidFill>
+              </a:rPr>
+              <a:t>предположений</a:t>
+            </a:r>
+            <a:r>
+              <a:rPr lang="ru-RU" sz="1800" dirty="0"/>
+              <a:t> количественного прогноза</a:t>
             </a:r>
           </a:p>
         </p:txBody>
@@ -12004,36 +10950,6 @@
           </a:extLst>
         </p:spPr>
       </p:pic>
-      <p:pic>
-        <p:nvPicPr>
-          <p:cNvPr id="12" name="Рисунок 11">
-            <a:extLst>
-              <a:ext uri="{FF2B5EF4-FFF2-40B4-BE49-F238E27FC236}">
-                <a16:creationId xmlns:a16="http://schemas.microsoft.com/office/drawing/2014/main" id="{3C7851B5-3554-480E-BE26-3BB8F8EB47A8}"/>
-              </a:ext>
-            </a:extLst>
-          </p:cNvPr>
-          <p:cNvPicPr>
-            <a:picLocks noChangeAspect="1"/>
-          </p:cNvPicPr>
-          <p:nvPr/>
-        </p:nvPicPr>
-        <p:blipFill>
-          <a:blip r:embed="rId4"/>
-          <a:stretch>
-            <a:fillRect/>
-          </a:stretch>
-        </p:blipFill>
-        <p:spPr>
-          <a:xfrm>
-            <a:off x="6067217" y="2719542"/>
-            <a:ext cx="5624252" cy="2723787"/>
-          </a:xfrm>
-          <a:prstGeom prst="rect">
-            <a:avLst/>
-          </a:prstGeom>
-        </p:spPr>
-      </p:pic>
     </p:spTree>
     <p:extLst>
       <p:ext uri="{BB962C8B-B14F-4D97-AF65-F5344CB8AC3E}">
@@ -12094,368 +11010,194 @@
                 <a:latin typeface="Montserrat" panose="00000500000000000000" pitchFamily="2" charset="0"/>
                 <a:cs typeface="Arial" panose="020B0604020202020204" pitchFamily="34" charset="0"/>
               </a:rPr>
-              <a:t>Эластичность спроса</a:t>
-            </a:r>
-            <a:br>
-              <a:rPr lang="ru-RU" b="1" dirty="0">
+              <a:t>Качественный анализ</a:t>
+            </a:r>
+            <a:endParaRPr lang="ru-RU" sz="2200" b="1" dirty="0">
+              <a:solidFill>
+                <a:srgbClr val="326CDB"/>
+              </a:solidFill>
+              <a:latin typeface="Montserrat" panose="00000500000000000000" pitchFamily="2" charset="0"/>
+              <a:cs typeface="Arial" panose="020B0604020202020204" pitchFamily="34" charset="0"/>
+            </a:endParaRPr>
+          </a:p>
+        </p:txBody>
+      </p:sp>
+      <p:sp>
+        <p:nvSpPr>
+          <p:cNvPr id="3" name="Объект 2"/>
+          <p:cNvSpPr>
+            <a:spLocks noGrp="1"/>
+          </p:cNvSpPr>
+          <p:nvPr>
+            <p:ph idx="1"/>
+          </p:nvPr>
+        </p:nvSpPr>
+        <p:spPr>
+          <a:xfrm>
+            <a:off x="838200" y="2837084"/>
+            <a:ext cx="10515600" cy="3027363"/>
+          </a:xfrm>
+        </p:spPr>
+        <p:txBody>
+          <a:bodyPr numCol="2" anchor="ctr">
+            <a:normAutofit fontScale="62500" lnSpcReduction="20000"/>
+          </a:bodyPr>
+          <a:lstStyle/>
+          <a:p>
+            <a:pPr marL="0" indent="0">
+              <a:lnSpc>
+                <a:spcPct val="160000"/>
+              </a:lnSpc>
+              <a:buNone/>
+            </a:pPr>
+            <a:endParaRPr lang="ru-RU" sz="1800" dirty="0"/>
+          </a:p>
+          <a:p>
+            <a:pPr marL="0" indent="0">
+              <a:lnSpc>
+                <a:spcPct val="170000"/>
+              </a:lnSpc>
+              <a:buNone/>
+            </a:pPr>
+            <a:r>
+              <a:rPr lang="ru-RU" sz="2600" b="1" dirty="0">
                 <a:solidFill>
                   <a:srgbClr val="326CDB"/>
                 </a:solidFill>
                 <a:latin typeface="Montserrat" panose="00000500000000000000" pitchFamily="2" charset="0"/>
-                <a:cs typeface="Arial" panose="020B0604020202020204" pitchFamily="34" charset="0"/>
-              </a:rPr>
-            </a:br>
-            <a:r>
-              <a:rPr lang="ru-RU" sz="2800" b="1" dirty="0">
+              </a:rPr>
+              <a:t>Начало - </a:t>
+            </a:r>
+            <a:r>
+              <a:rPr lang="ru-RU" sz="2600" dirty="0">
+                <a:latin typeface="Montserrat" panose="00000500000000000000" pitchFamily="2" charset="0"/>
+              </a:rPr>
+              <a:t>это оценить факторы, воздействующие на проект в целом</a:t>
+            </a:r>
+          </a:p>
+          <a:p>
+            <a:pPr marL="0" indent="0">
+              <a:lnSpc>
+                <a:spcPct val="170000"/>
+              </a:lnSpc>
+              <a:buNone/>
+            </a:pPr>
+            <a:r>
+              <a:rPr lang="ru-RU" sz="2600" b="1" dirty="0">
                 <a:solidFill>
                   <a:srgbClr val="326CDB"/>
                 </a:solidFill>
+              </a:rPr>
+              <a:t>Далее - </a:t>
+            </a:r>
+            <a:r>
+              <a:rPr lang="ru-RU" sz="2600" dirty="0"/>
+              <a:t>менеджер способен сформулировать свое мнение о предсказуемости хода проекта</a:t>
+            </a:r>
+          </a:p>
+          <a:p>
+            <a:pPr marL="0" indent="0">
+              <a:lnSpc>
+                <a:spcPct val="160000"/>
+              </a:lnSpc>
+              <a:buNone/>
+            </a:pPr>
+            <a:endParaRPr lang="ru-RU" sz="1800" dirty="0"/>
+          </a:p>
+          <a:p>
+            <a:pPr marL="0" indent="0">
+              <a:lnSpc>
+                <a:spcPct val="160000"/>
+              </a:lnSpc>
+              <a:buNone/>
+            </a:pPr>
+            <a:endParaRPr lang="ru-RU" sz="1800" dirty="0">
+              <a:latin typeface="Montserrat" panose="00000500000000000000" pitchFamily="2" charset="0"/>
+            </a:endParaRPr>
+          </a:p>
+          <a:p>
+            <a:pPr marL="0" indent="0">
+              <a:lnSpc>
+                <a:spcPct val="160000"/>
+              </a:lnSpc>
+              <a:buNone/>
+            </a:pPr>
+            <a:endParaRPr lang="ru-RU" sz="1800" dirty="0">
+              <a:latin typeface="Montserrat" panose="00000500000000000000" pitchFamily="2" charset="0"/>
+            </a:endParaRPr>
+          </a:p>
+          <a:p>
+            <a:pPr marL="0" indent="0">
+              <a:lnSpc>
+                <a:spcPct val="160000"/>
+              </a:lnSpc>
+              <a:buNone/>
+            </a:pPr>
+            <a:r>
+              <a:rPr lang="ru-RU" sz="2300" dirty="0">
                 <a:latin typeface="Montserrat" panose="00000500000000000000" pitchFamily="2" charset="0"/>
-                <a:cs typeface="Arial" panose="020B0604020202020204" pitchFamily="34" charset="0"/>
-              </a:rPr>
-              <a:t>по цене</a:t>
-            </a:r>
-          </a:p>
-        </p:txBody>
-      </p:sp>
-      <mc:AlternateContent xmlns:mc="http://schemas.openxmlformats.org/markup-compatibility/2006" xmlns:a14="http://schemas.microsoft.com/office/drawing/2010/main">
-        <mc:Choice Requires="a14">
-          <p:sp>
-            <p:nvSpPr>
-              <p:cNvPr id="3" name="Объект 2"/>
-              <p:cNvSpPr>
-                <a:spLocks noGrp="1"/>
-              </p:cNvSpPr>
-              <p:nvPr>
-                <p:ph idx="1"/>
-              </p:nvPr>
-            </p:nvSpPr>
-            <p:spPr/>
-            <p:txBody>
-              <a:bodyPr anchor="t">
-                <a:normAutofit/>
-              </a:bodyPr>
-              <a:lstStyle/>
-              <a:p>
-                <a:pPr marL="0" indent="0">
-                  <a:lnSpc>
-                    <a:spcPct val="150000"/>
-                  </a:lnSpc>
-                  <a:buNone/>
-                </a:pPr>
-                <a:r>
-                  <a:rPr lang="ru-RU" sz="1800" dirty="0">
-                    <a:latin typeface="Montserrat" panose="00000500000000000000" pitchFamily="2" charset="0"/>
-                  </a:rPr>
-                  <a:t>помогает понять, как изменится спрос, если поднять или понизить стоимость продукта</a:t>
-                </a:r>
-              </a:p>
-              <a:p>
-                <a:pPr marL="0" indent="0">
-                  <a:lnSpc>
-                    <a:spcPct val="150000"/>
-                  </a:lnSpc>
-                  <a:buNone/>
-                </a:pPr>
-                <a:endParaRPr lang="ru-RU" sz="1800" b="0" i="0" u="none" strike="noStrike" baseline="0" dirty="0">
-                  <a:latin typeface="Montserrat" panose="00000500000000000000" pitchFamily="2" charset="0"/>
-                </a:endParaRPr>
-              </a:p>
-              <a:p>
-                <a:pPr marL="0" indent="0">
-                  <a:lnSpc>
-                    <a:spcPct val="150000"/>
-                  </a:lnSpc>
-                  <a:buNone/>
-                </a:pPr>
-                <a:r>
-                  <a:rPr lang="ru-RU" sz="1800" b="1" i="0" u="none" strike="noStrike" baseline="0" dirty="0">
-                    <a:latin typeface="Montserrat" panose="00000500000000000000" pitchFamily="2" charset="0"/>
-                  </a:rPr>
-                  <a:t>Эластичность спроса </a:t>
-                </a:r>
-                <a:r>
-                  <a:rPr lang="ru-RU" sz="1800" b="0" i="0" u="none" strike="noStrike" baseline="0" dirty="0">
-                    <a:latin typeface="Montserrat" panose="00000500000000000000" pitchFamily="2" charset="0"/>
-                  </a:rPr>
-                  <a:t>зависит от степени необходимости товара, наличия аналогов, доли расходов в личном или семейном бюджете</a:t>
-                </a:r>
-              </a:p>
-              <a:p>
-                <a:pPr marL="0" indent="0">
-                  <a:lnSpc>
-                    <a:spcPct val="150000"/>
-                  </a:lnSpc>
-                  <a:buNone/>
-                </a:pPr>
-                <a14:m>
-                  <m:oMathPara xmlns:m="http://schemas.openxmlformats.org/officeDocument/2006/math">
-                    <m:oMathParaPr>
-                      <m:jc m:val="centerGroup"/>
-                    </m:oMathParaPr>
-                    <m:oMath xmlns:m="http://schemas.openxmlformats.org/officeDocument/2006/math">
-                      <m:sSubSup>
-                        <m:sSubSupPr>
-                          <m:ctrlPr>
-                            <a:rPr lang="ru-RU" sz="1800" b="1" i="1" smtClean="0">
-                              <a:solidFill>
-                                <a:schemeClr val="tx1"/>
-                              </a:solidFill>
-                              <a:latin typeface="Cambria Math" panose="02040503050406030204" pitchFamily="18" charset="0"/>
-                            </a:rPr>
-                          </m:ctrlPr>
-                        </m:sSubSupPr>
-                        <m:e>
-                          <m:r>
-                            <a:rPr lang="en-US" sz="1800" b="1" i="1" smtClean="0">
-                              <a:solidFill>
-                                <a:schemeClr val="tx1"/>
-                              </a:solidFill>
-                              <a:latin typeface="Cambria Math" panose="02040503050406030204" pitchFamily="18" charset="0"/>
-                            </a:rPr>
-                            <m:t>𝑬</m:t>
-                          </m:r>
-                        </m:e>
-                        <m:sub>
-                          <m:r>
-                            <a:rPr lang="en-US" sz="1800" b="1" i="1" smtClean="0">
-                              <a:solidFill>
-                                <a:schemeClr val="tx1"/>
-                              </a:solidFill>
-                              <a:latin typeface="Cambria Math" panose="02040503050406030204" pitchFamily="18" charset="0"/>
-                            </a:rPr>
-                            <m:t>𝑷</m:t>
-                          </m:r>
-                        </m:sub>
-                        <m:sup>
-                          <m:r>
-                            <a:rPr lang="en-US" sz="1800" b="1" i="1" smtClean="0">
-                              <a:solidFill>
-                                <a:schemeClr val="tx1"/>
-                              </a:solidFill>
-                              <a:latin typeface="Cambria Math" panose="02040503050406030204" pitchFamily="18" charset="0"/>
-                            </a:rPr>
-                            <m:t>𝑫</m:t>
-                          </m:r>
-                        </m:sup>
-                      </m:sSubSup>
-                      <m:r>
-                        <a:rPr lang="en-US" sz="1800" b="1" i="1" smtClean="0">
-                          <a:solidFill>
-                            <a:schemeClr val="tx1"/>
-                          </a:solidFill>
-                          <a:latin typeface="Cambria Math" panose="02040503050406030204" pitchFamily="18" charset="0"/>
-                        </a:rPr>
-                        <m:t>=</m:t>
-                      </m:r>
-                      <m:f>
-                        <m:fPr>
-                          <m:ctrlPr>
-                            <a:rPr lang="en-US" sz="1800" b="1" i="1" smtClean="0">
-                              <a:solidFill>
-                                <a:schemeClr val="tx1"/>
-                              </a:solidFill>
-                              <a:latin typeface="Cambria Math" panose="02040503050406030204" pitchFamily="18" charset="0"/>
-                            </a:rPr>
-                          </m:ctrlPr>
-                        </m:fPr>
-                        <m:num>
-                          <m:r>
-                            <a:rPr lang="en-US" sz="1800" b="1" i="1" smtClean="0">
-                              <a:solidFill>
-                                <a:schemeClr val="tx1"/>
-                              </a:solidFill>
-                              <a:latin typeface="Cambria Math" panose="02040503050406030204" pitchFamily="18" charset="0"/>
-                              <a:ea typeface="Cambria Math" panose="02040503050406030204" pitchFamily="18" charset="0"/>
-                            </a:rPr>
-                            <m:t>∆</m:t>
-                          </m:r>
-                          <m:r>
-                            <a:rPr lang="en-US" sz="1800" b="1" i="1" smtClean="0">
-                              <a:solidFill>
-                                <a:schemeClr val="tx1"/>
-                              </a:solidFill>
-                              <a:latin typeface="Cambria Math" panose="02040503050406030204" pitchFamily="18" charset="0"/>
-                              <a:ea typeface="Cambria Math" panose="02040503050406030204" pitchFamily="18" charset="0"/>
-                            </a:rPr>
-                            <m:t>𝑸</m:t>
-                          </m:r>
-                          <m:r>
-                            <a:rPr lang="en-US" sz="1800" b="1" i="1" smtClean="0">
-                              <a:solidFill>
-                                <a:schemeClr val="tx1"/>
-                              </a:solidFill>
-                              <a:latin typeface="Cambria Math" panose="02040503050406030204" pitchFamily="18" charset="0"/>
-                              <a:ea typeface="Cambria Math" panose="02040503050406030204" pitchFamily="18" charset="0"/>
-                            </a:rPr>
-                            <m:t>\</m:t>
-                          </m:r>
-                          <m:r>
-                            <a:rPr lang="en-US" sz="1800" b="1" i="1" smtClean="0">
-                              <a:solidFill>
-                                <a:schemeClr val="tx1"/>
-                              </a:solidFill>
-                              <a:latin typeface="Cambria Math" panose="02040503050406030204" pitchFamily="18" charset="0"/>
-                              <a:ea typeface="Cambria Math" panose="02040503050406030204" pitchFamily="18" charset="0"/>
-                            </a:rPr>
-                            <m:t>𝑸</m:t>
-                          </m:r>
-                        </m:num>
-                        <m:den>
-                          <m:r>
-                            <a:rPr lang="en-US" sz="1800" b="1" i="1">
-                              <a:solidFill>
-                                <a:schemeClr val="tx1"/>
-                              </a:solidFill>
-                              <a:latin typeface="Cambria Math" panose="02040503050406030204" pitchFamily="18" charset="0"/>
-                              <a:ea typeface="Cambria Math" panose="02040503050406030204" pitchFamily="18" charset="0"/>
-                            </a:rPr>
-                            <m:t>∆</m:t>
-                          </m:r>
-                          <m:r>
-                            <a:rPr lang="en-US" sz="1800" b="1" i="1" smtClean="0">
-                              <a:solidFill>
-                                <a:schemeClr val="tx1"/>
-                              </a:solidFill>
-                              <a:latin typeface="Cambria Math" panose="02040503050406030204" pitchFamily="18" charset="0"/>
-                              <a:ea typeface="Cambria Math" panose="02040503050406030204" pitchFamily="18" charset="0"/>
-                            </a:rPr>
-                            <m:t>𝑷</m:t>
-                          </m:r>
-                          <m:r>
-                            <a:rPr lang="en-US" sz="1800" b="1" i="1">
-                              <a:solidFill>
-                                <a:schemeClr val="tx1"/>
-                              </a:solidFill>
-                              <a:latin typeface="Cambria Math" panose="02040503050406030204" pitchFamily="18" charset="0"/>
-                              <a:ea typeface="Cambria Math" panose="02040503050406030204" pitchFamily="18" charset="0"/>
-                            </a:rPr>
-                            <m:t>\</m:t>
-                          </m:r>
-                          <m:r>
-                            <a:rPr lang="en-US" sz="1800" b="1" i="1" smtClean="0">
-                              <a:solidFill>
-                                <a:schemeClr val="tx1"/>
-                              </a:solidFill>
-                              <a:latin typeface="Cambria Math" panose="02040503050406030204" pitchFamily="18" charset="0"/>
-                              <a:ea typeface="Cambria Math" panose="02040503050406030204" pitchFamily="18" charset="0"/>
-                            </a:rPr>
-                            <m:t>𝑷</m:t>
-                          </m:r>
-                        </m:den>
-                      </m:f>
-                      <m:r>
-                        <a:rPr lang="ru-RU" sz="1800" b="1" i="1" smtClean="0">
-                          <a:solidFill>
-                            <a:schemeClr val="tx1"/>
-                          </a:solidFill>
-                          <a:latin typeface="Cambria Math" panose="02040503050406030204" pitchFamily="18" charset="0"/>
-                          <a:ea typeface="Cambria Math" panose="02040503050406030204" pitchFamily="18" charset="0"/>
-                        </a:rPr>
-                        <m:t>(%)</m:t>
-                      </m:r>
-                    </m:oMath>
-                  </m:oMathPara>
-                </a14:m>
-                <a:endParaRPr lang="ru-RU" sz="1800" b="1" i="1" dirty="0"/>
-              </a:p>
-              <a:p>
-                <a:pPr marL="0" indent="0">
-                  <a:lnSpc>
-                    <a:spcPct val="100000"/>
-                  </a:lnSpc>
-                  <a:buNone/>
-                </a:pPr>
-                <a:r>
-                  <a:rPr lang="en-US" sz="1600" dirty="0">
-                    <a:ea typeface="Cambria Math" panose="02040503050406030204" pitchFamily="18" charset="0"/>
-                  </a:rPr>
-                  <a:t>Q – </a:t>
-                </a:r>
-                <a:r>
-                  <a:rPr lang="ru-RU" sz="1600" dirty="0">
-                    <a:ea typeface="Cambria Math" panose="02040503050406030204" pitchFamily="18" charset="0"/>
-                  </a:rPr>
-                  <a:t>количество</a:t>
-                </a:r>
-              </a:p>
-              <a:p>
-                <a:pPr marL="0" indent="0">
-                  <a:lnSpc>
-                    <a:spcPct val="100000"/>
-                  </a:lnSpc>
-                  <a:buNone/>
-                </a:pPr>
-                <a:r>
-                  <a:rPr lang="en-US" sz="1600" dirty="0">
-                    <a:ea typeface="Cambria Math" panose="02040503050406030204" pitchFamily="18" charset="0"/>
-                  </a:rPr>
-                  <a:t>P – </a:t>
-                </a:r>
-                <a:r>
-                  <a:rPr lang="ru-RU" sz="1600" dirty="0">
-                    <a:ea typeface="Cambria Math" panose="02040503050406030204" pitchFamily="18" charset="0"/>
-                  </a:rPr>
-                  <a:t>цена</a:t>
-                </a:r>
-              </a:p>
-              <a:p>
-                <a:pPr marL="0" indent="0">
-                  <a:lnSpc>
-                    <a:spcPct val="100000"/>
-                  </a:lnSpc>
-                  <a:buNone/>
-                </a:pPr>
-                <a:r>
-                  <a:rPr lang="en-US" sz="1600" dirty="0">
-                    <a:latin typeface="Montserrat" panose="00000500000000000000" pitchFamily="2" charset="0"/>
-                  </a:rPr>
-                  <a:t>D - </a:t>
-                </a:r>
-                <a:r>
-                  <a:rPr lang="ru-RU" sz="1600" dirty="0">
-                    <a:latin typeface="Montserrat" panose="00000500000000000000" pitchFamily="2" charset="0"/>
-                  </a:rPr>
-                  <a:t>спрос</a:t>
-                </a:r>
-              </a:p>
-            </p:txBody>
-          </p:sp>
-        </mc:Choice>
-        <mc:Fallback xmlns="">
-          <p:sp>
-            <p:nvSpPr>
-              <p:cNvPr id="3" name="Объект 2"/>
-              <p:cNvSpPr>
-                <a:spLocks noGrp="1" noRot="1" noChangeAspect="1" noMove="1" noResize="1" noEditPoints="1" noAdjustHandles="1" noChangeArrowheads="1" noChangeShapeType="1" noTextEdit="1"/>
-              </p:cNvSpPr>
-              <p:nvPr>
-                <p:ph idx="1"/>
-              </p:nvPr>
-            </p:nvSpPr>
-            <p:spPr>
-              <a:blipFill>
-                <a:blip r:embed="rId3"/>
-                <a:stretch>
-                  <a:fillRect l="-603"/>
-                </a:stretch>
-              </a:blipFill>
-            </p:spPr>
-            <p:txBody>
-              <a:bodyPr/>
-              <a:lstStyle/>
-              <a:p>
-                <a:r>
-                  <a:rPr lang="en-RU">
-                    <a:noFill/>
-                  </a:rPr>
-                  <a:t> </a:t>
-                </a:r>
-              </a:p>
-            </p:txBody>
-          </p:sp>
-        </mc:Fallback>
-      </mc:AlternateContent>
+              </a:rPr>
+              <a:t>В основе прогнозирования затрат: </a:t>
+            </a:r>
+          </a:p>
+          <a:p>
+            <a:pPr>
+              <a:lnSpc>
+                <a:spcPct val="160000"/>
+              </a:lnSpc>
+            </a:pPr>
+            <a:r>
+              <a:rPr lang="ru-RU" sz="2300" dirty="0"/>
+              <a:t>мощности</a:t>
+            </a:r>
+          </a:p>
+          <a:p>
+            <a:pPr>
+              <a:lnSpc>
+                <a:spcPct val="160000"/>
+              </a:lnSpc>
+            </a:pPr>
+            <a:r>
+              <a:rPr lang="ru-RU" sz="2300" dirty="0"/>
+              <a:t>р</a:t>
+            </a:r>
+            <a:r>
+              <a:rPr lang="ru-RU" sz="2300" dirty="0">
+                <a:latin typeface="Montserrat" panose="00000500000000000000" pitchFamily="2" charset="0"/>
+              </a:rPr>
+              <a:t>азмер</a:t>
+            </a:r>
+          </a:p>
+          <a:p>
+            <a:pPr>
+              <a:lnSpc>
+                <a:spcPct val="160000"/>
+              </a:lnSpc>
+            </a:pPr>
+            <a:r>
+              <a:rPr lang="ru-RU" sz="2300" dirty="0"/>
+              <a:t>структура издержек</a:t>
+            </a:r>
+          </a:p>
+          <a:p>
+            <a:pPr>
+              <a:lnSpc>
+                <a:spcPct val="160000"/>
+              </a:lnSpc>
+            </a:pPr>
+            <a:r>
+              <a:rPr lang="ru-RU" sz="2300" dirty="0"/>
+              <a:t>г</a:t>
+            </a:r>
+            <a:r>
+              <a:rPr lang="ru-RU" sz="2300" dirty="0">
+                <a:latin typeface="Montserrat" panose="00000500000000000000" pitchFamily="2" charset="0"/>
+              </a:rPr>
+              <a:t>рафик работ</a:t>
+            </a:r>
+          </a:p>
+        </p:txBody>
+      </p:sp>
       <p:sp>
         <p:nvSpPr>
           <p:cNvPr id="4" name="Нижний колонтитул 3"/>
@@ -12499,339 +11241,6 @@
             <a:fld id="{9415E33C-F962-4E59-AF47-C3576160EA36}" type="slidenum">
               <a:rPr lang="ru-RU" smtClean="0"/>
               <a:t>8</a:t>
-            </a:fld>
-            <a:endParaRPr lang="ru-RU" dirty="0"/>
-          </a:p>
-        </p:txBody>
-      </p:sp>
-      <p:pic>
-        <p:nvPicPr>
-          <p:cNvPr id="7" name="Picture 2" descr="image">
-            <a:extLst>
-              <a:ext uri="{FF2B5EF4-FFF2-40B4-BE49-F238E27FC236}">
-                <a16:creationId xmlns:a16="http://schemas.microsoft.com/office/drawing/2014/main" id="{CFC6836E-3700-421C-8822-6708949CADCA}"/>
-              </a:ext>
-            </a:extLst>
-          </p:cNvPr>
-          <p:cNvPicPr>
-            <a:picLocks noChangeAspect="1" noChangeArrowheads="1"/>
-          </p:cNvPicPr>
-          <p:nvPr/>
-        </p:nvPicPr>
-        <p:blipFill>
-          <a:blip r:embed="rId4" cstate="print">
-            <a:extLst>
-              <a:ext uri="{28A0092B-C50C-407E-A947-70E740481C1C}">
-                <a14:useLocalDpi xmlns:a14="http://schemas.microsoft.com/office/drawing/2010/main" val="0"/>
-              </a:ext>
-            </a:extLst>
-          </a:blip>
-          <a:srcRect/>
-          <a:stretch>
-            <a:fillRect/>
-          </a:stretch>
-        </p:blipFill>
-        <p:spPr bwMode="auto">
-          <a:xfrm>
-            <a:off x="10193246" y="360436"/>
-            <a:ext cx="1520954" cy="1520954"/>
-          </a:xfrm>
-          <a:prstGeom prst="rect">
-            <a:avLst/>
-          </a:prstGeom>
-          <a:noFill/>
-          <a:extLst>
-            <a:ext uri="{909E8E84-426E-40DD-AFC4-6F175D3DCCD1}">
-              <a14:hiddenFill xmlns:a14="http://schemas.microsoft.com/office/drawing/2010/main">
-                <a:solidFill>
-                  <a:srgbClr val="FFFFFF"/>
-                </a:solidFill>
-              </a14:hiddenFill>
-            </a:ext>
-          </a:extLst>
-        </p:spPr>
-      </p:pic>
-    </p:spTree>
-    <p:extLst>
-      <p:ext uri="{BB962C8B-B14F-4D97-AF65-F5344CB8AC3E}">
-        <p14:creationId xmlns:p14="http://schemas.microsoft.com/office/powerpoint/2010/main" val="2293707358"/>
-      </p:ext>
-    </p:extLst>
-  </p:cSld>
-  <p:clrMapOvr>
-    <a:masterClrMapping/>
-  </p:clrMapOvr>
-</p:sld>
-</file>
-
-<file path=ppt/slides/slide9.xml><?xml version="1.0" encoding="utf-8"?>
-<p:sld xmlns:a="http://schemas.openxmlformats.org/drawingml/2006/main" xmlns:r="http://schemas.openxmlformats.org/officeDocument/2006/relationships" xmlns:p="http://schemas.openxmlformats.org/presentationml/2006/main">
-  <p:cSld>
-    <p:spTree>
-      <p:nvGrpSpPr>
-        <p:cNvPr id="1" name=""/>
-        <p:cNvGrpSpPr/>
-        <p:nvPr/>
-      </p:nvGrpSpPr>
-      <p:grpSpPr>
-        <a:xfrm>
-          <a:off x="0" y="0"/>
-          <a:ext cx="0" cy="0"/>
-          <a:chOff x="0" y="0"/>
-          <a:chExt cx="0" cy="0"/>
-        </a:xfrm>
-      </p:grpSpPr>
-      <p:sp>
-        <p:nvSpPr>
-          <p:cNvPr id="2" name="Заголовок 1"/>
-          <p:cNvSpPr>
-            <a:spLocks noGrp="1"/>
-          </p:cNvSpPr>
-          <p:nvPr>
-            <p:ph type="title"/>
-          </p:nvPr>
-        </p:nvSpPr>
-        <p:spPr>
-          <a:xfrm>
-            <a:off x="838200" y="1039528"/>
-            <a:ext cx="10515600" cy="651160"/>
-          </a:xfrm>
-        </p:spPr>
-        <p:txBody>
-          <a:bodyPr>
-            <a:normAutofit fontScale="90000"/>
-          </a:bodyPr>
-          <a:lstStyle/>
-          <a:p>
-            <a:r>
-              <a:rPr lang="ru-RU" b="1" dirty="0">
-                <a:solidFill>
-                  <a:srgbClr val="326CDB"/>
-                </a:solidFill>
-                <a:latin typeface="Montserrat" panose="00000500000000000000" pitchFamily="2" charset="0"/>
-                <a:cs typeface="Arial" panose="020B0604020202020204" pitchFamily="34" charset="0"/>
-              </a:rPr>
-              <a:t>Эластичность спроса</a:t>
-            </a:r>
-            <a:br>
-              <a:rPr lang="ru-RU" b="1" dirty="0">
-                <a:solidFill>
-                  <a:srgbClr val="326CDB"/>
-                </a:solidFill>
-                <a:latin typeface="Montserrat" panose="00000500000000000000" pitchFamily="2" charset="0"/>
-                <a:cs typeface="Arial" panose="020B0604020202020204" pitchFamily="34" charset="0"/>
-              </a:rPr>
-            </a:br>
-            <a:r>
-              <a:rPr lang="ru-RU" sz="2800" b="1" dirty="0">
-                <a:solidFill>
-                  <a:srgbClr val="326CDB"/>
-                </a:solidFill>
-                <a:latin typeface="Montserrat" panose="00000500000000000000" pitchFamily="2" charset="0"/>
-                <a:cs typeface="Arial" panose="020B0604020202020204" pitchFamily="34" charset="0"/>
-              </a:rPr>
-              <a:t>по цене</a:t>
-            </a:r>
-          </a:p>
-        </p:txBody>
-      </p:sp>
-      <p:sp>
-        <p:nvSpPr>
-          <p:cNvPr id="3" name="Объект 2"/>
-          <p:cNvSpPr>
-            <a:spLocks noGrp="1"/>
-          </p:cNvSpPr>
-          <p:nvPr>
-            <p:ph idx="1"/>
-          </p:nvPr>
-        </p:nvSpPr>
-        <p:spPr>
-          <a:xfrm>
-            <a:off x="838200" y="1936457"/>
-            <a:ext cx="6229350" cy="3575917"/>
-          </a:xfrm>
-        </p:spPr>
-        <p:txBody>
-          <a:bodyPr>
-            <a:noAutofit/>
-          </a:bodyPr>
-          <a:lstStyle/>
-          <a:p>
-            <a:pPr>
-              <a:lnSpc>
-                <a:spcPct val="150000"/>
-              </a:lnSpc>
-            </a:pPr>
-            <a:r>
-              <a:rPr lang="ru-RU" sz="1500" b="1" dirty="0">
-                <a:solidFill>
-                  <a:srgbClr val="326CDB"/>
-                </a:solidFill>
-                <a:latin typeface="Montserrat" panose="00000500000000000000" pitchFamily="2" charset="0"/>
-              </a:rPr>
-              <a:t>Абсолютно эластичный спрос </a:t>
-            </a:r>
-            <a:r>
-              <a:rPr lang="ru-RU" sz="1500" dirty="0">
-                <a:latin typeface="Montserrat" panose="00000500000000000000" pitchFamily="2" charset="0"/>
-              </a:rPr>
-              <a:t>— когда есть только одна цена, при которой потребители будут покупать товар</a:t>
-            </a:r>
-          </a:p>
-          <a:p>
-            <a:pPr>
-              <a:lnSpc>
-                <a:spcPct val="150000"/>
-              </a:lnSpc>
-            </a:pPr>
-            <a:r>
-              <a:rPr lang="ru-RU" sz="1500" b="1" dirty="0">
-                <a:solidFill>
-                  <a:srgbClr val="326CDB"/>
-                </a:solidFill>
-                <a:latin typeface="Montserrat" panose="00000500000000000000" pitchFamily="2" charset="0"/>
-              </a:rPr>
-              <a:t>Эластичный спрос</a:t>
-            </a:r>
-            <a:r>
-              <a:rPr lang="en-US" sz="1500" b="1" dirty="0">
-                <a:solidFill>
-                  <a:srgbClr val="326CDB"/>
-                </a:solidFill>
-                <a:latin typeface="Montserrat" panose="00000500000000000000" pitchFamily="2" charset="0"/>
-              </a:rPr>
-              <a:t> </a:t>
-            </a:r>
-            <a:r>
-              <a:rPr lang="ru-RU" sz="1500" dirty="0">
-                <a:latin typeface="Montserrat" panose="00000500000000000000" pitchFamily="2" charset="0"/>
-              </a:rPr>
-              <a:t>— если при изменении цены спрос на товар сильно меняется</a:t>
-            </a:r>
-            <a:r>
-              <a:rPr lang="en-US" sz="1500" dirty="0">
-                <a:latin typeface="Montserrat" panose="00000500000000000000" pitchFamily="2" charset="0"/>
-              </a:rPr>
-              <a:t> </a:t>
-            </a:r>
-            <a:endParaRPr lang="ru-RU" sz="1500" dirty="0">
-              <a:latin typeface="Montserrat" panose="00000500000000000000" pitchFamily="2" charset="0"/>
-            </a:endParaRPr>
-          </a:p>
-          <a:p>
-            <a:pPr>
-              <a:lnSpc>
-                <a:spcPct val="150000"/>
-              </a:lnSpc>
-            </a:pPr>
-            <a:r>
-              <a:rPr lang="ru-RU" sz="1500" b="1" dirty="0">
-                <a:solidFill>
-                  <a:srgbClr val="326CDB"/>
-                </a:solidFill>
-                <a:latin typeface="Montserrat" panose="00000500000000000000" pitchFamily="2" charset="0"/>
-              </a:rPr>
-              <a:t>Единичная эластичность </a:t>
-            </a:r>
-            <a:r>
-              <a:rPr lang="ru-RU" sz="1500" dirty="0">
-                <a:latin typeface="Montserrat" panose="00000500000000000000" pitchFamily="2" charset="0"/>
-              </a:rPr>
-              <a:t>— спрос изменяется пропорционально цене </a:t>
-            </a:r>
-          </a:p>
-          <a:p>
-            <a:pPr>
-              <a:lnSpc>
-                <a:spcPct val="150000"/>
-              </a:lnSpc>
-            </a:pPr>
-            <a:r>
-              <a:rPr lang="ru-RU" sz="1500" b="1" dirty="0">
-                <a:solidFill>
-                  <a:srgbClr val="326CDB"/>
-                </a:solidFill>
-                <a:latin typeface="Montserrat" panose="00000500000000000000" pitchFamily="2" charset="0"/>
-              </a:rPr>
-              <a:t>Неэластичный спрос </a:t>
-            </a:r>
-            <a:r>
-              <a:rPr lang="ru-RU" sz="1500" dirty="0">
-                <a:latin typeface="Montserrat" panose="00000500000000000000" pitchFamily="2" charset="0"/>
-              </a:rPr>
-              <a:t>— если при изменении цены спрос на товар значительно не меняется</a:t>
-            </a:r>
-            <a:endParaRPr lang="en-US" sz="1500" dirty="0">
-              <a:latin typeface="Montserrat" panose="00000500000000000000" pitchFamily="2" charset="0"/>
-            </a:endParaRPr>
-          </a:p>
-          <a:p>
-            <a:pPr>
-              <a:lnSpc>
-                <a:spcPct val="150000"/>
-              </a:lnSpc>
-            </a:pPr>
-            <a:r>
-              <a:rPr lang="ru-RU" sz="1500" b="1" dirty="0">
-                <a:solidFill>
-                  <a:srgbClr val="326CDB"/>
-                </a:solidFill>
-                <a:latin typeface="Montserrat" panose="00000500000000000000" pitchFamily="2" charset="0"/>
-              </a:rPr>
-              <a:t>Абсолютно неэластичный спрос </a:t>
-            </a:r>
-            <a:r>
-              <a:rPr lang="ru-RU" sz="1500" dirty="0">
-                <a:latin typeface="Montserrat" panose="00000500000000000000" pitchFamily="2" charset="0"/>
-              </a:rPr>
-              <a:t>— вне зависимости от изменения цены спрос остается на прежнем уровне</a:t>
-            </a:r>
-          </a:p>
-        </p:txBody>
-      </p:sp>
-      <p:sp>
-        <p:nvSpPr>
-          <p:cNvPr id="4" name="Нижний колонтитул 3"/>
-          <p:cNvSpPr>
-            <a:spLocks noGrp="1"/>
-          </p:cNvSpPr>
-          <p:nvPr>
-            <p:ph type="ftr" sz="quarter" idx="11"/>
-          </p:nvPr>
-        </p:nvSpPr>
-        <p:spPr/>
-        <p:txBody>
-          <a:bodyPr/>
-          <a:lstStyle/>
-          <a:p>
-            <a:r>
-              <a:rPr lang="ru-RU" dirty="0">
-                <a:latin typeface="Montserrat" panose="00000500000000000000" pitchFamily="2" charset="0"/>
-                <a:cs typeface="Arial" panose="020B0604020202020204" pitchFamily="34" charset="0"/>
-              </a:rPr>
-              <a:t>МГТУ им. Н.Э. Баумана, ИУ7 – «Программное обеспечение ЭВМ и информационные технологии»</a:t>
-            </a:r>
-          </a:p>
-        </p:txBody>
-      </p:sp>
-      <p:sp>
-        <p:nvSpPr>
-          <p:cNvPr id="5" name="Номер слайда 4"/>
-          <p:cNvSpPr>
-            <a:spLocks noGrp="1"/>
-          </p:cNvSpPr>
-          <p:nvPr>
-            <p:ph type="sldNum" sz="quarter" idx="12"/>
-          </p:nvPr>
-        </p:nvSpPr>
-        <p:spPr/>
-        <p:txBody>
-          <a:bodyPr/>
-          <a:lstStyle/>
-          <a:p>
-            <a:fld id="{9415E33C-F962-4E59-AF47-C3576160EA36}" type="slidenum">
-              <a:rPr lang="ru-RU" smtClean="0"/>
-              <a:t>9</a:t>
             </a:fld>
             <a:endParaRPr lang="ru-RU" dirty="0"/>
           </a:p>
@@ -12884,46 +11293,365 @@
           </a:extLst>
         </p:spPr>
       </p:pic>
+      <p:sp>
+        <p:nvSpPr>
+          <p:cNvPr id="8" name="TextBox 7">
+            <a:extLst>
+              <a:ext uri="{FF2B5EF4-FFF2-40B4-BE49-F238E27FC236}">
+                <a16:creationId xmlns:a16="http://schemas.microsoft.com/office/drawing/2014/main" id="{696E321C-51EB-4BB6-A736-FC64713B4DCB}"/>
+              </a:ext>
+            </a:extLst>
+          </p:cNvPr>
+          <p:cNvSpPr txBox="1"/>
+          <p:nvPr/>
+        </p:nvSpPr>
+        <p:spPr>
+          <a:xfrm>
+            <a:off x="838200" y="1825625"/>
+            <a:ext cx="10515600" cy="876522"/>
+          </a:xfrm>
+          <a:prstGeom prst="rect">
+            <a:avLst/>
+          </a:prstGeom>
+          <a:noFill/>
+        </p:spPr>
+        <p:txBody>
+          <a:bodyPr wrap="square">
+            <a:spAutoFit/>
+          </a:bodyPr>
+          <a:lstStyle/>
+          <a:p>
+            <a:pPr marL="0" indent="0">
+              <a:lnSpc>
+                <a:spcPct val="150000"/>
+              </a:lnSpc>
+              <a:buNone/>
+            </a:pPr>
+            <a:r>
+              <a:rPr lang="ru-RU" sz="1800" dirty="0">
+                <a:latin typeface="Montserrat" panose="00000500000000000000" pitchFamily="2" charset="0"/>
+              </a:rPr>
+              <a:t>ознакомление с качественными </a:t>
+            </a:r>
+            <a:r>
+              <a:rPr lang="ru-RU" sz="1800" b="1" dirty="0">
+                <a:solidFill>
+                  <a:srgbClr val="326CDB"/>
+                </a:solidFill>
+                <a:latin typeface="Montserrat" panose="00000500000000000000" pitchFamily="2" charset="0"/>
+              </a:rPr>
+              <a:t>проблемами</a:t>
+            </a:r>
+            <a:r>
+              <a:rPr lang="ru-RU" sz="1800" dirty="0">
+                <a:latin typeface="Montserrat" panose="00000500000000000000" pitchFamily="2" charset="0"/>
+              </a:rPr>
+              <a:t>, стоящими перед руководителем проекта</a:t>
+            </a:r>
+          </a:p>
+        </p:txBody>
+      </p:sp>
+    </p:spTree>
+    <p:extLst>
+      <p:ext uri="{BB962C8B-B14F-4D97-AF65-F5344CB8AC3E}">
+        <p14:creationId xmlns:p14="http://schemas.microsoft.com/office/powerpoint/2010/main" val="1818109047"/>
+      </p:ext>
+    </p:extLst>
+  </p:cSld>
+  <p:clrMapOvr>
+    <a:masterClrMapping/>
+  </p:clrMapOvr>
+</p:sld>
+</file>
+
+<file path=ppt/slides/slide9.xml><?xml version="1.0" encoding="utf-8"?>
+<p:sld xmlns:a="http://schemas.openxmlformats.org/drawingml/2006/main" xmlns:r="http://schemas.openxmlformats.org/officeDocument/2006/relationships" xmlns:p="http://schemas.openxmlformats.org/presentationml/2006/main">
+  <p:cSld>
+    <p:spTree>
+      <p:nvGrpSpPr>
+        <p:cNvPr id="1" name=""/>
+        <p:cNvGrpSpPr/>
+        <p:nvPr/>
+      </p:nvGrpSpPr>
+      <p:grpSpPr>
+        <a:xfrm>
+          <a:off x="0" y="0"/>
+          <a:ext cx="0" cy="0"/>
+          <a:chOff x="0" y="0"/>
+          <a:chExt cx="0" cy="0"/>
+        </a:xfrm>
+      </p:grpSpPr>
+      <p:sp>
+        <p:nvSpPr>
+          <p:cNvPr id="2" name="Заголовок 1"/>
+          <p:cNvSpPr>
+            <a:spLocks noGrp="1"/>
+          </p:cNvSpPr>
+          <p:nvPr>
+            <p:ph type="title"/>
+          </p:nvPr>
+        </p:nvSpPr>
+        <p:spPr>
+          <a:xfrm>
+            <a:off x="838200" y="1039528"/>
+            <a:ext cx="10515600" cy="651160"/>
+          </a:xfrm>
+        </p:spPr>
+        <p:txBody>
+          <a:bodyPr>
+            <a:normAutofit fontScale="90000"/>
+          </a:bodyPr>
+          <a:lstStyle/>
+          <a:p>
+            <a:r>
+              <a:rPr lang="ru-RU" b="1" dirty="0">
+                <a:solidFill>
+                  <a:srgbClr val="326CDB"/>
+                </a:solidFill>
+                <a:latin typeface="Montserrat" panose="00000500000000000000" pitchFamily="2" charset="0"/>
+                <a:cs typeface="Arial" panose="020B0604020202020204" pitchFamily="34" charset="0"/>
+              </a:rPr>
+              <a:t>Количественный прогноз</a:t>
+            </a:r>
+            <a:endParaRPr lang="ru-RU" sz="2800" b="1" dirty="0">
+              <a:solidFill>
+                <a:srgbClr val="326CDB"/>
+              </a:solidFill>
+              <a:latin typeface="Montserrat" panose="00000500000000000000" pitchFamily="2" charset="0"/>
+              <a:cs typeface="Arial" panose="020B0604020202020204" pitchFamily="34" charset="0"/>
+            </a:endParaRPr>
+          </a:p>
+        </p:txBody>
+      </p:sp>
+      <p:sp>
+        <p:nvSpPr>
+          <p:cNvPr id="3" name="Объект 2"/>
+          <p:cNvSpPr>
+            <a:spLocks noGrp="1"/>
+          </p:cNvSpPr>
+          <p:nvPr>
+            <p:ph idx="1"/>
+          </p:nvPr>
+        </p:nvSpPr>
+        <p:spPr/>
+        <p:txBody>
+          <a:bodyPr anchor="t">
+            <a:normAutofit lnSpcReduction="10000"/>
+          </a:bodyPr>
+          <a:lstStyle/>
+          <a:p>
+            <a:pPr marL="0" indent="0">
+              <a:lnSpc>
+                <a:spcPct val="150000"/>
+              </a:lnSpc>
+              <a:buNone/>
+            </a:pPr>
+            <a:r>
+              <a:rPr lang="ru-RU" sz="1800" dirty="0"/>
+              <a:t>н</a:t>
+            </a:r>
+            <a:r>
+              <a:rPr lang="ru-RU" sz="1800" dirty="0">
+                <a:latin typeface="Montserrat" panose="00000500000000000000" pitchFamily="2" charset="0"/>
+              </a:rPr>
+              <a:t>аиболее важные для развития проекта факторы, </a:t>
+            </a:r>
+            <a:r>
+              <a:rPr lang="ru-RU" sz="1800" b="1" dirty="0">
+                <a:solidFill>
+                  <a:srgbClr val="326CDB"/>
+                </a:solidFill>
+                <a:latin typeface="Montserrat" panose="00000500000000000000" pitchFamily="2" charset="0"/>
+              </a:rPr>
+              <a:t>выявленные на предыдущем этапе</a:t>
+            </a:r>
+          </a:p>
+          <a:p>
+            <a:pPr marL="0" indent="0">
+              <a:lnSpc>
+                <a:spcPct val="150000"/>
+              </a:lnSpc>
+              <a:buNone/>
+            </a:pPr>
+            <a:endParaRPr lang="ru-RU" sz="1800" b="1" dirty="0">
+              <a:solidFill>
+                <a:srgbClr val="326CDB"/>
+              </a:solidFill>
+            </a:endParaRPr>
+          </a:p>
+          <a:p>
+            <a:pPr marL="0" indent="0">
+              <a:lnSpc>
+                <a:spcPct val="150000"/>
+              </a:lnSpc>
+              <a:buNone/>
+            </a:pPr>
+            <a:r>
+              <a:rPr lang="ru-RU" sz="1800" b="1" dirty="0">
+                <a:solidFill>
+                  <a:srgbClr val="326CDB"/>
+                </a:solidFill>
+                <a:latin typeface="Montserrat" panose="00000500000000000000" pitchFamily="2" charset="0"/>
+              </a:rPr>
+              <a:t>Текущая оценка затрат</a:t>
+            </a:r>
+          </a:p>
+          <a:p>
+            <a:pPr marL="0" indent="0">
+              <a:lnSpc>
+                <a:spcPct val="150000"/>
+              </a:lnSpc>
+              <a:buNone/>
+            </a:pPr>
+            <a:r>
+              <a:rPr lang="ru-RU" sz="1800" dirty="0">
+                <a:latin typeface="Montserrat" panose="00000500000000000000" pitchFamily="2" charset="0"/>
+              </a:rPr>
+              <a:t>учитывает любые изменения, произошедшие с момента осуществления проекта</a:t>
+            </a:r>
+          </a:p>
+          <a:p>
+            <a:pPr marL="0" indent="0">
+              <a:lnSpc>
+                <a:spcPct val="150000"/>
+              </a:lnSpc>
+              <a:buNone/>
+            </a:pPr>
+            <a:endParaRPr lang="ru-RU" sz="1800" b="1" dirty="0">
+              <a:solidFill>
+                <a:srgbClr val="326CDB"/>
+              </a:solidFill>
+            </a:endParaRPr>
+          </a:p>
+          <a:p>
+            <a:pPr marL="0" indent="0">
+              <a:lnSpc>
+                <a:spcPct val="150000"/>
+              </a:lnSpc>
+              <a:buNone/>
+            </a:pPr>
+            <a:r>
+              <a:rPr lang="ru-RU" sz="1800" b="1" dirty="0">
+                <a:solidFill>
+                  <a:srgbClr val="326CDB"/>
+                </a:solidFill>
+              </a:rPr>
+              <a:t>Прогноз итоговых затрат</a:t>
+            </a:r>
+          </a:p>
+          <a:p>
+            <a:pPr marL="0" indent="0">
+              <a:lnSpc>
+                <a:spcPct val="150000"/>
+              </a:lnSpc>
+              <a:buNone/>
+            </a:pPr>
+            <a:r>
+              <a:rPr lang="ru-RU" sz="1800" dirty="0"/>
+              <a:t>это процесс предсказания суммарных расходов, которые могут возникнуть в рамках проекта или операции</a:t>
+            </a:r>
+          </a:p>
+        </p:txBody>
+      </p:sp>
+      <p:sp>
+        <p:nvSpPr>
+          <p:cNvPr id="4" name="Нижний колонтитул 3"/>
+          <p:cNvSpPr>
+            <a:spLocks noGrp="1"/>
+          </p:cNvSpPr>
+          <p:nvPr>
+            <p:ph type="ftr" sz="quarter" idx="11"/>
+          </p:nvPr>
+        </p:nvSpPr>
+        <p:spPr/>
+        <p:txBody>
+          <a:bodyPr/>
+          <a:lstStyle/>
+          <a:p>
+            <a:r>
+              <a:rPr lang="ru-RU" dirty="0">
+                <a:latin typeface="Montserrat" panose="00000500000000000000" pitchFamily="2" charset="0"/>
+                <a:cs typeface="Arial" panose="020B0604020202020204" pitchFamily="34" charset="0"/>
+              </a:rPr>
+              <a:t>МГТУ им. Н.Э. Баумана, ИУ7 – «Программное обеспечение ЭВМ и информационные технологии»</a:t>
+            </a:r>
+          </a:p>
+        </p:txBody>
+      </p:sp>
+      <p:sp>
+        <p:nvSpPr>
+          <p:cNvPr id="5" name="Номер слайда 4"/>
+          <p:cNvSpPr>
+            <a:spLocks noGrp="1"/>
+          </p:cNvSpPr>
+          <p:nvPr>
+            <p:ph type="sldNum" sz="quarter" idx="12"/>
+          </p:nvPr>
+        </p:nvSpPr>
+        <p:spPr/>
+        <p:txBody>
+          <a:bodyPr/>
+          <a:lstStyle/>
+          <a:p>
+            <a:fld id="{9415E33C-F962-4E59-AF47-C3576160EA36}" type="slidenum">
+              <a:rPr lang="ru-RU" smtClean="0"/>
+              <a:t>9</a:t>
+            </a:fld>
+            <a:endParaRPr lang="ru-RU" dirty="0"/>
+          </a:p>
+        </p:txBody>
+      </p:sp>
       <p:pic>
         <p:nvPicPr>
-          <p:cNvPr id="12" name="Рисунок 11">
+          <p:cNvPr id="7" name="Picture 2" descr="image">
             <a:extLst>
               <a:ext uri="{FF2B5EF4-FFF2-40B4-BE49-F238E27FC236}">
-                <a16:creationId xmlns:a16="http://schemas.microsoft.com/office/drawing/2014/main" id="{3F1EB2CD-076C-49FD-891B-CE588A6566AA}"/>
+                <a16:creationId xmlns:a16="http://schemas.microsoft.com/office/drawing/2014/main" id="{CFC6836E-3700-421C-8822-6708949CADCA}"/>
               </a:ext>
             </a:extLst>
           </p:cNvPr>
           <p:cNvPicPr>
-            <a:picLocks noChangeAspect="1"/>
+            <a:picLocks noChangeAspect="1" noChangeArrowheads="1"/>
           </p:cNvPicPr>
           <p:nvPr/>
         </p:nvPicPr>
         <p:blipFill>
-          <a:blip r:embed="rId4">
+          <a:blip r:embed="rId3" cstate="print">
             <a:extLst>
               <a:ext uri="{28A0092B-C50C-407E-A947-70E740481C1C}">
                 <a14:useLocalDpi xmlns:a14="http://schemas.microsoft.com/office/drawing/2010/main" val="0"/>
               </a:ext>
             </a:extLst>
           </a:blip>
+          <a:srcRect/>
           <a:stretch>
             <a:fillRect/>
           </a:stretch>
         </p:blipFill>
-        <p:spPr>
+        <p:spPr bwMode="auto">
           <a:xfrm>
-            <a:off x="7067550" y="1936457"/>
-            <a:ext cx="4286250" cy="3429000"/>
+            <a:off x="10193246" y="360436"/>
+            <a:ext cx="1520954" cy="1520954"/>
           </a:xfrm>
           <a:prstGeom prst="rect">
             <a:avLst/>
           </a:prstGeom>
+          <a:noFill/>
+          <a:extLst>
+            <a:ext uri="{909E8E84-426E-40DD-AFC4-6F175D3DCCD1}">
+              <a14:hiddenFill xmlns:a14="http://schemas.microsoft.com/office/drawing/2010/main">
+                <a:solidFill>
+                  <a:srgbClr val="FFFFFF"/>
+                </a:solidFill>
+              </a14:hiddenFill>
+            </a:ext>
+          </a:extLst>
         </p:spPr>
       </p:pic>
     </p:spTree>
     <p:extLst>
       <p:ext uri="{BB962C8B-B14F-4D97-AF65-F5344CB8AC3E}">
-        <p14:creationId xmlns:p14="http://schemas.microsoft.com/office/powerpoint/2010/main" val="1268225968"/>
+        <p14:creationId xmlns:p14="http://schemas.microsoft.com/office/powerpoint/2010/main" val="2293707358"/>
       </p:ext>
     </p:extLst>
   </p:cSld>

--- a/module_03/pres.pptx
+++ b/module_03/pres.pptx
@@ -5,7 +5,7 @@
     <p:sldMasterId id="2147483648" r:id="rId1"/>
   </p:sldMasterIdLst>
   <p:notesMasterIdLst>
-    <p:notesMasterId r:id="rId16"/>
+    <p:notesMasterId r:id="rId17"/>
   </p:notesMasterIdLst>
   <p:sldIdLst>
     <p:sldId id="256" r:id="rId2"/>
@@ -20,8 +20,9 @@
     <p:sldId id="278" r:id="rId11"/>
     <p:sldId id="277" r:id="rId12"/>
     <p:sldId id="270" r:id="rId13"/>
-    <p:sldId id="269" r:id="rId14"/>
-    <p:sldId id="266" r:id="rId15"/>
+    <p:sldId id="279" r:id="rId14"/>
+    <p:sldId id="269" r:id="rId15"/>
+    <p:sldId id="266" r:id="rId16"/>
   </p:sldIdLst>
   <p:sldSz cx="12192000" cy="6858000"/>
   <p:notesSz cx="6858000" cy="9144000"/>
@@ -1368,6 +1369,45 @@
     </pc:docChg>
   </pc:docChgLst>
   <pc:docChgLst>
+    <pc:chgData name="Мария Савинова" userId="e24eaf7e9b1ed84c" providerId="LiveId" clId="{4E6DC90E-E329-44E1-9EC2-19EE91384580}"/>
+    <pc:docChg chg="undo custSel addSld modSld sldOrd">
+      <pc:chgData name="Мария Савинова" userId="e24eaf7e9b1ed84c" providerId="LiveId" clId="{4E6DC90E-E329-44E1-9EC2-19EE91384580}" dt="2024-10-27T07:20:16.186" v="108" actId="20577"/>
+      <pc:docMkLst>
+        <pc:docMk/>
+      </pc:docMkLst>
+      <pc:sldChg chg="modSp mod ord">
+        <pc:chgData name="Мария Савинова" userId="e24eaf7e9b1ed84c" providerId="LiveId" clId="{4E6DC90E-E329-44E1-9EC2-19EE91384580}" dt="2024-10-27T07:20:16.186" v="108" actId="20577"/>
+        <pc:sldMkLst>
+          <pc:docMk/>
+          <pc:sldMk cId="2023720995" sldId="269"/>
+        </pc:sldMkLst>
+        <pc:spChg chg="mod">
+          <ac:chgData name="Мария Савинова" userId="e24eaf7e9b1ed84c" providerId="LiveId" clId="{4E6DC90E-E329-44E1-9EC2-19EE91384580}" dt="2024-10-27T07:16:35.124" v="41" actId="14100"/>
+          <ac:spMkLst>
+            <pc:docMk/>
+            <pc:sldMk cId="2023720995" sldId="269"/>
+            <ac:spMk id="2" creationId="{00000000-0000-0000-0000-000000000000}"/>
+          </ac:spMkLst>
+        </pc:spChg>
+        <pc:spChg chg="mod">
+          <ac:chgData name="Мария Савинова" userId="e24eaf7e9b1ed84c" providerId="LiveId" clId="{4E6DC90E-E329-44E1-9EC2-19EE91384580}" dt="2024-10-27T07:20:16.186" v="108" actId="20577"/>
+          <ac:spMkLst>
+            <pc:docMk/>
+            <pc:sldMk cId="2023720995" sldId="269"/>
+            <ac:spMk id="3" creationId="{00000000-0000-0000-0000-000000000000}"/>
+          </ac:spMkLst>
+        </pc:spChg>
+      </pc:sldChg>
+      <pc:sldChg chg="add">
+        <pc:chgData name="Мария Савинова" userId="e24eaf7e9b1ed84c" providerId="LiveId" clId="{4E6DC90E-E329-44E1-9EC2-19EE91384580}" dt="2024-10-27T07:16:20.147" v="0"/>
+        <pc:sldMkLst>
+          <pc:docMk/>
+          <pc:sldMk cId="1783977461" sldId="279"/>
+        </pc:sldMkLst>
+      </pc:sldChg>
+    </pc:docChg>
+  </pc:docChgLst>
+  <pc:docChgLst>
     <pc:chgData name="Мария Савинова" userId="e24eaf7e9b1ed84c" providerId="LiveId" clId="{CA7C8432-EF19-6242-B377-84BFA69192C1}"/>
     <pc:docChg chg="undo custSel modSld">
       <pc:chgData name="Мария Савинова" userId="e24eaf7e9b1ed84c" providerId="LiveId" clId="{CA7C8432-EF19-6242-B377-84BFA69192C1}" dt="2024-09-25T07:02:04.017" v="175" actId="122"/>
@@ -1954,7 +1994,7 @@
             <a:fld id="{C65AC966-90DC-47D7-B999-4B8AD4DFB48E}" type="datetimeFigureOut">
               <a:rPr lang="ru-RU" smtClean="0"/>
               <a:pPr/>
-              <a:t>02.10.2024</a:t>
+              <a:t>27.10.2024</a:t>
             </a:fld>
             <a:endParaRPr lang="ru-RU" dirty="0"/>
           </a:p>
@@ -2636,7 +2676,7 @@
     </p:spTree>
     <p:extLst>
       <p:ext uri="{BB962C8B-B14F-4D97-AF65-F5344CB8AC3E}">
-        <p14:creationId xmlns:p14="http://schemas.microsoft.com/office/powerpoint/2010/main" val="1113517491"/>
+        <p14:creationId xmlns:p14="http://schemas.microsoft.com/office/powerpoint/2010/main" val="3005156609"/>
       </p:ext>
     </p:extLst>
   </p:cSld>
@@ -2712,6 +2752,90 @@
             <a:fld id="{2C580A59-B265-4FF3-9170-5C16494D3846}" type="slidenum">
               <a:rPr lang="ru-RU" smtClean="0"/>
               <a:t>14</a:t>
+            </a:fld>
+            <a:endParaRPr lang="ru-RU"/>
+          </a:p>
+        </p:txBody>
+      </p:sp>
+    </p:spTree>
+    <p:extLst>
+      <p:ext uri="{BB962C8B-B14F-4D97-AF65-F5344CB8AC3E}">
+        <p14:creationId xmlns:p14="http://schemas.microsoft.com/office/powerpoint/2010/main" val="1113517491"/>
+      </p:ext>
+    </p:extLst>
+  </p:cSld>
+  <p:clrMapOvr>
+    <a:masterClrMapping/>
+  </p:clrMapOvr>
+</p:notes>
+</file>
+
+<file path=ppt/notesSlides/notesSlide15.xml><?xml version="1.0" encoding="utf-8"?>
+<p:notes xmlns:a="http://schemas.openxmlformats.org/drawingml/2006/main" xmlns:r="http://schemas.openxmlformats.org/officeDocument/2006/relationships" xmlns:p="http://schemas.openxmlformats.org/presentationml/2006/main">
+  <p:cSld>
+    <p:spTree>
+      <p:nvGrpSpPr>
+        <p:cNvPr id="1" name=""/>
+        <p:cNvGrpSpPr/>
+        <p:nvPr/>
+      </p:nvGrpSpPr>
+      <p:grpSpPr>
+        <a:xfrm>
+          <a:off x="0" y="0"/>
+          <a:ext cx="0" cy="0"/>
+          <a:chOff x="0" y="0"/>
+          <a:chExt cx="0" cy="0"/>
+        </a:xfrm>
+      </p:grpSpPr>
+      <p:sp>
+        <p:nvSpPr>
+          <p:cNvPr id="2" name="Образ слайда 1"/>
+          <p:cNvSpPr>
+            <a:spLocks noGrp="1" noRot="1" noChangeAspect="1"/>
+          </p:cNvSpPr>
+          <p:nvPr>
+            <p:ph type="sldImg"/>
+          </p:nvPr>
+        </p:nvSpPr>
+        <p:spPr/>
+      </p:sp>
+      <p:sp>
+        <p:nvSpPr>
+          <p:cNvPr id="3" name="Заметки 2"/>
+          <p:cNvSpPr>
+            <a:spLocks noGrp="1"/>
+          </p:cNvSpPr>
+          <p:nvPr>
+            <p:ph type="body" idx="1"/>
+          </p:nvPr>
+        </p:nvSpPr>
+        <p:spPr/>
+        <p:txBody>
+          <a:bodyPr/>
+          <a:lstStyle/>
+          <a:p>
+            <a:endParaRPr lang="ru-RU"/>
+          </a:p>
+        </p:txBody>
+      </p:sp>
+      <p:sp>
+        <p:nvSpPr>
+          <p:cNvPr id="4" name="Номер слайда 3"/>
+          <p:cNvSpPr>
+            <a:spLocks noGrp="1"/>
+          </p:cNvSpPr>
+          <p:nvPr>
+            <p:ph type="sldNum" sz="quarter" idx="10"/>
+          </p:nvPr>
+        </p:nvSpPr>
+        <p:spPr/>
+        <p:txBody>
+          <a:bodyPr/>
+          <a:lstStyle/>
+          <a:p>
+            <a:fld id="{2C580A59-B265-4FF3-9170-5C16494D3846}" type="slidenum">
+              <a:rPr lang="ru-RU" smtClean="0"/>
+              <a:t>15</a:t>
             </a:fld>
             <a:endParaRPr lang="ru-RU"/>
           </a:p>
@@ -3531,7 +3655,7 @@
           <a:p>
             <a:fld id="{ECC89CEC-ADFD-4489-90FF-547616DBC041}" type="datetime1">
               <a:rPr lang="ru-RU" smtClean="0"/>
-              <a:t>02.10.2024</a:t>
+              <a:t>27.10.2024</a:t>
             </a:fld>
             <a:endParaRPr lang="ru-RU"/>
           </a:p>
@@ -3702,7 +3826,7 @@
           <a:p>
             <a:fld id="{86B7BB86-73CF-40D4-8C7F-CA234FF7A1EB}" type="datetime1">
               <a:rPr lang="ru-RU" smtClean="0"/>
-              <a:t>02.10.2024</a:t>
+              <a:t>27.10.2024</a:t>
             </a:fld>
             <a:endParaRPr lang="ru-RU"/>
           </a:p>
@@ -3883,7 +4007,7 @@
           <a:p>
             <a:fld id="{36B73C63-5989-47F0-8A38-867659112843}" type="datetime1">
               <a:rPr lang="ru-RU" smtClean="0"/>
-              <a:t>02.10.2024</a:t>
+              <a:t>27.10.2024</a:t>
             </a:fld>
             <a:endParaRPr lang="ru-RU"/>
           </a:p>
@@ -4054,7 +4178,7 @@
           <a:p>
             <a:fld id="{3BF531FB-401D-4CE6-8E3E-F90EF76016F4}" type="datetime1">
               <a:rPr lang="ru-RU" smtClean="0"/>
-              <a:t>02.10.2024</a:t>
+              <a:t>27.10.2024</a:t>
             </a:fld>
             <a:endParaRPr lang="ru-RU"/>
           </a:p>
@@ -4302,7 +4426,7 @@
           <a:p>
             <a:fld id="{90C6E959-BFD7-4835-A209-4198B71FE91E}" type="datetime1">
               <a:rPr lang="ru-RU" smtClean="0"/>
-              <a:t>02.10.2024</a:t>
+              <a:t>27.10.2024</a:t>
             </a:fld>
             <a:endParaRPr lang="ru-RU"/>
           </a:p>
@@ -4534,7 +4658,7 @@
           <a:p>
             <a:fld id="{523FC2E9-7EB8-4737-8E9A-9590B7C8EA3D}" type="datetime1">
               <a:rPr lang="ru-RU" smtClean="0"/>
-              <a:t>02.10.2024</a:t>
+              <a:t>27.10.2024</a:t>
             </a:fld>
             <a:endParaRPr lang="ru-RU"/>
           </a:p>
@@ -4901,7 +5025,7 @@
           <a:p>
             <a:fld id="{AD9897CF-2BDA-410D-933A-6B9BAFD70E05}" type="datetime1">
               <a:rPr lang="ru-RU" smtClean="0"/>
-              <a:t>02.10.2024</a:t>
+              <a:t>27.10.2024</a:t>
             </a:fld>
             <a:endParaRPr lang="ru-RU"/>
           </a:p>
@@ -5021,7 +5145,7 @@
           <a:p>
             <a:fld id="{417622BC-58AC-4A2D-91CE-B90BE15D141D}" type="datetime1">
               <a:rPr lang="ru-RU" smtClean="0"/>
-              <a:t>02.10.2024</a:t>
+              <a:t>27.10.2024</a:t>
             </a:fld>
             <a:endParaRPr lang="ru-RU"/>
           </a:p>
@@ -5119,7 +5243,7 @@
           <a:p>
             <a:fld id="{2DD411C1-03FD-4174-8B29-1952A17761AD}" type="datetime1">
               <a:rPr lang="ru-RU" smtClean="0"/>
-              <a:t>02.10.2024</a:t>
+              <a:t>27.10.2024</a:t>
             </a:fld>
             <a:endParaRPr lang="ru-RU"/>
           </a:p>
@@ -5397,7 +5521,7 @@
           <a:p>
             <a:fld id="{8CD6FCDF-025A-4558-B7C0-9D70D2EBCE6F}" type="datetime1">
               <a:rPr lang="ru-RU" smtClean="0"/>
-              <a:t>02.10.2024</a:t>
+              <a:t>27.10.2024</a:t>
             </a:fld>
             <a:endParaRPr lang="ru-RU"/>
           </a:p>
@@ -5652,7 +5776,7 @@
           <a:p>
             <a:fld id="{4636EB14-F614-45DD-AF15-06D5CD69D646}" type="datetime1">
               <a:rPr lang="ru-RU" smtClean="0"/>
-              <a:t>02.10.2024</a:t>
+              <a:t>27.10.2024</a:t>
             </a:fld>
             <a:endParaRPr lang="ru-RU"/>
           </a:p>
@@ -5868,7 +5992,7 @@
             <a:fld id="{149376B8-C295-4A7D-87DF-C95CA526DB0A}" type="datetime1">
               <a:rPr lang="ru-RU" smtClean="0"/>
               <a:pPr/>
-              <a:t>02.10.2024</a:t>
+              <a:t>27.10.2024</a:t>
             </a:fld>
             <a:endParaRPr lang="ru-RU" dirty="0"/>
           </a:p>
@@ -6438,14 +6562,14 @@
           <a:effectLst/>
           <a:extLst>
             <a:ext uri="{909E8E84-426E-40dd-AFC4-6F175D3DCCD1}">
-              <a14:hiddenFill xmlns="" xmlns:a14="http://schemas.microsoft.com/office/drawing/2010/main">
+              <a14:hiddenFill xmlns:a14="http://schemas.microsoft.com/office/drawing/2010/main" xmlns="">
                 <a:solidFill>
                   <a:schemeClr val="accent1"/>
                 </a:solidFill>
               </a14:hiddenFill>
             </a:ext>
             <a:ext uri="{91240B29-F687-4f45-9708-019B960494DF}">
-              <a14:hiddenLine xmlns="" xmlns:a14="http://schemas.microsoft.com/office/drawing/2010/main" w="9525">
+              <a14:hiddenLine xmlns:a14="http://schemas.microsoft.com/office/drawing/2010/main" xmlns="" w="9525">
                 <a:solidFill>
                   <a:schemeClr val="tx1"/>
                 </a:solidFill>
@@ -6455,7 +6579,7 @@
               </a14:hiddenLine>
             </a:ext>
             <a:ext uri="{AF507438-7753-43e0-B8FC-AC1667EBCBE1}">
-              <a14:hiddenEffects xmlns="" xmlns:a14="http://schemas.microsoft.com/office/drawing/2010/main">
+              <a14:hiddenEffects xmlns:a14="http://schemas.microsoft.com/office/drawing/2010/main" xmlns="">
                 <a:effectLst>
                   <a:outerShdw blurRad="63500" dist="38099" dir="2700000" algn="ctr" rotWithShape="0">
                     <a:schemeClr val="bg2">
@@ -8734,7 +8858,7 @@
     </p:spTree>
     <p:extLst>
       <p:ext uri="{BB962C8B-B14F-4D97-AF65-F5344CB8AC3E}">
-        <p14:creationId xmlns:p14="http://schemas.microsoft.com/office/powerpoint/2010/main" val="2023720995"/>
+        <p14:creationId xmlns:p14="http://schemas.microsoft.com/office/powerpoint/2010/main" val="1783977461"/>
       </p:ext>
     </p:extLst>
   </p:cSld>
@@ -8763,6 +8887,290 @@
       </p:grpSpPr>
       <p:sp>
         <p:nvSpPr>
+          <p:cNvPr id="2" name="Заголовок 1"/>
+          <p:cNvSpPr>
+            <a:spLocks noGrp="1"/>
+          </p:cNvSpPr>
+          <p:nvPr>
+            <p:ph type="title"/>
+          </p:nvPr>
+        </p:nvSpPr>
+        <p:spPr>
+          <a:xfrm>
+            <a:off x="838200" y="1039528"/>
+            <a:ext cx="7315200" cy="651160"/>
+          </a:xfrm>
+        </p:spPr>
+        <p:txBody>
+          <a:bodyPr>
+            <a:normAutofit fontScale="90000"/>
+          </a:bodyPr>
+          <a:lstStyle/>
+          <a:p>
+            <a:r>
+              <a:rPr lang="ru-RU" b="1" dirty="0">
+                <a:solidFill>
+                  <a:srgbClr val="326CDB"/>
+                </a:solidFill>
+                <a:latin typeface="Montserrat" panose="00000500000000000000" pitchFamily="2" charset="0"/>
+                <a:cs typeface="Arial" panose="020B0604020202020204" pitchFamily="34" charset="0"/>
+              </a:rPr>
+              <a:t>Список использованных источников</a:t>
+            </a:r>
+          </a:p>
+        </p:txBody>
+      </p:sp>
+      <p:sp>
+        <p:nvSpPr>
+          <p:cNvPr id="3" name="Объект 2"/>
+          <p:cNvSpPr>
+            <a:spLocks noGrp="1"/>
+          </p:cNvSpPr>
+          <p:nvPr>
+            <p:ph idx="1"/>
+          </p:nvPr>
+        </p:nvSpPr>
+        <p:spPr/>
+        <p:txBody>
+          <a:bodyPr anchor="ctr">
+            <a:normAutofit/>
+          </a:bodyPr>
+          <a:lstStyle/>
+          <a:p>
+            <a:pPr>
+              <a:lnSpc>
+                <a:spcPct val="150000"/>
+              </a:lnSpc>
+            </a:pPr>
+            <a:r>
+              <a:rPr lang="ru-RU" sz="1500" dirty="0"/>
+              <a:t>Асташова У. В.</a:t>
+            </a:r>
+            <a:r>
+              <a:rPr lang="ru-RU" sz="1500" i="1" dirty="0"/>
+              <a:t> Проект и управление проектом: российская специфика</a:t>
+            </a:r>
+            <a:r>
+              <a:rPr lang="ru-RU" sz="1500" dirty="0"/>
+              <a:t>. — [Электронный ресурс]. — Режим доступа: </a:t>
+            </a:r>
+            <a:r>
+              <a:rPr lang="ru-RU" sz="1500" dirty="0">
+                <a:hlinkClick r:id="rId3"/>
+              </a:rPr>
+              <a:t>https://cyberleninka.ru/article/n/proekt-i-upravlenie-proektom-rossiyskaya-spetsifika </a:t>
+            </a:r>
+            <a:r>
+              <a:rPr lang="ru-RU" sz="1500" b="1" dirty="0"/>
+              <a:t>(Дата обращения: 01.10.2024 г.)</a:t>
+            </a:r>
+          </a:p>
+          <a:p>
+            <a:pPr>
+              <a:lnSpc>
+                <a:spcPct val="150000"/>
+              </a:lnSpc>
+            </a:pPr>
+            <a:r>
+              <a:rPr lang="ru-RU" sz="1500" i="1" dirty="0"/>
+              <a:t>Затраты проекта.</a:t>
+            </a:r>
+            <a:r>
+              <a:rPr lang="ru-RU" sz="1500" dirty="0"/>
+              <a:t> — [Электронный ресурс]. — Режим доступа: </a:t>
+            </a:r>
+            <a:r>
+              <a:rPr lang="ru-RU" sz="1500" dirty="0">
+                <a:hlinkClick r:id="rId4"/>
+              </a:rPr>
+              <a:t>https://eopearhiiv.edu.ee/e-kursused/eucip/juhtimine_vk/553__.html</a:t>
+            </a:r>
+            <a:r>
+              <a:rPr lang="ru-RU" sz="1500" dirty="0"/>
+              <a:t> </a:t>
+            </a:r>
+            <a:r>
+              <a:rPr lang="ru-RU" sz="1500" b="1" dirty="0"/>
+              <a:t>(Дата обращения: 01.10.2024 г.)</a:t>
+            </a:r>
+          </a:p>
+          <a:p>
+            <a:pPr algn="l">
+              <a:lnSpc>
+                <a:spcPct val="150000"/>
+              </a:lnSpc>
+            </a:pPr>
+            <a:r>
+              <a:rPr lang="ru-RU" sz="1500" b="0" i="0" u="none" strike="noStrike" baseline="0" dirty="0"/>
+              <a:t>Овчаров С. И, Бражников М. А. </a:t>
+            </a:r>
+            <a:r>
+              <a:rPr lang="ru-RU" sz="1500" b="0" i="1" u="none" strike="noStrike" baseline="0" dirty="0"/>
+              <a:t>Оценка эксплуатационных затрат проекта.</a:t>
+            </a:r>
+            <a:r>
+              <a:rPr lang="ru-RU" sz="1500" b="0" i="0" u="none" strike="noStrike" baseline="0" dirty="0"/>
+              <a:t> — [Электронный ресурс]. — Режим </a:t>
+            </a:r>
+            <a:r>
+              <a:rPr lang="ru-RU" sz="1500" b="0" i="0" u="none" strike="noStrike" baseline="0"/>
+              <a:t>доступа: </a:t>
+            </a:r>
+            <a:r>
+              <a:rPr lang="en-US" sz="1500" b="0" i="0" u="none" strike="noStrike" baseline="0">
+                <a:hlinkClick r:id="rId5"/>
+              </a:rPr>
+              <a:t>https</a:t>
+            </a:r>
+            <a:r>
+              <a:rPr lang="en-US" sz="1500" b="0" i="0" u="none" strike="noStrike" baseline="0" dirty="0">
+                <a:hlinkClick r:id="rId5"/>
+              </a:rPr>
+              <a:t>://cyberleninka.ru/article/n/otsenka-ekspluatatsionnyh-zatrat-proekta</a:t>
+            </a:r>
+            <a:r>
+              <a:rPr lang="ru-RU" sz="1500" b="0" i="0" u="none" strike="noStrike" baseline="0" dirty="0"/>
+              <a:t>             </a:t>
+            </a:r>
+            <a:r>
+              <a:rPr lang="en-US" sz="1500" b="1" i="0" u="none" strike="noStrike" baseline="0" dirty="0"/>
+              <a:t>(</a:t>
+            </a:r>
+            <a:r>
+              <a:rPr lang="ru-RU" sz="1500" b="1" i="0" u="none" strike="noStrike" baseline="0" dirty="0"/>
+              <a:t>Дата обращения: 01.10.2024 г.)</a:t>
+            </a:r>
+            <a:endParaRPr lang="ru-RU" sz="1500" b="1" dirty="0"/>
+          </a:p>
+        </p:txBody>
+      </p:sp>
+      <p:sp>
+        <p:nvSpPr>
+          <p:cNvPr id="4" name="Нижний колонтитул 3"/>
+          <p:cNvSpPr>
+            <a:spLocks noGrp="1"/>
+          </p:cNvSpPr>
+          <p:nvPr>
+            <p:ph type="ftr" sz="quarter" idx="11"/>
+          </p:nvPr>
+        </p:nvSpPr>
+        <p:spPr/>
+        <p:txBody>
+          <a:bodyPr/>
+          <a:lstStyle/>
+          <a:p>
+            <a:r>
+              <a:rPr lang="ru-RU" dirty="0">
+                <a:latin typeface="Montserrat" panose="00000500000000000000" pitchFamily="2" charset="0"/>
+                <a:cs typeface="Arial" panose="020B0604020202020204" pitchFamily="34" charset="0"/>
+              </a:rPr>
+              <a:t>МГТУ им. Н.Э. Баумана, ИУ7 – «Программное обеспечение ЭВМ и информационные технологии»</a:t>
+            </a:r>
+          </a:p>
+        </p:txBody>
+      </p:sp>
+      <p:sp>
+        <p:nvSpPr>
+          <p:cNvPr id="5" name="Номер слайда 4"/>
+          <p:cNvSpPr>
+            <a:spLocks noGrp="1"/>
+          </p:cNvSpPr>
+          <p:nvPr>
+            <p:ph type="sldNum" sz="quarter" idx="12"/>
+          </p:nvPr>
+        </p:nvSpPr>
+        <p:spPr/>
+        <p:txBody>
+          <a:bodyPr/>
+          <a:lstStyle/>
+          <a:p>
+            <a:fld id="{9415E33C-F962-4E59-AF47-C3576160EA36}" type="slidenum">
+              <a:rPr lang="ru-RU" smtClean="0"/>
+              <a:t>14</a:t>
+            </a:fld>
+            <a:endParaRPr lang="ru-RU"/>
+          </a:p>
+        </p:txBody>
+      </p:sp>
+      <p:pic>
+        <p:nvPicPr>
+          <p:cNvPr id="7" name="Picture 2" descr="image">
+            <a:extLst>
+              <a:ext uri="{FF2B5EF4-FFF2-40B4-BE49-F238E27FC236}">
+                <a16:creationId xmlns:a16="http://schemas.microsoft.com/office/drawing/2014/main" id="{CFC6836E-3700-421C-8822-6708949CADCA}"/>
+              </a:ext>
+            </a:extLst>
+          </p:cNvPr>
+          <p:cNvPicPr>
+            <a:picLocks noChangeAspect="1" noChangeArrowheads="1"/>
+          </p:cNvPicPr>
+          <p:nvPr/>
+        </p:nvPicPr>
+        <p:blipFill>
+          <a:blip r:embed="rId6" cstate="print">
+            <a:extLst>
+              <a:ext uri="{28A0092B-C50C-407E-A947-70E740481C1C}">
+                <a14:useLocalDpi xmlns:a14="http://schemas.microsoft.com/office/drawing/2010/main" val="0"/>
+              </a:ext>
+            </a:extLst>
+          </a:blip>
+          <a:srcRect/>
+          <a:stretch>
+            <a:fillRect/>
+          </a:stretch>
+        </p:blipFill>
+        <p:spPr bwMode="auto">
+          <a:xfrm>
+            <a:off x="10193246" y="360436"/>
+            <a:ext cx="1520954" cy="1520954"/>
+          </a:xfrm>
+          <a:prstGeom prst="rect">
+            <a:avLst/>
+          </a:prstGeom>
+          <a:noFill/>
+          <a:extLst>
+            <a:ext uri="{909E8E84-426E-40DD-AFC4-6F175D3DCCD1}">
+              <a14:hiddenFill xmlns:a14="http://schemas.microsoft.com/office/drawing/2010/main">
+                <a:solidFill>
+                  <a:srgbClr val="FFFFFF"/>
+                </a:solidFill>
+              </a14:hiddenFill>
+            </a:ext>
+          </a:extLst>
+        </p:spPr>
+      </p:pic>
+    </p:spTree>
+    <p:extLst>
+      <p:ext uri="{BB962C8B-B14F-4D97-AF65-F5344CB8AC3E}">
+        <p14:creationId xmlns:p14="http://schemas.microsoft.com/office/powerpoint/2010/main" val="2023720995"/>
+      </p:ext>
+    </p:extLst>
+  </p:cSld>
+  <p:clrMapOvr>
+    <a:masterClrMapping/>
+  </p:clrMapOvr>
+</p:sld>
+</file>
+
+<file path=ppt/slides/slide15.xml><?xml version="1.0" encoding="utf-8"?>
+<p:sld xmlns:a="http://schemas.openxmlformats.org/drawingml/2006/main" xmlns:r="http://schemas.openxmlformats.org/officeDocument/2006/relationships" xmlns:p="http://schemas.openxmlformats.org/presentationml/2006/main">
+  <p:cSld>
+    <p:spTree>
+      <p:nvGrpSpPr>
+        <p:cNvPr id="1" name=""/>
+        <p:cNvGrpSpPr/>
+        <p:nvPr/>
+      </p:nvGrpSpPr>
+      <p:grpSpPr>
+        <a:xfrm>
+          <a:off x="0" y="0"/>
+          <a:ext cx="0" cy="0"/>
+          <a:chOff x="0" y="0"/>
+          <a:chExt cx="0" cy="0"/>
+        </a:xfrm>
+      </p:grpSpPr>
+      <p:sp>
+        <p:nvSpPr>
           <p:cNvPr id="3" name="Объект 2"/>
           <p:cNvSpPr>
             <a:spLocks noGrp="1"/>
@@ -8837,7 +9245,7 @@
           <a:p>
             <a:fld id="{9415E33C-F962-4E59-AF47-C3576160EA36}" type="slidenum">
               <a:rPr lang="ru-RU" smtClean="0"/>
-              <a:t>14</a:t>
+              <a:t>15</a:t>
             </a:fld>
             <a:endParaRPr lang="ru-RU"/>
           </a:p>
